--- a/5 Presentations/UCONN 2022.pptx
+++ b/5 Presentations/UCONN 2022.pptx
@@ -21,21 +21,22 @@
     <p:sldId id="264" r:id="rId15"/>
     <p:sldId id="265" r:id="rId16"/>
     <p:sldId id="300" r:id="rId17"/>
-    <p:sldId id="270" r:id="rId18"/>
-    <p:sldId id="275" r:id="rId19"/>
-    <p:sldId id="278" r:id="rId20"/>
-    <p:sldId id="280" r:id="rId21"/>
-    <p:sldId id="281" r:id="rId22"/>
-    <p:sldId id="284" r:id="rId23"/>
-    <p:sldId id="287" r:id="rId24"/>
-    <p:sldId id="282" r:id="rId25"/>
-    <p:sldId id="283" r:id="rId26"/>
-    <p:sldId id="301" r:id="rId27"/>
-    <p:sldId id="286" r:id="rId28"/>
-    <p:sldId id="285" r:id="rId29"/>
-    <p:sldId id="277" r:id="rId30"/>
-    <p:sldId id="297" r:id="rId31"/>
-    <p:sldId id="296" r:id="rId32"/>
+    <p:sldId id="302" r:id="rId18"/>
+    <p:sldId id="270" r:id="rId19"/>
+    <p:sldId id="275" r:id="rId20"/>
+    <p:sldId id="278" r:id="rId21"/>
+    <p:sldId id="280" r:id="rId22"/>
+    <p:sldId id="281" r:id="rId23"/>
+    <p:sldId id="284" r:id="rId24"/>
+    <p:sldId id="287" r:id="rId25"/>
+    <p:sldId id="282" r:id="rId26"/>
+    <p:sldId id="283" r:id="rId27"/>
+    <p:sldId id="301" r:id="rId28"/>
+    <p:sldId id="286" r:id="rId29"/>
+    <p:sldId id="285" r:id="rId30"/>
+    <p:sldId id="277" r:id="rId31"/>
+    <p:sldId id="297" r:id="rId32"/>
+    <p:sldId id="296" r:id="rId33"/>
   </p:sldIdLst>
   <p:sldSz cx="9144000" cy="6858000" type="screen4x3"/>
   <p:notesSz cx="6858000" cy="9144000"/>
@@ -140,6 +141,325 @@
     </p:ext>
   </p:extLst>
 </p:presentation>
+</file>
+
+<file path=ppt/revisionInfo.xml><?xml version="1.0" encoding="utf-8"?>
+<p1510:revInfo xmlns:a="http://schemas.openxmlformats.org/drawingml/2006/main" xmlns:r="http://schemas.openxmlformats.org/officeDocument/2006/relationships" xmlns:p1510="http://schemas.microsoft.com/office/powerpoint/2015/10/main">
+  <p1510:revLst>
+    <p1510:client id="{30A3553E-45A8-4B50-A161-B648601B4D3D}" v="848" dt="2022-10-04T16:51:02.940"/>
+  </p1510:revLst>
+</p1510:revInfo>
+</file>
+
+<file path=ppt/changesInfos/changesInfo1.xml><?xml version="1.0" encoding="utf-8"?>
+<pc:chgInfo xmlns:a="http://schemas.openxmlformats.org/drawingml/2006/main" xmlns:r="http://schemas.openxmlformats.org/officeDocument/2006/relationships" xmlns:ac="http://schemas.microsoft.com/office/drawing/2013/main/command" xmlns:pc="http://schemas.microsoft.com/office/powerpoint/2013/main/command">
+  <pc:docChgLst>
+    <pc:chgData name="Nick Maxwell" userId="8614ede61265de7b" providerId="LiveId" clId="{30A3553E-45A8-4B50-A161-B648601B4D3D}"/>
+    <pc:docChg chg="custSel addSld modSld sldOrd">
+      <pc:chgData name="Nick Maxwell" userId="8614ede61265de7b" providerId="LiveId" clId="{30A3553E-45A8-4B50-A161-B648601B4D3D}" dt="2022-10-04T16:53:36.302" v="1710" actId="20577"/>
+      <pc:docMkLst>
+        <pc:docMk/>
+      </pc:docMkLst>
+      <pc:sldChg chg="modSp mod modAnim">
+        <pc:chgData name="Nick Maxwell" userId="8614ede61265de7b" providerId="LiveId" clId="{30A3553E-45A8-4B50-A161-B648601B4D3D}" dt="2022-10-04T16:42:18.831" v="1364" actId="207"/>
+        <pc:sldMkLst>
+          <pc:docMk/>
+          <pc:sldMk cId="587679051" sldId="270"/>
+        </pc:sldMkLst>
+        <pc:spChg chg="mod">
+          <ac:chgData name="Nick Maxwell" userId="8614ede61265de7b" providerId="LiveId" clId="{30A3553E-45A8-4B50-A161-B648601B4D3D}" dt="2022-10-04T16:15:08.744" v="730" actId="20577"/>
+          <ac:spMkLst>
+            <pc:docMk/>
+            <pc:sldMk cId="587679051" sldId="270"/>
+            <ac:spMk id="2" creationId="{9035481F-A9A0-46D5-8981-541CB9E5DFAB}"/>
+          </ac:spMkLst>
+        </pc:spChg>
+        <pc:spChg chg="mod">
+          <ac:chgData name="Nick Maxwell" userId="8614ede61265de7b" providerId="LiveId" clId="{30A3553E-45A8-4B50-A161-B648601B4D3D}" dt="2022-10-04T16:42:18.831" v="1364" actId="207"/>
+          <ac:spMkLst>
+            <pc:docMk/>
+            <pc:sldMk cId="587679051" sldId="270"/>
+            <ac:spMk id="3" creationId="{DA555F30-6EA4-4842-A65B-37DDA9BFF014}"/>
+          </ac:spMkLst>
+        </pc:spChg>
+      </pc:sldChg>
+      <pc:sldChg chg="modSp mod modAnim">
+        <pc:chgData name="Nick Maxwell" userId="8614ede61265de7b" providerId="LiveId" clId="{30A3553E-45A8-4B50-A161-B648601B4D3D}" dt="2022-10-04T16:46:29.166" v="1569"/>
+        <pc:sldMkLst>
+          <pc:docMk/>
+          <pc:sldMk cId="183757981" sldId="276"/>
+        </pc:sldMkLst>
+        <pc:spChg chg="mod">
+          <ac:chgData name="Nick Maxwell" userId="8614ede61265de7b" providerId="LiveId" clId="{30A3553E-45A8-4B50-A161-B648601B4D3D}" dt="2022-10-04T16:45:41.943" v="1565" actId="27636"/>
+          <ac:spMkLst>
+            <pc:docMk/>
+            <pc:sldMk cId="183757981" sldId="276"/>
+            <ac:spMk id="3" creationId="{90B41EC0-F262-275F-819D-8A7F127A272E}"/>
+          </ac:spMkLst>
+        </pc:spChg>
+      </pc:sldChg>
+      <pc:sldChg chg="modSp mod">
+        <pc:chgData name="Nick Maxwell" userId="8614ede61265de7b" providerId="LiveId" clId="{30A3553E-45A8-4B50-A161-B648601B4D3D}" dt="2022-10-04T16:27:13.544" v="1325" actId="20577"/>
+        <pc:sldMkLst>
+          <pc:docMk/>
+          <pc:sldMk cId="2510830952" sldId="277"/>
+        </pc:sldMkLst>
+        <pc:spChg chg="mod">
+          <ac:chgData name="Nick Maxwell" userId="8614ede61265de7b" providerId="LiveId" clId="{30A3553E-45A8-4B50-A161-B648601B4D3D}" dt="2022-10-04T16:27:13.544" v="1325" actId="20577"/>
+          <ac:spMkLst>
+            <pc:docMk/>
+            <pc:sldMk cId="2510830952" sldId="277"/>
+            <ac:spMk id="3" creationId="{230E2F2D-D106-95EA-E18E-0D7D459DA9A1}"/>
+          </ac:spMkLst>
+        </pc:spChg>
+      </pc:sldChg>
+      <pc:sldChg chg="modSp mod">
+        <pc:chgData name="Nick Maxwell" userId="8614ede61265de7b" providerId="LiveId" clId="{30A3553E-45A8-4B50-A161-B648601B4D3D}" dt="2022-10-04T16:53:36.302" v="1710" actId="20577"/>
+        <pc:sldMkLst>
+          <pc:docMk/>
+          <pc:sldMk cId="1290418616" sldId="283"/>
+        </pc:sldMkLst>
+        <pc:spChg chg="mod">
+          <ac:chgData name="Nick Maxwell" userId="8614ede61265de7b" providerId="LiveId" clId="{30A3553E-45A8-4B50-A161-B648601B4D3D}" dt="2022-10-04T16:53:36.302" v="1710" actId="20577"/>
+          <ac:spMkLst>
+            <pc:docMk/>
+            <pc:sldMk cId="1290418616" sldId="283"/>
+            <ac:spMk id="2" creationId="{9035481F-A9A0-46D5-8981-541CB9E5DFAB}"/>
+          </ac:spMkLst>
+        </pc:spChg>
+        <pc:spChg chg="mod">
+          <ac:chgData name="Nick Maxwell" userId="8614ede61265de7b" providerId="LiveId" clId="{30A3553E-45A8-4B50-A161-B648601B4D3D}" dt="2022-10-04T16:22:31.476" v="1203" actId="20577"/>
+          <ac:spMkLst>
+            <pc:docMk/>
+            <pc:sldMk cId="1290418616" sldId="283"/>
+            <ac:spMk id="3" creationId="{DA555F30-6EA4-4842-A65B-37DDA9BFF014}"/>
+          </ac:spMkLst>
+        </pc:spChg>
+      </pc:sldChg>
+      <pc:sldChg chg="modSp modAnim">
+        <pc:chgData name="Nick Maxwell" userId="8614ede61265de7b" providerId="LiveId" clId="{30A3553E-45A8-4B50-A161-B648601B4D3D}" dt="2022-10-04T16:11:58.464" v="438" actId="20577"/>
+        <pc:sldMkLst>
+          <pc:docMk/>
+          <pc:sldMk cId="4269475149" sldId="285"/>
+        </pc:sldMkLst>
+        <pc:spChg chg="mod">
+          <ac:chgData name="Nick Maxwell" userId="8614ede61265de7b" providerId="LiveId" clId="{30A3553E-45A8-4B50-A161-B648601B4D3D}" dt="2022-10-04T16:11:58.464" v="438" actId="20577"/>
+          <ac:spMkLst>
+            <pc:docMk/>
+            <pc:sldMk cId="4269475149" sldId="285"/>
+            <ac:spMk id="3" creationId="{DA555F30-6EA4-4842-A65B-37DDA9BFF014}"/>
+          </ac:spMkLst>
+        </pc:spChg>
+      </pc:sldChg>
+      <pc:sldChg chg="modSp">
+        <pc:chgData name="Nick Maxwell" userId="8614ede61265de7b" providerId="LiveId" clId="{30A3553E-45A8-4B50-A161-B648601B4D3D}" dt="2022-10-04T16:43:02.477" v="1417" actId="113"/>
+        <pc:sldMkLst>
+          <pc:docMk/>
+          <pc:sldMk cId="1212592624" sldId="286"/>
+        </pc:sldMkLst>
+        <pc:spChg chg="mod">
+          <ac:chgData name="Nick Maxwell" userId="8614ede61265de7b" providerId="LiveId" clId="{30A3553E-45A8-4B50-A161-B648601B4D3D}" dt="2022-10-04T16:43:02.477" v="1417" actId="113"/>
+          <ac:spMkLst>
+            <pc:docMk/>
+            <pc:sldMk cId="1212592624" sldId="286"/>
+            <ac:spMk id="3" creationId="{DA555F30-6EA4-4842-A65B-37DDA9BFF014}"/>
+          </ac:spMkLst>
+        </pc:spChg>
+      </pc:sldChg>
+      <pc:sldChg chg="modSp mod">
+        <pc:chgData name="Nick Maxwell" userId="8614ede61265de7b" providerId="LiveId" clId="{30A3553E-45A8-4B50-A161-B648601B4D3D}" dt="2022-10-04T16:33:41.661" v="1330" actId="113"/>
+        <pc:sldMkLst>
+          <pc:docMk/>
+          <pc:sldMk cId="2232264680" sldId="288"/>
+        </pc:sldMkLst>
+        <pc:spChg chg="mod">
+          <ac:chgData name="Nick Maxwell" userId="8614ede61265de7b" providerId="LiveId" clId="{30A3553E-45A8-4B50-A161-B648601B4D3D}" dt="2022-10-04T16:33:37.412" v="1328" actId="1036"/>
+          <ac:spMkLst>
+            <pc:docMk/>
+            <pc:sldMk cId="2232264680" sldId="288"/>
+            <ac:spMk id="2" creationId="{E79C27CE-C11C-4BE2-9ECB-03F6056AFCF7}"/>
+          </ac:spMkLst>
+        </pc:spChg>
+        <pc:spChg chg="mod">
+          <ac:chgData name="Nick Maxwell" userId="8614ede61265de7b" providerId="LiveId" clId="{30A3553E-45A8-4B50-A161-B648601B4D3D}" dt="2022-10-04T16:33:41.661" v="1330" actId="113"/>
+          <ac:spMkLst>
+            <pc:docMk/>
+            <pc:sldMk cId="2232264680" sldId="288"/>
+            <ac:spMk id="3" creationId="{CEB18CF3-6AA0-45F2-B3EE-E4649B07A1C0}"/>
+          </ac:spMkLst>
+        </pc:spChg>
+      </pc:sldChg>
+      <pc:sldChg chg="modSp mod">
+        <pc:chgData name="Nick Maxwell" userId="8614ede61265de7b" providerId="LiveId" clId="{30A3553E-45A8-4B50-A161-B648601B4D3D}" dt="2022-10-04T16:08:38.866" v="189" actId="20577"/>
+        <pc:sldMkLst>
+          <pc:docMk/>
+          <pc:sldMk cId="3765541707" sldId="289"/>
+        </pc:sldMkLst>
+        <pc:spChg chg="mod">
+          <ac:chgData name="Nick Maxwell" userId="8614ede61265de7b" providerId="LiveId" clId="{30A3553E-45A8-4B50-A161-B648601B4D3D}" dt="2022-10-04T16:08:38.866" v="189" actId="20577"/>
+          <ac:spMkLst>
+            <pc:docMk/>
+            <pc:sldMk cId="3765541707" sldId="289"/>
+            <ac:spMk id="3" creationId="{DA555F30-6EA4-4842-A65B-37DDA9BFF014}"/>
+          </ac:spMkLst>
+        </pc:spChg>
+      </pc:sldChg>
+      <pc:sldChg chg="modSp mod">
+        <pc:chgData name="Nick Maxwell" userId="8614ede61265de7b" providerId="LiveId" clId="{30A3553E-45A8-4B50-A161-B648601B4D3D}" dt="2022-10-04T16:08:55.153" v="215" actId="20577"/>
+        <pc:sldMkLst>
+          <pc:docMk/>
+          <pc:sldMk cId="1424574430" sldId="295"/>
+        </pc:sldMkLst>
+        <pc:spChg chg="mod">
+          <ac:chgData name="Nick Maxwell" userId="8614ede61265de7b" providerId="LiveId" clId="{30A3553E-45A8-4B50-A161-B648601B4D3D}" dt="2022-10-04T16:08:55.153" v="215" actId="20577"/>
+          <ac:spMkLst>
+            <pc:docMk/>
+            <pc:sldMk cId="1424574430" sldId="295"/>
+            <ac:spMk id="2" creationId="{9035481F-A9A0-46D5-8981-541CB9E5DFAB}"/>
+          </ac:spMkLst>
+        </pc:spChg>
+      </pc:sldChg>
+      <pc:sldChg chg="addSp modSp mod modAnim">
+        <pc:chgData name="Nick Maxwell" userId="8614ede61265de7b" providerId="LiveId" clId="{30A3553E-45A8-4B50-A161-B648601B4D3D}" dt="2022-10-04T16:51:10.357" v="1706" actId="20577"/>
+        <pc:sldMkLst>
+          <pc:docMk/>
+          <pc:sldMk cId="3830733171" sldId="296"/>
+        </pc:sldMkLst>
+        <pc:spChg chg="add mod">
+          <ac:chgData name="Nick Maxwell" userId="8614ede61265de7b" providerId="LiveId" clId="{30A3553E-45A8-4B50-A161-B648601B4D3D}" dt="2022-10-04T16:51:10.357" v="1706" actId="20577"/>
+          <ac:spMkLst>
+            <pc:docMk/>
+            <pc:sldMk cId="3830733171" sldId="296"/>
+            <ac:spMk id="2" creationId="{511D24FB-0CB4-75A8-E22C-F6478CDC5D1D}"/>
+          </ac:spMkLst>
+        </pc:spChg>
+        <pc:spChg chg="mod">
+          <ac:chgData name="Nick Maxwell" userId="8614ede61265de7b" providerId="LiveId" clId="{30A3553E-45A8-4B50-A161-B648601B4D3D}" dt="2022-10-04T16:51:06.175" v="1705" actId="1076"/>
+          <ac:spMkLst>
+            <pc:docMk/>
+            <pc:sldMk cId="3830733171" sldId="296"/>
+            <ac:spMk id="3" creationId="{230E2F2D-D106-95EA-E18E-0D7D459DA9A1}"/>
+          </ac:spMkLst>
+        </pc:spChg>
+        <pc:spChg chg="mod">
+          <ac:chgData name="Nick Maxwell" userId="8614ede61265de7b" providerId="LiveId" clId="{30A3553E-45A8-4B50-A161-B648601B4D3D}" dt="2022-10-04T16:50:53.242" v="1703" actId="1076"/>
+          <ac:spMkLst>
+            <pc:docMk/>
+            <pc:sldMk cId="3830733171" sldId="296"/>
+            <ac:spMk id="4" creationId="{6E1D89CB-EEA0-12EE-199A-2739308C8C8B}"/>
+          </ac:spMkLst>
+        </pc:spChg>
+      </pc:sldChg>
+      <pc:sldChg chg="addSp modSp mod">
+        <pc:chgData name="Nick Maxwell" userId="8614ede61265de7b" providerId="LiveId" clId="{30A3553E-45A8-4B50-A161-B648601B4D3D}" dt="2022-10-04T16:26:23.770" v="1250" actId="20577"/>
+        <pc:sldMkLst>
+          <pc:docMk/>
+          <pc:sldMk cId="455950836" sldId="297"/>
+        </pc:sldMkLst>
+        <pc:spChg chg="add mod">
+          <ac:chgData name="Nick Maxwell" userId="8614ede61265de7b" providerId="LiveId" clId="{30A3553E-45A8-4B50-A161-B648601B4D3D}" dt="2022-10-04T16:26:23.770" v="1250" actId="20577"/>
+          <ac:spMkLst>
+            <pc:docMk/>
+            <pc:sldMk cId="455950836" sldId="297"/>
+            <ac:spMk id="2" creationId="{9597A45F-32AF-3711-0048-DB893FD0BD17}"/>
+          </ac:spMkLst>
+        </pc:spChg>
+        <pc:spChg chg="mod">
+          <ac:chgData name="Nick Maxwell" userId="8614ede61265de7b" providerId="LiveId" clId="{30A3553E-45A8-4B50-A161-B648601B4D3D}" dt="2022-10-04T16:12:59.950" v="532" actId="20577"/>
+          <ac:spMkLst>
+            <pc:docMk/>
+            <pc:sldMk cId="455950836" sldId="297"/>
+            <ac:spMk id="3" creationId="{230E2F2D-D106-95EA-E18E-0D7D459DA9A1}"/>
+          </ac:spMkLst>
+        </pc:spChg>
+        <pc:spChg chg="mod">
+          <ac:chgData name="Nick Maxwell" userId="8614ede61265de7b" providerId="LiveId" clId="{30A3553E-45A8-4B50-A161-B648601B4D3D}" dt="2022-10-04T16:13:29.222" v="566" actId="20577"/>
+          <ac:spMkLst>
+            <pc:docMk/>
+            <pc:sldMk cId="455950836" sldId="297"/>
+            <ac:spMk id="13" creationId="{B8C731E7-87E6-D4D4-930D-630DE8399438}"/>
+          </ac:spMkLst>
+        </pc:spChg>
+      </pc:sldChg>
+      <pc:sldChg chg="modSp mod">
+        <pc:chgData name="Nick Maxwell" userId="8614ede61265de7b" providerId="LiveId" clId="{30A3553E-45A8-4B50-A161-B648601B4D3D}" dt="2022-10-04T16:07:01.069" v="21" actId="20577"/>
+        <pc:sldMkLst>
+          <pc:docMk/>
+          <pc:sldMk cId="4193530982" sldId="298"/>
+        </pc:sldMkLst>
+        <pc:spChg chg="mod">
+          <ac:chgData name="Nick Maxwell" userId="8614ede61265de7b" providerId="LiveId" clId="{30A3553E-45A8-4B50-A161-B648601B4D3D}" dt="2022-10-04T16:06:47.343" v="12" actId="20577"/>
+          <ac:spMkLst>
+            <pc:docMk/>
+            <pc:sldMk cId="4193530982" sldId="298"/>
+            <ac:spMk id="2" creationId="{9035481F-A9A0-46D5-8981-541CB9E5DFAB}"/>
+          </ac:spMkLst>
+        </pc:spChg>
+        <pc:spChg chg="mod">
+          <ac:chgData name="Nick Maxwell" userId="8614ede61265de7b" providerId="LiveId" clId="{30A3553E-45A8-4B50-A161-B648601B4D3D}" dt="2022-10-04T16:07:01.069" v="21" actId="20577"/>
+          <ac:spMkLst>
+            <pc:docMk/>
+            <pc:sldMk cId="4193530982" sldId="298"/>
+            <ac:spMk id="3" creationId="{DA555F30-6EA4-4842-A65B-37DDA9BFF014}"/>
+          </ac:spMkLst>
+        </pc:spChg>
+      </pc:sldChg>
+      <pc:sldChg chg="modSp mod">
+        <pc:chgData name="Nick Maxwell" userId="8614ede61265de7b" providerId="LiveId" clId="{30A3553E-45A8-4B50-A161-B648601B4D3D}" dt="2022-10-04T16:07:16.313" v="46" actId="13926"/>
+        <pc:sldMkLst>
+          <pc:docMk/>
+          <pc:sldMk cId="2640648628" sldId="299"/>
+        </pc:sldMkLst>
+        <pc:spChg chg="mod">
+          <ac:chgData name="Nick Maxwell" userId="8614ede61265de7b" providerId="LiveId" clId="{30A3553E-45A8-4B50-A161-B648601B4D3D}" dt="2022-10-04T16:07:16.313" v="46" actId="13926"/>
+          <ac:spMkLst>
+            <pc:docMk/>
+            <pc:sldMk cId="2640648628" sldId="299"/>
+            <ac:spMk id="3" creationId="{DA555F30-6EA4-4842-A65B-37DDA9BFF014}"/>
+          </ac:spMkLst>
+        </pc:spChg>
+      </pc:sldChg>
+      <pc:sldChg chg="modSp modAnim">
+        <pc:chgData name="Nick Maxwell" userId="8614ede61265de7b" providerId="LiveId" clId="{30A3553E-45A8-4B50-A161-B648601B4D3D}" dt="2022-10-04T16:23:35.610" v="1243" actId="20577"/>
+        <pc:sldMkLst>
+          <pc:docMk/>
+          <pc:sldMk cId="3394718008" sldId="301"/>
+        </pc:sldMkLst>
+        <pc:spChg chg="mod">
+          <ac:chgData name="Nick Maxwell" userId="8614ede61265de7b" providerId="LiveId" clId="{30A3553E-45A8-4B50-A161-B648601B4D3D}" dt="2022-10-04T16:23:35.610" v="1243" actId="20577"/>
+          <ac:spMkLst>
+            <pc:docMk/>
+            <pc:sldMk cId="3394718008" sldId="301"/>
+            <ac:spMk id="3" creationId="{DA555F30-6EA4-4842-A65B-37DDA9BFF014}"/>
+          </ac:spMkLst>
+        </pc:spChg>
+      </pc:sldChg>
+      <pc:sldChg chg="modSp add mod ord modAnim">
+        <pc:chgData name="Nick Maxwell" userId="8614ede61265de7b" providerId="LiveId" clId="{30A3553E-45A8-4B50-A161-B648601B4D3D}" dt="2022-10-04T16:33:59.518" v="1331" actId="113"/>
+        <pc:sldMkLst>
+          <pc:docMk/>
+          <pc:sldMk cId="591413779" sldId="302"/>
+        </pc:sldMkLst>
+        <pc:spChg chg="mod">
+          <ac:chgData name="Nick Maxwell" userId="8614ede61265de7b" providerId="LiveId" clId="{30A3553E-45A8-4B50-A161-B648601B4D3D}" dt="2022-10-04T16:14:57.740" v="711" actId="20577"/>
+          <ac:spMkLst>
+            <pc:docMk/>
+            <pc:sldMk cId="591413779" sldId="302"/>
+            <ac:spMk id="2" creationId="{9035481F-A9A0-46D5-8981-541CB9E5DFAB}"/>
+          </ac:spMkLst>
+        </pc:spChg>
+        <pc:spChg chg="mod">
+          <ac:chgData name="Nick Maxwell" userId="8614ede61265de7b" providerId="LiveId" clId="{30A3553E-45A8-4B50-A161-B648601B4D3D}" dt="2022-10-04T16:33:59.518" v="1331" actId="113"/>
+          <ac:spMkLst>
+            <pc:docMk/>
+            <pc:sldMk cId="591413779" sldId="302"/>
+            <ac:spMk id="3" creationId="{DA555F30-6EA4-4842-A65B-37DDA9BFF014}"/>
+          </ac:spMkLst>
+        </pc:spChg>
+      </pc:sldChg>
+    </pc:docChg>
+  </pc:docChgLst>
+</pc:chgInfo>
 </file>
 
 <file path=ppt/slideLayouts/slideLayout1.xml><?xml version="1.0" encoding="utf-8"?>
@@ -4086,7 +4406,7 @@
         </p:nvSpPr>
         <p:spPr>
           <a:xfrm>
-            <a:off x="542925" y="105568"/>
+            <a:off x="542925" y="126349"/>
             <a:ext cx="8058150" cy="1325563"/>
           </a:xfrm>
         </p:spPr>
@@ -4131,7 +4451,19 @@
           <a:p>
             <a:r>
               <a:rPr lang="en-US" sz="2400" dirty="0"/>
-              <a:t>More comprehensive, especially with multiple responses</a:t>
+              <a:t>More </a:t>
+            </a:r>
+            <a:r>
+              <a:rPr lang="en-US" sz="2400" b="1" dirty="0"/>
+              <a:t>comprehensive</a:t>
+            </a:r>
+            <a:r>
+              <a:rPr lang="en-US" sz="2400" dirty="0"/>
+              <a:t>, especially with </a:t>
+            </a:r>
+            <a:r>
+              <a:rPr lang="en-US" sz="2400" b="1" dirty="0"/>
+              <a:t>multiple responses</a:t>
             </a:r>
           </a:p>
           <a:p>
@@ -4590,7 +4922,9 @@
         </p:nvSpPr>
         <p:spPr/>
         <p:txBody>
-          <a:bodyPr/>
+          <a:bodyPr>
+            <a:normAutofit lnSpcReduction="10000"/>
+          </a:bodyPr>
           <a:lstStyle/>
           <a:p>
             <a:r>
@@ -4643,6 +4977,13 @@
             </a:r>
           </a:p>
           <a:p>
+            <a:pPr lvl="2"/>
+            <a:r>
+              <a:rPr lang="en-US" dirty="0"/>
+              <a:t>Disregard ADJ, ADV, etc.</a:t>
+            </a:r>
+          </a:p>
+          <a:p>
             <a:pPr lvl="1"/>
             <a:endParaRPr lang="en-US" dirty="0"/>
           </a:p>
@@ -4656,6 +4997,17 @@
               </a:rPr>
               <a:t>Number of responses per item/Category size</a:t>
             </a:r>
+          </a:p>
+          <a:p>
+            <a:pPr lvl="2"/>
+            <a:r>
+              <a:rPr lang="en-US" dirty="0"/>
+              <a:t>Do some objects have a greater number of perceived uses?</a:t>
+            </a:r>
+          </a:p>
+          <a:p>
+            <a:pPr lvl="2"/>
+            <a:endParaRPr lang="en-US" dirty="0"/>
           </a:p>
           <a:p>
             <a:pPr lvl="1"/>
@@ -4730,33 +5082,15 @@
                                   </p:childTnLst>
                                 </p:cTn>
                               </p:par>
-                            </p:childTnLst>
-                          </p:cTn>
-                        </p:par>
-                      </p:childTnLst>
-                    </p:cTn>
-                  </p:par>
-                  <p:par>
-                    <p:cTn id="7" fill="hold">
-                      <p:stCondLst>
-                        <p:cond delay="indefinite"/>
-                      </p:stCondLst>
-                      <p:childTnLst>
-                        <p:par>
-                          <p:cTn id="8" fill="hold">
-                            <p:stCondLst>
-                              <p:cond delay="0"/>
-                            </p:stCondLst>
-                            <p:childTnLst>
                               <p:par>
-                                <p:cTn id="9" presetID="1" presetClass="entr" presetSubtype="0" fill="hold" nodeType="clickEffect">
+                                <p:cTn id="7" presetID="1" presetClass="entr" presetSubtype="0" fill="hold" nodeType="withEffect">
                                   <p:stCondLst>
                                     <p:cond delay="0"/>
                                   </p:stCondLst>
                                   <p:childTnLst>
                                     <p:set>
                                       <p:cBhvr>
-                                        <p:cTn id="10" dur="1" fill="hold">
+                                        <p:cTn id="8" dur="1" fill="hold">
                                           <p:stCondLst>
                                             <p:cond delay="0"/>
                                           </p:stCondLst>
@@ -4786,19 +5120,50 @@
                     </p:cTn>
                   </p:par>
                   <p:par>
-                    <p:cTn id="11" fill="hold">
+                    <p:cTn id="9" fill="hold">
                       <p:stCondLst>
                         <p:cond delay="indefinite"/>
                       </p:stCondLst>
                       <p:childTnLst>
                         <p:par>
-                          <p:cTn id="12" fill="hold">
+                          <p:cTn id="10" fill="hold">
                             <p:stCondLst>
                               <p:cond delay="0"/>
                             </p:stCondLst>
                             <p:childTnLst>
                               <p:par>
-                                <p:cTn id="13" presetID="1" presetClass="entr" presetSubtype="0" fill="hold" nodeType="clickEffect">
+                                <p:cTn id="11" presetID="1" presetClass="entr" presetSubtype="0" fill="hold" nodeType="clickEffect">
+                                  <p:stCondLst>
+                                    <p:cond delay="0"/>
+                                  </p:stCondLst>
+                                  <p:childTnLst>
+                                    <p:set>
+                                      <p:cBhvr>
+                                        <p:cTn id="12" dur="1" fill="hold">
+                                          <p:stCondLst>
+                                            <p:cond delay="0"/>
+                                          </p:stCondLst>
+                                        </p:cTn>
+                                        <p:tgtEl>
+                                          <p:spTgt spid="3">
+                                            <p:txEl>
+                                              <p:pRg st="5" end="5"/>
+                                            </p:txEl>
+                                          </p:spTgt>
+                                        </p:tgtEl>
+                                        <p:attrNameLst>
+                                          <p:attrName>style.visibility</p:attrName>
+                                        </p:attrNameLst>
+                                      </p:cBhvr>
+                                      <p:to>
+                                        <p:strVal val="visible"/>
+                                      </p:to>
+                                    </p:set>
+                                  </p:childTnLst>
+                                </p:cTn>
+                              </p:par>
+                              <p:par>
+                                <p:cTn id="13" presetID="1" presetClass="entr" presetSubtype="0" fill="hold" nodeType="withEffect">
                                   <p:stCondLst>
                                     <p:cond delay="0"/>
                                   </p:stCondLst>
@@ -4813,7 +5178,7 @@
                                         <p:tgtEl>
                                           <p:spTgt spid="3">
                                             <p:txEl>
-                                              <p:pRg st="5" end="5"/>
+                                              <p:pRg st="6" end="6"/>
                                             </p:txEl>
                                           </p:spTgt>
                                         </p:tgtEl>
@@ -4862,7 +5227,38 @@
                                         <p:tgtEl>
                                           <p:spTgt spid="3">
                                             <p:txEl>
-                                              <p:pRg st="7" end="7"/>
+                                              <p:pRg st="8" end="8"/>
+                                            </p:txEl>
+                                          </p:spTgt>
+                                        </p:tgtEl>
+                                        <p:attrNameLst>
+                                          <p:attrName>style.visibility</p:attrName>
+                                        </p:attrNameLst>
+                                      </p:cBhvr>
+                                      <p:to>
+                                        <p:strVal val="visible"/>
+                                      </p:to>
+                                    </p:set>
+                                  </p:childTnLst>
+                                </p:cTn>
+                              </p:par>
+                              <p:par>
+                                <p:cTn id="19" presetID="1" presetClass="entr" presetSubtype="0" fill="hold" nodeType="withEffect">
+                                  <p:stCondLst>
+                                    <p:cond delay="0"/>
+                                  </p:stCondLst>
+                                  <p:childTnLst>
+                                    <p:set>
+                                      <p:cBhvr>
+                                        <p:cTn id="20" dur="1" fill="hold">
+                                          <p:stCondLst>
+                                            <p:cond delay="0"/>
+                                          </p:stCondLst>
+                                        </p:cTn>
+                                        <p:tgtEl>
+                                          <p:spTgt spid="3">
+                                            <p:txEl>
+                                              <p:pRg st="9" end="9"/>
                                             </p:txEl>
                                           </p:spTgt>
                                         </p:tgtEl>
@@ -6228,7 +6624,7 @@
           <a:p>
             <a:r>
               <a:rPr lang="en-US" b="1" dirty="0"/>
-              <a:t>Data Processing</a:t>
+              <a:t>Data Processing – Challenges</a:t>
             </a:r>
           </a:p>
         </p:txBody>
@@ -6257,23 +6653,168 @@
         </p:spPr>
         <p:txBody>
           <a:bodyPr>
-            <a:normAutofit/>
+            <a:normAutofit fontScale="92500" lnSpcReduction="10000"/>
           </a:bodyPr>
           <a:lstStyle/>
           <a:p>
             <a:r>
               <a:rPr lang="en-US" dirty="0"/>
+              <a:t>Extreme variability in response format</a:t>
+            </a:r>
+          </a:p>
+          <a:p>
+            <a:endParaRPr lang="en-US" dirty="0"/>
+          </a:p>
+          <a:p>
+            <a:r>
+              <a:rPr lang="en-US" b="1" dirty="0"/>
+              <a:t>Example</a:t>
+            </a:r>
+            <a:r>
+              <a:rPr lang="en-US" dirty="0"/>
+              <a:t>: Cup</a:t>
+            </a:r>
+          </a:p>
+          <a:p>
+            <a:endParaRPr lang="en-US" dirty="0"/>
+          </a:p>
+          <a:p>
+            <a:r>
+              <a:rPr lang="en-US" b="1" dirty="0"/>
+              <a:t>Responses: </a:t>
+            </a:r>
+            <a:r>
+              <a:rPr lang="en-US" dirty="0"/>
+              <a:t>Drink; Drink From, Drinking, You can drink from it, etc.</a:t>
+            </a:r>
+          </a:p>
+          <a:p>
+            <a:endParaRPr lang="en-US" dirty="0"/>
+          </a:p>
+          <a:p>
+            <a:r>
+              <a:rPr lang="en-US" dirty="0"/>
+              <a:t>All mean the same thing! But the format is very different.</a:t>
+            </a:r>
+          </a:p>
+          <a:p>
+            <a:endParaRPr lang="en-US" dirty="0"/>
+          </a:p>
+          <a:p>
+            <a:r>
+              <a:rPr lang="en-US" dirty="0"/>
+              <a:t>Response format must be standardized </a:t>
+            </a:r>
+            <a:r>
+              <a:rPr lang="en-US" b="1" dirty="0"/>
+              <a:t>BEFORE</a:t>
+            </a:r>
+            <a:r>
+              <a:rPr lang="en-US" dirty="0"/>
+              <a:t> analysis! </a:t>
+            </a:r>
+          </a:p>
+        </p:txBody>
+      </p:sp>
+    </p:spTree>
+    <p:extLst>
+      <p:ext uri="{BB962C8B-B14F-4D97-AF65-F5344CB8AC3E}">
+        <p14:creationId xmlns:p14="http://schemas.microsoft.com/office/powerpoint/2010/main" val="591413779"/>
+      </p:ext>
+    </p:extLst>
+  </p:cSld>
+  <p:clrMapOvr>
+    <a:masterClrMapping/>
+  </p:clrMapOvr>
+</p:sld>
+</file>
+
+<file path=ppt/slides/slide18.xml><?xml version="1.0" encoding="utf-8"?>
+<p:sld xmlns:a="http://schemas.openxmlformats.org/drawingml/2006/main" xmlns:r="http://schemas.openxmlformats.org/officeDocument/2006/relationships" xmlns:p="http://schemas.openxmlformats.org/presentationml/2006/main">
+  <p:cSld>
+    <p:spTree>
+      <p:nvGrpSpPr>
+        <p:cNvPr id="1" name=""/>
+        <p:cNvGrpSpPr/>
+        <p:nvPr/>
+      </p:nvGrpSpPr>
+      <p:grpSpPr>
+        <a:xfrm>
+          <a:off x="0" y="0"/>
+          <a:ext cx="0" cy="0"/>
+          <a:chOff x="0" y="0"/>
+          <a:chExt cx="0" cy="0"/>
+        </a:xfrm>
+      </p:grpSpPr>
+      <p:sp>
+        <p:nvSpPr>
+          <p:cNvPr id="2" name="Title 1">
+            <a:extLst>
+              <a:ext uri="{FF2B5EF4-FFF2-40B4-BE49-F238E27FC236}">
+                <a16:creationId xmlns:a16="http://schemas.microsoft.com/office/drawing/2014/main" id="{9035481F-A9A0-46D5-8981-541CB9E5DFAB}"/>
+              </a:ext>
+            </a:extLst>
+          </p:cNvPr>
+          <p:cNvSpPr>
+            <a:spLocks noGrp="1"/>
+          </p:cNvSpPr>
+          <p:nvPr>
+            <p:ph type="title"/>
+          </p:nvPr>
+        </p:nvSpPr>
+        <p:spPr/>
+        <p:txBody>
+          <a:bodyPr/>
+          <a:lstStyle/>
+          <a:p>
+            <a:r>
+              <a:rPr lang="en-US" b="1" dirty="0"/>
+              <a:t>Data Processing – Procedure</a:t>
+            </a:r>
+          </a:p>
+        </p:txBody>
+      </p:sp>
+      <p:sp>
+        <p:nvSpPr>
+          <p:cNvPr id="3" name="Content Placeholder 2">
+            <a:extLst>
+              <a:ext uri="{FF2B5EF4-FFF2-40B4-BE49-F238E27FC236}">
+                <a16:creationId xmlns:a16="http://schemas.microsoft.com/office/drawing/2014/main" id="{DA555F30-6EA4-4842-A65B-37DDA9BFF014}"/>
+              </a:ext>
+            </a:extLst>
+          </p:cNvPr>
+          <p:cNvSpPr>
+            <a:spLocks noGrp="1"/>
+          </p:cNvSpPr>
+          <p:nvPr>
+            <p:ph idx="1"/>
+          </p:nvPr>
+        </p:nvSpPr>
+        <p:spPr>
+          <a:xfrm>
+            <a:off x="531114" y="1508632"/>
+            <a:ext cx="7886700" cy="4984241"/>
+          </a:xfrm>
+        </p:spPr>
+        <p:txBody>
+          <a:bodyPr>
+            <a:normAutofit lnSpcReduction="10000"/>
+          </a:bodyPr>
+          <a:lstStyle/>
+          <a:p>
+            <a:r>
+              <a:rPr lang="en-US" b="1" dirty="0"/>
               <a:t>Cleaned in </a:t>
             </a:r>
             <a:r>
-              <a:rPr lang="en-US" i="1" dirty="0"/>
+              <a:rPr lang="en-US" b="1" i="1" dirty="0"/>
               <a:t>R</a:t>
             </a:r>
             <a:r>
-              <a:rPr lang="en-US" dirty="0"/>
+              <a:rPr lang="en-US" b="1" dirty="0"/>
               <a:t> following Buchanan et al.’s (2020) guidelines:</a:t>
             </a:r>
-            <a:endParaRPr lang="en-US" i="1" dirty="0"/>
+            <a:endParaRPr lang="en-US" b="1" i="1" dirty="0"/>
           </a:p>
           <a:p>
             <a:pPr lvl="1"/>
@@ -6328,16 +6869,20 @@
           </a:p>
           <a:p>
             <a:r>
+              <a:rPr lang="en-US" b="1" dirty="0"/>
+              <a:t>POS Tagging and Lemmatization with </a:t>
+            </a:r>
+            <a:r>
+              <a:rPr lang="en-US" b="1" i="1" dirty="0" err="1"/>
+              <a:t>Udpipe</a:t>
+            </a:r>
+            <a:r>
+              <a:rPr lang="en-US" b="1" dirty="0"/>
+              <a:t> package</a:t>
+            </a:r>
+            <a:r>
               <a:rPr lang="en-US" dirty="0"/>
-              <a:t>POS Tagging and Lemmatization with </a:t>
-            </a:r>
-            <a:r>
-              <a:rPr lang="en-US" i="1" dirty="0" err="1"/>
-              <a:t>Udpipe</a:t>
-            </a:r>
-            <a:r>
-              <a:rPr lang="en-US" dirty="0"/>
-              <a:t> package </a:t>
+              <a:t> </a:t>
             </a:r>
             <a:r>
               <a:rPr lang="en-US" sz="2000" dirty="0"/>
@@ -6355,8 +6900,16 @@
           <a:p>
             <a:pPr lvl="1"/>
             <a:r>
+              <a:rPr lang="en-US" b="1" dirty="0">
+                <a:solidFill>
+                  <a:schemeClr val="accent1"/>
+                </a:solidFill>
+              </a:rPr>
+              <a:t>Lemmatization</a:t>
+            </a:r>
+            <a:r>
               <a:rPr lang="en-US" b="1" dirty="0"/>
-              <a:t>Lemmatization:</a:t>
+              <a:t>:</a:t>
             </a:r>
             <a:r>
               <a:rPr lang="en-US" dirty="0"/>
@@ -6366,13 +6919,38 @@
           <a:p>
             <a:pPr lvl="1"/>
             <a:r>
-              <a:rPr lang="en-US" b="1" dirty="0"/>
+              <a:rPr lang="en-US" b="1" dirty="0">
+                <a:solidFill>
+                  <a:schemeClr val="accent1"/>
+                </a:solidFill>
+              </a:rPr>
               <a:t>POS Tagging: </a:t>
             </a:r>
             <a:r>
               <a:rPr lang="en-US" dirty="0"/>
               <a:t>Interested in Nouns and Verbs</a:t>
             </a:r>
+          </a:p>
+          <a:p>
+            <a:pPr lvl="1"/>
+            <a:endParaRPr lang="en-US" dirty="0"/>
+          </a:p>
+          <a:p>
+            <a:r>
+              <a:rPr lang="en-US" sz="2400" dirty="0"/>
+              <a:t>Code Available at: </a:t>
+            </a:r>
+            <a:r>
+              <a:rPr lang="en-US" sz="2400" dirty="0">
+                <a:hlinkClick r:id="rId2"/>
+              </a:rPr>
+              <a:t>https://github.com/npm27/Affordance-Norms</a:t>
+            </a:r>
+            <a:endParaRPr lang="en-US" sz="2400" dirty="0">
+              <a:highlight>
+                <a:srgbClr val="FFFF00"/>
+              </a:highlight>
+            </a:endParaRPr>
           </a:p>
         </p:txBody>
       </p:sp>
@@ -6659,7 +7237,7 @@
 </p:sld>
 </file>
 
-<file path=ppt/slides/slide18.xml><?xml version="1.0" encoding="utf-8"?>
+<file path=ppt/slides/slide19.xml><?xml version="1.0" encoding="utf-8"?>
 <p:sld xmlns:a="http://schemas.openxmlformats.org/drawingml/2006/main" xmlns:r="http://schemas.openxmlformats.org/officeDocument/2006/relationships" xmlns:p="http://schemas.openxmlformats.org/presentationml/2006/main">
   <p:cSld>
     <p:spTree>
@@ -7096,7 +7674,159 @@
 </p:sld>
 </file>
 
-<file path=ppt/slides/slide19.xml><?xml version="1.0" encoding="utf-8"?>
+<file path=ppt/slides/slide2.xml><?xml version="1.0" encoding="utf-8"?>
+<p:sld xmlns:a="http://schemas.openxmlformats.org/drawingml/2006/main" xmlns:r="http://schemas.openxmlformats.org/officeDocument/2006/relationships" xmlns:p="http://schemas.openxmlformats.org/presentationml/2006/main">
+  <p:cSld>
+    <p:spTree>
+      <p:nvGrpSpPr>
+        <p:cNvPr id="1" name=""/>
+        <p:cNvGrpSpPr/>
+        <p:nvPr/>
+      </p:nvGrpSpPr>
+      <p:grpSpPr>
+        <a:xfrm>
+          <a:off x="0" y="0"/>
+          <a:ext cx="0" cy="0"/>
+          <a:chOff x="0" y="0"/>
+          <a:chExt cx="0" cy="0"/>
+        </a:xfrm>
+      </p:grpSpPr>
+      <p:sp>
+        <p:nvSpPr>
+          <p:cNvPr id="2" name="Title 1">
+            <a:extLst>
+              <a:ext uri="{FF2B5EF4-FFF2-40B4-BE49-F238E27FC236}">
+                <a16:creationId xmlns:a16="http://schemas.microsoft.com/office/drawing/2014/main" id="{9035481F-A9A0-46D5-8981-541CB9E5DFAB}"/>
+              </a:ext>
+            </a:extLst>
+          </p:cNvPr>
+          <p:cNvSpPr>
+            <a:spLocks noGrp="1"/>
+          </p:cNvSpPr>
+          <p:nvPr>
+            <p:ph type="title"/>
+          </p:nvPr>
+        </p:nvSpPr>
+        <p:spPr>
+          <a:xfrm>
+            <a:off x="162375" y="-29430"/>
+            <a:ext cx="7886700" cy="1325563"/>
+          </a:xfrm>
+        </p:spPr>
+        <p:txBody>
+          <a:bodyPr/>
+          <a:lstStyle/>
+          <a:p>
+            <a:r>
+              <a:rPr lang="en-US" b="1" dirty="0"/>
+              <a:t>Introduction</a:t>
+            </a:r>
+          </a:p>
+        </p:txBody>
+      </p:sp>
+      <p:sp>
+        <p:nvSpPr>
+          <p:cNvPr id="3" name="Content Placeholder 2">
+            <a:extLst>
+              <a:ext uri="{FF2B5EF4-FFF2-40B4-BE49-F238E27FC236}">
+                <a16:creationId xmlns:a16="http://schemas.microsoft.com/office/drawing/2014/main" id="{DA555F30-6EA4-4842-A65B-37DDA9BFF014}"/>
+              </a:ext>
+            </a:extLst>
+          </p:cNvPr>
+          <p:cNvSpPr>
+            <a:spLocks noGrp="1"/>
+          </p:cNvSpPr>
+          <p:nvPr>
+            <p:ph idx="1"/>
+          </p:nvPr>
+        </p:nvSpPr>
+        <p:spPr>
+          <a:xfrm>
+            <a:off x="628650" y="1222375"/>
+            <a:ext cx="7886700" cy="4351338"/>
+          </a:xfrm>
+        </p:spPr>
+        <p:txBody>
+          <a:bodyPr/>
+          <a:lstStyle/>
+          <a:p>
+            <a:r>
+              <a:rPr lang="en-US" dirty="0"/>
+              <a:t>Objects can be described in several ways:</a:t>
+            </a:r>
+          </a:p>
+          <a:p>
+            <a:endParaRPr lang="en-US" dirty="0"/>
+          </a:p>
+          <a:p>
+            <a:pPr lvl="1"/>
+            <a:r>
+              <a:rPr lang="en-US" b="1" dirty="0"/>
+              <a:t>Semantic Features: </a:t>
+            </a:r>
+            <a:r>
+              <a:rPr lang="en-US" dirty="0"/>
+              <a:t>Breaking an object down into its constituent parts</a:t>
+            </a:r>
+          </a:p>
+          <a:p>
+            <a:pPr lvl="1"/>
+            <a:endParaRPr lang="en-US" dirty="0"/>
+          </a:p>
+          <a:p>
+            <a:pPr lvl="2"/>
+            <a:r>
+              <a:rPr lang="en-US" dirty="0"/>
+              <a:t>What are the common features or properties that make up an object?</a:t>
+            </a:r>
+          </a:p>
+          <a:p>
+            <a:pPr marL="914400" lvl="2" indent="0">
+              <a:buNone/>
+            </a:pPr>
+            <a:endParaRPr lang="en-US" dirty="0"/>
+          </a:p>
+          <a:p>
+            <a:pPr lvl="1"/>
+            <a:endParaRPr lang="en-US" dirty="0"/>
+          </a:p>
+          <a:p>
+            <a:pPr lvl="1"/>
+            <a:endParaRPr lang="en-US" dirty="0"/>
+          </a:p>
+          <a:p>
+            <a:pPr marL="457200" lvl="1" indent="0">
+              <a:buNone/>
+            </a:pPr>
+            <a:endParaRPr lang="en-US" dirty="0"/>
+          </a:p>
+          <a:p>
+            <a:pPr lvl="1"/>
+            <a:endParaRPr lang="en-US" dirty="0"/>
+          </a:p>
+          <a:p>
+            <a:endParaRPr lang="en-US" sz="2400" dirty="0"/>
+          </a:p>
+          <a:p>
+            <a:pPr lvl="1"/>
+            <a:endParaRPr lang="en-US" dirty="0"/>
+          </a:p>
+        </p:txBody>
+      </p:sp>
+    </p:spTree>
+    <p:extLst>
+      <p:ext uri="{BB962C8B-B14F-4D97-AF65-F5344CB8AC3E}">
+        <p14:creationId xmlns:p14="http://schemas.microsoft.com/office/powerpoint/2010/main" val="3765541707"/>
+      </p:ext>
+    </p:extLst>
+  </p:cSld>
+  <p:clrMapOvr>
+    <a:masterClrMapping/>
+  </p:clrMapOvr>
+</p:sld>
+</file>
+
+<file path=ppt/slides/slide20.xml><?xml version="1.0" encoding="utf-8"?>
 <p:sld xmlns:a="http://schemas.openxmlformats.org/drawingml/2006/main" xmlns:r="http://schemas.openxmlformats.org/officeDocument/2006/relationships" xmlns:p="http://schemas.openxmlformats.org/presentationml/2006/main">
   <p:cSld>
     <p:spTree>
@@ -7328,130 +8058,7 @@
 </p:sld>
 </file>
 
-<file path=ppt/slides/slide2.xml><?xml version="1.0" encoding="utf-8"?>
-<p:sld xmlns:a="http://schemas.openxmlformats.org/drawingml/2006/main" xmlns:r="http://schemas.openxmlformats.org/officeDocument/2006/relationships" xmlns:p="http://schemas.openxmlformats.org/presentationml/2006/main">
-  <p:cSld>
-    <p:spTree>
-      <p:nvGrpSpPr>
-        <p:cNvPr id="1" name=""/>
-        <p:cNvGrpSpPr/>
-        <p:nvPr/>
-      </p:nvGrpSpPr>
-      <p:grpSpPr>
-        <a:xfrm>
-          <a:off x="0" y="0"/>
-          <a:ext cx="0" cy="0"/>
-          <a:chOff x="0" y="0"/>
-          <a:chExt cx="0" cy="0"/>
-        </a:xfrm>
-      </p:grpSpPr>
-      <p:sp>
-        <p:nvSpPr>
-          <p:cNvPr id="2" name="Title 1">
-            <a:extLst>
-              <a:ext uri="{FF2B5EF4-FFF2-40B4-BE49-F238E27FC236}">
-                <a16:creationId xmlns:a16="http://schemas.microsoft.com/office/drawing/2014/main" id="{9035481F-A9A0-46D5-8981-541CB9E5DFAB}"/>
-              </a:ext>
-            </a:extLst>
-          </p:cNvPr>
-          <p:cNvSpPr>
-            <a:spLocks noGrp="1"/>
-          </p:cNvSpPr>
-          <p:nvPr>
-            <p:ph type="title"/>
-          </p:nvPr>
-        </p:nvSpPr>
-        <p:spPr>
-          <a:xfrm>
-            <a:off x="162375" y="-29430"/>
-            <a:ext cx="7886700" cy="1325563"/>
-          </a:xfrm>
-        </p:spPr>
-        <p:txBody>
-          <a:bodyPr/>
-          <a:lstStyle/>
-          <a:p>
-            <a:r>
-              <a:rPr lang="en-US" b="1" dirty="0"/>
-              <a:t>Introduction</a:t>
-            </a:r>
-          </a:p>
-        </p:txBody>
-      </p:sp>
-      <p:sp>
-        <p:nvSpPr>
-          <p:cNvPr id="3" name="Content Placeholder 2">
-            <a:extLst>
-              <a:ext uri="{FF2B5EF4-FFF2-40B4-BE49-F238E27FC236}">
-                <a16:creationId xmlns:a16="http://schemas.microsoft.com/office/drawing/2014/main" id="{DA555F30-6EA4-4842-A65B-37DDA9BFF014}"/>
-              </a:ext>
-            </a:extLst>
-          </p:cNvPr>
-          <p:cNvSpPr>
-            <a:spLocks noGrp="1"/>
-          </p:cNvSpPr>
-          <p:nvPr>
-            <p:ph idx="1"/>
-          </p:nvPr>
-        </p:nvSpPr>
-        <p:spPr>
-          <a:xfrm>
-            <a:off x="628650" y="1222375"/>
-            <a:ext cx="7886700" cy="4351338"/>
-          </a:xfrm>
-        </p:spPr>
-        <p:txBody>
-          <a:bodyPr/>
-          <a:lstStyle/>
-          <a:p>
-            <a:r>
-              <a:rPr lang="en-US" dirty="0"/>
-              <a:t>Objects can be described in several ways</a:t>
-            </a:r>
-          </a:p>
-          <a:p>
-            <a:endParaRPr lang="en-US" dirty="0"/>
-          </a:p>
-          <a:p>
-            <a:pPr lvl="1"/>
-            <a:r>
-              <a:rPr lang="en-US" dirty="0"/>
-              <a:t>Semantic Features</a:t>
-            </a:r>
-          </a:p>
-          <a:p>
-            <a:pPr marL="457200" lvl="1" indent="0">
-              <a:buNone/>
-            </a:pPr>
-            <a:endParaRPr lang="en-US" dirty="0"/>
-          </a:p>
-          <a:p>
-            <a:pPr lvl="1"/>
-            <a:endParaRPr lang="en-US" dirty="0"/>
-          </a:p>
-          <a:p>
-            <a:endParaRPr lang="en-US" sz="2400" dirty="0"/>
-          </a:p>
-          <a:p>
-            <a:pPr lvl="1"/>
-            <a:endParaRPr lang="en-US" dirty="0"/>
-          </a:p>
-        </p:txBody>
-      </p:sp>
-    </p:spTree>
-    <p:extLst>
-      <p:ext uri="{BB962C8B-B14F-4D97-AF65-F5344CB8AC3E}">
-        <p14:creationId xmlns:p14="http://schemas.microsoft.com/office/powerpoint/2010/main" val="3765541707"/>
-      </p:ext>
-    </p:extLst>
-  </p:cSld>
-  <p:clrMapOvr>
-    <a:masterClrMapping/>
-  </p:clrMapOvr>
-</p:sld>
-</file>
-
-<file path=ppt/slides/slide20.xml><?xml version="1.0" encoding="utf-8"?>
+<file path=ppt/slides/slide21.xml><?xml version="1.0" encoding="utf-8"?>
 <p:sld xmlns:a="http://schemas.openxmlformats.org/drawingml/2006/main" xmlns:r="http://schemas.openxmlformats.org/officeDocument/2006/relationships" xmlns:p="http://schemas.openxmlformats.org/presentationml/2006/main">
   <p:cSld>
     <p:spTree>
@@ -7686,7 +8293,7 @@
 </p:sld>
 </file>
 
-<file path=ppt/slides/slide21.xml><?xml version="1.0" encoding="utf-8"?>
+<file path=ppt/slides/slide22.xml><?xml version="1.0" encoding="utf-8"?>
 <p:sld xmlns:a="http://schemas.openxmlformats.org/drawingml/2006/main" xmlns:r="http://schemas.openxmlformats.org/officeDocument/2006/relationships" xmlns:p="http://schemas.openxmlformats.org/presentationml/2006/main">
   <p:cSld>
     <p:spTree>
@@ -7924,7 +8531,7 @@
 </p:sld>
 </file>
 
-<file path=ppt/slides/slide22.xml><?xml version="1.0" encoding="utf-8"?>
+<file path=ppt/slides/slide23.xml><?xml version="1.0" encoding="utf-8"?>
 <p:sld xmlns:a="http://schemas.openxmlformats.org/drawingml/2006/main" xmlns:r="http://schemas.openxmlformats.org/officeDocument/2006/relationships" xmlns:p="http://schemas.openxmlformats.org/presentationml/2006/main">
   <p:cSld>
     <p:spTree>
@@ -8278,7 +8885,7 @@
 </p:sld>
 </file>
 
-<file path=ppt/slides/slide23.xml><?xml version="1.0" encoding="utf-8"?>
+<file path=ppt/slides/slide24.xml><?xml version="1.0" encoding="utf-8"?>
 <p:sld xmlns:a="http://schemas.openxmlformats.org/drawingml/2006/main" xmlns:r="http://schemas.openxmlformats.org/officeDocument/2006/relationships" xmlns:p="http://schemas.openxmlformats.org/presentationml/2006/main">
   <p:cSld>
     <p:spTree>
@@ -8613,7 +9220,7 @@
 </p:sld>
 </file>
 
-<file path=ppt/slides/slide24.xml><?xml version="1.0" encoding="utf-8"?>
+<file path=ppt/slides/slide25.xml><?xml version="1.0" encoding="utf-8"?>
 <p:sld xmlns:a="http://schemas.openxmlformats.org/drawingml/2006/main" xmlns:r="http://schemas.openxmlformats.org/officeDocument/2006/relationships" xmlns:p="http://schemas.openxmlformats.org/presentationml/2006/main">
   <p:cSld>
     <p:spTree>
@@ -9255,131 +9862,6 @@
 </p:sld>
 </file>
 
-<file path=ppt/slides/slide25.xml><?xml version="1.0" encoding="utf-8"?>
-<p:sld xmlns:a="http://schemas.openxmlformats.org/drawingml/2006/main" xmlns:r="http://schemas.openxmlformats.org/officeDocument/2006/relationships" xmlns:p="http://schemas.openxmlformats.org/presentationml/2006/main">
-  <p:cSld>
-    <p:spTree>
-      <p:nvGrpSpPr>
-        <p:cNvPr id="1" name=""/>
-        <p:cNvGrpSpPr/>
-        <p:nvPr/>
-      </p:nvGrpSpPr>
-      <p:grpSpPr>
-        <a:xfrm>
-          <a:off x="0" y="0"/>
-          <a:ext cx="0" cy="0"/>
-          <a:chOff x="0" y="0"/>
-          <a:chExt cx="0" cy="0"/>
-        </a:xfrm>
-      </p:grpSpPr>
-      <p:sp>
-        <p:nvSpPr>
-          <p:cNvPr id="2" name="Title 1">
-            <a:extLst>
-              <a:ext uri="{FF2B5EF4-FFF2-40B4-BE49-F238E27FC236}">
-                <a16:creationId xmlns:a16="http://schemas.microsoft.com/office/drawing/2014/main" id="{9035481F-A9A0-46D5-8981-541CB9E5DFAB}"/>
-              </a:ext>
-            </a:extLst>
-          </p:cNvPr>
-          <p:cNvSpPr>
-            <a:spLocks noGrp="1"/>
-          </p:cNvSpPr>
-          <p:nvPr>
-            <p:ph type="title"/>
-          </p:nvPr>
-        </p:nvSpPr>
-        <p:spPr/>
-        <p:txBody>
-          <a:bodyPr/>
-          <a:lstStyle/>
-          <a:p>
-            <a:r>
-              <a:rPr lang="en-US" b="1" dirty="0"/>
-              <a:t>What exactly are we measuring?</a:t>
-            </a:r>
-          </a:p>
-        </p:txBody>
-      </p:sp>
-      <p:sp>
-        <p:nvSpPr>
-          <p:cNvPr id="3" name="Content Placeholder 2">
-            <a:extLst>
-              <a:ext uri="{FF2B5EF4-FFF2-40B4-BE49-F238E27FC236}">
-                <a16:creationId xmlns:a16="http://schemas.microsoft.com/office/drawing/2014/main" id="{DA555F30-6EA4-4842-A65B-37DDA9BFF014}"/>
-              </a:ext>
-            </a:extLst>
-          </p:cNvPr>
-          <p:cNvSpPr>
-            <a:spLocks noGrp="1"/>
-          </p:cNvSpPr>
-          <p:nvPr>
-            <p:ph idx="1"/>
-          </p:nvPr>
-        </p:nvSpPr>
-        <p:spPr/>
-        <p:txBody>
-          <a:bodyPr>
-            <a:normAutofit/>
-          </a:bodyPr>
-          <a:lstStyle/>
-          <a:p>
-            <a:r>
-              <a:rPr lang="en-US" dirty="0"/>
-              <a:t>Affordance Strength: Probability of a specific affordance being given for a specific cue</a:t>
-            </a:r>
-          </a:p>
-          <a:p>
-            <a:endParaRPr lang="en-US" dirty="0"/>
-          </a:p>
-          <a:p>
-            <a:pPr lvl="1"/>
-            <a:r>
-              <a:rPr lang="en-US" b="1" dirty="0">
-                <a:solidFill>
-                  <a:schemeClr val="accent1"/>
-                </a:solidFill>
-              </a:rPr>
-              <a:t>Example</a:t>
-            </a:r>
-            <a:r>
-              <a:rPr lang="en-US" dirty="0"/>
-              <a:t>: Probability that </a:t>
-            </a:r>
-            <a:r>
-              <a:rPr lang="en-US" b="1" dirty="0"/>
-              <a:t>“throw”</a:t>
-            </a:r>
-            <a:r>
-              <a:rPr lang="en-US" dirty="0"/>
-              <a:t> would be listed as an affordance for </a:t>
-            </a:r>
-            <a:r>
-              <a:rPr lang="en-US" b="1" dirty="0"/>
-              <a:t>“baseball”</a:t>
-            </a:r>
-          </a:p>
-          <a:p>
-            <a:pPr marL="514350" indent="-514350">
-              <a:buFont typeface="+mj-lt"/>
-              <a:buAutoNum type="arabicPeriod"/>
-            </a:pPr>
-            <a:endParaRPr lang="en-US" dirty="0"/>
-          </a:p>
-        </p:txBody>
-      </p:sp>
-    </p:spTree>
-    <p:extLst>
-      <p:ext uri="{BB962C8B-B14F-4D97-AF65-F5344CB8AC3E}">
-        <p14:creationId xmlns:p14="http://schemas.microsoft.com/office/powerpoint/2010/main" val="1290418616"/>
-      </p:ext>
-    </p:extLst>
-  </p:cSld>
-  <p:clrMapOvr>
-    <a:masterClrMapping/>
-  </p:clrMapOvr>
-</p:sld>
-</file>
-
 <file path=ppt/slides/slide26.xml><?xml version="1.0" encoding="utf-8"?>
 <p:sld xmlns:a="http://schemas.openxmlformats.org/drawingml/2006/main" xmlns:r="http://schemas.openxmlformats.org/officeDocument/2006/relationships" xmlns:p="http://schemas.openxmlformats.org/presentationml/2006/main">
   <p:cSld>
@@ -9420,7 +9902,7 @@
           <a:p>
             <a:r>
               <a:rPr lang="en-US" b="1" dirty="0"/>
-              <a:t>Computing Affordance Frequency</a:t>
+              <a:t>So what exactly are we measuring?</a:t>
             </a:r>
           </a:p>
         </p:txBody>
@@ -9449,6 +9931,153 @@
           <a:lstStyle/>
           <a:p>
             <a:r>
+              <a:rPr lang="en-US" dirty="0"/>
+              <a:t>Affordance Strength: Probability of a specific affordance being given for a specific cue</a:t>
+            </a:r>
+          </a:p>
+          <a:p>
+            <a:endParaRPr lang="en-US" dirty="0"/>
+          </a:p>
+          <a:p>
+            <a:pPr lvl="1"/>
+            <a:r>
+              <a:rPr lang="en-US" b="1" dirty="0">
+                <a:solidFill>
+                  <a:schemeClr val="accent1"/>
+                </a:solidFill>
+              </a:rPr>
+              <a:t>Example</a:t>
+            </a:r>
+            <a:r>
+              <a:rPr lang="en-US" dirty="0"/>
+              <a:t>: Probability that </a:t>
+            </a:r>
+            <a:r>
+              <a:rPr lang="en-US" b="1" dirty="0"/>
+              <a:t>“throw”</a:t>
+            </a:r>
+            <a:r>
+              <a:rPr lang="en-US" dirty="0"/>
+              <a:t> would be listed as an affordance for </a:t>
+            </a:r>
+            <a:r>
+              <a:rPr lang="en-US" b="1" dirty="0"/>
+              <a:t>“baseball”</a:t>
+            </a:r>
+          </a:p>
+          <a:p>
+            <a:pPr lvl="1"/>
+            <a:endParaRPr lang="en-US" b="1" dirty="0"/>
+          </a:p>
+          <a:p>
+            <a:pPr lvl="1"/>
+            <a:r>
+              <a:rPr lang="en-US" dirty="0"/>
+              <a:t>Some affordances should be more common than others</a:t>
+            </a:r>
+          </a:p>
+          <a:p>
+            <a:pPr lvl="1"/>
+            <a:endParaRPr lang="en-US" b="1" dirty="0"/>
+          </a:p>
+          <a:p>
+            <a:pPr lvl="1"/>
+            <a:r>
+              <a:rPr lang="en-US" b="1" dirty="0"/>
+              <a:t>But…. Do some objects have a broader range of use than others?</a:t>
+            </a:r>
+          </a:p>
+          <a:p>
+            <a:pPr marL="514350" indent="-514350">
+              <a:buFont typeface="+mj-lt"/>
+              <a:buAutoNum type="arabicPeriod"/>
+            </a:pPr>
+            <a:endParaRPr lang="en-US" dirty="0"/>
+          </a:p>
+        </p:txBody>
+      </p:sp>
+    </p:spTree>
+    <p:extLst>
+      <p:ext uri="{BB962C8B-B14F-4D97-AF65-F5344CB8AC3E}">
+        <p14:creationId xmlns:p14="http://schemas.microsoft.com/office/powerpoint/2010/main" val="1290418616"/>
+      </p:ext>
+    </p:extLst>
+  </p:cSld>
+  <p:clrMapOvr>
+    <a:masterClrMapping/>
+  </p:clrMapOvr>
+</p:sld>
+</file>
+
+<file path=ppt/slides/slide27.xml><?xml version="1.0" encoding="utf-8"?>
+<p:sld xmlns:a="http://schemas.openxmlformats.org/drawingml/2006/main" xmlns:r="http://schemas.openxmlformats.org/officeDocument/2006/relationships" xmlns:p="http://schemas.openxmlformats.org/presentationml/2006/main">
+  <p:cSld>
+    <p:spTree>
+      <p:nvGrpSpPr>
+        <p:cNvPr id="1" name=""/>
+        <p:cNvGrpSpPr/>
+        <p:nvPr/>
+      </p:nvGrpSpPr>
+      <p:grpSpPr>
+        <a:xfrm>
+          <a:off x="0" y="0"/>
+          <a:ext cx="0" cy="0"/>
+          <a:chOff x="0" y="0"/>
+          <a:chExt cx="0" cy="0"/>
+        </a:xfrm>
+      </p:grpSpPr>
+      <p:sp>
+        <p:nvSpPr>
+          <p:cNvPr id="2" name="Title 1">
+            <a:extLst>
+              <a:ext uri="{FF2B5EF4-FFF2-40B4-BE49-F238E27FC236}">
+                <a16:creationId xmlns:a16="http://schemas.microsoft.com/office/drawing/2014/main" id="{9035481F-A9A0-46D5-8981-541CB9E5DFAB}"/>
+              </a:ext>
+            </a:extLst>
+          </p:cNvPr>
+          <p:cNvSpPr>
+            <a:spLocks noGrp="1"/>
+          </p:cNvSpPr>
+          <p:nvPr>
+            <p:ph type="title"/>
+          </p:nvPr>
+        </p:nvSpPr>
+        <p:spPr/>
+        <p:txBody>
+          <a:bodyPr/>
+          <a:lstStyle/>
+          <a:p>
+            <a:r>
+              <a:rPr lang="en-US" b="1" dirty="0"/>
+              <a:t>Computing Affordance Frequency</a:t>
+            </a:r>
+          </a:p>
+        </p:txBody>
+      </p:sp>
+      <p:sp>
+        <p:nvSpPr>
+          <p:cNvPr id="3" name="Content Placeholder 2">
+            <a:extLst>
+              <a:ext uri="{FF2B5EF4-FFF2-40B4-BE49-F238E27FC236}">
+                <a16:creationId xmlns:a16="http://schemas.microsoft.com/office/drawing/2014/main" id="{DA555F30-6EA4-4842-A65B-37DDA9BFF014}"/>
+              </a:ext>
+            </a:extLst>
+          </p:cNvPr>
+          <p:cNvSpPr>
+            <a:spLocks noGrp="1"/>
+          </p:cNvSpPr>
+          <p:nvPr>
+            <p:ph idx="1"/>
+          </p:nvPr>
+        </p:nvSpPr>
+        <p:spPr/>
+        <p:txBody>
+          <a:bodyPr>
+            <a:normAutofit/>
+          </a:bodyPr>
+          <a:lstStyle/>
+          <a:p>
+            <a:r>
               <a:rPr lang="en-US" b="1" dirty="0">
                 <a:solidFill>
                   <a:srgbClr val="0070C0"/>
@@ -9469,15 +10098,18 @@
             </a:r>
             <a:r>
               <a:rPr lang="en-US" dirty="0"/>
-              <a:t>: If “Chair” receives 10 responses and “sit” appears five times</a:t>
-            </a:r>
-            <a:r>
-              <a:rPr lang="en-US"/>
-              <a:t>, affordance </a:t>
-            </a:r>
+              <a:t>: If “Chair” receives 10 responses and “sit” appears five times, affordance strength of chair – sit is 0.5</a:t>
+            </a:r>
+          </a:p>
+          <a:p>
+            <a:pPr lvl="1"/>
+            <a:endParaRPr lang="en-US" dirty="0"/>
+          </a:p>
+          <a:p>
+            <a:pPr lvl="1"/>
             <a:r>
               <a:rPr lang="en-US" dirty="0"/>
-              <a:t>strength of chair – sit is 0.5</a:t>
+              <a:t>Modeled after association strength</a:t>
             </a:r>
           </a:p>
           <a:p>
@@ -9579,15 +10211,33 @@
                                   </p:childTnLst>
                                 </p:cTn>
                               </p:par>
+                            </p:childTnLst>
+                          </p:cTn>
+                        </p:par>
+                      </p:childTnLst>
+                    </p:cTn>
+                  </p:par>
+                  <p:par>
+                    <p:cTn id="7" fill="hold">
+                      <p:stCondLst>
+                        <p:cond delay="indefinite"/>
+                      </p:stCondLst>
+                      <p:childTnLst>
+                        <p:par>
+                          <p:cTn id="8" fill="hold">
+                            <p:stCondLst>
+                              <p:cond delay="0"/>
+                            </p:stCondLst>
+                            <p:childTnLst>
                               <p:par>
-                                <p:cTn id="7" presetID="1" presetClass="entr" presetSubtype="0" fill="hold" nodeType="withEffect">
+                                <p:cTn id="9" presetID="1" presetClass="entr" presetSubtype="0" fill="hold" nodeType="clickEffect">
                                   <p:stCondLst>
                                     <p:cond delay="0"/>
                                   </p:stCondLst>
                                   <p:childTnLst>
                                     <p:set>
                                       <p:cBhvr>
-                                        <p:cTn id="8" dur="1" fill="hold">
+                                        <p:cTn id="10" dur="1" fill="hold">
                                           <p:stCondLst>
                                             <p:cond delay="0"/>
                                           </p:stCondLst>
@@ -9610,210 +10260,15 @@
                                   </p:childTnLst>
                                 </p:cTn>
                               </p:par>
-                            </p:childTnLst>
-                          </p:cTn>
-                        </p:par>
-                      </p:childTnLst>
-                    </p:cTn>
-                  </p:par>
-                </p:childTnLst>
-              </p:cTn>
-              <p:prevCondLst>
-                <p:cond evt="onPrev" delay="0">
-                  <p:tgtEl>
-                    <p:sldTgt/>
-                  </p:tgtEl>
-                </p:cond>
-              </p:prevCondLst>
-              <p:nextCondLst>
-                <p:cond evt="onNext" delay="0">
-                  <p:tgtEl>
-                    <p:sldTgt/>
-                  </p:tgtEl>
-                </p:cond>
-              </p:nextCondLst>
-            </p:seq>
-          </p:childTnLst>
-        </p:cTn>
-      </p:par>
-    </p:tnLst>
-  </p:timing>
-</p:sld>
-</file>
-
-<file path=ppt/slides/slide27.xml><?xml version="1.0" encoding="utf-8"?>
-<p:sld xmlns:a="http://schemas.openxmlformats.org/drawingml/2006/main" xmlns:r="http://schemas.openxmlformats.org/officeDocument/2006/relationships" xmlns:p="http://schemas.openxmlformats.org/presentationml/2006/main">
-  <p:cSld>
-    <p:spTree>
-      <p:nvGrpSpPr>
-        <p:cNvPr id="1" name=""/>
-        <p:cNvGrpSpPr/>
-        <p:nvPr/>
-      </p:nvGrpSpPr>
-      <p:grpSpPr>
-        <a:xfrm>
-          <a:off x="0" y="0"/>
-          <a:ext cx="0" cy="0"/>
-          <a:chOff x="0" y="0"/>
-          <a:chExt cx="0" cy="0"/>
-        </a:xfrm>
-      </p:grpSpPr>
-      <p:sp>
-        <p:nvSpPr>
-          <p:cNvPr id="2" name="Title 1">
-            <a:extLst>
-              <a:ext uri="{FF2B5EF4-FFF2-40B4-BE49-F238E27FC236}">
-                <a16:creationId xmlns:a16="http://schemas.microsoft.com/office/drawing/2014/main" id="{9035481F-A9A0-46D5-8981-541CB9E5DFAB}"/>
-              </a:ext>
-            </a:extLst>
-          </p:cNvPr>
-          <p:cNvSpPr>
-            <a:spLocks noGrp="1"/>
-          </p:cNvSpPr>
-          <p:nvPr>
-            <p:ph type="title"/>
-          </p:nvPr>
-        </p:nvSpPr>
-        <p:spPr/>
-        <p:txBody>
-          <a:bodyPr/>
-          <a:lstStyle/>
-          <a:p>
-            <a:r>
-              <a:rPr lang="en-US" b="1" dirty="0"/>
-              <a:t>Noun vs. Verb Responses</a:t>
-            </a:r>
-          </a:p>
-        </p:txBody>
-      </p:sp>
-      <p:sp>
-        <p:nvSpPr>
-          <p:cNvPr id="3" name="Content Placeholder 2">
-            <a:extLst>
-              <a:ext uri="{FF2B5EF4-FFF2-40B4-BE49-F238E27FC236}">
-                <a16:creationId xmlns:a16="http://schemas.microsoft.com/office/drawing/2014/main" id="{DA555F30-6EA4-4842-A65B-37DDA9BFF014}"/>
-              </a:ext>
-            </a:extLst>
-          </p:cNvPr>
-          <p:cNvSpPr>
-            <a:spLocks noGrp="1"/>
-          </p:cNvSpPr>
-          <p:nvPr>
-            <p:ph idx="1"/>
-          </p:nvPr>
-        </p:nvSpPr>
-        <p:spPr/>
-        <p:txBody>
-          <a:bodyPr>
-            <a:normAutofit/>
-          </a:bodyPr>
-          <a:lstStyle/>
-          <a:p>
-            <a:r>
-              <a:rPr lang="en-US" dirty="0"/>
-              <a:t>Noun responses likely reflect </a:t>
-            </a:r>
-            <a:r>
-              <a:rPr lang="en-US" b="1" dirty="0">
-                <a:solidFill>
-                  <a:srgbClr val="0070C0"/>
-                </a:solidFill>
-              </a:rPr>
-              <a:t>association strength</a:t>
-            </a:r>
-          </a:p>
-          <a:p>
-            <a:pPr lvl="1"/>
-            <a:r>
-              <a:rPr lang="en-US" dirty="0"/>
-              <a:t>Indexed via direct association strength values derived from SWOW (De </a:t>
-            </a:r>
-            <a:r>
-              <a:rPr lang="en-US" dirty="0" err="1"/>
-              <a:t>Deyne</a:t>
-            </a:r>
-            <a:r>
-              <a:rPr lang="en-US" dirty="0"/>
-              <a:t> et al., 2019) or USF Free Association norms (Nelson et al., 2004).</a:t>
-            </a:r>
-          </a:p>
-          <a:p>
-            <a:pPr marL="514350" indent="-514350">
-              <a:buFont typeface="+mj-lt"/>
-              <a:buAutoNum type="arabicPeriod"/>
-            </a:pPr>
-            <a:endParaRPr lang="en-US" dirty="0"/>
-          </a:p>
-          <a:p>
-            <a:r>
-              <a:rPr lang="en-US" dirty="0"/>
-              <a:t>Can assess whether certain cue items elicit more </a:t>
-            </a:r>
-            <a:r>
-              <a:rPr lang="en-US" b="1" dirty="0"/>
-              <a:t>verb</a:t>
-            </a:r>
-            <a:r>
-              <a:rPr lang="en-US" dirty="0"/>
-              <a:t> (action) or </a:t>
-            </a:r>
-            <a:r>
-              <a:rPr lang="en-US" b="1" dirty="0"/>
-              <a:t>noun</a:t>
-            </a:r>
-            <a:r>
-              <a:rPr lang="en-US" dirty="0"/>
-              <a:t> responses</a:t>
-            </a:r>
-          </a:p>
-          <a:p>
-            <a:pPr marL="514350" indent="-514350">
-              <a:buFont typeface="+mj-lt"/>
-              <a:buAutoNum type="arabicPeriod"/>
-            </a:pPr>
-            <a:endParaRPr lang="en-US" dirty="0"/>
-          </a:p>
-        </p:txBody>
-      </p:sp>
-    </p:spTree>
-    <p:extLst>
-      <p:ext uri="{BB962C8B-B14F-4D97-AF65-F5344CB8AC3E}">
-        <p14:creationId xmlns:p14="http://schemas.microsoft.com/office/powerpoint/2010/main" val="1212592624"/>
-      </p:ext>
-    </p:extLst>
-  </p:cSld>
-  <p:clrMapOvr>
-    <a:masterClrMapping/>
-  </p:clrMapOvr>
-  <p:timing>
-    <p:tnLst>
-      <p:par>
-        <p:cTn id="1" dur="indefinite" restart="never" nodeType="tmRoot">
-          <p:childTnLst>
-            <p:seq concurrent="1" nextAc="seek">
-              <p:cTn id="2" dur="indefinite" nodeType="mainSeq">
-                <p:childTnLst>
-                  <p:par>
-                    <p:cTn id="3" fill="hold">
-                      <p:stCondLst>
-                        <p:cond delay="indefinite"/>
-                      </p:stCondLst>
-                      <p:childTnLst>
-                        <p:par>
-                          <p:cTn id="4" fill="hold">
-                            <p:stCondLst>
-                              <p:cond delay="0"/>
-                            </p:stCondLst>
-                            <p:childTnLst>
                               <p:par>
-                                <p:cTn id="5" presetID="1" presetClass="entr" presetSubtype="0" fill="hold" nodeType="clickEffect">
+                                <p:cTn id="11" presetID="1" presetClass="entr" presetSubtype="0" fill="hold" nodeType="withEffect">
                                   <p:stCondLst>
                                     <p:cond delay="0"/>
                                   </p:stCondLst>
                                   <p:childTnLst>
                                     <p:set>
                                       <p:cBhvr>
-                                        <p:cTn id="6" dur="1" fill="hold">
+                                        <p:cTn id="12" dur="1" fill="hold">
                                           <p:stCondLst>
                                             <p:cond delay="0"/>
                                           </p:stCondLst>
@@ -9821,7 +10276,7 @@
                                         <p:tgtEl>
                                           <p:spTgt spid="3">
                                             <p:txEl>
-                                              <p:pRg st="3" end="3"/>
+                                              <p:pRg st="5" end="5"/>
                                             </p:txEl>
                                           </p:spTgt>
                                         </p:tgtEl>
@@ -9900,6 +10355,255 @@
             <p:ph type="title"/>
           </p:nvPr>
         </p:nvSpPr>
+        <p:spPr/>
+        <p:txBody>
+          <a:bodyPr/>
+          <a:lstStyle/>
+          <a:p>
+            <a:r>
+              <a:rPr lang="en-US" b="1" dirty="0"/>
+              <a:t>Noun vs. Verb Responses</a:t>
+            </a:r>
+          </a:p>
+        </p:txBody>
+      </p:sp>
+      <p:sp>
+        <p:nvSpPr>
+          <p:cNvPr id="3" name="Content Placeholder 2">
+            <a:extLst>
+              <a:ext uri="{FF2B5EF4-FFF2-40B4-BE49-F238E27FC236}">
+                <a16:creationId xmlns:a16="http://schemas.microsoft.com/office/drawing/2014/main" id="{DA555F30-6EA4-4842-A65B-37DDA9BFF014}"/>
+              </a:ext>
+            </a:extLst>
+          </p:cNvPr>
+          <p:cNvSpPr>
+            <a:spLocks noGrp="1"/>
+          </p:cNvSpPr>
+          <p:nvPr>
+            <p:ph idx="1"/>
+          </p:nvPr>
+        </p:nvSpPr>
+        <p:spPr/>
+        <p:txBody>
+          <a:bodyPr>
+            <a:normAutofit/>
+          </a:bodyPr>
+          <a:lstStyle/>
+          <a:p>
+            <a:r>
+              <a:rPr lang="en-US" b="1" dirty="0"/>
+              <a:t>Noun responses</a:t>
+            </a:r>
+            <a:r>
+              <a:rPr lang="en-US" dirty="0"/>
+              <a:t> likely reflect </a:t>
+            </a:r>
+            <a:r>
+              <a:rPr lang="en-US" b="1" dirty="0">
+                <a:solidFill>
+                  <a:srgbClr val="0070C0"/>
+                </a:solidFill>
+              </a:rPr>
+              <a:t>association strength</a:t>
+            </a:r>
+          </a:p>
+          <a:p>
+            <a:pPr lvl="1"/>
+            <a:r>
+              <a:rPr lang="en-US" dirty="0"/>
+              <a:t>Indexed via </a:t>
+            </a:r>
+            <a:r>
+              <a:rPr lang="en-US" b="1" dirty="0"/>
+              <a:t>direct association strength </a:t>
+            </a:r>
+            <a:r>
+              <a:rPr lang="en-US" dirty="0"/>
+              <a:t>values derived from SWOW (De </a:t>
+            </a:r>
+            <a:r>
+              <a:rPr lang="en-US" dirty="0" err="1"/>
+              <a:t>Deyne</a:t>
+            </a:r>
+            <a:r>
+              <a:rPr lang="en-US" dirty="0"/>
+              <a:t> et al., 2019) or USF Free Association norms (Nelson et al., 2004).</a:t>
+            </a:r>
+          </a:p>
+          <a:p>
+            <a:pPr lvl="1"/>
+            <a:endParaRPr lang="en-US" dirty="0"/>
+          </a:p>
+          <a:p>
+            <a:pPr lvl="1"/>
+            <a:r>
+              <a:rPr lang="en-US" b="1" dirty="0"/>
+              <a:t>Provide important context for when actions occur!</a:t>
+            </a:r>
+          </a:p>
+          <a:p>
+            <a:pPr marL="514350" indent="-514350">
+              <a:buFont typeface="+mj-lt"/>
+              <a:buAutoNum type="arabicPeriod"/>
+            </a:pPr>
+            <a:endParaRPr lang="en-US" dirty="0"/>
+          </a:p>
+          <a:p>
+            <a:r>
+              <a:rPr lang="en-US" dirty="0"/>
+              <a:t>Can assess whether certain cue items elicit more </a:t>
+            </a:r>
+            <a:r>
+              <a:rPr lang="en-US" b="1" dirty="0"/>
+              <a:t>verb</a:t>
+            </a:r>
+            <a:r>
+              <a:rPr lang="en-US" dirty="0"/>
+              <a:t> (action) or </a:t>
+            </a:r>
+            <a:r>
+              <a:rPr lang="en-US" b="1" dirty="0"/>
+              <a:t>noun</a:t>
+            </a:r>
+            <a:r>
+              <a:rPr lang="en-US" dirty="0"/>
+              <a:t> responses</a:t>
+            </a:r>
+          </a:p>
+          <a:p>
+            <a:pPr marL="514350" indent="-514350">
+              <a:buFont typeface="+mj-lt"/>
+              <a:buAutoNum type="arabicPeriod"/>
+            </a:pPr>
+            <a:endParaRPr lang="en-US" dirty="0"/>
+          </a:p>
+        </p:txBody>
+      </p:sp>
+    </p:spTree>
+    <p:extLst>
+      <p:ext uri="{BB962C8B-B14F-4D97-AF65-F5344CB8AC3E}">
+        <p14:creationId xmlns:p14="http://schemas.microsoft.com/office/powerpoint/2010/main" val="1212592624"/>
+      </p:ext>
+    </p:extLst>
+  </p:cSld>
+  <p:clrMapOvr>
+    <a:masterClrMapping/>
+  </p:clrMapOvr>
+  <p:timing>
+    <p:tnLst>
+      <p:par>
+        <p:cTn id="1" dur="indefinite" restart="never" nodeType="tmRoot">
+          <p:childTnLst>
+            <p:seq concurrent="1" nextAc="seek">
+              <p:cTn id="2" dur="indefinite" nodeType="mainSeq">
+                <p:childTnLst>
+                  <p:par>
+                    <p:cTn id="3" fill="hold">
+                      <p:stCondLst>
+                        <p:cond delay="indefinite"/>
+                      </p:stCondLst>
+                      <p:childTnLst>
+                        <p:par>
+                          <p:cTn id="4" fill="hold">
+                            <p:stCondLst>
+                              <p:cond delay="0"/>
+                            </p:stCondLst>
+                            <p:childTnLst>
+                              <p:par>
+                                <p:cTn id="5" presetID="1" presetClass="entr" presetSubtype="0" fill="hold" nodeType="clickEffect">
+                                  <p:stCondLst>
+                                    <p:cond delay="0"/>
+                                  </p:stCondLst>
+                                  <p:childTnLst>
+                                    <p:set>
+                                      <p:cBhvr>
+                                        <p:cTn id="6" dur="1" fill="hold">
+                                          <p:stCondLst>
+                                            <p:cond delay="0"/>
+                                          </p:stCondLst>
+                                        </p:cTn>
+                                        <p:tgtEl>
+                                          <p:spTgt spid="3">
+                                            <p:txEl>
+                                              <p:pRg st="5" end="5"/>
+                                            </p:txEl>
+                                          </p:spTgt>
+                                        </p:tgtEl>
+                                        <p:attrNameLst>
+                                          <p:attrName>style.visibility</p:attrName>
+                                        </p:attrNameLst>
+                                      </p:cBhvr>
+                                      <p:to>
+                                        <p:strVal val="visible"/>
+                                      </p:to>
+                                    </p:set>
+                                  </p:childTnLst>
+                                </p:cTn>
+                              </p:par>
+                            </p:childTnLst>
+                          </p:cTn>
+                        </p:par>
+                      </p:childTnLst>
+                    </p:cTn>
+                  </p:par>
+                </p:childTnLst>
+              </p:cTn>
+              <p:prevCondLst>
+                <p:cond evt="onPrev" delay="0">
+                  <p:tgtEl>
+                    <p:sldTgt/>
+                  </p:tgtEl>
+                </p:cond>
+              </p:prevCondLst>
+              <p:nextCondLst>
+                <p:cond evt="onNext" delay="0">
+                  <p:tgtEl>
+                    <p:sldTgt/>
+                  </p:tgtEl>
+                </p:cond>
+              </p:nextCondLst>
+            </p:seq>
+          </p:childTnLst>
+        </p:cTn>
+      </p:par>
+    </p:tnLst>
+  </p:timing>
+</p:sld>
+</file>
+
+<file path=ppt/slides/slide29.xml><?xml version="1.0" encoding="utf-8"?>
+<p:sld xmlns:a="http://schemas.openxmlformats.org/drawingml/2006/main" xmlns:r="http://schemas.openxmlformats.org/officeDocument/2006/relationships" xmlns:p="http://schemas.openxmlformats.org/presentationml/2006/main">
+  <p:cSld>
+    <p:spTree>
+      <p:nvGrpSpPr>
+        <p:cNvPr id="1" name=""/>
+        <p:cNvGrpSpPr/>
+        <p:nvPr/>
+      </p:nvGrpSpPr>
+      <p:grpSpPr>
+        <a:xfrm>
+          <a:off x="0" y="0"/>
+          <a:ext cx="0" cy="0"/>
+          <a:chOff x="0" y="0"/>
+          <a:chExt cx="0" cy="0"/>
+        </a:xfrm>
+      </p:grpSpPr>
+      <p:sp>
+        <p:nvSpPr>
+          <p:cNvPr id="2" name="Title 1">
+            <a:extLst>
+              <a:ext uri="{FF2B5EF4-FFF2-40B4-BE49-F238E27FC236}">
+                <a16:creationId xmlns:a16="http://schemas.microsoft.com/office/drawing/2014/main" id="{9035481F-A9A0-46D5-8981-541CB9E5DFAB}"/>
+              </a:ext>
+            </a:extLst>
+          </p:cNvPr>
+          <p:cNvSpPr>
+            <a:spLocks noGrp="1"/>
+          </p:cNvSpPr>
+          <p:nvPr>
+            <p:ph type="title"/>
+          </p:nvPr>
+        </p:nvSpPr>
         <p:spPr>
           <a:xfrm>
             <a:off x="628650" y="193676"/>
@@ -9966,7 +10670,16 @@
               <a:rPr lang="en-US" dirty="0"/>
               <a:t>Creating a searchable web portal</a:t>
             </a:r>
-            <a:endParaRPr lang="en-US" i="1" dirty="0"/>
+          </a:p>
+          <a:p>
+            <a:pPr marL="971550" lvl="1" indent="-514350">
+              <a:buFont typeface="+mj-lt"/>
+              <a:buAutoNum type="romanUcPeriod"/>
+            </a:pPr>
+            <a:r>
+              <a:rPr lang="en-US" dirty="0"/>
+              <a:t>Will allow researchers to control for affordance strength when generating stimuli for future studies</a:t>
+            </a:r>
           </a:p>
           <a:p>
             <a:pPr marL="514350" indent="-514350">
@@ -9981,8 +10694,18 @@
               <a:buAutoNum type="arabicPeriod"/>
             </a:pPr>
             <a:r>
+              <a:rPr lang="en-US" b="1" dirty="0"/>
+              <a:t>Use this dataset as a starting point to investigate common vs. uncommon affordances</a:t>
+            </a:r>
+          </a:p>
+          <a:p>
+            <a:pPr marL="971550" lvl="1" indent="-514350">
+              <a:buFont typeface="+mj-lt"/>
+              <a:buAutoNum type="romanUcPeriod"/>
+            </a:pPr>
+            <a:r>
               <a:rPr lang="en-US" dirty="0"/>
-              <a:t>Use this dataset as a starting point to investigate common vs. uncommon affordances</a:t>
+              <a:t>What does the data reveal about perceptions of object use?</a:t>
             </a:r>
           </a:p>
           <a:p>
@@ -10214,7 +10937,105 @@
                                         <p:tgtEl>
                                           <p:spTgt spid="3">
                                             <p:txEl>
-                                              <p:pRg st="4" end="4"/>
+                                              <p:pRg st="3" end="3"/>
+                                            </p:txEl>
+                                          </p:spTgt>
+                                        </p:tgtEl>
+                                        <p:attrNameLst>
+                                          <p:attrName>style.visibility</p:attrName>
+                                        </p:attrNameLst>
+                                      </p:cBhvr>
+                                      <p:to>
+                                        <p:strVal val="visible"/>
+                                      </p:to>
+                                    </p:set>
+                                  </p:childTnLst>
+                                </p:cTn>
+                              </p:par>
+                            </p:childTnLst>
+                          </p:cTn>
+                        </p:par>
+                      </p:childTnLst>
+                    </p:cTn>
+                  </p:par>
+                  <p:par>
+                    <p:cTn id="19" fill="hold">
+                      <p:stCondLst>
+                        <p:cond delay="indefinite"/>
+                      </p:stCondLst>
+                      <p:childTnLst>
+                        <p:par>
+                          <p:cTn id="20" fill="hold">
+                            <p:stCondLst>
+                              <p:cond delay="0"/>
+                            </p:stCondLst>
+                            <p:childTnLst>
+                              <p:par>
+                                <p:cTn id="21" presetID="1" presetClass="entr" presetSubtype="0" fill="hold" nodeType="clickEffect">
+                                  <p:stCondLst>
+                                    <p:cond delay="0"/>
+                                  </p:stCondLst>
+                                  <p:childTnLst>
+                                    <p:set>
+                                      <p:cBhvr>
+                                        <p:cTn id="22" dur="1" fill="hold">
+                                          <p:stCondLst>
+                                            <p:cond delay="0"/>
+                                          </p:stCondLst>
+                                        </p:cTn>
+                                        <p:tgtEl>
+                                          <p:spTgt spid="3">
+                                            <p:txEl>
+                                              <p:pRg st="5" end="5"/>
+                                            </p:txEl>
+                                          </p:spTgt>
+                                        </p:tgtEl>
+                                        <p:attrNameLst>
+                                          <p:attrName>style.visibility</p:attrName>
+                                        </p:attrNameLst>
+                                      </p:cBhvr>
+                                      <p:to>
+                                        <p:strVal val="visible"/>
+                                      </p:to>
+                                    </p:set>
+                                  </p:childTnLst>
+                                </p:cTn>
+                              </p:par>
+                            </p:childTnLst>
+                          </p:cTn>
+                        </p:par>
+                      </p:childTnLst>
+                    </p:cTn>
+                  </p:par>
+                  <p:par>
+                    <p:cTn id="23" fill="hold">
+                      <p:stCondLst>
+                        <p:cond delay="indefinite"/>
+                      </p:stCondLst>
+                      <p:childTnLst>
+                        <p:par>
+                          <p:cTn id="24" fill="hold">
+                            <p:stCondLst>
+                              <p:cond delay="0"/>
+                            </p:stCondLst>
+                            <p:childTnLst>
+                              <p:par>
+                                <p:cTn id="25" presetID="1" presetClass="entr" presetSubtype="0" fill="hold" nodeType="clickEffect">
+                                  <p:stCondLst>
+                                    <p:cond delay="0"/>
+                                  </p:stCondLst>
+                                  <p:childTnLst>
+                                    <p:set>
+                                      <p:cBhvr>
+                                        <p:cTn id="26" dur="1" fill="hold">
+                                          <p:stCondLst>
+                                            <p:cond delay="0"/>
+                                          </p:stCondLst>
+                                        </p:cTn>
+                                        <p:tgtEl>
+                                          <p:spTgt spid="3">
+                                            <p:txEl>
+                                              <p:pRg st="6" end="6"/>
                                             </p:txEl>
                                           </p:spTgt>
                                         </p:tgtEl>
@@ -10257,128 +11078,6 @@
       </p:par>
     </p:tnLst>
   </p:timing>
-</p:sld>
-</file>
-
-<file path=ppt/slides/slide29.xml><?xml version="1.0" encoding="utf-8"?>
-<p:sld xmlns:a="http://schemas.openxmlformats.org/drawingml/2006/main" xmlns:r="http://schemas.openxmlformats.org/officeDocument/2006/relationships" xmlns:p="http://schemas.openxmlformats.org/presentationml/2006/main">
-  <p:cSld>
-    <p:spTree>
-      <p:nvGrpSpPr>
-        <p:cNvPr id="1" name=""/>
-        <p:cNvGrpSpPr/>
-        <p:nvPr/>
-      </p:nvGrpSpPr>
-      <p:grpSpPr>
-        <a:xfrm>
-          <a:off x="0" y="0"/>
-          <a:ext cx="0" cy="0"/>
-          <a:chOff x="0" y="0"/>
-          <a:chExt cx="0" cy="0"/>
-        </a:xfrm>
-      </p:grpSpPr>
-      <p:sp>
-        <p:nvSpPr>
-          <p:cNvPr id="3" name="Content Placeholder 2">
-            <a:extLst>
-              <a:ext uri="{FF2B5EF4-FFF2-40B4-BE49-F238E27FC236}">
-                <a16:creationId xmlns:a16="http://schemas.microsoft.com/office/drawing/2014/main" id="{230E2F2D-D106-95EA-E18E-0D7D459DA9A1}"/>
-              </a:ext>
-            </a:extLst>
-          </p:cNvPr>
-          <p:cNvSpPr>
-            <a:spLocks noGrp="1"/>
-          </p:cNvSpPr>
-          <p:nvPr>
-            <p:ph idx="1"/>
-          </p:nvPr>
-        </p:nvSpPr>
-        <p:spPr>
-          <a:xfrm>
-            <a:off x="628650" y="1352255"/>
-            <a:ext cx="7886700" cy="3019722"/>
-          </a:xfrm>
-        </p:spPr>
-        <p:txBody>
-          <a:bodyPr>
-            <a:normAutofit/>
-          </a:bodyPr>
-          <a:lstStyle/>
-          <a:p>
-            <a:r>
-              <a:rPr lang="en-US" dirty="0"/>
-              <a:t>Currently, data collection is about </a:t>
-            </a:r>
-            <a:r>
-              <a:rPr lang="en-US" b="1" dirty="0">
-                <a:solidFill>
-                  <a:schemeClr val="accent1"/>
-                </a:solidFill>
-              </a:rPr>
-              <a:t>XX%</a:t>
-            </a:r>
-            <a:r>
-              <a:rPr lang="en-US" dirty="0"/>
-              <a:t> complete (XXX/3000)</a:t>
-            </a:r>
-          </a:p>
-          <a:p>
-            <a:pPr marL="0" indent="0">
-              <a:buNone/>
-            </a:pPr>
-            <a:endParaRPr lang="en-US" dirty="0"/>
-          </a:p>
-          <a:p>
-            <a:endParaRPr lang="en-US" dirty="0"/>
-          </a:p>
-          <a:p>
-            <a:endParaRPr lang="en-US" dirty="0"/>
-          </a:p>
-        </p:txBody>
-      </p:sp>
-      <p:sp>
-        <p:nvSpPr>
-          <p:cNvPr id="13" name="Title 1">
-            <a:extLst>
-              <a:ext uri="{FF2B5EF4-FFF2-40B4-BE49-F238E27FC236}">
-                <a16:creationId xmlns:a16="http://schemas.microsoft.com/office/drawing/2014/main" id="{B8C731E7-87E6-D4D4-930D-630DE8399438}"/>
-              </a:ext>
-            </a:extLst>
-          </p:cNvPr>
-          <p:cNvSpPr>
-            <a:spLocks noGrp="1"/>
-          </p:cNvSpPr>
-          <p:nvPr>
-            <p:ph type="title"/>
-          </p:nvPr>
-        </p:nvSpPr>
-        <p:spPr>
-          <a:xfrm>
-            <a:off x="628650" y="148925"/>
-            <a:ext cx="7886700" cy="1325563"/>
-          </a:xfrm>
-        </p:spPr>
-        <p:txBody>
-          <a:bodyPr/>
-          <a:lstStyle/>
-          <a:p>
-            <a:r>
-              <a:rPr lang="en-US" b="1" dirty="0"/>
-              <a:t>Current Status</a:t>
-            </a:r>
-          </a:p>
-        </p:txBody>
-      </p:sp>
-    </p:spTree>
-    <p:extLst>
-      <p:ext uri="{BB962C8B-B14F-4D97-AF65-F5344CB8AC3E}">
-        <p14:creationId xmlns:p14="http://schemas.microsoft.com/office/powerpoint/2010/main" val="2510830952"/>
-      </p:ext>
-    </p:extLst>
-  </p:cSld>
-  <p:clrMapOvr>
-    <a:masterClrMapping/>
-  </p:clrMapOvr>
 </p:sld>
 </file>
 
@@ -10834,7 +11533,7 @@
         <p:spPr>
           <a:xfrm>
             <a:off x="628650" y="1352255"/>
-            <a:ext cx="7886700" cy="3019722"/>
+            <a:ext cx="7886700" cy="4106436"/>
           </a:xfrm>
         </p:spPr>
         <p:txBody>
@@ -10852,13 +11551,84 @@
                 <a:solidFill>
                   <a:schemeClr val="accent1"/>
                 </a:solidFill>
+                <a:highlight>
+                  <a:srgbClr val="FFFF00"/>
+                </a:highlight>
               </a:rPr>
               <a:t>XX%</a:t>
             </a:r>
             <a:r>
               <a:rPr lang="en-US" dirty="0"/>
-              <a:t> complete (XXX/3000)</a:t>
-            </a:r>
+              <a:t> complete (</a:t>
+            </a:r>
+            <a:r>
+              <a:rPr lang="en-US" dirty="0">
+                <a:highlight>
+                  <a:srgbClr val="FFFF00"/>
+                </a:highlight>
+              </a:rPr>
+              <a:t>XXX</a:t>
+            </a:r>
+            <a:r>
+              <a:rPr lang="en-US" dirty="0"/>
+              <a:t>/3000) (October 2022)</a:t>
+            </a:r>
+          </a:p>
+          <a:p>
+            <a:endParaRPr lang="en-US" dirty="0"/>
+          </a:p>
+          <a:p>
+            <a:r>
+              <a:rPr lang="en-US" dirty="0"/>
+              <a:t>Data collection currently ongoing at the University of Southern Mississippi, Midwestern State University, and </a:t>
+            </a:r>
+            <a:r>
+              <a:rPr lang="en-US" dirty="0">
+                <a:highlight>
+                  <a:srgbClr val="FFFF00"/>
+                </a:highlight>
+              </a:rPr>
+              <a:t>XX</a:t>
+            </a:r>
+            <a:r>
+              <a:rPr lang="en-US" dirty="0"/>
+              <a:t> partner institutions</a:t>
+            </a:r>
+          </a:p>
+          <a:p>
+            <a:endParaRPr lang="en-US" dirty="0"/>
+          </a:p>
+          <a:p>
+            <a:r>
+              <a:rPr lang="en-US" dirty="0"/>
+              <a:t>All words currently normed by at least </a:t>
+            </a:r>
+            <a:r>
+              <a:rPr lang="en-US" dirty="0">
+                <a:highlight>
+                  <a:srgbClr val="FFFF00"/>
+                </a:highlight>
+              </a:rPr>
+              <a:t>xx</a:t>
+            </a:r>
+            <a:r>
+              <a:rPr lang="en-US" dirty="0"/>
+              <a:t> participants </a:t>
+            </a:r>
+            <a:r>
+              <a:rPr lang="en-US" dirty="0">
+                <a:highlight>
+                  <a:srgbClr val="FFFF00"/>
+                </a:highlight>
+              </a:rPr>
+              <a:t>(xx – xx)</a:t>
+            </a:r>
+          </a:p>
+          <a:p>
+            <a:endParaRPr lang="en-US" dirty="0"/>
+          </a:p>
+          <a:p>
+            <a:endParaRPr lang="en-US" dirty="0"/>
           </a:p>
           <a:p>
             <a:pPr marL="0" indent="0">
@@ -10901,17 +11671,16 @@
           <a:lstStyle/>
           <a:p>
             <a:r>
-              <a:rPr lang="en-US" b="1"/>
+              <a:rPr lang="en-US" b="1" dirty="0"/>
               <a:t>Current Status</a:t>
             </a:r>
-            <a:endParaRPr lang="en-US" b="1" dirty="0"/>
           </a:p>
         </p:txBody>
       </p:sp>
     </p:spTree>
     <p:extLst>
       <p:ext uri="{BB962C8B-B14F-4D97-AF65-F5344CB8AC3E}">
-        <p14:creationId xmlns:p14="http://schemas.microsoft.com/office/powerpoint/2010/main" val="455950836"/>
+        <p14:creationId xmlns:p14="http://schemas.microsoft.com/office/powerpoint/2010/main" val="2510830952"/>
       </p:ext>
     </p:extLst>
   </p:cSld>
@@ -10956,7 +11725,187 @@
         </p:nvSpPr>
         <p:spPr>
           <a:xfrm>
-            <a:off x="628650" y="4467452"/>
+            <a:off x="628650" y="1352255"/>
+            <a:ext cx="7886700" cy="3019722"/>
+          </a:xfrm>
+        </p:spPr>
+        <p:txBody>
+          <a:bodyPr>
+            <a:normAutofit/>
+          </a:bodyPr>
+          <a:lstStyle/>
+          <a:p>
+            <a:pPr marL="0" indent="0">
+              <a:buNone/>
+            </a:pPr>
+            <a:endParaRPr lang="en-US" dirty="0"/>
+          </a:p>
+          <a:p>
+            <a:endParaRPr lang="en-US" dirty="0"/>
+          </a:p>
+          <a:p>
+            <a:endParaRPr lang="en-US" dirty="0"/>
+          </a:p>
+        </p:txBody>
+      </p:sp>
+      <p:sp>
+        <p:nvSpPr>
+          <p:cNvPr id="13" name="Title 1">
+            <a:extLst>
+              <a:ext uri="{FF2B5EF4-FFF2-40B4-BE49-F238E27FC236}">
+                <a16:creationId xmlns:a16="http://schemas.microsoft.com/office/drawing/2014/main" id="{B8C731E7-87E6-D4D4-930D-630DE8399438}"/>
+              </a:ext>
+            </a:extLst>
+          </p:cNvPr>
+          <p:cNvSpPr>
+            <a:spLocks noGrp="1"/>
+          </p:cNvSpPr>
+          <p:nvPr>
+            <p:ph type="title"/>
+          </p:nvPr>
+        </p:nvSpPr>
+        <p:spPr>
+          <a:xfrm>
+            <a:off x="628650" y="148925"/>
+            <a:ext cx="7886700" cy="1325563"/>
+          </a:xfrm>
+        </p:spPr>
+        <p:txBody>
+          <a:bodyPr/>
+          <a:lstStyle/>
+          <a:p>
+            <a:r>
+              <a:rPr lang="en-US" b="1" dirty="0"/>
+              <a:t>Emerging themes</a:t>
+            </a:r>
+          </a:p>
+        </p:txBody>
+      </p:sp>
+      <p:sp>
+        <p:nvSpPr>
+          <p:cNvPr id="2" name="TextBox 1">
+            <a:extLst>
+              <a:ext uri="{FF2B5EF4-FFF2-40B4-BE49-F238E27FC236}">
+                <a16:creationId xmlns:a16="http://schemas.microsoft.com/office/drawing/2014/main" id="{9597A45F-32AF-3711-0048-DB893FD0BD17}"/>
+              </a:ext>
+            </a:extLst>
+          </p:cNvPr>
+          <p:cNvSpPr txBox="1"/>
+          <p:nvPr/>
+        </p:nvSpPr>
+        <p:spPr>
+          <a:xfrm>
+            <a:off x="768927" y="1655618"/>
+            <a:ext cx="7426037" cy="1569660"/>
+          </a:xfrm>
+          <a:prstGeom prst="rect">
+            <a:avLst/>
+          </a:prstGeom>
+          <a:noFill/>
+        </p:spPr>
+        <p:txBody>
+          <a:bodyPr wrap="square" rtlCol="0">
+            <a:spAutoFit/>
+          </a:bodyPr>
+          <a:lstStyle/>
+          <a:p>
+            <a:pPr marL="285750" indent="-285750">
+              <a:buFont typeface="Arial" panose="020B0604020202020204" pitchFamily="34" charset="0"/>
+              <a:buChar char="•"/>
+            </a:pPr>
+            <a:r>
+              <a:rPr lang="en-US" sz="2400" dirty="0">
+                <a:highlight>
+                  <a:srgbClr val="FFFF00"/>
+                </a:highlight>
+              </a:rPr>
+              <a:t>Proportion of Noun vs Verb Responses</a:t>
+            </a:r>
+          </a:p>
+          <a:p>
+            <a:pPr marL="285750" indent="-285750">
+              <a:buFont typeface="Arial" panose="020B0604020202020204" pitchFamily="34" charset="0"/>
+              <a:buChar char="•"/>
+            </a:pPr>
+            <a:endParaRPr lang="en-US" sz="2400" dirty="0">
+              <a:highlight>
+                <a:srgbClr val="FFFF00"/>
+              </a:highlight>
+            </a:endParaRPr>
+          </a:p>
+          <a:p>
+            <a:pPr marL="285750" indent="-285750">
+              <a:buFont typeface="Arial" panose="020B0604020202020204" pitchFamily="34" charset="0"/>
+              <a:buChar char="•"/>
+            </a:pPr>
+            <a:endParaRPr lang="en-US" sz="2400" dirty="0">
+              <a:highlight>
+                <a:srgbClr val="FFFF00"/>
+              </a:highlight>
+            </a:endParaRPr>
+          </a:p>
+          <a:p>
+            <a:pPr marL="285750" indent="-285750">
+              <a:buFont typeface="Arial" panose="020B0604020202020204" pitchFamily="34" charset="0"/>
+              <a:buChar char="•"/>
+            </a:pPr>
+            <a:endParaRPr lang="en-US" sz="2400" dirty="0">
+              <a:highlight>
+                <a:srgbClr val="FFFF00"/>
+              </a:highlight>
+            </a:endParaRPr>
+          </a:p>
+        </p:txBody>
+      </p:sp>
+    </p:spTree>
+    <p:extLst>
+      <p:ext uri="{BB962C8B-B14F-4D97-AF65-F5344CB8AC3E}">
+        <p14:creationId xmlns:p14="http://schemas.microsoft.com/office/powerpoint/2010/main" val="455950836"/>
+      </p:ext>
+    </p:extLst>
+  </p:cSld>
+  <p:clrMapOvr>
+    <a:masterClrMapping/>
+  </p:clrMapOvr>
+</p:sld>
+</file>
+
+<file path=ppt/slides/slide32.xml><?xml version="1.0" encoding="utf-8"?>
+<p:sld xmlns:a="http://schemas.openxmlformats.org/drawingml/2006/main" xmlns:r="http://schemas.openxmlformats.org/officeDocument/2006/relationships" xmlns:p="http://schemas.openxmlformats.org/presentationml/2006/main">
+  <p:cSld>
+    <p:spTree>
+      <p:nvGrpSpPr>
+        <p:cNvPr id="1" name=""/>
+        <p:cNvGrpSpPr/>
+        <p:nvPr/>
+      </p:nvGrpSpPr>
+      <p:grpSpPr>
+        <a:xfrm>
+          <a:off x="0" y="0"/>
+          <a:ext cx="0" cy="0"/>
+          <a:chOff x="0" y="0"/>
+          <a:chExt cx="0" cy="0"/>
+        </a:xfrm>
+      </p:grpSpPr>
+      <p:sp>
+        <p:nvSpPr>
+          <p:cNvPr id="3" name="Content Placeholder 2">
+            <a:extLst>
+              <a:ext uri="{FF2B5EF4-FFF2-40B4-BE49-F238E27FC236}">
+                <a16:creationId xmlns:a16="http://schemas.microsoft.com/office/drawing/2014/main" id="{230E2F2D-D106-95EA-E18E-0D7D459DA9A1}"/>
+              </a:ext>
+            </a:extLst>
+          </p:cNvPr>
+          <p:cNvSpPr>
+            <a:spLocks noGrp="1"/>
+          </p:cNvSpPr>
+          <p:nvPr>
+            <p:ph idx="1"/>
+          </p:nvPr>
+        </p:nvSpPr>
+        <p:spPr>
+          <a:xfrm>
+            <a:off x="543512" y="3776549"/>
             <a:ext cx="7886700" cy="923330"/>
           </a:xfrm>
         </p:spPr>
@@ -10967,31 +11916,44 @@
           <a:lstStyle/>
           <a:p>
             <a:r>
-              <a:rPr lang="en-US" dirty="0"/>
-              <a:t>Email </a:t>
-            </a:r>
-            <a:r>
-              <a:rPr lang="en-US" dirty="0">
+              <a:rPr lang="en-US" sz="2400" b="1" dirty="0"/>
+              <a:t>General Info:</a:t>
+            </a:r>
+            <a:r>
+              <a:rPr lang="en-US" sz="2400" dirty="0"/>
+              <a:t> Email </a:t>
+            </a:r>
+            <a:r>
+              <a:rPr lang="en-US" sz="2400" dirty="0">
                 <a:hlinkClick r:id="rId2"/>
               </a:rPr>
               <a:t>nicholas.maxwell@msutexas.edu</a:t>
             </a:r>
             <a:r>
-              <a:rPr lang="en-US" dirty="0"/>
+              <a:rPr lang="en-US" sz="2400" dirty="0"/>
               <a:t> or </a:t>
             </a:r>
             <a:r>
-              <a:rPr lang="en-US" dirty="0">
+              <a:rPr lang="en-US" sz="2400" dirty="0">
                 <a:hlinkClick r:id="rId3"/>
               </a:rPr>
               <a:t>alen.hajnal@usm.edu</a:t>
             </a:r>
             <a:r>
-              <a:rPr lang="en-US" dirty="0"/>
+              <a:rPr lang="en-US" sz="2400" dirty="0"/>
               <a:t> for more information</a:t>
             </a:r>
           </a:p>
           <a:p>
+            <a:endParaRPr lang="en-US" dirty="0"/>
+          </a:p>
+          <a:p>
+            <a:endParaRPr lang="en-US" dirty="0"/>
+          </a:p>
+          <a:p>
+            <a:pPr marL="0" indent="0">
+              <a:buNone/>
+            </a:pPr>
             <a:endParaRPr lang="en-US" dirty="0"/>
           </a:p>
           <a:p>
@@ -11016,7 +11978,7 @@
         </p:nvSpPr>
         <p:spPr>
           <a:xfrm>
-            <a:off x="2045865" y="2505670"/>
+            <a:off x="1990447" y="1459651"/>
             <a:ext cx="4800600" cy="923330"/>
           </a:xfrm>
           <a:prstGeom prst="rect">
@@ -11042,6 +12004,245 @@
           </a:p>
         </p:txBody>
       </p:sp>
+      <p:sp>
+        <p:nvSpPr>
+          <p:cNvPr id="2" name="Content Placeholder 2">
+            <a:extLst>
+              <a:ext uri="{FF2B5EF4-FFF2-40B4-BE49-F238E27FC236}">
+                <a16:creationId xmlns:a16="http://schemas.microsoft.com/office/drawing/2014/main" id="{511D24FB-0CB4-75A8-E22C-F6478CDC5D1D}"/>
+              </a:ext>
+            </a:extLst>
+          </p:cNvPr>
+          <p:cNvSpPr txBox="1">
+            <a:spLocks/>
+          </p:cNvSpPr>
+          <p:nvPr/>
+        </p:nvSpPr>
+        <p:spPr>
+          <a:xfrm>
+            <a:off x="502815" y="5332722"/>
+            <a:ext cx="7968095" cy="923330"/>
+          </a:xfrm>
+          <a:prstGeom prst="rect">
+            <a:avLst/>
+          </a:prstGeom>
+        </p:spPr>
+        <p:txBody>
+          <a:bodyPr vert="horz" lIns="91440" tIns="45720" rIns="91440" bIns="45720" rtlCol="0">
+            <a:normAutofit/>
+          </a:bodyPr>
+          <a:lstStyle>
+            <a:lvl1pPr marL="228600" indent="-228600" algn="l" defTabSz="914400" rtl="0" eaLnBrk="1" latinLnBrk="0" hangingPunct="1">
+              <a:lnSpc>
+                <a:spcPct val="90000"/>
+              </a:lnSpc>
+              <a:spcBef>
+                <a:spcPts val="1000"/>
+              </a:spcBef>
+              <a:buFont typeface="Arial" panose="020B0604020202020204" pitchFamily="34" charset="0"/>
+              <a:buChar char="•"/>
+              <a:defRPr sz="2800" kern="1200">
+                <a:solidFill>
+                  <a:schemeClr val="tx1"/>
+                </a:solidFill>
+                <a:latin typeface="+mn-lt"/>
+                <a:ea typeface="+mn-ea"/>
+                <a:cs typeface="+mn-cs"/>
+              </a:defRPr>
+            </a:lvl1pPr>
+            <a:lvl2pPr marL="685800" indent="-228600" algn="l" defTabSz="914400" rtl="0" eaLnBrk="1" latinLnBrk="0" hangingPunct="1">
+              <a:lnSpc>
+                <a:spcPct val="90000"/>
+              </a:lnSpc>
+              <a:spcBef>
+                <a:spcPts val="500"/>
+              </a:spcBef>
+              <a:buFont typeface="Arial" panose="020B0604020202020204" pitchFamily="34" charset="0"/>
+              <a:buChar char="•"/>
+              <a:defRPr sz="2400" kern="1200">
+                <a:solidFill>
+                  <a:schemeClr val="tx1"/>
+                </a:solidFill>
+                <a:latin typeface="+mn-lt"/>
+                <a:ea typeface="+mn-ea"/>
+                <a:cs typeface="+mn-cs"/>
+              </a:defRPr>
+            </a:lvl2pPr>
+            <a:lvl3pPr marL="1143000" indent="-228600" algn="l" defTabSz="914400" rtl="0" eaLnBrk="1" latinLnBrk="0" hangingPunct="1">
+              <a:lnSpc>
+                <a:spcPct val="90000"/>
+              </a:lnSpc>
+              <a:spcBef>
+                <a:spcPts val="500"/>
+              </a:spcBef>
+              <a:buFont typeface="Arial" panose="020B0604020202020204" pitchFamily="34" charset="0"/>
+              <a:buChar char="•"/>
+              <a:defRPr sz="2000" kern="1200">
+                <a:solidFill>
+                  <a:schemeClr val="tx1"/>
+                </a:solidFill>
+                <a:latin typeface="+mn-lt"/>
+                <a:ea typeface="+mn-ea"/>
+                <a:cs typeface="+mn-cs"/>
+              </a:defRPr>
+            </a:lvl3pPr>
+            <a:lvl4pPr marL="1600200" indent="-228600" algn="l" defTabSz="914400" rtl="0" eaLnBrk="1" latinLnBrk="0" hangingPunct="1">
+              <a:lnSpc>
+                <a:spcPct val="90000"/>
+              </a:lnSpc>
+              <a:spcBef>
+                <a:spcPts val="500"/>
+              </a:spcBef>
+              <a:buFont typeface="Arial" panose="020B0604020202020204" pitchFamily="34" charset="0"/>
+              <a:buChar char="•"/>
+              <a:defRPr sz="1800" kern="1200">
+                <a:solidFill>
+                  <a:schemeClr val="tx1"/>
+                </a:solidFill>
+                <a:latin typeface="+mn-lt"/>
+                <a:ea typeface="+mn-ea"/>
+                <a:cs typeface="+mn-cs"/>
+              </a:defRPr>
+            </a:lvl4pPr>
+            <a:lvl5pPr marL="2057400" indent="-228600" algn="l" defTabSz="914400" rtl="0" eaLnBrk="1" latinLnBrk="0" hangingPunct="1">
+              <a:lnSpc>
+                <a:spcPct val="90000"/>
+              </a:lnSpc>
+              <a:spcBef>
+                <a:spcPts val="500"/>
+              </a:spcBef>
+              <a:buFont typeface="Arial" panose="020B0604020202020204" pitchFamily="34" charset="0"/>
+              <a:buChar char="•"/>
+              <a:defRPr sz="1800" kern="1200">
+                <a:solidFill>
+                  <a:schemeClr val="tx1"/>
+                </a:solidFill>
+                <a:latin typeface="+mn-lt"/>
+                <a:ea typeface="+mn-ea"/>
+                <a:cs typeface="+mn-cs"/>
+              </a:defRPr>
+            </a:lvl5pPr>
+            <a:lvl6pPr marL="2514600" indent="-228600" algn="l" defTabSz="914400" rtl="0" eaLnBrk="1" latinLnBrk="0" hangingPunct="1">
+              <a:lnSpc>
+                <a:spcPct val="90000"/>
+              </a:lnSpc>
+              <a:spcBef>
+                <a:spcPts val="500"/>
+              </a:spcBef>
+              <a:buFont typeface="Arial" panose="020B0604020202020204" pitchFamily="34" charset="0"/>
+              <a:buChar char="•"/>
+              <a:defRPr sz="1800" kern="1200">
+                <a:solidFill>
+                  <a:schemeClr val="tx1"/>
+                </a:solidFill>
+                <a:latin typeface="+mn-lt"/>
+                <a:ea typeface="+mn-ea"/>
+                <a:cs typeface="+mn-cs"/>
+              </a:defRPr>
+            </a:lvl6pPr>
+            <a:lvl7pPr marL="2971800" indent="-228600" algn="l" defTabSz="914400" rtl="0" eaLnBrk="1" latinLnBrk="0" hangingPunct="1">
+              <a:lnSpc>
+                <a:spcPct val="90000"/>
+              </a:lnSpc>
+              <a:spcBef>
+                <a:spcPts val="500"/>
+              </a:spcBef>
+              <a:buFont typeface="Arial" panose="020B0604020202020204" pitchFamily="34" charset="0"/>
+              <a:buChar char="•"/>
+              <a:defRPr sz="1800" kern="1200">
+                <a:solidFill>
+                  <a:schemeClr val="tx1"/>
+                </a:solidFill>
+                <a:latin typeface="+mn-lt"/>
+                <a:ea typeface="+mn-ea"/>
+                <a:cs typeface="+mn-cs"/>
+              </a:defRPr>
+            </a:lvl7pPr>
+            <a:lvl8pPr marL="3429000" indent="-228600" algn="l" defTabSz="914400" rtl="0" eaLnBrk="1" latinLnBrk="0" hangingPunct="1">
+              <a:lnSpc>
+                <a:spcPct val="90000"/>
+              </a:lnSpc>
+              <a:spcBef>
+                <a:spcPts val="500"/>
+              </a:spcBef>
+              <a:buFont typeface="Arial" panose="020B0604020202020204" pitchFamily="34" charset="0"/>
+              <a:buChar char="•"/>
+              <a:defRPr sz="1800" kern="1200">
+                <a:solidFill>
+                  <a:schemeClr val="tx1"/>
+                </a:solidFill>
+                <a:latin typeface="+mn-lt"/>
+                <a:ea typeface="+mn-ea"/>
+                <a:cs typeface="+mn-cs"/>
+              </a:defRPr>
+            </a:lvl8pPr>
+            <a:lvl9pPr marL="3886200" indent="-228600" algn="l" defTabSz="914400" rtl="0" eaLnBrk="1" latinLnBrk="0" hangingPunct="1">
+              <a:lnSpc>
+                <a:spcPct val="90000"/>
+              </a:lnSpc>
+              <a:spcBef>
+                <a:spcPts val="500"/>
+              </a:spcBef>
+              <a:buFont typeface="Arial" panose="020B0604020202020204" pitchFamily="34" charset="0"/>
+              <a:buChar char="•"/>
+              <a:defRPr sz="1800" kern="1200">
+                <a:solidFill>
+                  <a:schemeClr val="tx1"/>
+                </a:solidFill>
+                <a:latin typeface="+mn-lt"/>
+                <a:ea typeface="+mn-ea"/>
+                <a:cs typeface="+mn-cs"/>
+              </a:defRPr>
+            </a:lvl9pPr>
+          </a:lstStyle>
+          <a:p>
+            <a:r>
+              <a:rPr lang="en-US" sz="2400" b="1" dirty="0"/>
+              <a:t>Questions about Data Collection:</a:t>
+            </a:r>
+            <a:r>
+              <a:rPr lang="en-US" sz="2400" dirty="0"/>
+              <a:t> Email </a:t>
+            </a:r>
+            <a:r>
+              <a:rPr lang="en-US" sz="2400" dirty="0">
+                <a:hlinkClick r:id="rId4"/>
+              </a:rPr>
+              <a:t>mark.huff@usm.edu</a:t>
+            </a:r>
+            <a:r>
+              <a:rPr lang="en-US" sz="2400" dirty="0"/>
+              <a:t> or  </a:t>
+            </a:r>
+            <a:r>
+              <a:rPr lang="en-US" sz="2400" dirty="0" err="1">
+                <a:hlinkClick r:id="rId5"/>
+              </a:rPr>
+              <a:t>jacob.namias@usm</a:t>
+            </a:r>
+            <a:r>
+              <a:rPr lang="en-US" sz="2400" dirty="0">
+                <a:hlinkClick r:id="rId5"/>
+              </a:rPr>
+              <a:t>.</a:t>
+            </a:r>
+            <a:endParaRPr lang="en-US" sz="2400" dirty="0"/>
+          </a:p>
+          <a:p>
+            <a:pPr marL="0" indent="0">
+              <a:buFont typeface="Arial" panose="020B0604020202020204" pitchFamily="34" charset="0"/>
+              <a:buNone/>
+            </a:pPr>
+            <a:endParaRPr lang="en-US" sz="2400" dirty="0"/>
+          </a:p>
+          <a:p>
+            <a:endParaRPr lang="en-US" dirty="0"/>
+          </a:p>
+          <a:p>
+            <a:endParaRPr lang="en-US" dirty="0"/>
+          </a:p>
+        </p:txBody>
+      </p:sp>
     </p:spTree>
     <p:extLst>
       <p:ext uri="{BB962C8B-B14F-4D97-AF65-F5344CB8AC3E}">
@@ -11052,137 +12253,6 @@
   <p:clrMapOvr>
     <a:masterClrMapping/>
   </p:clrMapOvr>
-  <p:timing>
-    <p:tnLst>
-      <p:par>
-        <p:cTn id="1" dur="indefinite" restart="never" nodeType="tmRoot">
-          <p:childTnLst>
-            <p:seq concurrent="1" nextAc="seek">
-              <p:cTn id="2" dur="indefinite" nodeType="mainSeq">
-                <p:childTnLst>
-                  <p:par>
-                    <p:cTn id="3" fill="hold">
-                      <p:stCondLst>
-                        <p:cond delay="indefinite"/>
-                        <p:cond evt="onBegin" delay="0">
-                          <p:tn val="2"/>
-                        </p:cond>
-                      </p:stCondLst>
-                      <p:childTnLst>
-                        <p:par>
-                          <p:cTn id="4" fill="hold">
-                            <p:stCondLst>
-                              <p:cond delay="0"/>
-                            </p:stCondLst>
-                            <p:childTnLst>
-                              <p:par>
-                                <p:cTn id="5" presetID="1" presetClass="entr" presetSubtype="0" fill="hold" nodeType="withEffect">
-                                  <p:stCondLst>
-                                    <p:cond delay="0"/>
-                                  </p:stCondLst>
-                                  <p:childTnLst>
-                                    <p:set>
-                                      <p:cBhvr>
-                                        <p:cTn id="6" dur="1" fill="hold">
-                                          <p:stCondLst>
-                                            <p:cond delay="0"/>
-                                          </p:stCondLst>
-                                        </p:cTn>
-                                        <p:tgtEl>
-                                          <p:spTgt spid="3">
-                                            <p:txEl>
-                                              <p:pRg st="0" end="0"/>
-                                            </p:txEl>
-                                          </p:spTgt>
-                                        </p:tgtEl>
-                                        <p:attrNameLst>
-                                          <p:attrName>style.visibility</p:attrName>
-                                        </p:attrNameLst>
-                                      </p:cBhvr>
-                                      <p:to>
-                                        <p:strVal val="visible"/>
-                                      </p:to>
-                                    </p:set>
-                                  </p:childTnLst>
-                                </p:cTn>
-                              </p:par>
-                            </p:childTnLst>
-                          </p:cTn>
-                        </p:par>
-                      </p:childTnLst>
-                    </p:cTn>
-                  </p:par>
-                  <p:par>
-                    <p:cTn id="7" fill="hold">
-                      <p:stCondLst>
-                        <p:cond delay="indefinite"/>
-                      </p:stCondLst>
-                      <p:childTnLst>
-                        <p:par>
-                          <p:cTn id="8" fill="hold">
-                            <p:stCondLst>
-                              <p:cond delay="0"/>
-                            </p:stCondLst>
-                            <p:childTnLst>
-                              <p:par>
-                                <p:cTn id="9" presetID="1" presetClass="entr" presetSubtype="0" fill="hold" nodeType="clickEffect">
-                                  <p:stCondLst>
-                                    <p:cond delay="0"/>
-                                  </p:stCondLst>
-                                  <p:childTnLst>
-                                    <p:set>
-                                      <p:cBhvr>
-                                        <p:cTn id="10" dur="1" fill="hold">
-                                          <p:stCondLst>
-                                            <p:cond delay="0"/>
-                                          </p:stCondLst>
-                                        </p:cTn>
-                                        <p:tgtEl>
-                                          <p:spTgt spid="4">
-                                            <p:txEl>
-                                              <p:pRg st="0" end="0"/>
-                                            </p:txEl>
-                                          </p:spTgt>
-                                        </p:tgtEl>
-                                        <p:attrNameLst>
-                                          <p:attrName>style.visibility</p:attrName>
-                                        </p:attrNameLst>
-                                      </p:cBhvr>
-                                      <p:to>
-                                        <p:strVal val="visible"/>
-                                      </p:to>
-                                    </p:set>
-                                  </p:childTnLst>
-                                </p:cTn>
-                              </p:par>
-                            </p:childTnLst>
-                          </p:cTn>
-                        </p:par>
-                      </p:childTnLst>
-                    </p:cTn>
-                  </p:par>
-                </p:childTnLst>
-              </p:cTn>
-              <p:prevCondLst>
-                <p:cond evt="onPrev" delay="0">
-                  <p:tgtEl>
-                    <p:sldTgt/>
-                  </p:tgtEl>
-                </p:cond>
-              </p:prevCondLst>
-              <p:nextCondLst>
-                <p:cond evt="onNext" delay="0">
-                  <p:tgtEl>
-                    <p:sldTgt/>
-                  </p:tgtEl>
-                </p:cond>
-              </p:nextCondLst>
-            </p:seq>
-          </p:childTnLst>
-        </p:cTn>
-      </p:par>
-    </p:tnLst>
-  </p:timing>
 </p:sld>
 </file>
 
@@ -11231,7 +12301,7 @@
           <a:p>
             <a:r>
               <a:rPr lang="en-US" b="1" dirty="0"/>
-              <a:t>Introduction</a:t>
+              <a:t>Associations</a:t>
             </a:r>
           </a:p>
         </p:txBody>
@@ -11264,7 +12334,7 @@
           <a:p>
             <a:r>
               <a:rPr lang="en-US" dirty="0"/>
-              <a:t>Objects can be described in several ways</a:t>
+              <a:t>Objects can be described in several ways:</a:t>
             </a:r>
           </a:p>
           <a:p>
@@ -11435,7 +12505,7 @@
           <a:p>
             <a:r>
               <a:rPr lang="en-US" b="1" dirty="0"/>
-              <a:t>Associates</a:t>
+              <a:t>Associative Networks</a:t>
             </a:r>
           </a:p>
         </p:txBody>
@@ -12928,7 +13998,7 @@
           <a:p>
             <a:r>
               <a:rPr lang="en-US" dirty="0"/>
-              <a:t>Objects can be described in several ways</a:t>
+              <a:t>Objects can be described in several ways:</a:t>
             </a:r>
           </a:p>
           <a:p>
@@ -12943,6 +14013,21 @@
             <a:r>
               <a:rPr lang="en-US" dirty="0"/>
               <a:t>: Interactive or actionable properties of objects</a:t>
+            </a:r>
+          </a:p>
+          <a:p>
+            <a:pPr lvl="1"/>
+            <a:endParaRPr lang="en-US" dirty="0"/>
+          </a:p>
+          <a:p>
+            <a:pPr lvl="1"/>
+            <a:r>
+              <a:rPr lang="en-US" dirty="0">
+                <a:highlight>
+                  <a:srgbClr val="FFFF00"/>
+                </a:highlight>
+              </a:rPr>
+              <a:t>[SOMETHING]</a:t>
             </a:r>
           </a:p>
           <a:p>

--- a/5 Presentations/UCONN 2022.pptx
+++ b/5 Presentations/UCONN 2022.pptx
@@ -35,8 +35,9 @@
     <p:sldId id="286" r:id="rId29"/>
     <p:sldId id="285" r:id="rId30"/>
     <p:sldId id="277" r:id="rId31"/>
-    <p:sldId id="297" r:id="rId32"/>
-    <p:sldId id="296" r:id="rId33"/>
+    <p:sldId id="305" r:id="rId32"/>
+    <p:sldId id="306" r:id="rId33"/>
+    <p:sldId id="296" r:id="rId34"/>
   </p:sldIdLst>
   <p:sldSz cx="9144000" cy="6858000" type="screen4x3"/>
   <p:notesSz cx="6858000" cy="9144000"/>
@@ -593,7 +594,7 @@
           <a:p>
             <a:fld id="{1B04FFF2-C519-4852-BB84-2A3EE9233315}" type="datetimeFigureOut">
               <a:rPr lang="en-US" smtClean="0"/>
-              <a:t>10/4/2022</a:t>
+              <a:t>10/10/2022</a:t>
             </a:fld>
             <a:endParaRPr lang="en-US"/>
           </a:p>
@@ -763,7 +764,7 @@
           <a:p>
             <a:fld id="{1B04FFF2-C519-4852-BB84-2A3EE9233315}" type="datetimeFigureOut">
               <a:rPr lang="en-US" smtClean="0"/>
-              <a:t>10/4/2022</a:t>
+              <a:t>10/10/2022</a:t>
             </a:fld>
             <a:endParaRPr lang="en-US"/>
           </a:p>
@@ -943,7 +944,7 @@
           <a:p>
             <a:fld id="{1B04FFF2-C519-4852-BB84-2A3EE9233315}" type="datetimeFigureOut">
               <a:rPr lang="en-US" smtClean="0"/>
-              <a:t>10/4/2022</a:t>
+              <a:t>10/10/2022</a:t>
             </a:fld>
             <a:endParaRPr lang="en-US"/>
           </a:p>
@@ -1113,7 +1114,7 @@
           <a:p>
             <a:fld id="{1B04FFF2-C519-4852-BB84-2A3EE9233315}" type="datetimeFigureOut">
               <a:rPr lang="en-US" smtClean="0"/>
-              <a:t>10/4/2022</a:t>
+              <a:t>10/10/2022</a:t>
             </a:fld>
             <a:endParaRPr lang="en-US"/>
           </a:p>
@@ -1357,7 +1358,7 @@
           <a:p>
             <a:fld id="{1B04FFF2-C519-4852-BB84-2A3EE9233315}" type="datetimeFigureOut">
               <a:rPr lang="en-US" smtClean="0"/>
-              <a:t>10/4/2022</a:t>
+              <a:t>10/10/2022</a:t>
             </a:fld>
             <a:endParaRPr lang="en-US"/>
           </a:p>
@@ -1589,7 +1590,7 @@
           <a:p>
             <a:fld id="{1B04FFF2-C519-4852-BB84-2A3EE9233315}" type="datetimeFigureOut">
               <a:rPr lang="en-US" smtClean="0"/>
-              <a:t>10/4/2022</a:t>
+              <a:t>10/10/2022</a:t>
             </a:fld>
             <a:endParaRPr lang="en-US"/>
           </a:p>
@@ -1956,7 +1957,7 @@
           <a:p>
             <a:fld id="{1B04FFF2-C519-4852-BB84-2A3EE9233315}" type="datetimeFigureOut">
               <a:rPr lang="en-US" smtClean="0"/>
-              <a:t>10/4/2022</a:t>
+              <a:t>10/10/2022</a:t>
             </a:fld>
             <a:endParaRPr lang="en-US"/>
           </a:p>
@@ -2074,7 +2075,7 @@
           <a:p>
             <a:fld id="{1B04FFF2-C519-4852-BB84-2A3EE9233315}" type="datetimeFigureOut">
               <a:rPr lang="en-US" smtClean="0"/>
-              <a:t>10/4/2022</a:t>
+              <a:t>10/10/2022</a:t>
             </a:fld>
             <a:endParaRPr lang="en-US"/>
           </a:p>
@@ -2169,7 +2170,7 @@
           <a:p>
             <a:fld id="{1B04FFF2-C519-4852-BB84-2A3EE9233315}" type="datetimeFigureOut">
               <a:rPr lang="en-US" smtClean="0"/>
-              <a:t>10/4/2022</a:t>
+              <a:t>10/10/2022</a:t>
             </a:fld>
             <a:endParaRPr lang="en-US"/>
           </a:p>
@@ -2446,7 +2447,7 @@
           <a:p>
             <a:fld id="{1B04FFF2-C519-4852-BB84-2A3EE9233315}" type="datetimeFigureOut">
               <a:rPr lang="en-US" smtClean="0"/>
-              <a:t>10/4/2022</a:t>
+              <a:t>10/10/2022</a:t>
             </a:fld>
             <a:endParaRPr lang="en-US"/>
           </a:p>
@@ -2703,7 +2704,7 @@
           <a:p>
             <a:fld id="{1B04FFF2-C519-4852-BB84-2A3EE9233315}" type="datetimeFigureOut">
               <a:rPr lang="en-US" smtClean="0"/>
-              <a:t>10/4/2022</a:t>
+              <a:t>10/10/2022</a:t>
             </a:fld>
             <a:endParaRPr lang="en-US"/>
           </a:p>
@@ -2916,7 +2917,7 @@
           <a:p>
             <a:fld id="{1B04FFF2-C519-4852-BB84-2A3EE9233315}" type="datetimeFigureOut">
               <a:rPr lang="en-US" smtClean="0"/>
-              <a:t>10/4/2022</a:t>
+              <a:t>10/10/2022</a:t>
             </a:fld>
             <a:endParaRPr lang="en-US"/>
           </a:p>
@@ -9926,13 +9927,17 @@
         <p:spPr/>
         <p:txBody>
           <a:bodyPr>
-            <a:normAutofit/>
+            <a:normAutofit lnSpcReduction="10000"/>
           </a:bodyPr>
           <a:lstStyle/>
           <a:p>
             <a:r>
+              <a:rPr lang="en-US" b="1" dirty="0"/>
+              <a:t>Affordance Strength: </a:t>
+            </a:r>
+            <a:r>
               <a:rPr lang="en-US" dirty="0"/>
-              <a:t>Affordance Strength: Probability of a specific affordance being given for a specific cue</a:t>
+              <a:t>Probability of a specific affordance being given for a specific cue</a:t>
             </a:r>
           </a:p>
           <a:p>
@@ -9970,21 +9975,27 @@
             <a:endParaRPr lang="en-US" b="1" dirty="0"/>
           </a:p>
           <a:p>
+            <a:r>
+              <a:rPr lang="en-US" b="1" dirty="0"/>
+              <a:t>Affordance Set Size: </a:t>
+            </a:r>
+            <a:r>
+              <a:rPr lang="en-US" dirty="0"/>
+              <a:t>Number of unique affordances elicited for each cue</a:t>
+            </a:r>
+          </a:p>
+          <a:p>
+            <a:endParaRPr lang="en-US" b="1" dirty="0"/>
+          </a:p>
+          <a:p>
             <a:pPr lvl="1"/>
             <a:r>
-              <a:rPr lang="en-US" dirty="0"/>
-              <a:t>Some affordances should be more common than others</a:t>
-            </a:r>
-          </a:p>
-          <a:p>
-            <a:pPr lvl="1"/>
-            <a:endParaRPr lang="en-US" b="1" dirty="0"/>
-          </a:p>
-          <a:p>
-            <a:pPr lvl="1"/>
-            <a:r>
-              <a:rPr lang="en-US" b="1" dirty="0"/>
-              <a:t>But…. Do some objects have a broader range of use than others?</a:t>
+              <a:rPr lang="en-US" b="1" dirty="0">
+                <a:solidFill>
+                  <a:schemeClr val="accent1"/>
+                </a:solidFill>
+              </a:rPr>
+              <a:t>Do some objects have a broader range of use than others?</a:t>
             </a:r>
           </a:p>
           <a:p>
@@ -10006,6 +10017,116 @@
   <p:clrMapOvr>
     <a:masterClrMapping/>
   </p:clrMapOvr>
+  <p:timing>
+    <p:tnLst>
+      <p:par>
+        <p:cTn id="1" dur="indefinite" restart="never" nodeType="tmRoot">
+          <p:childTnLst>
+            <p:seq concurrent="1" nextAc="seek">
+              <p:cTn id="2" dur="indefinite" nodeType="mainSeq">
+                <p:childTnLst>
+                  <p:par>
+                    <p:cTn id="3" fill="hold">
+                      <p:stCondLst>
+                        <p:cond delay="indefinite"/>
+                      </p:stCondLst>
+                      <p:childTnLst>
+                        <p:par>
+                          <p:cTn id="4" fill="hold">
+                            <p:stCondLst>
+                              <p:cond delay="0"/>
+                            </p:stCondLst>
+                            <p:childTnLst>
+                              <p:par>
+                                <p:cTn id="5" presetID="1" presetClass="entr" presetSubtype="0" fill="hold" nodeType="clickEffect">
+                                  <p:stCondLst>
+                                    <p:cond delay="0"/>
+                                  </p:stCondLst>
+                                  <p:childTnLst>
+                                    <p:set>
+                                      <p:cBhvr>
+                                        <p:cTn id="6" dur="1" fill="hold">
+                                          <p:stCondLst>
+                                            <p:cond delay="0"/>
+                                          </p:stCondLst>
+                                        </p:cTn>
+                                        <p:tgtEl>
+                                          <p:spTgt spid="3">
+                                            <p:txEl>
+                                              <p:pRg st="4" end="4"/>
+                                            </p:txEl>
+                                          </p:spTgt>
+                                        </p:tgtEl>
+                                        <p:attrNameLst>
+                                          <p:attrName>style.visibility</p:attrName>
+                                        </p:attrNameLst>
+                                      </p:cBhvr>
+                                      <p:to>
+                                        <p:strVal val="visible"/>
+                                      </p:to>
+                                    </p:set>
+                                  </p:childTnLst>
+                                </p:cTn>
+                              </p:par>
+                              <p:par>
+                                <p:cTn id="7" presetID="1" presetClass="entr" presetSubtype="0" fill="hold" nodeType="withEffect">
+                                  <p:stCondLst>
+                                    <p:cond delay="0"/>
+                                  </p:stCondLst>
+                                  <p:childTnLst>
+                                    <p:set>
+                                      <p:cBhvr>
+                                        <p:cTn id="8" dur="1" fill="hold">
+                                          <p:stCondLst>
+                                            <p:cond delay="0"/>
+                                          </p:stCondLst>
+                                        </p:cTn>
+                                        <p:tgtEl>
+                                          <p:spTgt spid="3">
+                                            <p:txEl>
+                                              <p:pRg st="6" end="6"/>
+                                            </p:txEl>
+                                          </p:spTgt>
+                                        </p:tgtEl>
+                                        <p:attrNameLst>
+                                          <p:attrName>style.visibility</p:attrName>
+                                        </p:attrNameLst>
+                                      </p:cBhvr>
+                                      <p:to>
+                                        <p:strVal val="visible"/>
+                                      </p:to>
+                                    </p:set>
+                                  </p:childTnLst>
+                                </p:cTn>
+                              </p:par>
+                            </p:childTnLst>
+                          </p:cTn>
+                        </p:par>
+                      </p:childTnLst>
+                    </p:cTn>
+                  </p:par>
+                </p:childTnLst>
+              </p:cTn>
+              <p:prevCondLst>
+                <p:cond evt="onPrev" delay="0">
+                  <p:tgtEl>
+                    <p:sldTgt/>
+                  </p:tgtEl>
+                </p:cond>
+              </p:prevCondLst>
+              <p:nextCondLst>
+                <p:cond evt="onNext" delay="0">
+                  <p:tgtEl>
+                    <p:sldTgt/>
+                  </p:tgtEl>
+                </p:cond>
+              </p:nextCondLst>
+            </p:seq>
+          </p:childTnLst>
+        </p:cTn>
+      </p:par>
+    </p:tnLst>
+  </p:timing>
 </p:sld>
 </file>
 
@@ -10132,7 +10253,7 @@
             </a:r>
             <a:r>
               <a:rPr lang="en-US" dirty="0"/>
-              <a:t> responses</a:t>
+              <a:t> responses!</a:t>
             </a:r>
           </a:p>
           <a:p>
@@ -11544,87 +11665,37 @@
           <a:p>
             <a:r>
               <a:rPr lang="en-US" dirty="0"/>
-              <a:t>Currently, data collection is about </a:t>
+              <a:t>Currently, data collection is </a:t>
             </a:r>
             <a:r>
               <a:rPr lang="en-US" b="1" dirty="0">
                 <a:solidFill>
                   <a:schemeClr val="accent1"/>
                 </a:solidFill>
-                <a:highlight>
-                  <a:srgbClr val="FFFF00"/>
-                </a:highlight>
               </a:rPr>
-              <a:t>XX%</a:t>
+              <a:t>~27%</a:t>
             </a:r>
             <a:r>
               <a:rPr lang="en-US" dirty="0"/>
-              <a:t> complete (</a:t>
-            </a:r>
-            <a:r>
-              <a:rPr lang="en-US" dirty="0">
-                <a:highlight>
-                  <a:srgbClr val="FFFF00"/>
-                </a:highlight>
-              </a:rPr>
-              <a:t>XXX</a:t>
-            </a:r>
+              <a:t> complete (796/3000) (October 2022)</a:t>
+            </a:r>
+          </a:p>
+          <a:p>
+            <a:endParaRPr lang="en-US" dirty="0"/>
+          </a:p>
+          <a:p>
             <a:r>
               <a:rPr lang="en-US" dirty="0"/>
-              <a:t>/3000) (October 2022)</a:t>
+              <a:t>Data collection currently ongoing at the University of Southern Mississippi, Midwestern State University, and 7 partner institutions</a:t>
             </a:r>
           </a:p>
           <a:p>
             <a:endParaRPr lang="en-US" dirty="0"/>
           </a:p>
           <a:p>
-            <a:r>
-              <a:rPr lang="en-US" dirty="0"/>
-              <a:t>Data collection currently ongoing at the University of Southern Mississippi, Midwestern State University, and </a:t>
-            </a:r>
-            <a:r>
-              <a:rPr lang="en-US" dirty="0">
-                <a:highlight>
-                  <a:srgbClr val="FFFF00"/>
-                </a:highlight>
-              </a:rPr>
-              <a:t>XX</a:t>
-            </a:r>
-            <a:r>
-              <a:rPr lang="en-US" dirty="0"/>
-              <a:t> partner institutions</a:t>
-            </a:r>
-          </a:p>
-          <a:p>
-            <a:endParaRPr lang="en-US" dirty="0"/>
-          </a:p>
-          <a:p>
-            <a:r>
-              <a:rPr lang="en-US" dirty="0"/>
-              <a:t>All words currently normed by at least </a:t>
-            </a:r>
-            <a:r>
-              <a:rPr lang="en-US" dirty="0">
-                <a:highlight>
-                  <a:srgbClr val="FFFF00"/>
-                </a:highlight>
-              </a:rPr>
-              <a:t>xx</a:t>
-            </a:r>
-            <a:r>
-              <a:rPr lang="en-US" dirty="0"/>
-              <a:t> participants </a:t>
-            </a:r>
-            <a:r>
-              <a:rPr lang="en-US" dirty="0">
-                <a:highlight>
-                  <a:srgbClr val="FFFF00"/>
-                </a:highlight>
-              </a:rPr>
-              <a:t>(xx – xx)</a:t>
-            </a:r>
-          </a:p>
-          <a:p>
+            <a:pPr marL="0" indent="0">
+              <a:buNone/>
+            </a:pPr>
             <a:endParaRPr lang="en-US" dirty="0"/>
           </a:p>
           <a:p>
@@ -11672,7 +11743,7 @@
           <a:p>
             <a:r>
               <a:rPr lang="en-US" b="1" dirty="0"/>
-              <a:t>Current Status</a:t>
+              <a:t>Current Project Status</a:t>
             </a:r>
           </a:p>
         </p:txBody>
@@ -11726,7 +11797,7 @@
         <p:spPr>
           <a:xfrm>
             <a:off x="628650" y="1352255"/>
-            <a:ext cx="7886700" cy="3019722"/>
+            <a:ext cx="7886700" cy="4106436"/>
           </a:xfrm>
         </p:spPr>
         <p:txBody>
@@ -11734,6 +11805,116 @@
             <a:normAutofit/>
           </a:bodyPr>
           <a:lstStyle/>
+          <a:p>
+            <a:r>
+              <a:rPr lang="en-US" dirty="0"/>
+              <a:t>Each cue is currently averaging ~6 </a:t>
+            </a:r>
+            <a:r>
+              <a:rPr lang="en-US" b="1" dirty="0"/>
+              <a:t>unique</a:t>
+            </a:r>
+            <a:r>
+              <a:rPr lang="en-US" b="1" dirty="0">
+                <a:solidFill>
+                  <a:schemeClr val="accent1"/>
+                </a:solidFill>
+              </a:rPr>
+              <a:t> affordance</a:t>
+            </a:r>
+            <a:r>
+              <a:rPr lang="en-US" dirty="0">
+                <a:solidFill>
+                  <a:schemeClr val="accent1"/>
+                </a:solidFill>
+              </a:rPr>
+              <a:t> </a:t>
+            </a:r>
+            <a:r>
+              <a:rPr lang="en-US" b="1" dirty="0">
+                <a:solidFill>
+                  <a:schemeClr val="accent1"/>
+                </a:solidFill>
+              </a:rPr>
+              <a:t>responses</a:t>
+            </a:r>
+            <a:r>
+              <a:rPr lang="en-US" b="1" dirty="0"/>
+              <a:t> </a:t>
+            </a:r>
+            <a:r>
+              <a:rPr lang="en-US" dirty="0"/>
+              <a:t>(</a:t>
+            </a:r>
+            <a:r>
+              <a:rPr lang="en-US" i="1" dirty="0"/>
+              <a:t>M</a:t>
+            </a:r>
+            <a:r>
+              <a:rPr lang="en-US" dirty="0"/>
+              <a:t> = 6.20)</a:t>
+            </a:r>
+          </a:p>
+          <a:p>
+            <a:pPr lvl="1"/>
+            <a:r>
+              <a:rPr lang="en-US" i="1" dirty="0" err="1"/>
+              <a:t>sd</a:t>
+            </a:r>
+            <a:r>
+              <a:rPr lang="en-US" dirty="0"/>
+              <a:t> = 3.71; min = 1; max = 37</a:t>
+            </a:r>
+          </a:p>
+          <a:p>
+            <a:pPr lvl="1"/>
+            <a:endParaRPr lang="en-US" dirty="0"/>
+          </a:p>
+          <a:p>
+            <a:r>
+              <a:rPr lang="en-US" b="1" dirty="0">
+                <a:solidFill>
+                  <a:schemeClr val="accent1"/>
+                </a:solidFill>
+              </a:rPr>
+              <a:t>Cues w/ Most affordances:</a:t>
+            </a:r>
+          </a:p>
+          <a:p>
+            <a:pPr lvl="1"/>
+            <a:r>
+              <a:rPr lang="en-US" dirty="0"/>
+              <a:t>Automobile (37)</a:t>
+            </a:r>
+          </a:p>
+          <a:p>
+            <a:pPr lvl="1"/>
+            <a:r>
+              <a:rPr lang="en-US" dirty="0"/>
+              <a:t>Snowfall (19)</a:t>
+            </a:r>
+          </a:p>
+          <a:p>
+            <a:pPr lvl="1"/>
+            <a:r>
+              <a:rPr lang="en-US" dirty="0"/>
+              <a:t>Branch (18)</a:t>
+            </a:r>
+          </a:p>
+          <a:p>
+            <a:pPr lvl="1"/>
+            <a:endParaRPr lang="en-US" dirty="0">
+              <a:highlight>
+                <a:srgbClr val="FFFF00"/>
+              </a:highlight>
+            </a:endParaRPr>
+          </a:p>
+          <a:p>
+            <a:endParaRPr lang="en-US" dirty="0"/>
+          </a:p>
+          <a:p>
+            <a:endParaRPr lang="en-US" dirty="0"/>
+          </a:p>
           <a:p>
             <a:pPr marL="0" indent="0">
               <a:buNone/>
@@ -11776,91 +11957,15 @@
           <a:p>
             <a:r>
               <a:rPr lang="en-US" b="1" dirty="0"/>
-              <a:t>Emerging themes</a:t>
-            </a:r>
-          </a:p>
-        </p:txBody>
-      </p:sp>
-      <p:sp>
-        <p:nvSpPr>
-          <p:cNvPr id="2" name="TextBox 1">
-            <a:extLst>
-              <a:ext uri="{FF2B5EF4-FFF2-40B4-BE49-F238E27FC236}">
-                <a16:creationId xmlns:a16="http://schemas.microsoft.com/office/drawing/2014/main" id="{9597A45F-32AF-3711-0048-DB893FD0BD17}"/>
-              </a:ext>
-            </a:extLst>
-          </p:cNvPr>
-          <p:cNvSpPr txBox="1"/>
-          <p:nvPr/>
-        </p:nvSpPr>
-        <p:spPr>
-          <a:xfrm>
-            <a:off x="768927" y="1655618"/>
-            <a:ext cx="7426037" cy="1569660"/>
-          </a:xfrm>
-          <a:prstGeom prst="rect">
-            <a:avLst/>
-          </a:prstGeom>
-          <a:noFill/>
-        </p:spPr>
-        <p:txBody>
-          <a:bodyPr wrap="square" rtlCol="0">
-            <a:spAutoFit/>
-          </a:bodyPr>
-          <a:lstStyle/>
-          <a:p>
-            <a:pPr marL="285750" indent="-285750">
-              <a:buFont typeface="Arial" panose="020B0604020202020204" pitchFamily="34" charset="0"/>
-              <a:buChar char="•"/>
-            </a:pPr>
-            <a:r>
-              <a:rPr lang="en-US" sz="2400" dirty="0">
-                <a:highlight>
-                  <a:srgbClr val="FFFF00"/>
-                </a:highlight>
-              </a:rPr>
-              <a:t>Proportion of Noun vs Verb Responses</a:t>
-            </a:r>
-          </a:p>
-          <a:p>
-            <a:pPr marL="285750" indent="-285750">
-              <a:buFont typeface="Arial" panose="020B0604020202020204" pitchFamily="34" charset="0"/>
-              <a:buChar char="•"/>
-            </a:pPr>
-            <a:endParaRPr lang="en-US" sz="2400" dirty="0">
-              <a:highlight>
-                <a:srgbClr val="FFFF00"/>
-              </a:highlight>
-            </a:endParaRPr>
-          </a:p>
-          <a:p>
-            <a:pPr marL="285750" indent="-285750">
-              <a:buFont typeface="Arial" panose="020B0604020202020204" pitchFamily="34" charset="0"/>
-              <a:buChar char="•"/>
-            </a:pPr>
-            <a:endParaRPr lang="en-US" sz="2400" dirty="0">
-              <a:highlight>
-                <a:srgbClr val="FFFF00"/>
-              </a:highlight>
-            </a:endParaRPr>
-          </a:p>
-          <a:p>
-            <a:pPr marL="285750" indent="-285750">
-              <a:buFont typeface="Arial" panose="020B0604020202020204" pitchFamily="34" charset="0"/>
-              <a:buChar char="•"/>
-            </a:pPr>
-            <a:endParaRPr lang="en-US" sz="2400" dirty="0">
-              <a:highlight>
-                <a:srgbClr val="FFFF00"/>
-              </a:highlight>
-            </a:endParaRPr>
+              <a:t>Current Snapshot</a:t>
+            </a:r>
           </a:p>
         </p:txBody>
       </p:sp>
     </p:spTree>
     <p:extLst>
       <p:ext uri="{BB962C8B-B14F-4D97-AF65-F5344CB8AC3E}">
-        <p14:creationId xmlns:p14="http://schemas.microsoft.com/office/powerpoint/2010/main" val="455950836"/>
+        <p14:creationId xmlns:p14="http://schemas.microsoft.com/office/powerpoint/2010/main" val="188844732"/>
       </p:ext>
     </p:extLst>
   </p:cSld>
@@ -11871,6 +11976,183 @@
 </file>
 
 <file path=ppt/slides/slide32.xml><?xml version="1.0" encoding="utf-8"?>
+<p:sld xmlns:a="http://schemas.openxmlformats.org/drawingml/2006/main" xmlns:r="http://schemas.openxmlformats.org/officeDocument/2006/relationships" xmlns:p="http://schemas.openxmlformats.org/presentationml/2006/main">
+  <p:cSld>
+    <p:spTree>
+      <p:nvGrpSpPr>
+        <p:cNvPr id="1" name=""/>
+        <p:cNvGrpSpPr/>
+        <p:nvPr/>
+      </p:nvGrpSpPr>
+      <p:grpSpPr>
+        <a:xfrm>
+          <a:off x="0" y="0"/>
+          <a:ext cx="0" cy="0"/>
+          <a:chOff x="0" y="0"/>
+          <a:chExt cx="0" cy="0"/>
+        </a:xfrm>
+      </p:grpSpPr>
+      <p:sp>
+        <p:nvSpPr>
+          <p:cNvPr id="3" name="Content Placeholder 2">
+            <a:extLst>
+              <a:ext uri="{FF2B5EF4-FFF2-40B4-BE49-F238E27FC236}">
+                <a16:creationId xmlns:a16="http://schemas.microsoft.com/office/drawing/2014/main" id="{230E2F2D-D106-95EA-E18E-0D7D459DA9A1}"/>
+              </a:ext>
+            </a:extLst>
+          </p:cNvPr>
+          <p:cNvSpPr>
+            <a:spLocks noGrp="1"/>
+          </p:cNvSpPr>
+          <p:nvPr>
+            <p:ph idx="1"/>
+          </p:nvPr>
+        </p:nvSpPr>
+        <p:spPr>
+          <a:xfrm>
+            <a:off x="628650" y="1352255"/>
+            <a:ext cx="7886700" cy="4106436"/>
+          </a:xfrm>
+        </p:spPr>
+        <p:txBody>
+          <a:bodyPr>
+            <a:normAutofit/>
+          </a:bodyPr>
+          <a:lstStyle/>
+          <a:p>
+            <a:r>
+              <a:rPr lang="en-US" b="1" dirty="0"/>
+              <a:t>Automobile</a:t>
+            </a:r>
+          </a:p>
+          <a:p>
+            <a:pPr lvl="1"/>
+            <a:r>
+              <a:rPr lang="en-US" sz="2000" dirty="0">
+                <a:highlight>
+                  <a:srgbClr val="FFFF00"/>
+                </a:highlight>
+              </a:rPr>
+              <a:t>[PERCENTAGES]</a:t>
+            </a:r>
+          </a:p>
+          <a:p>
+            <a:pPr lvl="1"/>
+            <a:endParaRPr lang="en-US" dirty="0"/>
+          </a:p>
+          <a:p>
+            <a:r>
+              <a:rPr lang="en-US" b="1" dirty="0"/>
+              <a:t>Snowfall</a:t>
+            </a:r>
+          </a:p>
+          <a:p>
+            <a:pPr lvl="1"/>
+            <a:r>
+              <a:rPr lang="en-US" sz="2000" dirty="0">
+                <a:highlight>
+                  <a:srgbClr val="FFFF00"/>
+                </a:highlight>
+              </a:rPr>
+              <a:t>[PERCENTAGES]</a:t>
+            </a:r>
+          </a:p>
+          <a:p>
+            <a:endParaRPr lang="en-US" dirty="0"/>
+          </a:p>
+          <a:p>
+            <a:r>
+              <a:rPr lang="en-US" b="1"/>
+              <a:t>Branch</a:t>
+            </a:r>
+            <a:endParaRPr lang="en-US" b="1" dirty="0"/>
+          </a:p>
+          <a:p>
+            <a:pPr lvl="1"/>
+            <a:r>
+              <a:rPr lang="en-US" sz="2000" dirty="0">
+                <a:highlight>
+                  <a:srgbClr val="FFFF00"/>
+                </a:highlight>
+              </a:rPr>
+              <a:t>[PERCENTAGES]</a:t>
+            </a:r>
+          </a:p>
+          <a:p>
+            <a:pPr lvl="1"/>
+            <a:endParaRPr lang="en-US" dirty="0">
+              <a:highlight>
+                <a:srgbClr val="FFFF00"/>
+              </a:highlight>
+            </a:endParaRPr>
+          </a:p>
+          <a:p>
+            <a:endParaRPr lang="en-US" dirty="0"/>
+          </a:p>
+          <a:p>
+            <a:endParaRPr lang="en-US" dirty="0"/>
+          </a:p>
+          <a:p>
+            <a:pPr marL="0" indent="0">
+              <a:buNone/>
+            </a:pPr>
+            <a:endParaRPr lang="en-US" dirty="0"/>
+          </a:p>
+          <a:p>
+            <a:endParaRPr lang="en-US" dirty="0"/>
+          </a:p>
+          <a:p>
+            <a:endParaRPr lang="en-US" dirty="0"/>
+          </a:p>
+        </p:txBody>
+      </p:sp>
+      <p:sp>
+        <p:nvSpPr>
+          <p:cNvPr id="13" name="Title 1">
+            <a:extLst>
+              <a:ext uri="{FF2B5EF4-FFF2-40B4-BE49-F238E27FC236}">
+                <a16:creationId xmlns:a16="http://schemas.microsoft.com/office/drawing/2014/main" id="{B8C731E7-87E6-D4D4-930D-630DE8399438}"/>
+              </a:ext>
+            </a:extLst>
+          </p:cNvPr>
+          <p:cNvSpPr>
+            <a:spLocks noGrp="1"/>
+          </p:cNvSpPr>
+          <p:nvPr>
+            <p:ph type="title"/>
+          </p:nvPr>
+        </p:nvSpPr>
+        <p:spPr>
+          <a:xfrm>
+            <a:off x="628650" y="148925"/>
+            <a:ext cx="7886700" cy="1325563"/>
+          </a:xfrm>
+        </p:spPr>
+        <p:txBody>
+          <a:bodyPr/>
+          <a:lstStyle/>
+          <a:p>
+            <a:r>
+              <a:rPr lang="en-US" b="1" dirty="0"/>
+              <a:t>Current Snapshot</a:t>
+            </a:r>
+          </a:p>
+        </p:txBody>
+      </p:sp>
+    </p:spTree>
+    <p:extLst>
+      <p:ext uri="{BB962C8B-B14F-4D97-AF65-F5344CB8AC3E}">
+        <p14:creationId xmlns:p14="http://schemas.microsoft.com/office/powerpoint/2010/main" val="4265069531"/>
+      </p:ext>
+    </p:extLst>
+  </p:cSld>
+  <p:clrMapOvr>
+    <a:masterClrMapping/>
+  </p:clrMapOvr>
+</p:sld>
+</file>
+
+<file path=ppt/slides/slide33.xml><?xml version="1.0" encoding="utf-8"?>
 <p:sld xmlns:a="http://schemas.openxmlformats.org/drawingml/2006/main" xmlns:r="http://schemas.openxmlformats.org/officeDocument/2006/relationships" xmlns:p="http://schemas.openxmlformats.org/presentationml/2006/main">
   <p:cSld>
     <p:spTree>
@@ -14022,12 +14304,8 @@
           <a:p>
             <a:pPr lvl="1"/>
             <a:r>
-              <a:rPr lang="en-US" dirty="0">
-                <a:highlight>
-                  <a:srgbClr val="FFFF00"/>
-                </a:highlight>
-              </a:rPr>
-              <a:t>[SOMETHING]</a:t>
+              <a:rPr lang="en-US" b="1" dirty="0"/>
+              <a:t>Affordances == Action!</a:t>
             </a:r>
           </a:p>
           <a:p>
@@ -14199,56 +14477,6 @@
           </a:p>
         </p:txBody>
       </p:sp>
-      <p:sp>
-        <p:nvSpPr>
-          <p:cNvPr id="4" name="TextBox 3">
-            <a:extLst>
-              <a:ext uri="{FF2B5EF4-FFF2-40B4-BE49-F238E27FC236}">
-                <a16:creationId xmlns:a16="http://schemas.microsoft.com/office/drawing/2014/main" id="{852DE044-8049-D8C0-79B1-0F4D66923E22}"/>
-              </a:ext>
-            </a:extLst>
-          </p:cNvPr>
-          <p:cNvSpPr txBox="1"/>
-          <p:nvPr/>
-        </p:nvSpPr>
-        <p:spPr>
-          <a:xfrm>
-            <a:off x="114301" y="5014913"/>
-            <a:ext cx="9029699" cy="830997"/>
-          </a:xfrm>
-          <a:prstGeom prst="rect">
-            <a:avLst/>
-          </a:prstGeom>
-          <a:noFill/>
-        </p:spPr>
-        <p:txBody>
-          <a:bodyPr wrap="square" rtlCol="0">
-            <a:spAutoFit/>
-          </a:bodyPr>
-          <a:lstStyle/>
-          <a:p>
-            <a:pPr marL="285750" indent="-285750">
-              <a:buFont typeface="Arial" panose="020B0604020202020204" pitchFamily="34" charset="0"/>
-              <a:buChar char="•"/>
-            </a:pPr>
-            <a:endParaRPr lang="en-US" sz="2400" dirty="0"/>
-          </a:p>
-          <a:p>
-            <a:pPr marL="285750" indent="-285750">
-              <a:buFont typeface="Arial" panose="020B0604020202020204" pitchFamily="34" charset="0"/>
-              <a:buChar char="•"/>
-            </a:pPr>
-            <a:r>
-              <a:rPr lang="en-US" sz="2400" b="1" dirty="0"/>
-              <a:t>Affordances == Action</a:t>
-            </a:r>
-            <a:r>
-              <a:rPr lang="en-US" sz="2400" dirty="0"/>
-              <a:t>!</a:t>
-            </a:r>
-          </a:p>
-        </p:txBody>
-      </p:sp>
     </p:spTree>
     <p:extLst>
       <p:ext uri="{BB962C8B-B14F-4D97-AF65-F5344CB8AC3E}">
@@ -14294,37 +14522,6 @@
                                         </p:cTn>
                                         <p:tgtEl>
                                           <p:spTgt spid="10"/>
-                                        </p:tgtEl>
-                                        <p:attrNameLst>
-                                          <p:attrName>style.visibility</p:attrName>
-                                        </p:attrNameLst>
-                                      </p:cBhvr>
-                                      <p:to>
-                                        <p:strVal val="visible"/>
-                                      </p:to>
-                                    </p:set>
-                                  </p:childTnLst>
-                                </p:cTn>
-                              </p:par>
-                              <p:par>
-                                <p:cTn id="7" presetID="1" presetClass="entr" presetSubtype="0" fill="hold" nodeType="withEffect">
-                                  <p:stCondLst>
-                                    <p:cond delay="0"/>
-                                  </p:stCondLst>
-                                  <p:childTnLst>
-                                    <p:set>
-                                      <p:cBhvr>
-                                        <p:cTn id="8" dur="1" fill="hold">
-                                          <p:stCondLst>
-                                            <p:cond delay="0"/>
-                                          </p:stCondLst>
-                                        </p:cTn>
-                                        <p:tgtEl>
-                                          <p:spTgt spid="4">
-                                            <p:txEl>
-                                              <p:pRg st="1" end="1"/>
-                                            </p:txEl>
-                                          </p:spTgt>
                                         </p:tgtEl>
                                         <p:attrNameLst>
                                           <p:attrName>style.visibility</p:attrName>

--- a/5 Presentations/UCONN 2022.pptx
+++ b/5 Presentations/UCONN 2022.pptx
@@ -594,7 +594,7 @@
           <a:p>
             <a:fld id="{1B04FFF2-C519-4852-BB84-2A3EE9233315}" type="datetimeFigureOut">
               <a:rPr lang="en-US" smtClean="0"/>
-              <a:t>10/10/2022</a:t>
+              <a:t>10/11/2022</a:t>
             </a:fld>
             <a:endParaRPr lang="en-US"/>
           </a:p>
@@ -764,7 +764,7 @@
           <a:p>
             <a:fld id="{1B04FFF2-C519-4852-BB84-2A3EE9233315}" type="datetimeFigureOut">
               <a:rPr lang="en-US" smtClean="0"/>
-              <a:t>10/10/2022</a:t>
+              <a:t>10/11/2022</a:t>
             </a:fld>
             <a:endParaRPr lang="en-US"/>
           </a:p>
@@ -944,7 +944,7 @@
           <a:p>
             <a:fld id="{1B04FFF2-C519-4852-BB84-2A3EE9233315}" type="datetimeFigureOut">
               <a:rPr lang="en-US" smtClean="0"/>
-              <a:t>10/10/2022</a:t>
+              <a:t>10/11/2022</a:t>
             </a:fld>
             <a:endParaRPr lang="en-US"/>
           </a:p>
@@ -1114,7 +1114,7 @@
           <a:p>
             <a:fld id="{1B04FFF2-C519-4852-BB84-2A3EE9233315}" type="datetimeFigureOut">
               <a:rPr lang="en-US" smtClean="0"/>
-              <a:t>10/10/2022</a:t>
+              <a:t>10/11/2022</a:t>
             </a:fld>
             <a:endParaRPr lang="en-US"/>
           </a:p>
@@ -1358,7 +1358,7 @@
           <a:p>
             <a:fld id="{1B04FFF2-C519-4852-BB84-2A3EE9233315}" type="datetimeFigureOut">
               <a:rPr lang="en-US" smtClean="0"/>
-              <a:t>10/10/2022</a:t>
+              <a:t>10/11/2022</a:t>
             </a:fld>
             <a:endParaRPr lang="en-US"/>
           </a:p>
@@ -1590,7 +1590,7 @@
           <a:p>
             <a:fld id="{1B04FFF2-C519-4852-BB84-2A3EE9233315}" type="datetimeFigureOut">
               <a:rPr lang="en-US" smtClean="0"/>
-              <a:t>10/10/2022</a:t>
+              <a:t>10/11/2022</a:t>
             </a:fld>
             <a:endParaRPr lang="en-US"/>
           </a:p>
@@ -1957,7 +1957,7 @@
           <a:p>
             <a:fld id="{1B04FFF2-C519-4852-BB84-2A3EE9233315}" type="datetimeFigureOut">
               <a:rPr lang="en-US" smtClean="0"/>
-              <a:t>10/10/2022</a:t>
+              <a:t>10/11/2022</a:t>
             </a:fld>
             <a:endParaRPr lang="en-US"/>
           </a:p>
@@ -2075,7 +2075,7 @@
           <a:p>
             <a:fld id="{1B04FFF2-C519-4852-BB84-2A3EE9233315}" type="datetimeFigureOut">
               <a:rPr lang="en-US" smtClean="0"/>
-              <a:t>10/10/2022</a:t>
+              <a:t>10/11/2022</a:t>
             </a:fld>
             <a:endParaRPr lang="en-US"/>
           </a:p>
@@ -2170,7 +2170,7 @@
           <a:p>
             <a:fld id="{1B04FFF2-C519-4852-BB84-2A3EE9233315}" type="datetimeFigureOut">
               <a:rPr lang="en-US" smtClean="0"/>
-              <a:t>10/10/2022</a:t>
+              <a:t>10/11/2022</a:t>
             </a:fld>
             <a:endParaRPr lang="en-US"/>
           </a:p>
@@ -2447,7 +2447,7 @@
           <a:p>
             <a:fld id="{1B04FFF2-C519-4852-BB84-2A3EE9233315}" type="datetimeFigureOut">
               <a:rPr lang="en-US" smtClean="0"/>
-              <a:t>10/10/2022</a:t>
+              <a:t>10/11/2022</a:t>
             </a:fld>
             <a:endParaRPr lang="en-US"/>
           </a:p>
@@ -2704,7 +2704,7 @@
           <a:p>
             <a:fld id="{1B04FFF2-C519-4852-BB84-2A3EE9233315}" type="datetimeFigureOut">
               <a:rPr lang="en-US" smtClean="0"/>
-              <a:t>10/10/2022</a:t>
+              <a:t>10/11/2022</a:t>
             </a:fld>
             <a:endParaRPr lang="en-US"/>
           </a:p>
@@ -2917,7 +2917,7 @@
           <a:p>
             <a:fld id="{1B04FFF2-C519-4852-BB84-2A3EE9233315}" type="datetimeFigureOut">
               <a:rPr lang="en-US" smtClean="0"/>
-              <a:t>10/10/2022</a:t>
+              <a:t>10/11/2022</a:t>
             </a:fld>
             <a:endParaRPr lang="en-US"/>
           </a:p>
@@ -8790,7 +8790,31 @@
           <a:p>
             <a:r>
               <a:rPr lang="en-US" sz="2400" b="1" dirty="0"/>
-              <a:t>This process is repeated for each participant’s response to each cue item</a:t>
+              <a:t>This process is repeated for </a:t>
+            </a:r>
+            <a:r>
+              <a:rPr lang="en-US" sz="2400" b="1" dirty="0">
+                <a:solidFill>
+                  <a:schemeClr val="accent1"/>
+                </a:solidFill>
+              </a:rPr>
+              <a:t>each</a:t>
+            </a:r>
+            <a:r>
+              <a:rPr lang="en-US" sz="2400" b="1" dirty="0"/>
+              <a:t> participant’s response to </a:t>
+            </a:r>
+            <a:r>
+              <a:rPr lang="en-US" sz="2400" b="1" dirty="0">
+                <a:solidFill>
+                  <a:schemeClr val="accent1"/>
+                </a:solidFill>
+              </a:rPr>
+              <a:t>each</a:t>
+            </a:r>
+            <a:r>
+              <a:rPr lang="en-US" sz="2400" b="1" dirty="0"/>
+              <a:t> cue item</a:t>
             </a:r>
           </a:p>
         </p:txBody>
@@ -11877,7 +11901,7 @@
                   <a:schemeClr val="accent1"/>
                 </a:solidFill>
               </a:rPr>
-              <a:t>Cues w/ Most affordances:</a:t>
+              <a:t>Cues w/ Most unique affordances:</a:t>
             </a:r>
           </a:p>
           <a:p>
@@ -12011,12 +12035,12 @@
         <p:spPr>
           <a:xfrm>
             <a:off x="628650" y="1352255"/>
-            <a:ext cx="7886700" cy="4106436"/>
+            <a:ext cx="7886700" cy="4973044"/>
           </a:xfrm>
         </p:spPr>
         <p:txBody>
           <a:bodyPr>
-            <a:normAutofit/>
+            <a:normAutofit lnSpcReduction="10000"/>
           </a:bodyPr>
           <a:lstStyle/>
           <a:p>
@@ -12028,17 +12052,29 @@
           <a:p>
             <a:pPr lvl="1"/>
             <a:r>
-              <a:rPr lang="en-US" sz="2000" dirty="0">
-                <a:highlight>
-                  <a:srgbClr val="FFFF00"/>
-                </a:highlight>
-              </a:rPr>
-              <a:t>[PERCENTAGES]</a:t>
+              <a:rPr lang="en-US" sz="2000" dirty="0"/>
+              <a:t>Turn (11%)</a:t>
             </a:r>
           </a:p>
           <a:p>
             <a:pPr lvl="1"/>
-            <a:endParaRPr lang="en-US" dirty="0"/>
+            <a:r>
+              <a:rPr lang="en-US" sz="2000" dirty="0"/>
+              <a:t>Crash (5%)</a:t>
+            </a:r>
+          </a:p>
+          <a:p>
+            <a:pPr lvl="1"/>
+            <a:r>
+              <a:rPr lang="en-US" sz="2000" dirty="0"/>
+              <a:t>Drive (5%)</a:t>
+            </a:r>
+          </a:p>
+          <a:p>
+            <a:pPr marL="457200" lvl="1" indent="0">
+              <a:buNone/>
+            </a:pPr>
+            <a:endParaRPr lang="en-US" b="1" dirty="0"/>
           </a:p>
           <a:p>
             <a:r>
@@ -12049,12 +12085,22 @@
           <a:p>
             <a:pPr lvl="1"/>
             <a:r>
-              <a:rPr lang="en-US" sz="2000" dirty="0">
-                <a:highlight>
-                  <a:srgbClr val="FFFF00"/>
-                </a:highlight>
-              </a:rPr>
-              <a:t>[PERCENTAGES]</a:t>
+              <a:rPr lang="en-US" sz="2000" dirty="0"/>
+              <a:t>Freeze (5%)</a:t>
+            </a:r>
+          </a:p>
+          <a:p>
+            <a:pPr lvl="1"/>
+            <a:r>
+              <a:rPr lang="en-US" sz="2000" dirty="0"/>
+              <a:t>Pile (5%)</a:t>
+            </a:r>
+          </a:p>
+          <a:p>
+            <a:pPr lvl="1"/>
+            <a:r>
+              <a:rPr lang="en-US" sz="2000" dirty="0"/>
+              <a:t>Play (5%)</a:t>
             </a:r>
           </a:p>
           <a:p>
@@ -12062,21 +12108,38 @@
           </a:p>
           <a:p>
             <a:r>
-              <a:rPr lang="en-US" b="1"/>
+              <a:rPr lang="en-US" b="1" dirty="0"/>
               <a:t>Branch</a:t>
             </a:r>
-            <a:endParaRPr lang="en-US" b="1" dirty="0"/>
           </a:p>
           <a:p>
             <a:pPr lvl="1"/>
             <a:r>
-              <a:rPr lang="en-US" sz="2000" dirty="0">
-                <a:highlight>
-                  <a:srgbClr val="FFFF00"/>
-                </a:highlight>
-              </a:rPr>
-              <a:t>[PERCENTAGES]</a:t>
-            </a:r>
+              <a:rPr lang="en-US" sz="2000" dirty="0"/>
+              <a:t>Find (11%)</a:t>
+            </a:r>
+          </a:p>
+          <a:p>
+            <a:pPr lvl="1"/>
+            <a:r>
+              <a:rPr lang="en-US" sz="2000" dirty="0"/>
+              <a:t>Whack (6%)</a:t>
+            </a:r>
+          </a:p>
+          <a:p>
+            <a:pPr lvl="1"/>
+            <a:r>
+              <a:rPr lang="en-US" sz="2000" dirty="0"/>
+              <a:t>Swing (6%)</a:t>
+            </a:r>
+          </a:p>
+          <a:p>
+            <a:pPr lvl="1"/>
+            <a:endParaRPr lang="en-US" sz="2000" dirty="0">
+              <a:highlight>
+                <a:srgbClr val="FFFF00"/>
+              </a:highlight>
+            </a:endParaRPr>
           </a:p>
           <a:p>
             <a:pPr lvl="1"/>
@@ -12139,6 +12202,108 @@
           </a:p>
         </p:txBody>
       </p:sp>
+      <p:pic>
+        <p:nvPicPr>
+          <p:cNvPr id="4" name="Picture 3">
+            <a:extLst>
+              <a:ext uri="{FF2B5EF4-FFF2-40B4-BE49-F238E27FC236}">
+                <a16:creationId xmlns:a16="http://schemas.microsoft.com/office/drawing/2014/main" id="{2FFE6C9D-EE20-4118-97D3-A58906AEF6B9}"/>
+              </a:ext>
+            </a:extLst>
+          </p:cNvPr>
+          <p:cNvPicPr>
+            <a:picLocks noChangeAspect="1"/>
+          </p:cNvPicPr>
+          <p:nvPr/>
+        </p:nvPicPr>
+        <p:blipFill>
+          <a:blip r:embed="rId2">
+            <a:extLst>
+              <a:ext uri="{28A0092B-C50C-407E-A947-70E740481C1C}">
+                <a14:useLocalDpi xmlns:a14="http://schemas.microsoft.com/office/drawing/2010/main" val="0"/>
+              </a:ext>
+            </a:extLst>
+          </a:blip>
+          <a:stretch>
+            <a:fillRect/>
+          </a:stretch>
+        </p:blipFill>
+        <p:spPr>
+          <a:xfrm>
+            <a:off x="5971444" y="892817"/>
+            <a:ext cx="2121049" cy="2121049"/>
+          </a:xfrm>
+          <a:prstGeom prst="rect">
+            <a:avLst/>
+          </a:prstGeom>
+        </p:spPr>
+      </p:pic>
+      <p:pic>
+        <p:nvPicPr>
+          <p:cNvPr id="5" name="Picture 4">
+            <a:extLst>
+              <a:ext uri="{FF2B5EF4-FFF2-40B4-BE49-F238E27FC236}">
+                <a16:creationId xmlns:a16="http://schemas.microsoft.com/office/drawing/2014/main" id="{51CBD3C1-0784-4B09-8046-6A9E7CEB03A7}"/>
+              </a:ext>
+            </a:extLst>
+          </p:cNvPr>
+          <p:cNvPicPr>
+            <a:picLocks noChangeAspect="1"/>
+          </p:cNvPicPr>
+          <p:nvPr/>
+        </p:nvPicPr>
+        <p:blipFill>
+          <a:blip r:embed="rId3"/>
+          <a:stretch>
+            <a:fillRect/>
+          </a:stretch>
+        </p:blipFill>
+        <p:spPr>
+          <a:xfrm>
+            <a:off x="6358855" y="3074225"/>
+            <a:ext cx="1733638" cy="1444699"/>
+          </a:xfrm>
+          <a:prstGeom prst="rect">
+            <a:avLst/>
+          </a:prstGeom>
+        </p:spPr>
+      </p:pic>
+      <p:pic>
+        <p:nvPicPr>
+          <p:cNvPr id="7" name="Picture 6">
+            <a:extLst>
+              <a:ext uri="{FF2B5EF4-FFF2-40B4-BE49-F238E27FC236}">
+                <a16:creationId xmlns:a16="http://schemas.microsoft.com/office/drawing/2014/main" id="{17972732-54A4-4294-9959-C7C393947E67}"/>
+              </a:ext>
+            </a:extLst>
+          </p:cNvPr>
+          <p:cNvPicPr>
+            <a:picLocks noChangeAspect="1"/>
+          </p:cNvPicPr>
+          <p:nvPr/>
+        </p:nvPicPr>
+        <p:blipFill>
+          <a:blip r:embed="rId4">
+            <a:extLst>
+              <a:ext uri="{28A0092B-C50C-407E-A947-70E740481C1C}">
+                <a14:useLocalDpi xmlns:a14="http://schemas.microsoft.com/office/drawing/2010/main" val="0"/>
+              </a:ext>
+            </a:extLst>
+          </a:blip>
+          <a:stretch>
+            <a:fillRect/>
+          </a:stretch>
+        </p:blipFill>
+        <p:spPr>
+          <a:xfrm>
+            <a:off x="6132352" y="5287993"/>
+            <a:ext cx="2382997" cy="1037305"/>
+          </a:xfrm>
+          <a:prstGeom prst="rect">
+            <a:avLst/>
+          </a:prstGeom>
+        </p:spPr>
+      </p:pic>
     </p:spTree>
     <p:extLst>
       <p:ext uri="{BB962C8B-B14F-4D97-AF65-F5344CB8AC3E}">

--- a/5 Presentations/UCONN 2022.pptx
+++ b/5 Presentations/UCONN 2022.pptx
@@ -33,10 +33,10 @@
     <p:sldId id="283" r:id="rId27"/>
     <p:sldId id="301" r:id="rId28"/>
     <p:sldId id="286" r:id="rId29"/>
-    <p:sldId id="285" r:id="rId30"/>
-    <p:sldId id="277" r:id="rId31"/>
-    <p:sldId id="305" r:id="rId32"/>
-    <p:sldId id="306" r:id="rId33"/>
+    <p:sldId id="277" r:id="rId30"/>
+    <p:sldId id="305" r:id="rId31"/>
+    <p:sldId id="306" r:id="rId32"/>
+    <p:sldId id="285" r:id="rId33"/>
     <p:sldId id="296" r:id="rId34"/>
   </p:sldIdLst>
   <p:sldSz cx="9144000" cy="6858000" type="screen4x3"/>
@@ -147,7 +147,7 @@
 <file path=ppt/revisionInfo.xml><?xml version="1.0" encoding="utf-8"?>
 <p1510:revInfo xmlns:a="http://schemas.openxmlformats.org/drawingml/2006/main" xmlns:r="http://schemas.openxmlformats.org/officeDocument/2006/relationships" xmlns:p1510="http://schemas.microsoft.com/office/powerpoint/2015/10/main">
   <p1510:revLst>
-    <p1510:client id="{30A3553E-45A8-4B50-A161-B648601B4D3D}" v="848" dt="2022-10-04T16:51:02.940"/>
+    <p1510:client id="{30A3553E-45A8-4B50-A161-B648601B4D3D}" v="856" dt="2022-10-18T20:58:52.236"/>
   </p1510:revLst>
 </p1510:revInfo>
 </file>
@@ -156,11 +156,26 @@
 <pc:chgInfo xmlns:a="http://schemas.openxmlformats.org/drawingml/2006/main" xmlns:r="http://schemas.openxmlformats.org/officeDocument/2006/relationships" xmlns:ac="http://schemas.microsoft.com/office/drawing/2013/main/command" xmlns:pc="http://schemas.microsoft.com/office/powerpoint/2013/main/command">
   <pc:docChgLst>
     <pc:chgData name="Nick Maxwell" userId="8614ede61265de7b" providerId="LiveId" clId="{30A3553E-45A8-4B50-A161-B648601B4D3D}"/>
-    <pc:docChg chg="custSel addSld modSld sldOrd">
-      <pc:chgData name="Nick Maxwell" userId="8614ede61265de7b" providerId="LiveId" clId="{30A3553E-45A8-4B50-A161-B648601B4D3D}" dt="2022-10-04T16:53:36.302" v="1710" actId="20577"/>
+    <pc:docChg chg="undo custSel addSld modSld sldOrd">
+      <pc:chgData name="Nick Maxwell" userId="8614ede61265de7b" providerId="LiveId" clId="{30A3553E-45A8-4B50-A161-B648601B4D3D}" dt="2022-10-18T21:05:32.075" v="1866" actId="20577"/>
       <pc:docMkLst>
         <pc:docMk/>
       </pc:docMkLst>
+      <pc:sldChg chg="modSp">
+        <pc:chgData name="Nick Maxwell" userId="8614ede61265de7b" providerId="LiveId" clId="{30A3553E-45A8-4B50-A161-B648601B4D3D}" dt="2022-10-18T20:58:52.236" v="1718" actId="20577"/>
+        <pc:sldMkLst>
+          <pc:docMk/>
+          <pc:sldMk cId="2130499530" sldId="257"/>
+        </pc:sldMkLst>
+        <pc:spChg chg="mod">
+          <ac:chgData name="Nick Maxwell" userId="8614ede61265de7b" providerId="LiveId" clId="{30A3553E-45A8-4B50-A161-B648601B4D3D}" dt="2022-10-18T20:58:52.236" v="1718" actId="20577"/>
+          <ac:spMkLst>
+            <pc:docMk/>
+            <pc:sldMk cId="2130499530" sldId="257"/>
+            <ac:spMk id="7" creationId="{F32A0306-5E78-9E4E-0E28-72DD12C113E5}"/>
+          </ac:spMkLst>
+        </pc:spChg>
+      </pc:sldChg>
       <pc:sldChg chg="modSp mod modAnim">
         <pc:chgData name="Nick Maxwell" userId="8614ede61265de7b" providerId="LiveId" clId="{30A3553E-45A8-4B50-A161-B648601B4D3D}" dt="2022-10-04T16:42:18.831" v="1364" actId="207"/>
         <pc:sldMkLst>
@@ -184,12 +199,35 @@
           </ac:spMkLst>
         </pc:spChg>
       </pc:sldChg>
+      <pc:sldChg chg="modSp modAnim">
+        <pc:chgData name="Nick Maxwell" userId="8614ede61265de7b" providerId="LiveId" clId="{30A3553E-45A8-4B50-A161-B648601B4D3D}" dt="2022-10-18T21:02:51.912" v="1798"/>
+        <pc:sldMkLst>
+          <pc:docMk/>
+          <pc:sldMk cId="3350103676" sldId="272"/>
+        </pc:sldMkLst>
+        <pc:spChg chg="mod">
+          <ac:chgData name="Nick Maxwell" userId="8614ede61265de7b" providerId="LiveId" clId="{30A3553E-45A8-4B50-A161-B648601B4D3D}" dt="2022-10-18T21:02:27.300" v="1790" actId="20577"/>
+          <ac:spMkLst>
+            <pc:docMk/>
+            <pc:sldMk cId="3350103676" sldId="272"/>
+            <ac:spMk id="3" creationId="{CEB18CF3-6AA0-45F2-B3EE-E4649B07A1C0}"/>
+          </ac:spMkLst>
+        </pc:spChg>
+      </pc:sldChg>
       <pc:sldChg chg="modSp mod modAnim">
-        <pc:chgData name="Nick Maxwell" userId="8614ede61265de7b" providerId="LiveId" clId="{30A3553E-45A8-4B50-A161-B648601B4D3D}" dt="2022-10-04T16:46:29.166" v="1569"/>
+        <pc:chgData name="Nick Maxwell" userId="8614ede61265de7b" providerId="LiveId" clId="{30A3553E-45A8-4B50-A161-B648601B4D3D}" dt="2022-10-18T21:03:32.466" v="1811" actId="20577"/>
         <pc:sldMkLst>
           <pc:docMk/>
           <pc:sldMk cId="183757981" sldId="276"/>
         </pc:sldMkLst>
+        <pc:spChg chg="mod">
+          <ac:chgData name="Nick Maxwell" userId="8614ede61265de7b" providerId="LiveId" clId="{30A3553E-45A8-4B50-A161-B648601B4D3D}" dt="2022-10-18T21:03:32.466" v="1811" actId="20577"/>
+          <ac:spMkLst>
+            <pc:docMk/>
+            <pc:sldMk cId="183757981" sldId="276"/>
+            <ac:spMk id="2" creationId="{E75DB1D8-DF65-2BD7-9D44-A1672A116B8E}"/>
+          </ac:spMkLst>
+        </pc:spChg>
         <pc:spChg chg="mod">
           <ac:chgData name="Nick Maxwell" userId="8614ede61265de7b" providerId="LiveId" clId="{30A3553E-45A8-4B50-A161-B648601B4D3D}" dt="2022-10-04T16:45:41.943" v="1565" actId="27636"/>
           <ac:spMkLst>
@@ -200,13 +238,13 @@
         </pc:spChg>
       </pc:sldChg>
       <pc:sldChg chg="modSp mod">
-        <pc:chgData name="Nick Maxwell" userId="8614ede61265de7b" providerId="LiveId" clId="{30A3553E-45A8-4B50-A161-B648601B4D3D}" dt="2022-10-04T16:27:13.544" v="1325" actId="20577"/>
+        <pc:chgData name="Nick Maxwell" userId="8614ede61265de7b" providerId="LiveId" clId="{30A3553E-45A8-4B50-A161-B648601B4D3D}" dt="2022-10-18T21:04:50.087" v="1821" actId="20577"/>
         <pc:sldMkLst>
           <pc:docMk/>
           <pc:sldMk cId="2510830952" sldId="277"/>
         </pc:sldMkLst>
         <pc:spChg chg="mod">
-          <ac:chgData name="Nick Maxwell" userId="8614ede61265de7b" providerId="LiveId" clId="{30A3553E-45A8-4B50-A161-B648601B4D3D}" dt="2022-10-04T16:27:13.544" v="1325" actId="20577"/>
+          <ac:chgData name="Nick Maxwell" userId="8614ede61265de7b" providerId="LiveId" clId="{30A3553E-45A8-4B50-A161-B648601B4D3D}" dt="2022-10-18T21:04:50.087" v="1821" actId="20577"/>
           <ac:spMkLst>
             <pc:docMk/>
             <pc:sldMk cId="2510830952" sldId="277"/>
@@ -237,12 +275,20 @@
           </ac:spMkLst>
         </pc:spChg>
       </pc:sldChg>
-      <pc:sldChg chg="modSp modAnim">
-        <pc:chgData name="Nick Maxwell" userId="8614ede61265de7b" providerId="LiveId" clId="{30A3553E-45A8-4B50-A161-B648601B4D3D}" dt="2022-10-04T16:11:58.464" v="438" actId="20577"/>
+      <pc:sldChg chg="modSp mod ord modAnim">
+        <pc:chgData name="Nick Maxwell" userId="8614ede61265de7b" providerId="LiveId" clId="{30A3553E-45A8-4B50-A161-B648601B4D3D}" dt="2022-10-18T21:05:32.075" v="1866" actId="20577"/>
         <pc:sldMkLst>
           <pc:docMk/>
           <pc:sldMk cId="4269475149" sldId="285"/>
         </pc:sldMkLst>
+        <pc:spChg chg="mod">
+          <ac:chgData name="Nick Maxwell" userId="8614ede61265de7b" providerId="LiveId" clId="{30A3553E-45A8-4B50-A161-B648601B4D3D}" dt="2022-10-18T21:05:32.075" v="1866" actId="20577"/>
+          <ac:spMkLst>
+            <pc:docMk/>
+            <pc:sldMk cId="4269475149" sldId="285"/>
+            <ac:spMk id="2" creationId="{9035481F-A9A0-46D5-8981-541CB9E5DFAB}"/>
+          </ac:spMkLst>
+        </pc:spChg>
         <pc:spChg chg="mod">
           <ac:chgData name="Nick Maxwell" userId="8614ede61265de7b" providerId="LiveId" clId="{30A3553E-45A8-4B50-A161-B648601B4D3D}" dt="2022-10-04T16:11:58.464" v="438" actId="20577"/>
           <ac:spMkLst>
@@ -301,6 +347,21 @@
           <ac:spMkLst>
             <pc:docMk/>
             <pc:sldMk cId="3765541707" sldId="289"/>
+            <ac:spMk id="3" creationId="{DA555F30-6EA4-4842-A65B-37DDA9BFF014}"/>
+          </ac:spMkLst>
+        </pc:spChg>
+      </pc:sldChg>
+      <pc:sldChg chg="modSp mod">
+        <pc:chgData name="Nick Maxwell" userId="8614ede61265de7b" providerId="LiveId" clId="{30A3553E-45A8-4B50-A161-B648601B4D3D}" dt="2022-10-18T21:02:08.400" v="1789" actId="207"/>
+        <pc:sldMkLst>
+          <pc:docMk/>
+          <pc:sldMk cId="120470736" sldId="291"/>
+        </pc:sldMkLst>
+        <pc:spChg chg="mod">
+          <ac:chgData name="Nick Maxwell" userId="8614ede61265de7b" providerId="LiveId" clId="{30A3553E-45A8-4B50-A161-B648601B4D3D}" dt="2022-10-18T21:02:08.400" v="1789" actId="207"/>
+          <ac:spMkLst>
+            <pc:docMk/>
+            <pc:sldMk cId="120470736" sldId="291"/>
             <ac:spMk id="3" creationId="{DA555F30-6EA4-4842-A65B-37DDA9BFF014}"/>
           </ac:spMkLst>
         </pc:spChg>
@@ -382,8 +443,8 @@
           </ac:spMkLst>
         </pc:spChg>
       </pc:sldChg>
-      <pc:sldChg chg="modSp mod">
-        <pc:chgData name="Nick Maxwell" userId="8614ede61265de7b" providerId="LiveId" clId="{30A3553E-45A8-4B50-A161-B648601B4D3D}" dt="2022-10-04T16:07:01.069" v="21" actId="20577"/>
+      <pc:sldChg chg="modSp mod modAnim">
+        <pc:chgData name="Nick Maxwell" userId="8614ede61265de7b" providerId="LiveId" clId="{30A3553E-45A8-4B50-A161-B648601B4D3D}" dt="2022-10-18T21:00:22.496" v="1763" actId="20577"/>
         <pc:sldMkLst>
           <pc:docMk/>
           <pc:sldMk cId="4193530982" sldId="298"/>
@@ -397,7 +458,7 @@
           </ac:spMkLst>
         </pc:spChg>
         <pc:spChg chg="mod">
-          <ac:chgData name="Nick Maxwell" userId="8614ede61265de7b" providerId="LiveId" clId="{30A3553E-45A8-4B50-A161-B648601B4D3D}" dt="2022-10-04T16:07:01.069" v="21" actId="20577"/>
+          <ac:chgData name="Nick Maxwell" userId="8614ede61265de7b" providerId="LiveId" clId="{30A3553E-45A8-4B50-A161-B648601B4D3D}" dt="2022-10-18T21:00:22.496" v="1763" actId="20577"/>
           <ac:spMkLst>
             <pc:docMk/>
             <pc:sldMk cId="4193530982" sldId="298"/>
@@ -594,7 +655,7 @@
           <a:p>
             <a:fld id="{1B04FFF2-C519-4852-BB84-2A3EE9233315}" type="datetimeFigureOut">
               <a:rPr lang="en-US" smtClean="0"/>
-              <a:t>10/11/2022</a:t>
+              <a:t>10/18/2022</a:t>
             </a:fld>
             <a:endParaRPr lang="en-US"/>
           </a:p>
@@ -764,7 +825,7 @@
           <a:p>
             <a:fld id="{1B04FFF2-C519-4852-BB84-2A3EE9233315}" type="datetimeFigureOut">
               <a:rPr lang="en-US" smtClean="0"/>
-              <a:t>10/11/2022</a:t>
+              <a:t>10/18/2022</a:t>
             </a:fld>
             <a:endParaRPr lang="en-US"/>
           </a:p>
@@ -944,7 +1005,7 @@
           <a:p>
             <a:fld id="{1B04FFF2-C519-4852-BB84-2A3EE9233315}" type="datetimeFigureOut">
               <a:rPr lang="en-US" smtClean="0"/>
-              <a:t>10/11/2022</a:t>
+              <a:t>10/18/2022</a:t>
             </a:fld>
             <a:endParaRPr lang="en-US"/>
           </a:p>
@@ -1114,7 +1175,7 @@
           <a:p>
             <a:fld id="{1B04FFF2-C519-4852-BB84-2A3EE9233315}" type="datetimeFigureOut">
               <a:rPr lang="en-US" smtClean="0"/>
-              <a:t>10/11/2022</a:t>
+              <a:t>10/18/2022</a:t>
             </a:fld>
             <a:endParaRPr lang="en-US"/>
           </a:p>
@@ -1358,7 +1419,7 @@
           <a:p>
             <a:fld id="{1B04FFF2-C519-4852-BB84-2A3EE9233315}" type="datetimeFigureOut">
               <a:rPr lang="en-US" smtClean="0"/>
-              <a:t>10/11/2022</a:t>
+              <a:t>10/18/2022</a:t>
             </a:fld>
             <a:endParaRPr lang="en-US"/>
           </a:p>
@@ -1590,7 +1651,7 @@
           <a:p>
             <a:fld id="{1B04FFF2-C519-4852-BB84-2A3EE9233315}" type="datetimeFigureOut">
               <a:rPr lang="en-US" smtClean="0"/>
-              <a:t>10/11/2022</a:t>
+              <a:t>10/18/2022</a:t>
             </a:fld>
             <a:endParaRPr lang="en-US"/>
           </a:p>
@@ -1957,7 +2018,7 @@
           <a:p>
             <a:fld id="{1B04FFF2-C519-4852-BB84-2A3EE9233315}" type="datetimeFigureOut">
               <a:rPr lang="en-US" smtClean="0"/>
-              <a:t>10/11/2022</a:t>
+              <a:t>10/18/2022</a:t>
             </a:fld>
             <a:endParaRPr lang="en-US"/>
           </a:p>
@@ -2075,7 +2136,7 @@
           <a:p>
             <a:fld id="{1B04FFF2-C519-4852-BB84-2A3EE9233315}" type="datetimeFigureOut">
               <a:rPr lang="en-US" smtClean="0"/>
-              <a:t>10/11/2022</a:t>
+              <a:t>10/18/2022</a:t>
             </a:fld>
             <a:endParaRPr lang="en-US"/>
           </a:p>
@@ -2170,7 +2231,7 @@
           <a:p>
             <a:fld id="{1B04FFF2-C519-4852-BB84-2A3EE9233315}" type="datetimeFigureOut">
               <a:rPr lang="en-US" smtClean="0"/>
-              <a:t>10/11/2022</a:t>
+              <a:t>10/18/2022</a:t>
             </a:fld>
             <a:endParaRPr lang="en-US"/>
           </a:p>
@@ -2447,7 +2508,7 @@
           <a:p>
             <a:fld id="{1B04FFF2-C519-4852-BB84-2A3EE9233315}" type="datetimeFigureOut">
               <a:rPr lang="en-US" smtClean="0"/>
-              <a:t>10/11/2022</a:t>
+              <a:t>10/18/2022</a:t>
             </a:fld>
             <a:endParaRPr lang="en-US"/>
           </a:p>
@@ -2704,7 +2765,7 @@
           <a:p>
             <a:fld id="{1B04FFF2-C519-4852-BB84-2A3EE9233315}" type="datetimeFigureOut">
               <a:rPr lang="en-US" smtClean="0"/>
-              <a:t>10/11/2022</a:t>
+              <a:t>10/18/2022</a:t>
             </a:fld>
             <a:endParaRPr lang="en-US"/>
           </a:p>
@@ -2917,7 +2978,7 @@
           <a:p>
             <a:fld id="{1B04FFF2-C519-4852-BB84-2A3EE9233315}" type="datetimeFigureOut">
               <a:rPr lang="en-US" smtClean="0"/>
-              <a:t>10/11/2022</a:t>
+              <a:t>10/18/2022</a:t>
             </a:fld>
             <a:endParaRPr lang="en-US"/>
           </a:p>
@@ -3671,7 +3732,7 @@
         </p:spPr>
         <p:txBody>
           <a:bodyPr>
-            <a:normAutofit lnSpcReduction="10000"/>
+            <a:normAutofit fontScale="92500" lnSpcReduction="10000"/>
           </a:bodyPr>
           <a:lstStyle/>
           <a:p>
@@ -3753,8 +3814,24 @@
           <a:p>
             <a:pPr lvl="1"/>
             <a:r>
+              <a:rPr lang="en-US" b="1" dirty="0">
+                <a:solidFill>
+                  <a:schemeClr val="accent1"/>
+                </a:solidFill>
+              </a:rPr>
+              <a:t>Body-object interaction norms </a:t>
+            </a:r>
+            <a:r>
               <a:rPr lang="en-US" dirty="0"/>
-              <a:t>Body-object interaction norms (BOI)</a:t>
+              <a:t>(BOI; </a:t>
+            </a:r>
+            <a:r>
+              <a:rPr lang="en-US" dirty="0" err="1"/>
+              <a:t>Pexman</a:t>
+            </a:r>
+            <a:r>
+              <a:rPr lang="en-US" dirty="0"/>
+              <a:t> et al. 2019)</a:t>
             </a:r>
           </a:p>
           <a:p>
@@ -3974,7 +4051,7 @@
             <a:pPr lvl="1"/>
             <a:r>
               <a:rPr lang="en-US" dirty="0"/>
-              <a:t>Consistent with other norming studies assessing meaning</a:t>
+              <a:t>Consistent with other norming studies assessing meaning!</a:t>
             </a:r>
           </a:p>
           <a:p>
@@ -4032,7 +4109,7 @@
                                         <p:tgtEl>
                                           <p:spTgt spid="3">
                                             <p:txEl>
-                                              <p:pRg st="0" end="0"/>
+                                              <p:pRg st="1" end="1"/>
                                             </p:txEl>
                                           </p:spTgt>
                                         </p:tgtEl>
@@ -4047,26 +4124,39 @@
                                   </p:childTnLst>
                                 </p:cTn>
                               </p:par>
-                            </p:childTnLst>
-                          </p:cTn>
-                        </p:par>
-                      </p:childTnLst>
-                    </p:cTn>
-                  </p:par>
-                  <p:par>
-                    <p:cTn id="7" fill="hold">
-                      <p:stCondLst>
-                        <p:cond delay="indefinite"/>
-                      </p:stCondLst>
-                      <p:childTnLst>
-                        <p:par>
-                          <p:cTn id="8" fill="hold">
-                            <p:stCondLst>
-                              <p:cond delay="0"/>
-                            </p:stCondLst>
-                            <p:childTnLst>
                               <p:par>
-                                <p:cTn id="9" presetID="1" presetClass="entr" presetSubtype="0" fill="hold" nodeType="clickEffect">
+                                <p:cTn id="7" presetID="1" presetClass="entr" presetSubtype="0" fill="hold" nodeType="withEffect">
+                                  <p:stCondLst>
+                                    <p:cond delay="0"/>
+                                  </p:stCondLst>
+                                  <p:childTnLst>
+                                    <p:set>
+                                      <p:cBhvr>
+                                        <p:cTn id="8" dur="1" fill="hold">
+                                          <p:stCondLst>
+                                            <p:cond delay="0"/>
+                                          </p:stCondLst>
+                                        </p:cTn>
+                                        <p:tgtEl>
+                                          <p:spTgt spid="3">
+                                            <p:txEl>
+                                              <p:pRg st="2" end="2"/>
+                                            </p:txEl>
+                                          </p:spTgt>
+                                        </p:tgtEl>
+                                        <p:attrNameLst>
+                                          <p:attrName>style.visibility</p:attrName>
+                                        </p:attrNameLst>
+                                      </p:cBhvr>
+                                      <p:to>
+                                        <p:strVal val="visible"/>
+                                      </p:to>
+                                    </p:set>
+                                  </p:childTnLst>
+                                </p:cTn>
+                              </p:par>
+                              <p:par>
+                                <p:cTn id="9" presetID="1" presetClass="entr" presetSubtype="0" fill="hold" nodeType="withEffect">
                                   <p:stCondLst>
                                     <p:cond delay="0"/>
                                   </p:stCondLst>
@@ -4081,7 +4171,7 @@
                                         <p:tgtEl>
                                           <p:spTgt spid="3">
                                             <p:txEl>
-                                              <p:pRg st="1" end="1"/>
+                                              <p:pRg st="3" end="3"/>
                                             </p:txEl>
                                           </p:spTgt>
                                         </p:tgtEl>
@@ -4130,7 +4220,7 @@
                                         <p:tgtEl>
                                           <p:spTgt spid="3">
                                             <p:txEl>
-                                              <p:pRg st="2" end="2"/>
+                                              <p:pRg st="5" end="5"/>
                                             </p:txEl>
                                           </p:spTgt>
                                         </p:tgtEl>
@@ -4179,104 +4269,6 @@
                                         <p:tgtEl>
                                           <p:spTgt spid="3">
                                             <p:txEl>
-                                              <p:pRg st="3" end="3"/>
-                                            </p:txEl>
-                                          </p:spTgt>
-                                        </p:tgtEl>
-                                        <p:attrNameLst>
-                                          <p:attrName>style.visibility</p:attrName>
-                                        </p:attrNameLst>
-                                      </p:cBhvr>
-                                      <p:to>
-                                        <p:strVal val="visible"/>
-                                      </p:to>
-                                    </p:set>
-                                  </p:childTnLst>
-                                </p:cTn>
-                              </p:par>
-                            </p:childTnLst>
-                          </p:cTn>
-                        </p:par>
-                      </p:childTnLst>
-                    </p:cTn>
-                  </p:par>
-                  <p:par>
-                    <p:cTn id="19" fill="hold">
-                      <p:stCondLst>
-                        <p:cond delay="indefinite"/>
-                      </p:stCondLst>
-                      <p:childTnLst>
-                        <p:par>
-                          <p:cTn id="20" fill="hold">
-                            <p:stCondLst>
-                              <p:cond delay="0"/>
-                            </p:stCondLst>
-                            <p:childTnLst>
-                              <p:par>
-                                <p:cTn id="21" presetID="1" presetClass="entr" presetSubtype="0" fill="hold" nodeType="clickEffect">
-                                  <p:stCondLst>
-                                    <p:cond delay="0"/>
-                                  </p:stCondLst>
-                                  <p:childTnLst>
-                                    <p:set>
-                                      <p:cBhvr>
-                                        <p:cTn id="22" dur="1" fill="hold">
-                                          <p:stCondLst>
-                                            <p:cond delay="0"/>
-                                          </p:stCondLst>
-                                        </p:cTn>
-                                        <p:tgtEl>
-                                          <p:spTgt spid="3">
-                                            <p:txEl>
-                                              <p:pRg st="5" end="5"/>
-                                            </p:txEl>
-                                          </p:spTgt>
-                                        </p:tgtEl>
-                                        <p:attrNameLst>
-                                          <p:attrName>style.visibility</p:attrName>
-                                        </p:attrNameLst>
-                                      </p:cBhvr>
-                                      <p:to>
-                                        <p:strVal val="visible"/>
-                                      </p:to>
-                                    </p:set>
-                                  </p:childTnLst>
-                                </p:cTn>
-                              </p:par>
-                            </p:childTnLst>
-                          </p:cTn>
-                        </p:par>
-                      </p:childTnLst>
-                    </p:cTn>
-                  </p:par>
-                  <p:par>
-                    <p:cTn id="23" fill="hold">
-                      <p:stCondLst>
-                        <p:cond delay="indefinite"/>
-                      </p:stCondLst>
-                      <p:childTnLst>
-                        <p:par>
-                          <p:cTn id="24" fill="hold">
-                            <p:stCondLst>
-                              <p:cond delay="0"/>
-                            </p:stCondLst>
-                            <p:childTnLst>
-                              <p:par>
-                                <p:cTn id="25" presetID="1" presetClass="entr" presetSubtype="0" fill="hold" nodeType="clickEffect">
-                                  <p:stCondLst>
-                                    <p:cond delay="0"/>
-                                  </p:stCondLst>
-                                  <p:childTnLst>
-                                    <p:set>
-                                      <p:cBhvr>
-                                        <p:cTn id="26" dur="1" fill="hold">
-                                          <p:stCondLst>
-                                            <p:cond delay="0"/>
-                                          </p:stCondLst>
-                                        </p:cTn>
-                                        <p:tgtEl>
-                                          <p:spTgt spid="3">
-                                            <p:txEl>
                                               <p:pRg st="7" end="7"/>
                                             </p:txEl>
                                           </p:spTgt>
@@ -4292,33 +4284,15 @@
                                   </p:childTnLst>
                                 </p:cTn>
                               </p:par>
-                            </p:childTnLst>
-                          </p:cTn>
-                        </p:par>
-                      </p:childTnLst>
-                    </p:cTn>
-                  </p:par>
-                  <p:par>
-                    <p:cTn id="27" fill="hold">
-                      <p:stCondLst>
-                        <p:cond delay="indefinite"/>
-                      </p:stCondLst>
-                      <p:childTnLst>
-                        <p:par>
-                          <p:cTn id="28" fill="hold">
-                            <p:stCondLst>
-                              <p:cond delay="0"/>
-                            </p:stCondLst>
-                            <p:childTnLst>
                               <p:par>
-                                <p:cTn id="29" presetID="1" presetClass="entr" presetSubtype="0" fill="hold" nodeType="clickEffect">
+                                <p:cTn id="19" presetID="1" presetClass="entr" presetSubtype="0" fill="hold" nodeType="withEffect">
                                   <p:stCondLst>
                                     <p:cond delay="0"/>
                                   </p:stCondLst>
                                   <p:childTnLst>
                                     <p:set>
                                       <p:cBhvr>
-                                        <p:cTn id="30" dur="1" fill="hold">
+                                        <p:cTn id="20" dur="1" fill="hold">
                                           <p:stCondLst>
                                             <p:cond delay="0"/>
                                           </p:stCondLst>
@@ -4900,7 +4874,7 @@
           <a:p>
             <a:r>
               <a:rPr lang="en-US" b="1" dirty="0"/>
-              <a:t>Norming Affordances</a:t>
+              <a:t>Project Goals</a:t>
             </a:r>
           </a:p>
         </p:txBody>
@@ -10735,6 +10709,1097 @@
       </p:grpSpPr>
       <p:sp>
         <p:nvSpPr>
+          <p:cNvPr id="3" name="Content Placeholder 2">
+            <a:extLst>
+              <a:ext uri="{FF2B5EF4-FFF2-40B4-BE49-F238E27FC236}">
+                <a16:creationId xmlns:a16="http://schemas.microsoft.com/office/drawing/2014/main" id="{230E2F2D-D106-95EA-E18E-0D7D459DA9A1}"/>
+              </a:ext>
+            </a:extLst>
+          </p:cNvPr>
+          <p:cNvSpPr>
+            <a:spLocks noGrp="1"/>
+          </p:cNvSpPr>
+          <p:nvPr>
+            <p:ph idx="1"/>
+          </p:nvPr>
+        </p:nvSpPr>
+        <p:spPr>
+          <a:xfrm>
+            <a:off x="628650" y="1352255"/>
+            <a:ext cx="7886700" cy="4106436"/>
+          </a:xfrm>
+        </p:spPr>
+        <p:txBody>
+          <a:bodyPr>
+            <a:normAutofit/>
+          </a:bodyPr>
+          <a:lstStyle/>
+          <a:p>
+            <a:r>
+              <a:rPr lang="en-US" dirty="0"/>
+              <a:t>Currently, data collection is </a:t>
+            </a:r>
+            <a:r>
+              <a:rPr lang="en-US" b="1" dirty="0">
+                <a:solidFill>
+                  <a:schemeClr val="accent1"/>
+                </a:solidFill>
+              </a:rPr>
+              <a:t>~27%</a:t>
+            </a:r>
+            <a:r>
+              <a:rPr lang="en-US" dirty="0"/>
+              <a:t> complete (796/3000) (June 2022)</a:t>
+            </a:r>
+          </a:p>
+          <a:p>
+            <a:endParaRPr lang="en-US" dirty="0"/>
+          </a:p>
+          <a:p>
+            <a:r>
+              <a:rPr lang="en-US" dirty="0"/>
+              <a:t>Data collection currently ongoing at the University of Southern Mississippi, Midwestern State University, and 7 partner institutions</a:t>
+            </a:r>
+          </a:p>
+          <a:p>
+            <a:endParaRPr lang="en-US" dirty="0"/>
+          </a:p>
+          <a:p>
+            <a:pPr marL="0" indent="0">
+              <a:buNone/>
+            </a:pPr>
+            <a:endParaRPr lang="en-US" dirty="0"/>
+          </a:p>
+          <a:p>
+            <a:endParaRPr lang="en-US" dirty="0"/>
+          </a:p>
+          <a:p>
+            <a:pPr marL="0" indent="0">
+              <a:buNone/>
+            </a:pPr>
+            <a:endParaRPr lang="en-US" dirty="0"/>
+          </a:p>
+          <a:p>
+            <a:endParaRPr lang="en-US" dirty="0"/>
+          </a:p>
+          <a:p>
+            <a:endParaRPr lang="en-US" dirty="0"/>
+          </a:p>
+        </p:txBody>
+      </p:sp>
+      <p:sp>
+        <p:nvSpPr>
+          <p:cNvPr id="13" name="Title 1">
+            <a:extLst>
+              <a:ext uri="{FF2B5EF4-FFF2-40B4-BE49-F238E27FC236}">
+                <a16:creationId xmlns:a16="http://schemas.microsoft.com/office/drawing/2014/main" id="{B8C731E7-87E6-D4D4-930D-630DE8399438}"/>
+              </a:ext>
+            </a:extLst>
+          </p:cNvPr>
+          <p:cNvSpPr>
+            <a:spLocks noGrp="1"/>
+          </p:cNvSpPr>
+          <p:nvPr>
+            <p:ph type="title"/>
+          </p:nvPr>
+        </p:nvSpPr>
+        <p:spPr>
+          <a:xfrm>
+            <a:off x="628650" y="148925"/>
+            <a:ext cx="7886700" cy="1325563"/>
+          </a:xfrm>
+        </p:spPr>
+        <p:txBody>
+          <a:bodyPr/>
+          <a:lstStyle/>
+          <a:p>
+            <a:r>
+              <a:rPr lang="en-US" b="1" dirty="0"/>
+              <a:t>Current Project Status</a:t>
+            </a:r>
+          </a:p>
+        </p:txBody>
+      </p:sp>
+    </p:spTree>
+    <p:extLst>
+      <p:ext uri="{BB962C8B-B14F-4D97-AF65-F5344CB8AC3E}">
+        <p14:creationId xmlns:p14="http://schemas.microsoft.com/office/powerpoint/2010/main" val="2510830952"/>
+      </p:ext>
+    </p:extLst>
+  </p:cSld>
+  <p:clrMapOvr>
+    <a:masterClrMapping/>
+  </p:clrMapOvr>
+</p:sld>
+</file>
+
+<file path=ppt/slides/slide3.xml><?xml version="1.0" encoding="utf-8"?>
+<p:sld xmlns:a="http://schemas.openxmlformats.org/drawingml/2006/main" xmlns:r="http://schemas.openxmlformats.org/officeDocument/2006/relationships" xmlns:p="http://schemas.openxmlformats.org/presentationml/2006/main">
+  <p:cSld>
+    <p:spTree>
+      <p:nvGrpSpPr>
+        <p:cNvPr id="1" name=""/>
+        <p:cNvGrpSpPr/>
+        <p:nvPr/>
+      </p:nvGrpSpPr>
+      <p:grpSpPr>
+        <a:xfrm>
+          <a:off x="0" y="0"/>
+          <a:ext cx="0" cy="0"/>
+          <a:chOff x="0" y="0"/>
+          <a:chExt cx="0" cy="0"/>
+        </a:xfrm>
+      </p:grpSpPr>
+      <p:sp>
+        <p:nvSpPr>
+          <p:cNvPr id="2" name="Title 1">
+            <a:extLst>
+              <a:ext uri="{FF2B5EF4-FFF2-40B4-BE49-F238E27FC236}">
+                <a16:creationId xmlns:a16="http://schemas.microsoft.com/office/drawing/2014/main" id="{9035481F-A9A0-46D5-8981-541CB9E5DFAB}"/>
+              </a:ext>
+            </a:extLst>
+          </p:cNvPr>
+          <p:cNvSpPr>
+            <a:spLocks noGrp="1"/>
+          </p:cNvSpPr>
+          <p:nvPr>
+            <p:ph type="title"/>
+          </p:nvPr>
+        </p:nvSpPr>
+        <p:spPr>
+          <a:xfrm>
+            <a:off x="428625" y="165101"/>
+            <a:ext cx="7886700" cy="1325563"/>
+          </a:xfrm>
+        </p:spPr>
+        <p:txBody>
+          <a:bodyPr/>
+          <a:lstStyle/>
+          <a:p>
+            <a:r>
+              <a:rPr lang="en-US" b="1" dirty="0"/>
+              <a:t>Semantic Features</a:t>
+            </a:r>
+          </a:p>
+        </p:txBody>
+      </p:sp>
+      <p:pic>
+        <p:nvPicPr>
+          <p:cNvPr id="5" name="Picture 4" descr="A picture containing text, clipart&#10;&#10;Description automatically generated">
+            <a:extLst>
+              <a:ext uri="{FF2B5EF4-FFF2-40B4-BE49-F238E27FC236}">
+                <a16:creationId xmlns:a16="http://schemas.microsoft.com/office/drawing/2014/main" id="{A083B440-F7D4-A3F9-980B-EB78C03CA82B}"/>
+              </a:ext>
+            </a:extLst>
+          </p:cNvPr>
+          <p:cNvPicPr>
+            <a:picLocks noChangeAspect="1"/>
+          </p:cNvPicPr>
+          <p:nvPr/>
+        </p:nvPicPr>
+        <p:blipFill>
+          <a:blip r:embed="rId2">
+            <a:extLst>
+              <a:ext uri="{28A0092B-C50C-407E-A947-70E740481C1C}">
+                <a14:useLocalDpi xmlns:a14="http://schemas.microsoft.com/office/drawing/2010/main" val="0"/>
+              </a:ext>
+            </a:extLst>
+          </a:blip>
+          <a:stretch>
+            <a:fillRect/>
+          </a:stretch>
+        </p:blipFill>
+        <p:spPr>
+          <a:xfrm>
+            <a:off x="3043237" y="1162041"/>
+            <a:ext cx="3057526" cy="3211100"/>
+          </a:xfrm>
+          <a:prstGeom prst="rect">
+            <a:avLst/>
+          </a:prstGeom>
+        </p:spPr>
+      </p:pic>
+      <p:sp>
+        <p:nvSpPr>
+          <p:cNvPr id="7" name="Rectangle: Rounded Corners 6">
+            <a:extLst>
+              <a:ext uri="{FF2B5EF4-FFF2-40B4-BE49-F238E27FC236}">
+                <a16:creationId xmlns:a16="http://schemas.microsoft.com/office/drawing/2014/main" id="{F32A0306-5E78-9E4E-0E28-72DD12C113E5}"/>
+              </a:ext>
+            </a:extLst>
+          </p:cNvPr>
+          <p:cNvSpPr/>
+          <p:nvPr/>
+        </p:nvSpPr>
+        <p:spPr>
+          <a:xfrm>
+            <a:off x="428625" y="5167304"/>
+            <a:ext cx="1885950" cy="828675"/>
+          </a:xfrm>
+          <a:prstGeom prst="roundRect">
+            <a:avLst/>
+          </a:prstGeom>
+        </p:spPr>
+        <p:style>
+          <a:lnRef idx="2">
+            <a:schemeClr val="accent1">
+              <a:shade val="50000"/>
+            </a:schemeClr>
+          </a:lnRef>
+          <a:fillRef idx="1">
+            <a:schemeClr val="accent1"/>
+          </a:fillRef>
+          <a:effectRef idx="0">
+            <a:schemeClr val="accent1"/>
+          </a:effectRef>
+          <a:fontRef idx="minor">
+            <a:schemeClr val="lt1"/>
+          </a:fontRef>
+        </p:style>
+        <p:txBody>
+          <a:bodyPr rtlCol="0" anchor="ctr"/>
+          <a:lstStyle/>
+          <a:p>
+            <a:pPr algn="ctr"/>
+            <a:r>
+              <a:rPr lang="en-US" sz="2800" b="1" dirty="0"/>
+              <a:t>4 Legs</a:t>
+            </a:r>
+          </a:p>
+        </p:txBody>
+      </p:sp>
+      <p:sp>
+        <p:nvSpPr>
+          <p:cNvPr id="8" name="Rectangle: Rounded Corners 7">
+            <a:extLst>
+              <a:ext uri="{FF2B5EF4-FFF2-40B4-BE49-F238E27FC236}">
+                <a16:creationId xmlns:a16="http://schemas.microsoft.com/office/drawing/2014/main" id="{A16341F8-385D-E6DF-F5F0-3E3EB431F12B}"/>
+              </a:ext>
+            </a:extLst>
+          </p:cNvPr>
+          <p:cNvSpPr/>
+          <p:nvPr/>
+        </p:nvSpPr>
+        <p:spPr>
+          <a:xfrm>
+            <a:off x="3629025" y="5167303"/>
+            <a:ext cx="1885950" cy="828675"/>
+          </a:xfrm>
+          <a:prstGeom prst="roundRect">
+            <a:avLst/>
+          </a:prstGeom>
+        </p:spPr>
+        <p:style>
+          <a:lnRef idx="2">
+            <a:schemeClr val="accent1">
+              <a:shade val="50000"/>
+            </a:schemeClr>
+          </a:lnRef>
+          <a:fillRef idx="1">
+            <a:schemeClr val="accent1"/>
+          </a:fillRef>
+          <a:effectRef idx="0">
+            <a:schemeClr val="accent1"/>
+          </a:effectRef>
+          <a:fontRef idx="minor">
+            <a:schemeClr val="lt1"/>
+          </a:fontRef>
+        </p:style>
+        <p:txBody>
+          <a:bodyPr rtlCol="0" anchor="ctr"/>
+          <a:lstStyle/>
+          <a:p>
+            <a:pPr algn="ctr"/>
+            <a:r>
+              <a:rPr lang="en-US" sz="2800" b="1" dirty="0"/>
+              <a:t>Tail</a:t>
+            </a:r>
+          </a:p>
+        </p:txBody>
+      </p:sp>
+      <p:sp>
+        <p:nvSpPr>
+          <p:cNvPr id="9" name="Rectangle: Rounded Corners 8">
+            <a:extLst>
+              <a:ext uri="{FF2B5EF4-FFF2-40B4-BE49-F238E27FC236}">
+                <a16:creationId xmlns:a16="http://schemas.microsoft.com/office/drawing/2014/main" id="{C5F18CB2-E7DE-8C17-7C40-58A8EA252574}"/>
+              </a:ext>
+            </a:extLst>
+          </p:cNvPr>
+          <p:cNvSpPr/>
+          <p:nvPr/>
+        </p:nvSpPr>
+        <p:spPr>
+          <a:xfrm>
+            <a:off x="6829425" y="5167302"/>
+            <a:ext cx="1885950" cy="828675"/>
+          </a:xfrm>
+          <a:prstGeom prst="roundRect">
+            <a:avLst/>
+          </a:prstGeom>
+        </p:spPr>
+        <p:style>
+          <a:lnRef idx="2">
+            <a:schemeClr val="accent1">
+              <a:shade val="50000"/>
+            </a:schemeClr>
+          </a:lnRef>
+          <a:fillRef idx="1">
+            <a:schemeClr val="accent1"/>
+          </a:fillRef>
+          <a:effectRef idx="0">
+            <a:schemeClr val="accent1"/>
+          </a:effectRef>
+          <a:fontRef idx="minor">
+            <a:schemeClr val="lt1"/>
+          </a:fontRef>
+        </p:style>
+        <p:txBody>
+          <a:bodyPr rtlCol="0" anchor="ctr"/>
+          <a:lstStyle/>
+          <a:p>
+            <a:pPr algn="ctr"/>
+            <a:r>
+              <a:rPr lang="en-US" sz="2800" b="1" dirty="0"/>
+              <a:t>Paws</a:t>
+            </a:r>
+          </a:p>
+        </p:txBody>
+      </p:sp>
+    </p:spTree>
+    <p:extLst>
+      <p:ext uri="{BB962C8B-B14F-4D97-AF65-F5344CB8AC3E}">
+        <p14:creationId xmlns:p14="http://schemas.microsoft.com/office/powerpoint/2010/main" val="2130499530"/>
+      </p:ext>
+    </p:extLst>
+  </p:cSld>
+  <p:clrMapOvr>
+    <a:masterClrMapping/>
+  </p:clrMapOvr>
+  <p:timing>
+    <p:tnLst>
+      <p:par>
+        <p:cTn id="1" dur="indefinite" restart="never" nodeType="tmRoot">
+          <p:childTnLst>
+            <p:seq concurrent="1" nextAc="seek">
+              <p:cTn id="2" dur="indefinite" nodeType="mainSeq">
+                <p:childTnLst>
+                  <p:par>
+                    <p:cTn id="3" fill="hold">
+                      <p:stCondLst>
+                        <p:cond delay="indefinite"/>
+                      </p:stCondLst>
+                      <p:childTnLst>
+                        <p:par>
+                          <p:cTn id="4" fill="hold">
+                            <p:stCondLst>
+                              <p:cond delay="0"/>
+                            </p:stCondLst>
+                            <p:childTnLst>
+                              <p:par>
+                                <p:cTn id="5" presetID="1" presetClass="entr" presetSubtype="0" fill="hold" grpId="0" nodeType="clickEffect">
+                                  <p:stCondLst>
+                                    <p:cond delay="0"/>
+                                  </p:stCondLst>
+                                  <p:childTnLst>
+                                    <p:set>
+                                      <p:cBhvr>
+                                        <p:cTn id="6" dur="1" fill="hold">
+                                          <p:stCondLst>
+                                            <p:cond delay="0"/>
+                                          </p:stCondLst>
+                                        </p:cTn>
+                                        <p:tgtEl>
+                                          <p:spTgt spid="7"/>
+                                        </p:tgtEl>
+                                        <p:attrNameLst>
+                                          <p:attrName>style.visibility</p:attrName>
+                                        </p:attrNameLst>
+                                      </p:cBhvr>
+                                      <p:to>
+                                        <p:strVal val="visible"/>
+                                      </p:to>
+                                    </p:set>
+                                  </p:childTnLst>
+                                </p:cTn>
+                              </p:par>
+                            </p:childTnLst>
+                          </p:cTn>
+                        </p:par>
+                      </p:childTnLst>
+                    </p:cTn>
+                  </p:par>
+                  <p:par>
+                    <p:cTn id="7" fill="hold">
+                      <p:stCondLst>
+                        <p:cond delay="indefinite"/>
+                      </p:stCondLst>
+                      <p:childTnLst>
+                        <p:par>
+                          <p:cTn id="8" fill="hold">
+                            <p:stCondLst>
+                              <p:cond delay="0"/>
+                            </p:stCondLst>
+                            <p:childTnLst>
+                              <p:par>
+                                <p:cTn id="9" presetID="1" presetClass="entr" presetSubtype="0" fill="hold" grpId="0" nodeType="clickEffect">
+                                  <p:stCondLst>
+                                    <p:cond delay="0"/>
+                                  </p:stCondLst>
+                                  <p:childTnLst>
+                                    <p:set>
+                                      <p:cBhvr>
+                                        <p:cTn id="10" dur="1" fill="hold">
+                                          <p:stCondLst>
+                                            <p:cond delay="0"/>
+                                          </p:stCondLst>
+                                        </p:cTn>
+                                        <p:tgtEl>
+                                          <p:spTgt spid="8"/>
+                                        </p:tgtEl>
+                                        <p:attrNameLst>
+                                          <p:attrName>style.visibility</p:attrName>
+                                        </p:attrNameLst>
+                                      </p:cBhvr>
+                                      <p:to>
+                                        <p:strVal val="visible"/>
+                                      </p:to>
+                                    </p:set>
+                                  </p:childTnLst>
+                                </p:cTn>
+                              </p:par>
+                            </p:childTnLst>
+                          </p:cTn>
+                        </p:par>
+                      </p:childTnLst>
+                    </p:cTn>
+                  </p:par>
+                  <p:par>
+                    <p:cTn id="11" fill="hold">
+                      <p:stCondLst>
+                        <p:cond delay="indefinite"/>
+                      </p:stCondLst>
+                      <p:childTnLst>
+                        <p:par>
+                          <p:cTn id="12" fill="hold">
+                            <p:stCondLst>
+                              <p:cond delay="0"/>
+                            </p:stCondLst>
+                            <p:childTnLst>
+                              <p:par>
+                                <p:cTn id="13" presetID="1" presetClass="entr" presetSubtype="0" fill="hold" grpId="0" nodeType="clickEffect">
+                                  <p:stCondLst>
+                                    <p:cond delay="0"/>
+                                  </p:stCondLst>
+                                  <p:childTnLst>
+                                    <p:set>
+                                      <p:cBhvr>
+                                        <p:cTn id="14" dur="1" fill="hold">
+                                          <p:stCondLst>
+                                            <p:cond delay="0"/>
+                                          </p:stCondLst>
+                                        </p:cTn>
+                                        <p:tgtEl>
+                                          <p:spTgt spid="9"/>
+                                        </p:tgtEl>
+                                        <p:attrNameLst>
+                                          <p:attrName>style.visibility</p:attrName>
+                                        </p:attrNameLst>
+                                      </p:cBhvr>
+                                      <p:to>
+                                        <p:strVal val="visible"/>
+                                      </p:to>
+                                    </p:set>
+                                  </p:childTnLst>
+                                </p:cTn>
+                              </p:par>
+                            </p:childTnLst>
+                          </p:cTn>
+                        </p:par>
+                      </p:childTnLst>
+                    </p:cTn>
+                  </p:par>
+                </p:childTnLst>
+              </p:cTn>
+              <p:prevCondLst>
+                <p:cond evt="onPrev" delay="0">
+                  <p:tgtEl>
+                    <p:sldTgt/>
+                  </p:tgtEl>
+                </p:cond>
+              </p:prevCondLst>
+              <p:nextCondLst>
+                <p:cond evt="onNext" delay="0">
+                  <p:tgtEl>
+                    <p:sldTgt/>
+                  </p:tgtEl>
+                </p:cond>
+              </p:nextCondLst>
+            </p:seq>
+          </p:childTnLst>
+        </p:cTn>
+      </p:par>
+    </p:tnLst>
+    <p:bldLst>
+      <p:bldP spid="7" grpId="0" animBg="1"/>
+      <p:bldP spid="8" grpId="0" animBg="1"/>
+      <p:bldP spid="9" grpId="0" animBg="1"/>
+    </p:bldLst>
+  </p:timing>
+</p:sld>
+</file>
+
+<file path=ppt/slides/slide30.xml><?xml version="1.0" encoding="utf-8"?>
+<p:sld xmlns:a="http://schemas.openxmlformats.org/drawingml/2006/main" xmlns:r="http://schemas.openxmlformats.org/officeDocument/2006/relationships" xmlns:p="http://schemas.openxmlformats.org/presentationml/2006/main">
+  <p:cSld>
+    <p:spTree>
+      <p:nvGrpSpPr>
+        <p:cNvPr id="1" name=""/>
+        <p:cNvGrpSpPr/>
+        <p:nvPr/>
+      </p:nvGrpSpPr>
+      <p:grpSpPr>
+        <a:xfrm>
+          <a:off x="0" y="0"/>
+          <a:ext cx="0" cy="0"/>
+          <a:chOff x="0" y="0"/>
+          <a:chExt cx="0" cy="0"/>
+        </a:xfrm>
+      </p:grpSpPr>
+      <p:sp>
+        <p:nvSpPr>
+          <p:cNvPr id="3" name="Content Placeholder 2">
+            <a:extLst>
+              <a:ext uri="{FF2B5EF4-FFF2-40B4-BE49-F238E27FC236}">
+                <a16:creationId xmlns:a16="http://schemas.microsoft.com/office/drawing/2014/main" id="{230E2F2D-D106-95EA-E18E-0D7D459DA9A1}"/>
+              </a:ext>
+            </a:extLst>
+          </p:cNvPr>
+          <p:cNvSpPr>
+            <a:spLocks noGrp="1"/>
+          </p:cNvSpPr>
+          <p:nvPr>
+            <p:ph idx="1"/>
+          </p:nvPr>
+        </p:nvSpPr>
+        <p:spPr>
+          <a:xfrm>
+            <a:off x="628650" y="1352255"/>
+            <a:ext cx="7886700" cy="4106436"/>
+          </a:xfrm>
+        </p:spPr>
+        <p:txBody>
+          <a:bodyPr>
+            <a:normAutofit/>
+          </a:bodyPr>
+          <a:lstStyle/>
+          <a:p>
+            <a:r>
+              <a:rPr lang="en-US" dirty="0"/>
+              <a:t>Each cue is currently averaging ~6 </a:t>
+            </a:r>
+            <a:r>
+              <a:rPr lang="en-US" b="1" dirty="0"/>
+              <a:t>unique</a:t>
+            </a:r>
+            <a:r>
+              <a:rPr lang="en-US" b="1" dirty="0">
+                <a:solidFill>
+                  <a:schemeClr val="accent1"/>
+                </a:solidFill>
+              </a:rPr>
+              <a:t> affordance</a:t>
+            </a:r>
+            <a:r>
+              <a:rPr lang="en-US" dirty="0">
+                <a:solidFill>
+                  <a:schemeClr val="accent1"/>
+                </a:solidFill>
+              </a:rPr>
+              <a:t> </a:t>
+            </a:r>
+            <a:r>
+              <a:rPr lang="en-US" b="1" dirty="0">
+                <a:solidFill>
+                  <a:schemeClr val="accent1"/>
+                </a:solidFill>
+              </a:rPr>
+              <a:t>responses</a:t>
+            </a:r>
+            <a:r>
+              <a:rPr lang="en-US" b="1" dirty="0"/>
+              <a:t> </a:t>
+            </a:r>
+            <a:r>
+              <a:rPr lang="en-US" dirty="0"/>
+              <a:t>(</a:t>
+            </a:r>
+            <a:r>
+              <a:rPr lang="en-US" i="1" dirty="0"/>
+              <a:t>M</a:t>
+            </a:r>
+            <a:r>
+              <a:rPr lang="en-US" dirty="0"/>
+              <a:t> = 6.20)</a:t>
+            </a:r>
+          </a:p>
+          <a:p>
+            <a:pPr lvl="1"/>
+            <a:r>
+              <a:rPr lang="en-US" i="1" dirty="0" err="1"/>
+              <a:t>sd</a:t>
+            </a:r>
+            <a:r>
+              <a:rPr lang="en-US" dirty="0"/>
+              <a:t> = 3.71; min = 1; max = 37</a:t>
+            </a:r>
+          </a:p>
+          <a:p>
+            <a:pPr lvl="1"/>
+            <a:endParaRPr lang="en-US" dirty="0"/>
+          </a:p>
+          <a:p>
+            <a:r>
+              <a:rPr lang="en-US" b="1" dirty="0">
+                <a:solidFill>
+                  <a:schemeClr val="accent1"/>
+                </a:solidFill>
+              </a:rPr>
+              <a:t>Cues w/ Most unique affordances:</a:t>
+            </a:r>
+          </a:p>
+          <a:p>
+            <a:pPr lvl="1"/>
+            <a:r>
+              <a:rPr lang="en-US" dirty="0"/>
+              <a:t>Automobile (37)</a:t>
+            </a:r>
+          </a:p>
+          <a:p>
+            <a:pPr lvl="1"/>
+            <a:r>
+              <a:rPr lang="en-US" dirty="0"/>
+              <a:t>Snowfall (19)</a:t>
+            </a:r>
+          </a:p>
+          <a:p>
+            <a:pPr lvl="1"/>
+            <a:r>
+              <a:rPr lang="en-US" dirty="0"/>
+              <a:t>Branch (18)</a:t>
+            </a:r>
+          </a:p>
+          <a:p>
+            <a:pPr lvl="1"/>
+            <a:endParaRPr lang="en-US" dirty="0">
+              <a:highlight>
+                <a:srgbClr val="FFFF00"/>
+              </a:highlight>
+            </a:endParaRPr>
+          </a:p>
+          <a:p>
+            <a:endParaRPr lang="en-US" dirty="0"/>
+          </a:p>
+          <a:p>
+            <a:endParaRPr lang="en-US" dirty="0"/>
+          </a:p>
+          <a:p>
+            <a:pPr marL="0" indent="0">
+              <a:buNone/>
+            </a:pPr>
+            <a:endParaRPr lang="en-US" dirty="0"/>
+          </a:p>
+          <a:p>
+            <a:endParaRPr lang="en-US" dirty="0"/>
+          </a:p>
+          <a:p>
+            <a:endParaRPr lang="en-US" dirty="0"/>
+          </a:p>
+        </p:txBody>
+      </p:sp>
+      <p:sp>
+        <p:nvSpPr>
+          <p:cNvPr id="13" name="Title 1">
+            <a:extLst>
+              <a:ext uri="{FF2B5EF4-FFF2-40B4-BE49-F238E27FC236}">
+                <a16:creationId xmlns:a16="http://schemas.microsoft.com/office/drawing/2014/main" id="{B8C731E7-87E6-D4D4-930D-630DE8399438}"/>
+              </a:ext>
+            </a:extLst>
+          </p:cNvPr>
+          <p:cNvSpPr>
+            <a:spLocks noGrp="1"/>
+          </p:cNvSpPr>
+          <p:nvPr>
+            <p:ph type="title"/>
+          </p:nvPr>
+        </p:nvSpPr>
+        <p:spPr>
+          <a:xfrm>
+            <a:off x="628650" y="148925"/>
+            <a:ext cx="7886700" cy="1325563"/>
+          </a:xfrm>
+        </p:spPr>
+        <p:txBody>
+          <a:bodyPr/>
+          <a:lstStyle/>
+          <a:p>
+            <a:r>
+              <a:rPr lang="en-US" b="1" dirty="0"/>
+              <a:t>Current Snapshot</a:t>
+            </a:r>
+          </a:p>
+        </p:txBody>
+      </p:sp>
+    </p:spTree>
+    <p:extLst>
+      <p:ext uri="{BB962C8B-B14F-4D97-AF65-F5344CB8AC3E}">
+        <p14:creationId xmlns:p14="http://schemas.microsoft.com/office/powerpoint/2010/main" val="188844732"/>
+      </p:ext>
+    </p:extLst>
+  </p:cSld>
+  <p:clrMapOvr>
+    <a:masterClrMapping/>
+  </p:clrMapOvr>
+</p:sld>
+</file>
+
+<file path=ppt/slides/slide31.xml><?xml version="1.0" encoding="utf-8"?>
+<p:sld xmlns:a="http://schemas.openxmlformats.org/drawingml/2006/main" xmlns:r="http://schemas.openxmlformats.org/officeDocument/2006/relationships" xmlns:p="http://schemas.openxmlformats.org/presentationml/2006/main">
+  <p:cSld>
+    <p:spTree>
+      <p:nvGrpSpPr>
+        <p:cNvPr id="1" name=""/>
+        <p:cNvGrpSpPr/>
+        <p:nvPr/>
+      </p:nvGrpSpPr>
+      <p:grpSpPr>
+        <a:xfrm>
+          <a:off x="0" y="0"/>
+          <a:ext cx="0" cy="0"/>
+          <a:chOff x="0" y="0"/>
+          <a:chExt cx="0" cy="0"/>
+        </a:xfrm>
+      </p:grpSpPr>
+      <p:sp>
+        <p:nvSpPr>
+          <p:cNvPr id="3" name="Content Placeholder 2">
+            <a:extLst>
+              <a:ext uri="{FF2B5EF4-FFF2-40B4-BE49-F238E27FC236}">
+                <a16:creationId xmlns:a16="http://schemas.microsoft.com/office/drawing/2014/main" id="{230E2F2D-D106-95EA-E18E-0D7D459DA9A1}"/>
+              </a:ext>
+            </a:extLst>
+          </p:cNvPr>
+          <p:cNvSpPr>
+            <a:spLocks noGrp="1"/>
+          </p:cNvSpPr>
+          <p:nvPr>
+            <p:ph idx="1"/>
+          </p:nvPr>
+        </p:nvSpPr>
+        <p:spPr>
+          <a:xfrm>
+            <a:off x="628650" y="1352255"/>
+            <a:ext cx="7886700" cy="4973044"/>
+          </a:xfrm>
+        </p:spPr>
+        <p:txBody>
+          <a:bodyPr>
+            <a:normAutofit lnSpcReduction="10000"/>
+          </a:bodyPr>
+          <a:lstStyle/>
+          <a:p>
+            <a:r>
+              <a:rPr lang="en-US" b="1" dirty="0"/>
+              <a:t>Automobile</a:t>
+            </a:r>
+          </a:p>
+          <a:p>
+            <a:pPr lvl="1"/>
+            <a:r>
+              <a:rPr lang="en-US" sz="2000" dirty="0"/>
+              <a:t>Turn (11%)</a:t>
+            </a:r>
+          </a:p>
+          <a:p>
+            <a:pPr lvl="1"/>
+            <a:r>
+              <a:rPr lang="en-US" sz="2000" dirty="0"/>
+              <a:t>Crash (5%)</a:t>
+            </a:r>
+          </a:p>
+          <a:p>
+            <a:pPr lvl="1"/>
+            <a:r>
+              <a:rPr lang="en-US" sz="2000" dirty="0"/>
+              <a:t>Drive (5%)</a:t>
+            </a:r>
+          </a:p>
+          <a:p>
+            <a:pPr marL="457200" lvl="1" indent="0">
+              <a:buNone/>
+            </a:pPr>
+            <a:endParaRPr lang="en-US" b="1" dirty="0"/>
+          </a:p>
+          <a:p>
+            <a:r>
+              <a:rPr lang="en-US" b="1" dirty="0"/>
+              <a:t>Snowfall</a:t>
+            </a:r>
+          </a:p>
+          <a:p>
+            <a:pPr lvl="1"/>
+            <a:r>
+              <a:rPr lang="en-US" sz="2000" dirty="0"/>
+              <a:t>Freeze (5%)</a:t>
+            </a:r>
+          </a:p>
+          <a:p>
+            <a:pPr lvl="1"/>
+            <a:r>
+              <a:rPr lang="en-US" sz="2000" dirty="0"/>
+              <a:t>Pile (5%)</a:t>
+            </a:r>
+          </a:p>
+          <a:p>
+            <a:pPr lvl="1"/>
+            <a:r>
+              <a:rPr lang="en-US" sz="2000" dirty="0"/>
+              <a:t>Play (5%)</a:t>
+            </a:r>
+          </a:p>
+          <a:p>
+            <a:endParaRPr lang="en-US" dirty="0"/>
+          </a:p>
+          <a:p>
+            <a:r>
+              <a:rPr lang="en-US" b="1" dirty="0"/>
+              <a:t>Branch</a:t>
+            </a:r>
+          </a:p>
+          <a:p>
+            <a:pPr lvl="1"/>
+            <a:r>
+              <a:rPr lang="en-US" sz="2000" dirty="0"/>
+              <a:t>Find (11%)</a:t>
+            </a:r>
+          </a:p>
+          <a:p>
+            <a:pPr lvl="1"/>
+            <a:r>
+              <a:rPr lang="en-US" sz="2000" dirty="0"/>
+              <a:t>Whack (6%)</a:t>
+            </a:r>
+          </a:p>
+          <a:p>
+            <a:pPr lvl="1"/>
+            <a:r>
+              <a:rPr lang="en-US" sz="2000" dirty="0"/>
+              <a:t>Swing (6%)</a:t>
+            </a:r>
+          </a:p>
+          <a:p>
+            <a:pPr lvl="1"/>
+            <a:endParaRPr lang="en-US" sz="2000" dirty="0">
+              <a:highlight>
+                <a:srgbClr val="FFFF00"/>
+              </a:highlight>
+            </a:endParaRPr>
+          </a:p>
+          <a:p>
+            <a:pPr lvl="1"/>
+            <a:endParaRPr lang="en-US" dirty="0">
+              <a:highlight>
+                <a:srgbClr val="FFFF00"/>
+              </a:highlight>
+            </a:endParaRPr>
+          </a:p>
+          <a:p>
+            <a:endParaRPr lang="en-US" dirty="0"/>
+          </a:p>
+          <a:p>
+            <a:endParaRPr lang="en-US" dirty="0"/>
+          </a:p>
+          <a:p>
+            <a:pPr marL="0" indent="0">
+              <a:buNone/>
+            </a:pPr>
+            <a:endParaRPr lang="en-US" dirty="0"/>
+          </a:p>
+          <a:p>
+            <a:endParaRPr lang="en-US" dirty="0"/>
+          </a:p>
+          <a:p>
+            <a:endParaRPr lang="en-US" dirty="0"/>
+          </a:p>
+        </p:txBody>
+      </p:sp>
+      <p:sp>
+        <p:nvSpPr>
+          <p:cNvPr id="13" name="Title 1">
+            <a:extLst>
+              <a:ext uri="{FF2B5EF4-FFF2-40B4-BE49-F238E27FC236}">
+                <a16:creationId xmlns:a16="http://schemas.microsoft.com/office/drawing/2014/main" id="{B8C731E7-87E6-D4D4-930D-630DE8399438}"/>
+              </a:ext>
+            </a:extLst>
+          </p:cNvPr>
+          <p:cNvSpPr>
+            <a:spLocks noGrp="1"/>
+          </p:cNvSpPr>
+          <p:nvPr>
+            <p:ph type="title"/>
+          </p:nvPr>
+        </p:nvSpPr>
+        <p:spPr>
+          <a:xfrm>
+            <a:off x="628650" y="148925"/>
+            <a:ext cx="7886700" cy="1325563"/>
+          </a:xfrm>
+        </p:spPr>
+        <p:txBody>
+          <a:bodyPr/>
+          <a:lstStyle/>
+          <a:p>
+            <a:r>
+              <a:rPr lang="en-US" b="1" dirty="0"/>
+              <a:t>Current Snapshot</a:t>
+            </a:r>
+          </a:p>
+        </p:txBody>
+      </p:sp>
+      <p:pic>
+        <p:nvPicPr>
+          <p:cNvPr id="4" name="Picture 3">
+            <a:extLst>
+              <a:ext uri="{FF2B5EF4-FFF2-40B4-BE49-F238E27FC236}">
+                <a16:creationId xmlns:a16="http://schemas.microsoft.com/office/drawing/2014/main" id="{2FFE6C9D-EE20-4118-97D3-A58906AEF6B9}"/>
+              </a:ext>
+            </a:extLst>
+          </p:cNvPr>
+          <p:cNvPicPr>
+            <a:picLocks noChangeAspect="1"/>
+          </p:cNvPicPr>
+          <p:nvPr/>
+        </p:nvPicPr>
+        <p:blipFill>
+          <a:blip r:embed="rId2">
+            <a:extLst>
+              <a:ext uri="{28A0092B-C50C-407E-A947-70E740481C1C}">
+                <a14:useLocalDpi xmlns:a14="http://schemas.microsoft.com/office/drawing/2010/main" val="0"/>
+              </a:ext>
+            </a:extLst>
+          </a:blip>
+          <a:stretch>
+            <a:fillRect/>
+          </a:stretch>
+        </p:blipFill>
+        <p:spPr>
+          <a:xfrm>
+            <a:off x="5971444" y="892817"/>
+            <a:ext cx="2121049" cy="2121049"/>
+          </a:xfrm>
+          <a:prstGeom prst="rect">
+            <a:avLst/>
+          </a:prstGeom>
+        </p:spPr>
+      </p:pic>
+      <p:pic>
+        <p:nvPicPr>
+          <p:cNvPr id="5" name="Picture 4">
+            <a:extLst>
+              <a:ext uri="{FF2B5EF4-FFF2-40B4-BE49-F238E27FC236}">
+                <a16:creationId xmlns:a16="http://schemas.microsoft.com/office/drawing/2014/main" id="{51CBD3C1-0784-4B09-8046-6A9E7CEB03A7}"/>
+              </a:ext>
+            </a:extLst>
+          </p:cNvPr>
+          <p:cNvPicPr>
+            <a:picLocks noChangeAspect="1"/>
+          </p:cNvPicPr>
+          <p:nvPr/>
+        </p:nvPicPr>
+        <p:blipFill>
+          <a:blip r:embed="rId3"/>
+          <a:stretch>
+            <a:fillRect/>
+          </a:stretch>
+        </p:blipFill>
+        <p:spPr>
+          <a:xfrm>
+            <a:off x="6358855" y="3074225"/>
+            <a:ext cx="1733638" cy="1444699"/>
+          </a:xfrm>
+          <a:prstGeom prst="rect">
+            <a:avLst/>
+          </a:prstGeom>
+        </p:spPr>
+      </p:pic>
+      <p:pic>
+        <p:nvPicPr>
+          <p:cNvPr id="7" name="Picture 6">
+            <a:extLst>
+              <a:ext uri="{FF2B5EF4-FFF2-40B4-BE49-F238E27FC236}">
+                <a16:creationId xmlns:a16="http://schemas.microsoft.com/office/drawing/2014/main" id="{17972732-54A4-4294-9959-C7C393947E67}"/>
+              </a:ext>
+            </a:extLst>
+          </p:cNvPr>
+          <p:cNvPicPr>
+            <a:picLocks noChangeAspect="1"/>
+          </p:cNvPicPr>
+          <p:nvPr/>
+        </p:nvPicPr>
+        <p:blipFill>
+          <a:blip r:embed="rId4">
+            <a:extLst>
+              <a:ext uri="{28A0092B-C50C-407E-A947-70E740481C1C}">
+                <a14:useLocalDpi xmlns:a14="http://schemas.microsoft.com/office/drawing/2010/main" val="0"/>
+              </a:ext>
+            </a:extLst>
+          </a:blip>
+          <a:stretch>
+            <a:fillRect/>
+          </a:stretch>
+        </p:blipFill>
+        <p:spPr>
+          <a:xfrm>
+            <a:off x="6132352" y="5287993"/>
+            <a:ext cx="2382997" cy="1037305"/>
+          </a:xfrm>
+          <a:prstGeom prst="rect">
+            <a:avLst/>
+          </a:prstGeom>
+        </p:spPr>
+      </p:pic>
+    </p:spTree>
+    <p:extLst>
+      <p:ext uri="{BB962C8B-B14F-4D97-AF65-F5344CB8AC3E}">
+        <p14:creationId xmlns:p14="http://schemas.microsoft.com/office/powerpoint/2010/main" val="4265069531"/>
+      </p:ext>
+    </p:extLst>
+  </p:cSld>
+  <p:clrMapOvr>
+    <a:masterClrMapping/>
+  </p:clrMapOvr>
+</p:sld>
+</file>
+
+<file path=ppt/slides/slide32.xml><?xml version="1.0" encoding="utf-8"?>
+<p:sld xmlns:a="http://schemas.openxmlformats.org/drawingml/2006/main" xmlns:r="http://schemas.openxmlformats.org/officeDocument/2006/relationships" xmlns:p="http://schemas.openxmlformats.org/presentationml/2006/main">
+  <p:cSld>
+    <p:spTree>
+      <p:nvGrpSpPr>
+        <p:cNvPr id="1" name=""/>
+        <p:cNvGrpSpPr/>
+        <p:nvPr/>
+      </p:nvGrpSpPr>
+      <p:grpSpPr>
+        <a:xfrm>
+          <a:off x="0" y="0"/>
+          <a:ext cx="0" cy="0"/>
+          <a:chOff x="0" y="0"/>
+          <a:chExt cx="0" cy="0"/>
+        </a:xfrm>
+      </p:grpSpPr>
+      <p:sp>
+        <p:nvSpPr>
           <p:cNvPr id="2" name="Title 1">
             <a:extLst>
               <a:ext uri="{FF2B5EF4-FFF2-40B4-BE49-F238E27FC236}">
@@ -10761,8 +11826,13 @@
           <a:p>
             <a:r>
               <a:rPr lang="en-US" b="1" dirty="0"/>
-              <a:t>Project Goals</a:t>
-            </a:r>
+              <a:t>Where are we </a:t>
+            </a:r>
+            <a:r>
+              <a:rPr lang="en-US" b="1"/>
+              <a:t>taking this?</a:t>
+            </a:r>
+            <a:endParaRPr lang="en-US" b="1" dirty="0"/>
           </a:p>
         </p:txBody>
       </p:sp>
@@ -11226,1097 +12296,6 @@
 </p:sld>
 </file>
 
-<file path=ppt/slides/slide3.xml><?xml version="1.0" encoding="utf-8"?>
-<p:sld xmlns:a="http://schemas.openxmlformats.org/drawingml/2006/main" xmlns:r="http://schemas.openxmlformats.org/officeDocument/2006/relationships" xmlns:p="http://schemas.openxmlformats.org/presentationml/2006/main">
-  <p:cSld>
-    <p:spTree>
-      <p:nvGrpSpPr>
-        <p:cNvPr id="1" name=""/>
-        <p:cNvGrpSpPr/>
-        <p:nvPr/>
-      </p:nvGrpSpPr>
-      <p:grpSpPr>
-        <a:xfrm>
-          <a:off x="0" y="0"/>
-          <a:ext cx="0" cy="0"/>
-          <a:chOff x="0" y="0"/>
-          <a:chExt cx="0" cy="0"/>
-        </a:xfrm>
-      </p:grpSpPr>
-      <p:sp>
-        <p:nvSpPr>
-          <p:cNvPr id="2" name="Title 1">
-            <a:extLst>
-              <a:ext uri="{FF2B5EF4-FFF2-40B4-BE49-F238E27FC236}">
-                <a16:creationId xmlns:a16="http://schemas.microsoft.com/office/drawing/2014/main" id="{9035481F-A9A0-46D5-8981-541CB9E5DFAB}"/>
-              </a:ext>
-            </a:extLst>
-          </p:cNvPr>
-          <p:cNvSpPr>
-            <a:spLocks noGrp="1"/>
-          </p:cNvSpPr>
-          <p:nvPr>
-            <p:ph type="title"/>
-          </p:nvPr>
-        </p:nvSpPr>
-        <p:spPr>
-          <a:xfrm>
-            <a:off x="428625" y="165101"/>
-            <a:ext cx="7886700" cy="1325563"/>
-          </a:xfrm>
-        </p:spPr>
-        <p:txBody>
-          <a:bodyPr/>
-          <a:lstStyle/>
-          <a:p>
-            <a:r>
-              <a:rPr lang="en-US" b="1" dirty="0"/>
-              <a:t>Semantic Features</a:t>
-            </a:r>
-          </a:p>
-        </p:txBody>
-      </p:sp>
-      <p:pic>
-        <p:nvPicPr>
-          <p:cNvPr id="5" name="Picture 4" descr="A picture containing text, clipart&#10;&#10;Description automatically generated">
-            <a:extLst>
-              <a:ext uri="{FF2B5EF4-FFF2-40B4-BE49-F238E27FC236}">
-                <a16:creationId xmlns:a16="http://schemas.microsoft.com/office/drawing/2014/main" id="{A083B440-F7D4-A3F9-980B-EB78C03CA82B}"/>
-              </a:ext>
-            </a:extLst>
-          </p:cNvPr>
-          <p:cNvPicPr>
-            <a:picLocks noChangeAspect="1"/>
-          </p:cNvPicPr>
-          <p:nvPr/>
-        </p:nvPicPr>
-        <p:blipFill>
-          <a:blip r:embed="rId2">
-            <a:extLst>
-              <a:ext uri="{28A0092B-C50C-407E-A947-70E740481C1C}">
-                <a14:useLocalDpi xmlns:a14="http://schemas.microsoft.com/office/drawing/2010/main" val="0"/>
-              </a:ext>
-            </a:extLst>
-          </a:blip>
-          <a:stretch>
-            <a:fillRect/>
-          </a:stretch>
-        </p:blipFill>
-        <p:spPr>
-          <a:xfrm>
-            <a:off x="3043237" y="1162041"/>
-            <a:ext cx="3057526" cy="3211100"/>
-          </a:xfrm>
-          <a:prstGeom prst="rect">
-            <a:avLst/>
-          </a:prstGeom>
-        </p:spPr>
-      </p:pic>
-      <p:sp>
-        <p:nvSpPr>
-          <p:cNvPr id="7" name="Rectangle: Rounded Corners 6">
-            <a:extLst>
-              <a:ext uri="{FF2B5EF4-FFF2-40B4-BE49-F238E27FC236}">
-                <a16:creationId xmlns:a16="http://schemas.microsoft.com/office/drawing/2014/main" id="{F32A0306-5E78-9E4E-0E28-72DD12C113E5}"/>
-              </a:ext>
-            </a:extLst>
-          </p:cNvPr>
-          <p:cNvSpPr/>
-          <p:nvPr/>
-        </p:nvSpPr>
-        <p:spPr>
-          <a:xfrm>
-            <a:off x="428625" y="5167304"/>
-            <a:ext cx="1885950" cy="828675"/>
-          </a:xfrm>
-          <a:prstGeom prst="roundRect">
-            <a:avLst/>
-          </a:prstGeom>
-        </p:spPr>
-        <p:style>
-          <a:lnRef idx="2">
-            <a:schemeClr val="accent1">
-              <a:shade val="50000"/>
-            </a:schemeClr>
-          </a:lnRef>
-          <a:fillRef idx="1">
-            <a:schemeClr val="accent1"/>
-          </a:fillRef>
-          <a:effectRef idx="0">
-            <a:schemeClr val="accent1"/>
-          </a:effectRef>
-          <a:fontRef idx="minor">
-            <a:schemeClr val="lt1"/>
-          </a:fontRef>
-        </p:style>
-        <p:txBody>
-          <a:bodyPr rtlCol="0" anchor="ctr"/>
-          <a:lstStyle/>
-          <a:p>
-            <a:pPr algn="ctr"/>
-            <a:r>
-              <a:rPr lang="en-US" sz="2800" b="1" dirty="0"/>
-              <a:t>Fur</a:t>
-            </a:r>
-          </a:p>
-        </p:txBody>
-      </p:sp>
-      <p:sp>
-        <p:nvSpPr>
-          <p:cNvPr id="8" name="Rectangle: Rounded Corners 7">
-            <a:extLst>
-              <a:ext uri="{FF2B5EF4-FFF2-40B4-BE49-F238E27FC236}">
-                <a16:creationId xmlns:a16="http://schemas.microsoft.com/office/drawing/2014/main" id="{A16341F8-385D-E6DF-F5F0-3E3EB431F12B}"/>
-              </a:ext>
-            </a:extLst>
-          </p:cNvPr>
-          <p:cNvSpPr/>
-          <p:nvPr/>
-        </p:nvSpPr>
-        <p:spPr>
-          <a:xfrm>
-            <a:off x="3629025" y="5167303"/>
-            <a:ext cx="1885950" cy="828675"/>
-          </a:xfrm>
-          <a:prstGeom prst="roundRect">
-            <a:avLst/>
-          </a:prstGeom>
-        </p:spPr>
-        <p:style>
-          <a:lnRef idx="2">
-            <a:schemeClr val="accent1">
-              <a:shade val="50000"/>
-            </a:schemeClr>
-          </a:lnRef>
-          <a:fillRef idx="1">
-            <a:schemeClr val="accent1"/>
-          </a:fillRef>
-          <a:effectRef idx="0">
-            <a:schemeClr val="accent1"/>
-          </a:effectRef>
-          <a:fontRef idx="minor">
-            <a:schemeClr val="lt1"/>
-          </a:fontRef>
-        </p:style>
-        <p:txBody>
-          <a:bodyPr rtlCol="0" anchor="ctr"/>
-          <a:lstStyle/>
-          <a:p>
-            <a:pPr algn="ctr"/>
-            <a:r>
-              <a:rPr lang="en-US" sz="2800" b="1" dirty="0"/>
-              <a:t>Tail</a:t>
-            </a:r>
-          </a:p>
-        </p:txBody>
-      </p:sp>
-      <p:sp>
-        <p:nvSpPr>
-          <p:cNvPr id="9" name="Rectangle: Rounded Corners 8">
-            <a:extLst>
-              <a:ext uri="{FF2B5EF4-FFF2-40B4-BE49-F238E27FC236}">
-                <a16:creationId xmlns:a16="http://schemas.microsoft.com/office/drawing/2014/main" id="{C5F18CB2-E7DE-8C17-7C40-58A8EA252574}"/>
-              </a:ext>
-            </a:extLst>
-          </p:cNvPr>
-          <p:cNvSpPr/>
-          <p:nvPr/>
-        </p:nvSpPr>
-        <p:spPr>
-          <a:xfrm>
-            <a:off x="6829425" y="5167302"/>
-            <a:ext cx="1885950" cy="828675"/>
-          </a:xfrm>
-          <a:prstGeom prst="roundRect">
-            <a:avLst/>
-          </a:prstGeom>
-        </p:spPr>
-        <p:style>
-          <a:lnRef idx="2">
-            <a:schemeClr val="accent1">
-              <a:shade val="50000"/>
-            </a:schemeClr>
-          </a:lnRef>
-          <a:fillRef idx="1">
-            <a:schemeClr val="accent1"/>
-          </a:fillRef>
-          <a:effectRef idx="0">
-            <a:schemeClr val="accent1"/>
-          </a:effectRef>
-          <a:fontRef idx="minor">
-            <a:schemeClr val="lt1"/>
-          </a:fontRef>
-        </p:style>
-        <p:txBody>
-          <a:bodyPr rtlCol="0" anchor="ctr"/>
-          <a:lstStyle/>
-          <a:p>
-            <a:pPr algn="ctr"/>
-            <a:r>
-              <a:rPr lang="en-US" sz="2800" b="1" dirty="0"/>
-              <a:t>Paws</a:t>
-            </a:r>
-          </a:p>
-        </p:txBody>
-      </p:sp>
-    </p:spTree>
-    <p:extLst>
-      <p:ext uri="{BB962C8B-B14F-4D97-AF65-F5344CB8AC3E}">
-        <p14:creationId xmlns:p14="http://schemas.microsoft.com/office/powerpoint/2010/main" val="2130499530"/>
-      </p:ext>
-    </p:extLst>
-  </p:cSld>
-  <p:clrMapOvr>
-    <a:masterClrMapping/>
-  </p:clrMapOvr>
-  <p:timing>
-    <p:tnLst>
-      <p:par>
-        <p:cTn id="1" dur="indefinite" restart="never" nodeType="tmRoot">
-          <p:childTnLst>
-            <p:seq concurrent="1" nextAc="seek">
-              <p:cTn id="2" dur="indefinite" nodeType="mainSeq">
-                <p:childTnLst>
-                  <p:par>
-                    <p:cTn id="3" fill="hold">
-                      <p:stCondLst>
-                        <p:cond delay="indefinite"/>
-                      </p:stCondLst>
-                      <p:childTnLst>
-                        <p:par>
-                          <p:cTn id="4" fill="hold">
-                            <p:stCondLst>
-                              <p:cond delay="0"/>
-                            </p:stCondLst>
-                            <p:childTnLst>
-                              <p:par>
-                                <p:cTn id="5" presetID="1" presetClass="entr" presetSubtype="0" fill="hold" grpId="0" nodeType="clickEffect">
-                                  <p:stCondLst>
-                                    <p:cond delay="0"/>
-                                  </p:stCondLst>
-                                  <p:childTnLst>
-                                    <p:set>
-                                      <p:cBhvr>
-                                        <p:cTn id="6" dur="1" fill="hold">
-                                          <p:stCondLst>
-                                            <p:cond delay="0"/>
-                                          </p:stCondLst>
-                                        </p:cTn>
-                                        <p:tgtEl>
-                                          <p:spTgt spid="7"/>
-                                        </p:tgtEl>
-                                        <p:attrNameLst>
-                                          <p:attrName>style.visibility</p:attrName>
-                                        </p:attrNameLst>
-                                      </p:cBhvr>
-                                      <p:to>
-                                        <p:strVal val="visible"/>
-                                      </p:to>
-                                    </p:set>
-                                  </p:childTnLst>
-                                </p:cTn>
-                              </p:par>
-                            </p:childTnLst>
-                          </p:cTn>
-                        </p:par>
-                      </p:childTnLst>
-                    </p:cTn>
-                  </p:par>
-                  <p:par>
-                    <p:cTn id="7" fill="hold">
-                      <p:stCondLst>
-                        <p:cond delay="indefinite"/>
-                      </p:stCondLst>
-                      <p:childTnLst>
-                        <p:par>
-                          <p:cTn id="8" fill="hold">
-                            <p:stCondLst>
-                              <p:cond delay="0"/>
-                            </p:stCondLst>
-                            <p:childTnLst>
-                              <p:par>
-                                <p:cTn id="9" presetID="1" presetClass="entr" presetSubtype="0" fill="hold" grpId="0" nodeType="clickEffect">
-                                  <p:stCondLst>
-                                    <p:cond delay="0"/>
-                                  </p:stCondLst>
-                                  <p:childTnLst>
-                                    <p:set>
-                                      <p:cBhvr>
-                                        <p:cTn id="10" dur="1" fill="hold">
-                                          <p:stCondLst>
-                                            <p:cond delay="0"/>
-                                          </p:stCondLst>
-                                        </p:cTn>
-                                        <p:tgtEl>
-                                          <p:spTgt spid="8"/>
-                                        </p:tgtEl>
-                                        <p:attrNameLst>
-                                          <p:attrName>style.visibility</p:attrName>
-                                        </p:attrNameLst>
-                                      </p:cBhvr>
-                                      <p:to>
-                                        <p:strVal val="visible"/>
-                                      </p:to>
-                                    </p:set>
-                                  </p:childTnLst>
-                                </p:cTn>
-                              </p:par>
-                            </p:childTnLst>
-                          </p:cTn>
-                        </p:par>
-                      </p:childTnLst>
-                    </p:cTn>
-                  </p:par>
-                  <p:par>
-                    <p:cTn id="11" fill="hold">
-                      <p:stCondLst>
-                        <p:cond delay="indefinite"/>
-                      </p:stCondLst>
-                      <p:childTnLst>
-                        <p:par>
-                          <p:cTn id="12" fill="hold">
-                            <p:stCondLst>
-                              <p:cond delay="0"/>
-                            </p:stCondLst>
-                            <p:childTnLst>
-                              <p:par>
-                                <p:cTn id="13" presetID="1" presetClass="entr" presetSubtype="0" fill="hold" grpId="0" nodeType="clickEffect">
-                                  <p:stCondLst>
-                                    <p:cond delay="0"/>
-                                  </p:stCondLst>
-                                  <p:childTnLst>
-                                    <p:set>
-                                      <p:cBhvr>
-                                        <p:cTn id="14" dur="1" fill="hold">
-                                          <p:stCondLst>
-                                            <p:cond delay="0"/>
-                                          </p:stCondLst>
-                                        </p:cTn>
-                                        <p:tgtEl>
-                                          <p:spTgt spid="9"/>
-                                        </p:tgtEl>
-                                        <p:attrNameLst>
-                                          <p:attrName>style.visibility</p:attrName>
-                                        </p:attrNameLst>
-                                      </p:cBhvr>
-                                      <p:to>
-                                        <p:strVal val="visible"/>
-                                      </p:to>
-                                    </p:set>
-                                  </p:childTnLst>
-                                </p:cTn>
-                              </p:par>
-                            </p:childTnLst>
-                          </p:cTn>
-                        </p:par>
-                      </p:childTnLst>
-                    </p:cTn>
-                  </p:par>
-                </p:childTnLst>
-              </p:cTn>
-              <p:prevCondLst>
-                <p:cond evt="onPrev" delay="0">
-                  <p:tgtEl>
-                    <p:sldTgt/>
-                  </p:tgtEl>
-                </p:cond>
-              </p:prevCondLst>
-              <p:nextCondLst>
-                <p:cond evt="onNext" delay="0">
-                  <p:tgtEl>
-                    <p:sldTgt/>
-                  </p:tgtEl>
-                </p:cond>
-              </p:nextCondLst>
-            </p:seq>
-          </p:childTnLst>
-        </p:cTn>
-      </p:par>
-    </p:tnLst>
-    <p:bldLst>
-      <p:bldP spid="7" grpId="0" animBg="1"/>
-      <p:bldP spid="8" grpId="0" animBg="1"/>
-      <p:bldP spid="9" grpId="0" animBg="1"/>
-    </p:bldLst>
-  </p:timing>
-</p:sld>
-</file>
-
-<file path=ppt/slides/slide30.xml><?xml version="1.0" encoding="utf-8"?>
-<p:sld xmlns:a="http://schemas.openxmlformats.org/drawingml/2006/main" xmlns:r="http://schemas.openxmlformats.org/officeDocument/2006/relationships" xmlns:p="http://schemas.openxmlformats.org/presentationml/2006/main">
-  <p:cSld>
-    <p:spTree>
-      <p:nvGrpSpPr>
-        <p:cNvPr id="1" name=""/>
-        <p:cNvGrpSpPr/>
-        <p:nvPr/>
-      </p:nvGrpSpPr>
-      <p:grpSpPr>
-        <a:xfrm>
-          <a:off x="0" y="0"/>
-          <a:ext cx="0" cy="0"/>
-          <a:chOff x="0" y="0"/>
-          <a:chExt cx="0" cy="0"/>
-        </a:xfrm>
-      </p:grpSpPr>
-      <p:sp>
-        <p:nvSpPr>
-          <p:cNvPr id="3" name="Content Placeholder 2">
-            <a:extLst>
-              <a:ext uri="{FF2B5EF4-FFF2-40B4-BE49-F238E27FC236}">
-                <a16:creationId xmlns:a16="http://schemas.microsoft.com/office/drawing/2014/main" id="{230E2F2D-D106-95EA-E18E-0D7D459DA9A1}"/>
-              </a:ext>
-            </a:extLst>
-          </p:cNvPr>
-          <p:cNvSpPr>
-            <a:spLocks noGrp="1"/>
-          </p:cNvSpPr>
-          <p:nvPr>
-            <p:ph idx="1"/>
-          </p:nvPr>
-        </p:nvSpPr>
-        <p:spPr>
-          <a:xfrm>
-            <a:off x="628650" y="1352255"/>
-            <a:ext cx="7886700" cy="4106436"/>
-          </a:xfrm>
-        </p:spPr>
-        <p:txBody>
-          <a:bodyPr>
-            <a:normAutofit/>
-          </a:bodyPr>
-          <a:lstStyle/>
-          <a:p>
-            <a:r>
-              <a:rPr lang="en-US" dirty="0"/>
-              <a:t>Currently, data collection is </a:t>
-            </a:r>
-            <a:r>
-              <a:rPr lang="en-US" b="1" dirty="0">
-                <a:solidFill>
-                  <a:schemeClr val="accent1"/>
-                </a:solidFill>
-              </a:rPr>
-              <a:t>~27%</a:t>
-            </a:r>
-            <a:r>
-              <a:rPr lang="en-US" dirty="0"/>
-              <a:t> complete (796/3000) (October 2022)</a:t>
-            </a:r>
-          </a:p>
-          <a:p>
-            <a:endParaRPr lang="en-US" dirty="0"/>
-          </a:p>
-          <a:p>
-            <a:r>
-              <a:rPr lang="en-US" dirty="0"/>
-              <a:t>Data collection currently ongoing at the University of Southern Mississippi, Midwestern State University, and 7 partner institutions</a:t>
-            </a:r>
-          </a:p>
-          <a:p>
-            <a:endParaRPr lang="en-US" dirty="0"/>
-          </a:p>
-          <a:p>
-            <a:pPr marL="0" indent="0">
-              <a:buNone/>
-            </a:pPr>
-            <a:endParaRPr lang="en-US" dirty="0"/>
-          </a:p>
-          <a:p>
-            <a:endParaRPr lang="en-US" dirty="0"/>
-          </a:p>
-          <a:p>
-            <a:pPr marL="0" indent="0">
-              <a:buNone/>
-            </a:pPr>
-            <a:endParaRPr lang="en-US" dirty="0"/>
-          </a:p>
-          <a:p>
-            <a:endParaRPr lang="en-US" dirty="0"/>
-          </a:p>
-          <a:p>
-            <a:endParaRPr lang="en-US" dirty="0"/>
-          </a:p>
-        </p:txBody>
-      </p:sp>
-      <p:sp>
-        <p:nvSpPr>
-          <p:cNvPr id="13" name="Title 1">
-            <a:extLst>
-              <a:ext uri="{FF2B5EF4-FFF2-40B4-BE49-F238E27FC236}">
-                <a16:creationId xmlns:a16="http://schemas.microsoft.com/office/drawing/2014/main" id="{B8C731E7-87E6-D4D4-930D-630DE8399438}"/>
-              </a:ext>
-            </a:extLst>
-          </p:cNvPr>
-          <p:cNvSpPr>
-            <a:spLocks noGrp="1"/>
-          </p:cNvSpPr>
-          <p:nvPr>
-            <p:ph type="title"/>
-          </p:nvPr>
-        </p:nvSpPr>
-        <p:spPr>
-          <a:xfrm>
-            <a:off x="628650" y="148925"/>
-            <a:ext cx="7886700" cy="1325563"/>
-          </a:xfrm>
-        </p:spPr>
-        <p:txBody>
-          <a:bodyPr/>
-          <a:lstStyle/>
-          <a:p>
-            <a:r>
-              <a:rPr lang="en-US" b="1" dirty="0"/>
-              <a:t>Current Project Status</a:t>
-            </a:r>
-          </a:p>
-        </p:txBody>
-      </p:sp>
-    </p:spTree>
-    <p:extLst>
-      <p:ext uri="{BB962C8B-B14F-4D97-AF65-F5344CB8AC3E}">
-        <p14:creationId xmlns:p14="http://schemas.microsoft.com/office/powerpoint/2010/main" val="2510830952"/>
-      </p:ext>
-    </p:extLst>
-  </p:cSld>
-  <p:clrMapOvr>
-    <a:masterClrMapping/>
-  </p:clrMapOvr>
-</p:sld>
-</file>
-
-<file path=ppt/slides/slide31.xml><?xml version="1.0" encoding="utf-8"?>
-<p:sld xmlns:a="http://schemas.openxmlformats.org/drawingml/2006/main" xmlns:r="http://schemas.openxmlformats.org/officeDocument/2006/relationships" xmlns:p="http://schemas.openxmlformats.org/presentationml/2006/main">
-  <p:cSld>
-    <p:spTree>
-      <p:nvGrpSpPr>
-        <p:cNvPr id="1" name=""/>
-        <p:cNvGrpSpPr/>
-        <p:nvPr/>
-      </p:nvGrpSpPr>
-      <p:grpSpPr>
-        <a:xfrm>
-          <a:off x="0" y="0"/>
-          <a:ext cx="0" cy="0"/>
-          <a:chOff x="0" y="0"/>
-          <a:chExt cx="0" cy="0"/>
-        </a:xfrm>
-      </p:grpSpPr>
-      <p:sp>
-        <p:nvSpPr>
-          <p:cNvPr id="3" name="Content Placeholder 2">
-            <a:extLst>
-              <a:ext uri="{FF2B5EF4-FFF2-40B4-BE49-F238E27FC236}">
-                <a16:creationId xmlns:a16="http://schemas.microsoft.com/office/drawing/2014/main" id="{230E2F2D-D106-95EA-E18E-0D7D459DA9A1}"/>
-              </a:ext>
-            </a:extLst>
-          </p:cNvPr>
-          <p:cNvSpPr>
-            <a:spLocks noGrp="1"/>
-          </p:cNvSpPr>
-          <p:nvPr>
-            <p:ph idx="1"/>
-          </p:nvPr>
-        </p:nvSpPr>
-        <p:spPr>
-          <a:xfrm>
-            <a:off x="628650" y="1352255"/>
-            <a:ext cx="7886700" cy="4106436"/>
-          </a:xfrm>
-        </p:spPr>
-        <p:txBody>
-          <a:bodyPr>
-            <a:normAutofit/>
-          </a:bodyPr>
-          <a:lstStyle/>
-          <a:p>
-            <a:r>
-              <a:rPr lang="en-US" dirty="0"/>
-              <a:t>Each cue is currently averaging ~6 </a:t>
-            </a:r>
-            <a:r>
-              <a:rPr lang="en-US" b="1" dirty="0"/>
-              <a:t>unique</a:t>
-            </a:r>
-            <a:r>
-              <a:rPr lang="en-US" b="1" dirty="0">
-                <a:solidFill>
-                  <a:schemeClr val="accent1"/>
-                </a:solidFill>
-              </a:rPr>
-              <a:t> affordance</a:t>
-            </a:r>
-            <a:r>
-              <a:rPr lang="en-US" dirty="0">
-                <a:solidFill>
-                  <a:schemeClr val="accent1"/>
-                </a:solidFill>
-              </a:rPr>
-              <a:t> </a:t>
-            </a:r>
-            <a:r>
-              <a:rPr lang="en-US" b="1" dirty="0">
-                <a:solidFill>
-                  <a:schemeClr val="accent1"/>
-                </a:solidFill>
-              </a:rPr>
-              <a:t>responses</a:t>
-            </a:r>
-            <a:r>
-              <a:rPr lang="en-US" b="1" dirty="0"/>
-              <a:t> </a:t>
-            </a:r>
-            <a:r>
-              <a:rPr lang="en-US" dirty="0"/>
-              <a:t>(</a:t>
-            </a:r>
-            <a:r>
-              <a:rPr lang="en-US" i="1" dirty="0"/>
-              <a:t>M</a:t>
-            </a:r>
-            <a:r>
-              <a:rPr lang="en-US" dirty="0"/>
-              <a:t> = 6.20)</a:t>
-            </a:r>
-          </a:p>
-          <a:p>
-            <a:pPr lvl="1"/>
-            <a:r>
-              <a:rPr lang="en-US" i="1" dirty="0" err="1"/>
-              <a:t>sd</a:t>
-            </a:r>
-            <a:r>
-              <a:rPr lang="en-US" dirty="0"/>
-              <a:t> = 3.71; min = 1; max = 37</a:t>
-            </a:r>
-          </a:p>
-          <a:p>
-            <a:pPr lvl="1"/>
-            <a:endParaRPr lang="en-US" dirty="0"/>
-          </a:p>
-          <a:p>
-            <a:r>
-              <a:rPr lang="en-US" b="1" dirty="0">
-                <a:solidFill>
-                  <a:schemeClr val="accent1"/>
-                </a:solidFill>
-              </a:rPr>
-              <a:t>Cues w/ Most unique affordances:</a:t>
-            </a:r>
-          </a:p>
-          <a:p>
-            <a:pPr lvl="1"/>
-            <a:r>
-              <a:rPr lang="en-US" dirty="0"/>
-              <a:t>Automobile (37)</a:t>
-            </a:r>
-          </a:p>
-          <a:p>
-            <a:pPr lvl="1"/>
-            <a:r>
-              <a:rPr lang="en-US" dirty="0"/>
-              <a:t>Snowfall (19)</a:t>
-            </a:r>
-          </a:p>
-          <a:p>
-            <a:pPr lvl="1"/>
-            <a:r>
-              <a:rPr lang="en-US" dirty="0"/>
-              <a:t>Branch (18)</a:t>
-            </a:r>
-          </a:p>
-          <a:p>
-            <a:pPr lvl="1"/>
-            <a:endParaRPr lang="en-US" dirty="0">
-              <a:highlight>
-                <a:srgbClr val="FFFF00"/>
-              </a:highlight>
-            </a:endParaRPr>
-          </a:p>
-          <a:p>
-            <a:endParaRPr lang="en-US" dirty="0"/>
-          </a:p>
-          <a:p>
-            <a:endParaRPr lang="en-US" dirty="0"/>
-          </a:p>
-          <a:p>
-            <a:pPr marL="0" indent="0">
-              <a:buNone/>
-            </a:pPr>
-            <a:endParaRPr lang="en-US" dirty="0"/>
-          </a:p>
-          <a:p>
-            <a:endParaRPr lang="en-US" dirty="0"/>
-          </a:p>
-          <a:p>
-            <a:endParaRPr lang="en-US" dirty="0"/>
-          </a:p>
-        </p:txBody>
-      </p:sp>
-      <p:sp>
-        <p:nvSpPr>
-          <p:cNvPr id="13" name="Title 1">
-            <a:extLst>
-              <a:ext uri="{FF2B5EF4-FFF2-40B4-BE49-F238E27FC236}">
-                <a16:creationId xmlns:a16="http://schemas.microsoft.com/office/drawing/2014/main" id="{B8C731E7-87E6-D4D4-930D-630DE8399438}"/>
-              </a:ext>
-            </a:extLst>
-          </p:cNvPr>
-          <p:cNvSpPr>
-            <a:spLocks noGrp="1"/>
-          </p:cNvSpPr>
-          <p:nvPr>
-            <p:ph type="title"/>
-          </p:nvPr>
-        </p:nvSpPr>
-        <p:spPr>
-          <a:xfrm>
-            <a:off x="628650" y="148925"/>
-            <a:ext cx="7886700" cy="1325563"/>
-          </a:xfrm>
-        </p:spPr>
-        <p:txBody>
-          <a:bodyPr/>
-          <a:lstStyle/>
-          <a:p>
-            <a:r>
-              <a:rPr lang="en-US" b="1" dirty="0"/>
-              <a:t>Current Snapshot</a:t>
-            </a:r>
-          </a:p>
-        </p:txBody>
-      </p:sp>
-    </p:spTree>
-    <p:extLst>
-      <p:ext uri="{BB962C8B-B14F-4D97-AF65-F5344CB8AC3E}">
-        <p14:creationId xmlns:p14="http://schemas.microsoft.com/office/powerpoint/2010/main" val="188844732"/>
-      </p:ext>
-    </p:extLst>
-  </p:cSld>
-  <p:clrMapOvr>
-    <a:masterClrMapping/>
-  </p:clrMapOvr>
-</p:sld>
-</file>
-
-<file path=ppt/slides/slide32.xml><?xml version="1.0" encoding="utf-8"?>
-<p:sld xmlns:a="http://schemas.openxmlformats.org/drawingml/2006/main" xmlns:r="http://schemas.openxmlformats.org/officeDocument/2006/relationships" xmlns:p="http://schemas.openxmlformats.org/presentationml/2006/main">
-  <p:cSld>
-    <p:spTree>
-      <p:nvGrpSpPr>
-        <p:cNvPr id="1" name=""/>
-        <p:cNvGrpSpPr/>
-        <p:nvPr/>
-      </p:nvGrpSpPr>
-      <p:grpSpPr>
-        <a:xfrm>
-          <a:off x="0" y="0"/>
-          <a:ext cx="0" cy="0"/>
-          <a:chOff x="0" y="0"/>
-          <a:chExt cx="0" cy="0"/>
-        </a:xfrm>
-      </p:grpSpPr>
-      <p:sp>
-        <p:nvSpPr>
-          <p:cNvPr id="3" name="Content Placeholder 2">
-            <a:extLst>
-              <a:ext uri="{FF2B5EF4-FFF2-40B4-BE49-F238E27FC236}">
-                <a16:creationId xmlns:a16="http://schemas.microsoft.com/office/drawing/2014/main" id="{230E2F2D-D106-95EA-E18E-0D7D459DA9A1}"/>
-              </a:ext>
-            </a:extLst>
-          </p:cNvPr>
-          <p:cNvSpPr>
-            <a:spLocks noGrp="1"/>
-          </p:cNvSpPr>
-          <p:nvPr>
-            <p:ph idx="1"/>
-          </p:nvPr>
-        </p:nvSpPr>
-        <p:spPr>
-          <a:xfrm>
-            <a:off x="628650" y="1352255"/>
-            <a:ext cx="7886700" cy="4973044"/>
-          </a:xfrm>
-        </p:spPr>
-        <p:txBody>
-          <a:bodyPr>
-            <a:normAutofit lnSpcReduction="10000"/>
-          </a:bodyPr>
-          <a:lstStyle/>
-          <a:p>
-            <a:r>
-              <a:rPr lang="en-US" b="1" dirty="0"/>
-              <a:t>Automobile</a:t>
-            </a:r>
-          </a:p>
-          <a:p>
-            <a:pPr lvl="1"/>
-            <a:r>
-              <a:rPr lang="en-US" sz="2000" dirty="0"/>
-              <a:t>Turn (11%)</a:t>
-            </a:r>
-          </a:p>
-          <a:p>
-            <a:pPr lvl="1"/>
-            <a:r>
-              <a:rPr lang="en-US" sz="2000" dirty="0"/>
-              <a:t>Crash (5%)</a:t>
-            </a:r>
-          </a:p>
-          <a:p>
-            <a:pPr lvl="1"/>
-            <a:r>
-              <a:rPr lang="en-US" sz="2000" dirty="0"/>
-              <a:t>Drive (5%)</a:t>
-            </a:r>
-          </a:p>
-          <a:p>
-            <a:pPr marL="457200" lvl="1" indent="0">
-              <a:buNone/>
-            </a:pPr>
-            <a:endParaRPr lang="en-US" b="1" dirty="0"/>
-          </a:p>
-          <a:p>
-            <a:r>
-              <a:rPr lang="en-US" b="1" dirty="0"/>
-              <a:t>Snowfall</a:t>
-            </a:r>
-          </a:p>
-          <a:p>
-            <a:pPr lvl="1"/>
-            <a:r>
-              <a:rPr lang="en-US" sz="2000" dirty="0"/>
-              <a:t>Freeze (5%)</a:t>
-            </a:r>
-          </a:p>
-          <a:p>
-            <a:pPr lvl="1"/>
-            <a:r>
-              <a:rPr lang="en-US" sz="2000" dirty="0"/>
-              <a:t>Pile (5%)</a:t>
-            </a:r>
-          </a:p>
-          <a:p>
-            <a:pPr lvl="1"/>
-            <a:r>
-              <a:rPr lang="en-US" sz="2000" dirty="0"/>
-              <a:t>Play (5%)</a:t>
-            </a:r>
-          </a:p>
-          <a:p>
-            <a:endParaRPr lang="en-US" dirty="0"/>
-          </a:p>
-          <a:p>
-            <a:r>
-              <a:rPr lang="en-US" b="1" dirty="0"/>
-              <a:t>Branch</a:t>
-            </a:r>
-          </a:p>
-          <a:p>
-            <a:pPr lvl="1"/>
-            <a:r>
-              <a:rPr lang="en-US" sz="2000" dirty="0"/>
-              <a:t>Find (11%)</a:t>
-            </a:r>
-          </a:p>
-          <a:p>
-            <a:pPr lvl="1"/>
-            <a:r>
-              <a:rPr lang="en-US" sz="2000" dirty="0"/>
-              <a:t>Whack (6%)</a:t>
-            </a:r>
-          </a:p>
-          <a:p>
-            <a:pPr lvl="1"/>
-            <a:r>
-              <a:rPr lang="en-US" sz="2000" dirty="0"/>
-              <a:t>Swing (6%)</a:t>
-            </a:r>
-          </a:p>
-          <a:p>
-            <a:pPr lvl="1"/>
-            <a:endParaRPr lang="en-US" sz="2000" dirty="0">
-              <a:highlight>
-                <a:srgbClr val="FFFF00"/>
-              </a:highlight>
-            </a:endParaRPr>
-          </a:p>
-          <a:p>
-            <a:pPr lvl="1"/>
-            <a:endParaRPr lang="en-US" dirty="0">
-              <a:highlight>
-                <a:srgbClr val="FFFF00"/>
-              </a:highlight>
-            </a:endParaRPr>
-          </a:p>
-          <a:p>
-            <a:endParaRPr lang="en-US" dirty="0"/>
-          </a:p>
-          <a:p>
-            <a:endParaRPr lang="en-US" dirty="0"/>
-          </a:p>
-          <a:p>
-            <a:pPr marL="0" indent="0">
-              <a:buNone/>
-            </a:pPr>
-            <a:endParaRPr lang="en-US" dirty="0"/>
-          </a:p>
-          <a:p>
-            <a:endParaRPr lang="en-US" dirty="0"/>
-          </a:p>
-          <a:p>
-            <a:endParaRPr lang="en-US" dirty="0"/>
-          </a:p>
-        </p:txBody>
-      </p:sp>
-      <p:sp>
-        <p:nvSpPr>
-          <p:cNvPr id="13" name="Title 1">
-            <a:extLst>
-              <a:ext uri="{FF2B5EF4-FFF2-40B4-BE49-F238E27FC236}">
-                <a16:creationId xmlns:a16="http://schemas.microsoft.com/office/drawing/2014/main" id="{B8C731E7-87E6-D4D4-930D-630DE8399438}"/>
-              </a:ext>
-            </a:extLst>
-          </p:cNvPr>
-          <p:cNvSpPr>
-            <a:spLocks noGrp="1"/>
-          </p:cNvSpPr>
-          <p:nvPr>
-            <p:ph type="title"/>
-          </p:nvPr>
-        </p:nvSpPr>
-        <p:spPr>
-          <a:xfrm>
-            <a:off x="628650" y="148925"/>
-            <a:ext cx="7886700" cy="1325563"/>
-          </a:xfrm>
-        </p:spPr>
-        <p:txBody>
-          <a:bodyPr/>
-          <a:lstStyle/>
-          <a:p>
-            <a:r>
-              <a:rPr lang="en-US" b="1" dirty="0"/>
-              <a:t>Current Snapshot</a:t>
-            </a:r>
-          </a:p>
-        </p:txBody>
-      </p:sp>
-      <p:pic>
-        <p:nvPicPr>
-          <p:cNvPr id="4" name="Picture 3">
-            <a:extLst>
-              <a:ext uri="{FF2B5EF4-FFF2-40B4-BE49-F238E27FC236}">
-                <a16:creationId xmlns:a16="http://schemas.microsoft.com/office/drawing/2014/main" id="{2FFE6C9D-EE20-4118-97D3-A58906AEF6B9}"/>
-              </a:ext>
-            </a:extLst>
-          </p:cNvPr>
-          <p:cNvPicPr>
-            <a:picLocks noChangeAspect="1"/>
-          </p:cNvPicPr>
-          <p:nvPr/>
-        </p:nvPicPr>
-        <p:blipFill>
-          <a:blip r:embed="rId2">
-            <a:extLst>
-              <a:ext uri="{28A0092B-C50C-407E-A947-70E740481C1C}">
-                <a14:useLocalDpi xmlns:a14="http://schemas.microsoft.com/office/drawing/2010/main" val="0"/>
-              </a:ext>
-            </a:extLst>
-          </a:blip>
-          <a:stretch>
-            <a:fillRect/>
-          </a:stretch>
-        </p:blipFill>
-        <p:spPr>
-          <a:xfrm>
-            <a:off x="5971444" y="892817"/>
-            <a:ext cx="2121049" cy="2121049"/>
-          </a:xfrm>
-          <a:prstGeom prst="rect">
-            <a:avLst/>
-          </a:prstGeom>
-        </p:spPr>
-      </p:pic>
-      <p:pic>
-        <p:nvPicPr>
-          <p:cNvPr id="5" name="Picture 4">
-            <a:extLst>
-              <a:ext uri="{FF2B5EF4-FFF2-40B4-BE49-F238E27FC236}">
-                <a16:creationId xmlns:a16="http://schemas.microsoft.com/office/drawing/2014/main" id="{51CBD3C1-0784-4B09-8046-6A9E7CEB03A7}"/>
-              </a:ext>
-            </a:extLst>
-          </p:cNvPr>
-          <p:cNvPicPr>
-            <a:picLocks noChangeAspect="1"/>
-          </p:cNvPicPr>
-          <p:nvPr/>
-        </p:nvPicPr>
-        <p:blipFill>
-          <a:blip r:embed="rId3"/>
-          <a:stretch>
-            <a:fillRect/>
-          </a:stretch>
-        </p:blipFill>
-        <p:spPr>
-          <a:xfrm>
-            <a:off x="6358855" y="3074225"/>
-            <a:ext cx="1733638" cy="1444699"/>
-          </a:xfrm>
-          <a:prstGeom prst="rect">
-            <a:avLst/>
-          </a:prstGeom>
-        </p:spPr>
-      </p:pic>
-      <p:pic>
-        <p:nvPicPr>
-          <p:cNvPr id="7" name="Picture 6">
-            <a:extLst>
-              <a:ext uri="{FF2B5EF4-FFF2-40B4-BE49-F238E27FC236}">
-                <a16:creationId xmlns:a16="http://schemas.microsoft.com/office/drawing/2014/main" id="{17972732-54A4-4294-9959-C7C393947E67}"/>
-              </a:ext>
-            </a:extLst>
-          </p:cNvPr>
-          <p:cNvPicPr>
-            <a:picLocks noChangeAspect="1"/>
-          </p:cNvPicPr>
-          <p:nvPr/>
-        </p:nvPicPr>
-        <p:blipFill>
-          <a:blip r:embed="rId4">
-            <a:extLst>
-              <a:ext uri="{28A0092B-C50C-407E-A947-70E740481C1C}">
-                <a14:useLocalDpi xmlns:a14="http://schemas.microsoft.com/office/drawing/2010/main" val="0"/>
-              </a:ext>
-            </a:extLst>
-          </a:blip>
-          <a:stretch>
-            <a:fillRect/>
-          </a:stretch>
-        </p:blipFill>
-        <p:spPr>
-          <a:xfrm>
-            <a:off x="6132352" y="5287993"/>
-            <a:ext cx="2382997" cy="1037305"/>
-          </a:xfrm>
-          <a:prstGeom prst="rect">
-            <a:avLst/>
-          </a:prstGeom>
-        </p:spPr>
-      </p:pic>
-    </p:spTree>
-    <p:extLst>
-      <p:ext uri="{BB962C8B-B14F-4D97-AF65-F5344CB8AC3E}">
-        <p14:creationId xmlns:p14="http://schemas.microsoft.com/office/powerpoint/2010/main" val="4265069531"/>
-      </p:ext>
-    </p:extLst>
-  </p:cSld>
-  <p:clrMapOvr>
-    <a:masterClrMapping/>
-  </p:clrMapOvr>
-</p:sld>
-</file>
-
 <file path=ppt/slides/slide33.xml><?xml version="1.0" encoding="utf-8"?>
 <p:sld xmlns:a="http://schemas.openxmlformats.org/drawingml/2006/main" xmlns:r="http://schemas.openxmlformats.org/officeDocument/2006/relationships" xmlns:p="http://schemas.openxmlformats.org/presentationml/2006/main">
   <p:cSld>
@@ -12795,7 +12774,35 @@
             </a:r>
             <a:r>
               <a:rPr lang="en-US" dirty="0"/>
-              <a:t>: Probability that cue elicits target as a response</a:t>
+              <a:t>: </a:t>
+            </a:r>
+            <a:r>
+              <a:rPr lang="en-US" dirty="0" err="1"/>
+              <a:t>Liklihood</a:t>
+            </a:r>
+            <a:r>
+              <a:rPr lang="en-US" dirty="0"/>
+              <a:t> that </a:t>
+            </a:r>
+            <a:r>
+              <a:rPr lang="en-US" b="1" dirty="0">
+                <a:solidFill>
+                  <a:schemeClr val="accent1"/>
+                </a:solidFill>
+              </a:rPr>
+              <a:t>cue</a:t>
+            </a:r>
+            <a:r>
+              <a:rPr lang="en-US" dirty="0"/>
+              <a:t> elicits target as a </a:t>
+            </a:r>
+            <a:r>
+              <a:rPr lang="en-US" b="1" dirty="0">
+                <a:solidFill>
+                  <a:schemeClr val="accent1"/>
+                </a:solidFill>
+              </a:rPr>
+              <a:t>response</a:t>
             </a:r>
           </a:p>
           <a:p>
@@ -12810,7 +12817,7 @@
             </a:r>
             <a:r>
               <a:rPr lang="en-US" dirty="0"/>
-              <a:t>: Cat – Dog</a:t>
+              <a:t>: Cat – Dog; probability?</a:t>
             </a:r>
           </a:p>
           <a:p>
@@ -12851,7 +12858,7 @@
             </a:r>
             <a:r>
               <a:rPr lang="en-US" dirty="0"/>
-              <a:t> Dog – Paw</a:t>
+              <a:t> Dog – Bark</a:t>
             </a:r>
           </a:p>
           <a:p>
@@ -12904,6 +12911,178 @@
   <p:clrMapOvr>
     <a:masterClrMapping/>
   </p:clrMapOvr>
+  <p:timing>
+    <p:tnLst>
+      <p:par>
+        <p:cTn id="1" dur="indefinite" restart="never" nodeType="tmRoot">
+          <p:childTnLst>
+            <p:seq concurrent="1" nextAc="seek">
+              <p:cTn id="2" dur="indefinite" nodeType="mainSeq">
+                <p:childTnLst>
+                  <p:par>
+                    <p:cTn id="3" fill="hold">
+                      <p:stCondLst>
+                        <p:cond delay="indefinite"/>
+                      </p:stCondLst>
+                      <p:childTnLst>
+                        <p:par>
+                          <p:cTn id="4" fill="hold">
+                            <p:stCondLst>
+                              <p:cond delay="0"/>
+                            </p:stCondLst>
+                            <p:childTnLst>
+                              <p:par>
+                                <p:cTn id="5" presetID="1" presetClass="entr" presetSubtype="0" fill="hold" nodeType="clickEffect">
+                                  <p:stCondLst>
+                                    <p:cond delay="0"/>
+                                  </p:stCondLst>
+                                  <p:childTnLst>
+                                    <p:set>
+                                      <p:cBhvr>
+                                        <p:cTn id="6" dur="1" fill="hold">
+                                          <p:stCondLst>
+                                            <p:cond delay="0"/>
+                                          </p:stCondLst>
+                                        </p:cTn>
+                                        <p:tgtEl>
+                                          <p:spTgt spid="3">
+                                            <p:txEl>
+                                              <p:pRg st="6" end="6"/>
+                                            </p:txEl>
+                                          </p:spTgt>
+                                        </p:tgtEl>
+                                        <p:attrNameLst>
+                                          <p:attrName>style.visibility</p:attrName>
+                                        </p:attrNameLst>
+                                      </p:cBhvr>
+                                      <p:to>
+                                        <p:strVal val="visible"/>
+                                      </p:to>
+                                    </p:set>
+                                  </p:childTnLst>
+                                </p:cTn>
+                              </p:par>
+                              <p:par>
+                                <p:cTn id="7" presetID="1" presetClass="entr" presetSubtype="0" fill="hold" nodeType="withEffect">
+                                  <p:stCondLst>
+                                    <p:cond delay="0"/>
+                                  </p:stCondLst>
+                                  <p:childTnLst>
+                                    <p:set>
+                                      <p:cBhvr>
+                                        <p:cTn id="8" dur="1" fill="hold">
+                                          <p:stCondLst>
+                                            <p:cond delay="0"/>
+                                          </p:stCondLst>
+                                        </p:cTn>
+                                        <p:tgtEl>
+                                          <p:spTgt spid="3">
+                                            <p:txEl>
+                                              <p:pRg st="7" end="7"/>
+                                            </p:txEl>
+                                          </p:spTgt>
+                                        </p:tgtEl>
+                                        <p:attrNameLst>
+                                          <p:attrName>style.visibility</p:attrName>
+                                        </p:attrNameLst>
+                                      </p:cBhvr>
+                                      <p:to>
+                                        <p:strVal val="visible"/>
+                                      </p:to>
+                                    </p:set>
+                                  </p:childTnLst>
+                                </p:cTn>
+                              </p:par>
+                              <p:par>
+                                <p:cTn id="9" presetID="1" presetClass="entr" presetSubtype="0" fill="hold" nodeType="withEffect">
+                                  <p:stCondLst>
+                                    <p:cond delay="0"/>
+                                  </p:stCondLst>
+                                  <p:childTnLst>
+                                    <p:set>
+                                      <p:cBhvr>
+                                        <p:cTn id="10" dur="1" fill="hold">
+                                          <p:stCondLst>
+                                            <p:cond delay="0"/>
+                                          </p:stCondLst>
+                                        </p:cTn>
+                                        <p:tgtEl>
+                                          <p:spTgt spid="3">
+                                            <p:txEl>
+                                              <p:pRg st="8" end="8"/>
+                                            </p:txEl>
+                                          </p:spTgt>
+                                        </p:tgtEl>
+                                        <p:attrNameLst>
+                                          <p:attrName>style.visibility</p:attrName>
+                                        </p:attrNameLst>
+                                      </p:cBhvr>
+                                      <p:to>
+                                        <p:strVal val="visible"/>
+                                      </p:to>
+                                    </p:set>
+                                  </p:childTnLst>
+                                </p:cTn>
+                              </p:par>
+                              <p:par>
+                                <p:cTn id="11" presetID="1" presetClass="entr" presetSubtype="0" fill="hold" nodeType="withEffect">
+                                  <p:stCondLst>
+                                    <p:cond delay="0"/>
+                                  </p:stCondLst>
+                                  <p:childTnLst>
+                                    <p:set>
+                                      <p:cBhvr>
+                                        <p:cTn id="12" dur="1" fill="hold">
+                                          <p:stCondLst>
+                                            <p:cond delay="0"/>
+                                          </p:stCondLst>
+                                        </p:cTn>
+                                        <p:tgtEl>
+                                          <p:spTgt spid="3">
+                                            <p:txEl>
+                                              <p:pRg st="9" end="9"/>
+                                            </p:txEl>
+                                          </p:spTgt>
+                                        </p:tgtEl>
+                                        <p:attrNameLst>
+                                          <p:attrName>style.visibility</p:attrName>
+                                        </p:attrNameLst>
+                                      </p:cBhvr>
+                                      <p:to>
+                                        <p:strVal val="visible"/>
+                                      </p:to>
+                                    </p:set>
+                                  </p:childTnLst>
+                                </p:cTn>
+                              </p:par>
+                            </p:childTnLst>
+                          </p:cTn>
+                        </p:par>
+                      </p:childTnLst>
+                    </p:cTn>
+                  </p:par>
+                </p:childTnLst>
+              </p:cTn>
+              <p:prevCondLst>
+                <p:cond evt="onPrev" delay="0">
+                  <p:tgtEl>
+                    <p:sldTgt/>
+                  </p:tgtEl>
+                </p:cond>
+              </p:prevCondLst>
+              <p:nextCondLst>
+                <p:cond evt="onNext" delay="0">
+                  <p:tgtEl>
+                    <p:sldTgt/>
+                  </p:tgtEl>
+                </p:cond>
+              </p:nextCondLst>
+            </p:seq>
+          </p:childTnLst>
+        </p:cTn>
+      </p:par>
+    </p:tnLst>
+  </p:timing>
 </p:sld>
 </file>
 

--- a/5 Presentations/UCONN 2022.pptx
+++ b/5 Presentations/UCONN 2022.pptx
@@ -9,35 +9,34 @@
     <p:sldId id="289" r:id="rId3"/>
     <p:sldId id="257" r:id="rId4"/>
     <p:sldId id="298" r:id="rId5"/>
-    <p:sldId id="295" r:id="rId6"/>
-    <p:sldId id="299" r:id="rId7"/>
-    <p:sldId id="290" r:id="rId8"/>
-    <p:sldId id="262" r:id="rId9"/>
-    <p:sldId id="279" r:id="rId10"/>
-    <p:sldId id="291" r:id="rId11"/>
-    <p:sldId id="272" r:id="rId12"/>
-    <p:sldId id="288" r:id="rId13"/>
-    <p:sldId id="276" r:id="rId14"/>
-    <p:sldId id="264" r:id="rId15"/>
-    <p:sldId id="265" r:id="rId16"/>
-    <p:sldId id="300" r:id="rId17"/>
-    <p:sldId id="302" r:id="rId18"/>
-    <p:sldId id="270" r:id="rId19"/>
-    <p:sldId id="275" r:id="rId20"/>
-    <p:sldId id="278" r:id="rId21"/>
-    <p:sldId id="280" r:id="rId22"/>
-    <p:sldId id="281" r:id="rId23"/>
-    <p:sldId id="284" r:id="rId24"/>
-    <p:sldId id="287" r:id="rId25"/>
-    <p:sldId id="282" r:id="rId26"/>
-    <p:sldId id="283" r:id="rId27"/>
-    <p:sldId id="301" r:id="rId28"/>
-    <p:sldId id="286" r:id="rId29"/>
-    <p:sldId id="277" r:id="rId30"/>
-    <p:sldId id="305" r:id="rId31"/>
-    <p:sldId id="306" r:id="rId32"/>
-    <p:sldId id="285" r:id="rId33"/>
-    <p:sldId id="296" r:id="rId34"/>
+    <p:sldId id="299" r:id="rId6"/>
+    <p:sldId id="290" r:id="rId7"/>
+    <p:sldId id="262" r:id="rId8"/>
+    <p:sldId id="279" r:id="rId9"/>
+    <p:sldId id="291" r:id="rId10"/>
+    <p:sldId id="272" r:id="rId11"/>
+    <p:sldId id="288" r:id="rId12"/>
+    <p:sldId id="276" r:id="rId13"/>
+    <p:sldId id="264" r:id="rId14"/>
+    <p:sldId id="265" r:id="rId15"/>
+    <p:sldId id="300" r:id="rId16"/>
+    <p:sldId id="302" r:id="rId17"/>
+    <p:sldId id="270" r:id="rId18"/>
+    <p:sldId id="275" r:id="rId19"/>
+    <p:sldId id="278" r:id="rId20"/>
+    <p:sldId id="280" r:id="rId21"/>
+    <p:sldId id="281" r:id="rId22"/>
+    <p:sldId id="284" r:id="rId23"/>
+    <p:sldId id="287" r:id="rId24"/>
+    <p:sldId id="282" r:id="rId25"/>
+    <p:sldId id="283" r:id="rId26"/>
+    <p:sldId id="301" r:id="rId27"/>
+    <p:sldId id="286" r:id="rId28"/>
+    <p:sldId id="277" r:id="rId29"/>
+    <p:sldId id="305" r:id="rId30"/>
+    <p:sldId id="306" r:id="rId31"/>
+    <p:sldId id="285" r:id="rId32"/>
+    <p:sldId id="296" r:id="rId33"/>
   </p:sldIdLst>
   <p:sldSz cx="9144000" cy="6858000" type="screen4x3"/>
   <p:notesSz cx="6858000" cy="9144000"/>
@@ -156,8 +155,8 @@
 <pc:chgInfo xmlns:a="http://schemas.openxmlformats.org/drawingml/2006/main" xmlns:r="http://schemas.openxmlformats.org/officeDocument/2006/relationships" xmlns:ac="http://schemas.microsoft.com/office/drawing/2013/main/command" xmlns:pc="http://schemas.microsoft.com/office/powerpoint/2013/main/command">
   <pc:docChgLst>
     <pc:chgData name="Nick Maxwell" userId="8614ede61265de7b" providerId="LiveId" clId="{30A3553E-45A8-4B50-A161-B648601B4D3D}"/>
-    <pc:docChg chg="undo custSel addSld modSld sldOrd">
-      <pc:chgData name="Nick Maxwell" userId="8614ede61265de7b" providerId="LiveId" clId="{30A3553E-45A8-4B50-A161-B648601B4D3D}" dt="2022-10-18T21:05:32.075" v="1866" actId="20577"/>
+    <pc:docChg chg="undo custSel addSld delSld modSld sldOrd">
+      <pc:chgData name="Nick Maxwell" userId="8614ede61265de7b" providerId="LiveId" clId="{30A3553E-45A8-4B50-A161-B648601B4D3D}" dt="2022-10-20T23:20:16.651" v="2037" actId="313"/>
       <pc:docMkLst>
         <pc:docMk/>
       </pc:docMkLst>
@@ -215,13 +214,13 @@
         </pc:spChg>
       </pc:sldChg>
       <pc:sldChg chg="modSp mod modAnim">
-        <pc:chgData name="Nick Maxwell" userId="8614ede61265de7b" providerId="LiveId" clId="{30A3553E-45A8-4B50-A161-B648601B4D3D}" dt="2022-10-18T21:03:32.466" v="1811" actId="20577"/>
+        <pc:chgData name="Nick Maxwell" userId="8614ede61265de7b" providerId="LiveId" clId="{30A3553E-45A8-4B50-A161-B648601B4D3D}" dt="2022-10-20T22:28:42.178" v="1888" actId="20577"/>
         <pc:sldMkLst>
           <pc:docMk/>
           <pc:sldMk cId="183757981" sldId="276"/>
         </pc:sldMkLst>
         <pc:spChg chg="mod">
-          <ac:chgData name="Nick Maxwell" userId="8614ede61265de7b" providerId="LiveId" clId="{30A3553E-45A8-4B50-A161-B648601B4D3D}" dt="2022-10-18T21:03:32.466" v="1811" actId="20577"/>
+          <ac:chgData name="Nick Maxwell" userId="8614ede61265de7b" providerId="LiveId" clId="{30A3553E-45A8-4B50-A161-B648601B4D3D}" dt="2022-10-20T22:28:42.178" v="1888" actId="20577"/>
           <ac:spMkLst>
             <pc:docMk/>
             <pc:sldMk cId="183757981" sldId="276"/>
@@ -238,13 +237,13 @@
         </pc:spChg>
       </pc:sldChg>
       <pc:sldChg chg="modSp mod">
-        <pc:chgData name="Nick Maxwell" userId="8614ede61265de7b" providerId="LiveId" clId="{30A3553E-45A8-4B50-A161-B648601B4D3D}" dt="2022-10-18T21:04:50.087" v="1821" actId="20577"/>
+        <pc:chgData name="Nick Maxwell" userId="8614ede61265de7b" providerId="LiveId" clId="{30A3553E-45A8-4B50-A161-B648601B4D3D}" dt="2022-10-20T22:31:11.860" v="1976" actId="20577"/>
         <pc:sldMkLst>
           <pc:docMk/>
           <pc:sldMk cId="2510830952" sldId="277"/>
         </pc:sldMkLst>
         <pc:spChg chg="mod">
-          <ac:chgData name="Nick Maxwell" userId="8614ede61265de7b" providerId="LiveId" clId="{30A3553E-45A8-4B50-A161-B648601B4D3D}" dt="2022-10-18T21:04:50.087" v="1821" actId="20577"/>
+          <ac:chgData name="Nick Maxwell" userId="8614ede61265de7b" providerId="LiveId" clId="{30A3553E-45A8-4B50-A161-B648601B4D3D}" dt="2022-10-20T22:31:11.860" v="1976" actId="20577"/>
           <ac:spMkLst>
             <pc:docMk/>
             <pc:sldMk cId="2510830952" sldId="277"/>
@@ -351,8 +350,8 @@
           </ac:spMkLst>
         </pc:spChg>
       </pc:sldChg>
-      <pc:sldChg chg="modSp mod">
-        <pc:chgData name="Nick Maxwell" userId="8614ede61265de7b" providerId="LiveId" clId="{30A3553E-45A8-4B50-A161-B648601B4D3D}" dt="2022-10-18T21:02:08.400" v="1789" actId="207"/>
+      <pc:sldChg chg="modSp mod modAnim">
+        <pc:chgData name="Nick Maxwell" userId="8614ede61265de7b" providerId="LiveId" clId="{30A3553E-45A8-4B50-A161-B648601B4D3D}" dt="2022-10-20T22:28:08.827" v="1867"/>
         <pc:sldMkLst>
           <pc:docMk/>
           <pc:sldMk cId="120470736" sldId="291"/>
@@ -366,8 +365,8 @@
           </ac:spMkLst>
         </pc:spChg>
       </pc:sldChg>
-      <pc:sldChg chg="modSp mod">
-        <pc:chgData name="Nick Maxwell" userId="8614ede61265de7b" providerId="LiveId" clId="{30A3553E-45A8-4B50-A161-B648601B4D3D}" dt="2022-10-04T16:08:55.153" v="215" actId="20577"/>
+      <pc:sldChg chg="modSp del mod">
+        <pc:chgData name="Nick Maxwell" userId="8614ede61265de7b" providerId="LiveId" clId="{30A3553E-45A8-4B50-A161-B648601B4D3D}" dt="2022-10-20T23:20:08.651" v="2036" actId="47"/>
         <pc:sldMkLst>
           <pc:docMk/>
           <pc:sldMk cId="1424574430" sldId="295"/>
@@ -382,7 +381,7 @@
         </pc:spChg>
       </pc:sldChg>
       <pc:sldChg chg="addSp modSp mod modAnim">
-        <pc:chgData name="Nick Maxwell" userId="8614ede61265de7b" providerId="LiveId" clId="{30A3553E-45A8-4B50-A161-B648601B4D3D}" dt="2022-10-04T16:51:10.357" v="1706" actId="20577"/>
+        <pc:chgData name="Nick Maxwell" userId="8614ede61265de7b" providerId="LiveId" clId="{30A3553E-45A8-4B50-A161-B648601B4D3D}" dt="2022-10-20T22:32:07.640" v="1977" actId="20577"/>
         <pc:sldMkLst>
           <pc:docMk/>
           <pc:sldMk cId="3830733171" sldId="296"/>
@@ -396,7 +395,7 @@
           </ac:spMkLst>
         </pc:spChg>
         <pc:spChg chg="mod">
-          <ac:chgData name="Nick Maxwell" userId="8614ede61265de7b" providerId="LiveId" clId="{30A3553E-45A8-4B50-A161-B648601B4D3D}" dt="2022-10-04T16:51:06.175" v="1705" actId="1076"/>
+          <ac:chgData name="Nick Maxwell" userId="8614ede61265de7b" providerId="LiveId" clId="{30A3553E-45A8-4B50-A161-B648601B4D3D}" dt="2022-10-20T22:32:07.640" v="1977" actId="20577"/>
           <ac:spMkLst>
             <pc:docMk/>
             <pc:sldMk cId="3830733171" sldId="296"/>
@@ -444,7 +443,7 @@
         </pc:spChg>
       </pc:sldChg>
       <pc:sldChg chg="modSp mod modAnim">
-        <pc:chgData name="Nick Maxwell" userId="8614ede61265de7b" providerId="LiveId" clId="{30A3553E-45A8-4B50-A161-B648601B4D3D}" dt="2022-10-18T21:00:22.496" v="1763" actId="20577"/>
+        <pc:chgData name="Nick Maxwell" userId="8614ede61265de7b" providerId="LiveId" clId="{30A3553E-45A8-4B50-A161-B648601B4D3D}" dt="2022-10-20T23:20:16.651" v="2037" actId="313"/>
         <pc:sldMkLst>
           <pc:docMk/>
           <pc:sldMk cId="4193530982" sldId="298"/>
@@ -458,7 +457,7 @@
           </ac:spMkLst>
         </pc:spChg>
         <pc:spChg chg="mod">
-          <ac:chgData name="Nick Maxwell" userId="8614ede61265de7b" providerId="LiveId" clId="{30A3553E-45A8-4B50-A161-B648601B4D3D}" dt="2022-10-18T21:00:22.496" v="1763" actId="20577"/>
+          <ac:chgData name="Nick Maxwell" userId="8614ede61265de7b" providerId="LiveId" clId="{30A3553E-45A8-4B50-A161-B648601B4D3D}" dt="2022-10-20T23:20:16.651" v="2037" actId="313"/>
           <ac:spMkLst>
             <pc:docMk/>
             <pc:sldMk cId="4193530982" sldId="298"/>
@@ -497,7 +496,7 @@
         </pc:spChg>
       </pc:sldChg>
       <pc:sldChg chg="modSp add mod ord modAnim">
-        <pc:chgData name="Nick Maxwell" userId="8614ede61265de7b" providerId="LiveId" clId="{30A3553E-45A8-4B50-A161-B648601B4D3D}" dt="2022-10-04T16:33:59.518" v="1331" actId="113"/>
+        <pc:chgData name="Nick Maxwell" userId="8614ede61265de7b" providerId="LiveId" clId="{30A3553E-45A8-4B50-A161-B648601B4D3D}" dt="2022-10-20T22:29:25.341" v="1889"/>
         <pc:sldMkLst>
           <pc:docMk/>
           <pc:sldMk cId="591413779" sldId="302"/>
@@ -655,7 +654,7 @@
           <a:p>
             <a:fld id="{1B04FFF2-C519-4852-BB84-2A3EE9233315}" type="datetimeFigureOut">
               <a:rPr lang="en-US" smtClean="0"/>
-              <a:t>10/18/2022</a:t>
+              <a:t>10/20/2022</a:t>
             </a:fld>
             <a:endParaRPr lang="en-US"/>
           </a:p>
@@ -825,7 +824,7 @@
           <a:p>
             <a:fld id="{1B04FFF2-C519-4852-BB84-2A3EE9233315}" type="datetimeFigureOut">
               <a:rPr lang="en-US" smtClean="0"/>
-              <a:t>10/18/2022</a:t>
+              <a:t>10/20/2022</a:t>
             </a:fld>
             <a:endParaRPr lang="en-US"/>
           </a:p>
@@ -1005,7 +1004,7 @@
           <a:p>
             <a:fld id="{1B04FFF2-C519-4852-BB84-2A3EE9233315}" type="datetimeFigureOut">
               <a:rPr lang="en-US" smtClean="0"/>
-              <a:t>10/18/2022</a:t>
+              <a:t>10/20/2022</a:t>
             </a:fld>
             <a:endParaRPr lang="en-US"/>
           </a:p>
@@ -1175,7 +1174,7 @@
           <a:p>
             <a:fld id="{1B04FFF2-C519-4852-BB84-2A3EE9233315}" type="datetimeFigureOut">
               <a:rPr lang="en-US" smtClean="0"/>
-              <a:t>10/18/2022</a:t>
+              <a:t>10/20/2022</a:t>
             </a:fld>
             <a:endParaRPr lang="en-US"/>
           </a:p>
@@ -1419,7 +1418,7 @@
           <a:p>
             <a:fld id="{1B04FFF2-C519-4852-BB84-2A3EE9233315}" type="datetimeFigureOut">
               <a:rPr lang="en-US" smtClean="0"/>
-              <a:t>10/18/2022</a:t>
+              <a:t>10/20/2022</a:t>
             </a:fld>
             <a:endParaRPr lang="en-US"/>
           </a:p>
@@ -1651,7 +1650,7 @@
           <a:p>
             <a:fld id="{1B04FFF2-C519-4852-BB84-2A3EE9233315}" type="datetimeFigureOut">
               <a:rPr lang="en-US" smtClean="0"/>
-              <a:t>10/18/2022</a:t>
+              <a:t>10/20/2022</a:t>
             </a:fld>
             <a:endParaRPr lang="en-US"/>
           </a:p>
@@ -2018,7 +2017,7 @@
           <a:p>
             <a:fld id="{1B04FFF2-C519-4852-BB84-2A3EE9233315}" type="datetimeFigureOut">
               <a:rPr lang="en-US" smtClean="0"/>
-              <a:t>10/18/2022</a:t>
+              <a:t>10/20/2022</a:t>
             </a:fld>
             <a:endParaRPr lang="en-US"/>
           </a:p>
@@ -2136,7 +2135,7 @@
           <a:p>
             <a:fld id="{1B04FFF2-C519-4852-BB84-2A3EE9233315}" type="datetimeFigureOut">
               <a:rPr lang="en-US" smtClean="0"/>
-              <a:t>10/18/2022</a:t>
+              <a:t>10/20/2022</a:t>
             </a:fld>
             <a:endParaRPr lang="en-US"/>
           </a:p>
@@ -2231,7 +2230,7 @@
           <a:p>
             <a:fld id="{1B04FFF2-C519-4852-BB84-2A3EE9233315}" type="datetimeFigureOut">
               <a:rPr lang="en-US" smtClean="0"/>
-              <a:t>10/18/2022</a:t>
+              <a:t>10/20/2022</a:t>
             </a:fld>
             <a:endParaRPr lang="en-US"/>
           </a:p>
@@ -2508,7 +2507,7 @@
           <a:p>
             <a:fld id="{1B04FFF2-C519-4852-BB84-2A3EE9233315}" type="datetimeFigureOut">
               <a:rPr lang="en-US" smtClean="0"/>
-              <a:t>10/18/2022</a:t>
+              <a:t>10/20/2022</a:t>
             </a:fld>
             <a:endParaRPr lang="en-US"/>
           </a:p>
@@ -2765,7 +2764,7 @@
           <a:p>
             <a:fld id="{1B04FFF2-C519-4852-BB84-2A3EE9233315}" type="datetimeFigureOut">
               <a:rPr lang="en-US" smtClean="0"/>
-              <a:t>10/18/2022</a:t>
+              <a:t>10/20/2022</a:t>
             </a:fld>
             <a:endParaRPr lang="en-US"/>
           </a:p>
@@ -2978,7 +2977,7 @@
           <a:p>
             <a:fld id="{1B04FFF2-C519-4852-BB84-2A3EE9233315}" type="datetimeFigureOut">
               <a:rPr lang="en-US" smtClean="0"/>
-              <a:t>10/18/2022</a:t>
+              <a:t>10/20/2022</a:t>
             </a:fld>
             <a:endParaRPr lang="en-US"/>
           </a:p>
@@ -3680,226 +3679,6 @@
           <p:cNvPr id="2" name="Title 1">
             <a:extLst>
               <a:ext uri="{FF2B5EF4-FFF2-40B4-BE49-F238E27FC236}">
-                <a16:creationId xmlns:a16="http://schemas.microsoft.com/office/drawing/2014/main" id="{9035481F-A9A0-46D5-8981-541CB9E5DFAB}"/>
-              </a:ext>
-            </a:extLst>
-          </p:cNvPr>
-          <p:cNvSpPr>
-            <a:spLocks noGrp="1"/>
-          </p:cNvSpPr>
-          <p:nvPr>
-            <p:ph type="title"/>
-          </p:nvPr>
-        </p:nvSpPr>
-        <p:spPr>
-          <a:xfrm>
-            <a:off x="214313" y="157490"/>
-            <a:ext cx="7886700" cy="1325563"/>
-          </a:xfrm>
-        </p:spPr>
-        <p:txBody>
-          <a:bodyPr/>
-          <a:lstStyle/>
-          <a:p>
-            <a:r>
-              <a:rPr lang="en-US" b="1" dirty="0"/>
-              <a:t>Norms Measuring Meaning</a:t>
-            </a:r>
-          </a:p>
-        </p:txBody>
-      </p:sp>
-      <p:sp>
-        <p:nvSpPr>
-          <p:cNvPr id="3" name="Content Placeholder 2">
-            <a:extLst>
-              <a:ext uri="{FF2B5EF4-FFF2-40B4-BE49-F238E27FC236}">
-                <a16:creationId xmlns:a16="http://schemas.microsoft.com/office/drawing/2014/main" id="{DA555F30-6EA4-4842-A65B-37DDA9BFF014}"/>
-              </a:ext>
-            </a:extLst>
-          </p:cNvPr>
-          <p:cNvSpPr>
-            <a:spLocks noGrp="1"/>
-          </p:cNvSpPr>
-          <p:nvPr>
-            <p:ph idx="1"/>
-          </p:nvPr>
-        </p:nvSpPr>
-        <p:spPr>
-          <a:xfrm>
-            <a:off x="628650" y="1505475"/>
-            <a:ext cx="7886700" cy="4532253"/>
-          </a:xfrm>
-        </p:spPr>
-        <p:txBody>
-          <a:bodyPr>
-            <a:normAutofit fontScale="92500" lnSpcReduction="10000"/>
-          </a:bodyPr>
-          <a:lstStyle/>
-          <a:p>
-            <a:r>
-              <a:rPr lang="en-US" b="1" dirty="0">
-                <a:solidFill>
-                  <a:srgbClr val="0070C0"/>
-                </a:solidFill>
-              </a:rPr>
-              <a:t>Semantic Feature Production Norms </a:t>
-            </a:r>
-            <a:r>
-              <a:rPr lang="en-US" sz="2000" dirty="0"/>
-              <a:t>(Vinson &amp; </a:t>
-            </a:r>
-            <a:r>
-              <a:rPr lang="en-US" sz="2000" dirty="0" err="1"/>
-              <a:t>Vigliocco</a:t>
-            </a:r>
-            <a:r>
-              <a:rPr lang="en-US" sz="2000" dirty="0"/>
-              <a:t>, 2008; Buchanan, Valentine, &amp; Maxwell, 2019; McRea, Cree, </a:t>
-            </a:r>
-            <a:r>
-              <a:rPr lang="en-US" sz="2000" dirty="0" err="1"/>
-              <a:t>Siedenberg</a:t>
-            </a:r>
-            <a:r>
-              <a:rPr lang="en-US" sz="2000" dirty="0"/>
-              <a:t>, &amp; </a:t>
-            </a:r>
-            <a:r>
-              <a:rPr lang="en-US" sz="2000" dirty="0" err="1"/>
-              <a:t>Mcnorgan</a:t>
-            </a:r>
-            <a:r>
-              <a:rPr lang="en-US" sz="2000" dirty="0"/>
-              <a:t>, 2005)</a:t>
-            </a:r>
-          </a:p>
-          <a:p>
-            <a:endParaRPr lang="en-US" sz="2000" dirty="0"/>
-          </a:p>
-          <a:p>
-            <a:r>
-              <a:rPr lang="en-US" b="1" dirty="0">
-                <a:solidFill>
-                  <a:srgbClr val="0070C0"/>
-                </a:solidFill>
-              </a:rPr>
-              <a:t>Word Associations </a:t>
-            </a:r>
-            <a:r>
-              <a:rPr lang="en-US" sz="3600" dirty="0"/>
-              <a:t>(</a:t>
-            </a:r>
-            <a:r>
-              <a:rPr lang="en-US" dirty="0"/>
-              <a:t>USF Norms, Nelson, McEvoy, &amp; Schreiber, 2004; SWOW, De </a:t>
-            </a:r>
-            <a:r>
-              <a:rPr lang="en-US" dirty="0" err="1"/>
-              <a:t>Deyne</a:t>
-            </a:r>
-            <a:r>
-              <a:rPr lang="en-US" dirty="0"/>
-              <a:t> et al., 2019)</a:t>
-            </a:r>
-          </a:p>
-          <a:p>
-            <a:endParaRPr lang="en-US" dirty="0"/>
-          </a:p>
-          <a:p>
-            <a:r>
-              <a:rPr lang="en-US" b="1" dirty="0"/>
-              <a:t>What about Affordances???</a:t>
-            </a:r>
-          </a:p>
-          <a:p>
-            <a:pPr lvl="1"/>
-            <a:r>
-              <a:rPr lang="en-US" b="1" dirty="0">
-                <a:solidFill>
-                  <a:schemeClr val="accent1"/>
-                </a:solidFill>
-              </a:rPr>
-              <a:t>Body-object interaction norms </a:t>
-            </a:r>
-            <a:r>
-              <a:rPr lang="en-US" dirty="0"/>
-              <a:t>(BOI; </a:t>
-            </a:r>
-            <a:r>
-              <a:rPr lang="en-US" dirty="0" err="1"/>
-              <a:t>Pexman</a:t>
-            </a:r>
-            <a:r>
-              <a:rPr lang="en-US" dirty="0"/>
-              <a:t> et al. 2019)</a:t>
-            </a:r>
-          </a:p>
-          <a:p>
-            <a:pPr lvl="1"/>
-            <a:endParaRPr lang="en-US" dirty="0"/>
-          </a:p>
-          <a:p>
-            <a:pPr lvl="1"/>
-            <a:r>
-              <a:rPr lang="en-US" dirty="0"/>
-              <a:t>Likert scale ratings of how easily participants could interact with a given object</a:t>
-            </a:r>
-          </a:p>
-          <a:p>
-            <a:pPr lvl="1"/>
-            <a:endParaRPr lang="en-US" dirty="0"/>
-          </a:p>
-          <a:p>
-            <a:pPr lvl="1"/>
-            <a:endParaRPr lang="en-US" dirty="0"/>
-          </a:p>
-          <a:p>
-            <a:pPr lvl="1"/>
-            <a:endParaRPr lang="en-US" dirty="0"/>
-          </a:p>
-          <a:p>
-            <a:pPr marL="0" indent="0">
-              <a:buNone/>
-            </a:pPr>
-            <a:endParaRPr lang="en-US" dirty="0"/>
-          </a:p>
-        </p:txBody>
-      </p:sp>
-    </p:spTree>
-    <p:extLst>
-      <p:ext uri="{BB962C8B-B14F-4D97-AF65-F5344CB8AC3E}">
-        <p14:creationId xmlns:p14="http://schemas.microsoft.com/office/powerpoint/2010/main" val="120470736"/>
-      </p:ext>
-    </p:extLst>
-  </p:cSld>
-  <p:clrMapOvr>
-    <a:masterClrMapping/>
-  </p:clrMapOvr>
-</p:sld>
-</file>
-
-<file path=ppt/slides/slide11.xml><?xml version="1.0" encoding="utf-8"?>
-<p:sld xmlns:a="http://schemas.openxmlformats.org/drawingml/2006/main" xmlns:r="http://schemas.openxmlformats.org/officeDocument/2006/relationships" xmlns:p="http://schemas.openxmlformats.org/presentationml/2006/main">
-  <p:cSld>
-    <p:spTree>
-      <p:nvGrpSpPr>
-        <p:cNvPr id="1" name=""/>
-        <p:cNvGrpSpPr/>
-        <p:nvPr/>
-      </p:nvGrpSpPr>
-      <p:grpSpPr>
-        <a:xfrm>
-          <a:off x="0" y="0"/>
-          <a:ext cx="0" cy="0"/>
-          <a:chOff x="0" y="0"/>
-          <a:chExt cx="0" cy="0"/>
-        </a:xfrm>
-      </p:grpSpPr>
-      <p:sp>
-        <p:nvSpPr>
-          <p:cNvPr id="2" name="Title 1">
-            <a:extLst>
-              <a:ext uri="{FF2B5EF4-FFF2-40B4-BE49-F238E27FC236}">
                 <a16:creationId xmlns:a16="http://schemas.microsoft.com/office/drawing/2014/main" id="{E79C27CE-C11C-4BE2-9ECB-03F6056AFCF7}"/>
               </a:ext>
             </a:extLst>
@@ -4346,7 +4125,7 @@
 </p:sld>
 </file>
 
-<file path=ppt/slides/slide12.xml><?xml version="1.0" encoding="utf-8"?>
+<file path=ppt/slides/slide11.xml><?xml version="1.0" encoding="utf-8"?>
 <p:sld xmlns:a="http://schemas.openxmlformats.org/drawingml/2006/main" xmlns:r="http://schemas.openxmlformats.org/officeDocument/2006/relationships" xmlns:p="http://schemas.openxmlformats.org/presentationml/2006/main">
   <p:cSld>
     <p:spTree>
@@ -4829,7 +4608,7 @@
 </p:sld>
 </file>
 
-<file path=ppt/slides/slide13.xml><?xml version="1.0" encoding="utf-8"?>
+<file path=ppt/slides/slide12.xml><?xml version="1.0" encoding="utf-8"?>
 <p:sld xmlns:a="http://schemas.openxmlformats.org/drawingml/2006/main" xmlns:r="http://schemas.openxmlformats.org/officeDocument/2006/relationships" xmlns:p="http://schemas.openxmlformats.org/presentationml/2006/main">
   <p:cSld>
     <p:spTree>
@@ -4874,7 +4653,7 @@
           <a:p>
             <a:r>
               <a:rPr lang="en-US" b="1" dirty="0"/>
-              <a:t>Project Goals</a:t>
+              <a:t>Current Project</a:t>
             </a:r>
           </a:p>
         </p:txBody>
@@ -5279,7 +5058,7 @@
 </p:sld>
 </file>
 
-<file path=ppt/slides/slide14.xml><?xml version="1.0" encoding="utf-8"?>
+<file path=ppt/slides/slide13.xml><?xml version="1.0" encoding="utf-8"?>
 <p:sld xmlns:a="http://schemas.openxmlformats.org/drawingml/2006/main" xmlns:r="http://schemas.openxmlformats.org/officeDocument/2006/relationships" xmlns:p="http://schemas.openxmlformats.org/presentationml/2006/main">
   <p:cSld>
     <p:spTree>
@@ -5561,7 +5340,7 @@
 </p:sld>
 </file>
 
-<file path=ppt/slides/slide15.xml><?xml version="1.0" encoding="utf-8"?>
+<file path=ppt/slides/slide14.xml><?xml version="1.0" encoding="utf-8"?>
 <p:sld xmlns:a="http://schemas.openxmlformats.org/drawingml/2006/main" xmlns:r="http://schemas.openxmlformats.org/officeDocument/2006/relationships" xmlns:p="http://schemas.openxmlformats.org/presentationml/2006/main">
   <p:cSld>
     <p:spTree>
@@ -6206,7 +5985,7 @@
 </p:sld>
 </file>
 
-<file path=ppt/slides/slide16.xml><?xml version="1.0" encoding="utf-8"?>
+<file path=ppt/slides/slide15.xml><?xml version="1.0" encoding="utf-8"?>
 <p:sld xmlns:a="http://schemas.openxmlformats.org/drawingml/2006/main" xmlns:r="http://schemas.openxmlformats.org/officeDocument/2006/relationships" xmlns:p="http://schemas.openxmlformats.org/presentationml/2006/main">
   <p:cSld>
     <p:spTree>
@@ -6559,7 +6338,7 @@
 </p:sld>
 </file>
 
-<file path=ppt/slides/slide17.xml><?xml version="1.0" encoding="utf-8"?>
+<file path=ppt/slides/slide16.xml><?xml version="1.0" encoding="utf-8"?>
 <p:sld xmlns:a="http://schemas.openxmlformats.org/drawingml/2006/main" xmlns:r="http://schemas.openxmlformats.org/officeDocument/2006/relationships" xmlns:p="http://schemas.openxmlformats.org/presentationml/2006/main">
   <p:cSld>
     <p:spTree>
@@ -6701,10 +6480,151 @@
   <p:clrMapOvr>
     <a:masterClrMapping/>
   </p:clrMapOvr>
+  <p:timing>
+    <p:tnLst>
+      <p:par>
+        <p:cTn id="1" dur="indefinite" restart="never" nodeType="tmRoot">
+          <p:childTnLst>
+            <p:seq concurrent="1" nextAc="seek">
+              <p:cTn id="2" dur="indefinite" nodeType="mainSeq">
+                <p:childTnLst>
+                  <p:par>
+                    <p:cTn id="3" fill="hold">
+                      <p:stCondLst>
+                        <p:cond delay="indefinite"/>
+                      </p:stCondLst>
+                      <p:childTnLst>
+                        <p:par>
+                          <p:cTn id="4" fill="hold">
+                            <p:stCondLst>
+                              <p:cond delay="0"/>
+                            </p:stCondLst>
+                            <p:childTnLst>
+                              <p:par>
+                                <p:cTn id="5" presetID="1" presetClass="entr" presetSubtype="0" fill="hold" nodeType="clickEffect">
+                                  <p:stCondLst>
+                                    <p:cond delay="0"/>
+                                  </p:stCondLst>
+                                  <p:childTnLst>
+                                    <p:set>
+                                      <p:cBhvr>
+                                        <p:cTn id="6" dur="1" fill="hold">
+                                          <p:stCondLst>
+                                            <p:cond delay="0"/>
+                                          </p:stCondLst>
+                                        </p:cTn>
+                                        <p:tgtEl>
+                                          <p:spTgt spid="3">
+                                            <p:txEl>
+                                              <p:pRg st="4" end="4"/>
+                                            </p:txEl>
+                                          </p:spTgt>
+                                        </p:tgtEl>
+                                        <p:attrNameLst>
+                                          <p:attrName>style.visibility</p:attrName>
+                                        </p:attrNameLst>
+                                      </p:cBhvr>
+                                      <p:to>
+                                        <p:strVal val="visible"/>
+                                      </p:to>
+                                    </p:set>
+                                  </p:childTnLst>
+                                </p:cTn>
+                              </p:par>
+                              <p:par>
+                                <p:cTn id="7" presetID="1" presetClass="entr" presetSubtype="0" fill="hold" nodeType="withEffect">
+                                  <p:stCondLst>
+                                    <p:cond delay="0"/>
+                                  </p:stCondLst>
+                                  <p:childTnLst>
+                                    <p:set>
+                                      <p:cBhvr>
+                                        <p:cTn id="8" dur="1" fill="hold">
+                                          <p:stCondLst>
+                                            <p:cond delay="0"/>
+                                          </p:stCondLst>
+                                        </p:cTn>
+                                        <p:tgtEl>
+                                          <p:spTgt spid="3">
+                                            <p:txEl>
+                                              <p:pRg st="6" end="6"/>
+                                            </p:txEl>
+                                          </p:spTgt>
+                                        </p:tgtEl>
+                                        <p:attrNameLst>
+                                          <p:attrName>style.visibility</p:attrName>
+                                        </p:attrNameLst>
+                                      </p:cBhvr>
+                                      <p:to>
+                                        <p:strVal val="visible"/>
+                                      </p:to>
+                                    </p:set>
+                                  </p:childTnLst>
+                                </p:cTn>
+                              </p:par>
+                              <p:par>
+                                <p:cTn id="9" presetID="1" presetClass="entr" presetSubtype="0" fill="hold" nodeType="withEffect">
+                                  <p:stCondLst>
+                                    <p:cond delay="0"/>
+                                  </p:stCondLst>
+                                  <p:childTnLst>
+                                    <p:set>
+                                      <p:cBhvr>
+                                        <p:cTn id="10" dur="1" fill="hold">
+                                          <p:stCondLst>
+                                            <p:cond delay="0"/>
+                                          </p:stCondLst>
+                                        </p:cTn>
+                                        <p:tgtEl>
+                                          <p:spTgt spid="3">
+                                            <p:txEl>
+                                              <p:pRg st="8" end="8"/>
+                                            </p:txEl>
+                                          </p:spTgt>
+                                        </p:tgtEl>
+                                        <p:attrNameLst>
+                                          <p:attrName>style.visibility</p:attrName>
+                                        </p:attrNameLst>
+                                      </p:cBhvr>
+                                      <p:to>
+                                        <p:strVal val="visible"/>
+                                      </p:to>
+                                    </p:set>
+                                  </p:childTnLst>
+                                </p:cTn>
+                              </p:par>
+                            </p:childTnLst>
+                          </p:cTn>
+                        </p:par>
+                      </p:childTnLst>
+                    </p:cTn>
+                  </p:par>
+                </p:childTnLst>
+              </p:cTn>
+              <p:prevCondLst>
+                <p:cond evt="onPrev" delay="0">
+                  <p:tgtEl>
+                    <p:sldTgt/>
+                  </p:tgtEl>
+                </p:cond>
+              </p:prevCondLst>
+              <p:nextCondLst>
+                <p:cond evt="onNext" delay="0">
+                  <p:tgtEl>
+                    <p:sldTgt/>
+                  </p:tgtEl>
+                </p:cond>
+              </p:nextCondLst>
+            </p:seq>
+          </p:childTnLst>
+        </p:cTn>
+      </p:par>
+    </p:tnLst>
+  </p:timing>
 </p:sld>
 </file>
 
-<file path=ppt/slides/slide18.xml><?xml version="1.0" encoding="utf-8"?>
+<file path=ppt/slides/slide17.xml><?xml version="1.0" encoding="utf-8"?>
 <p:sld xmlns:a="http://schemas.openxmlformats.org/drawingml/2006/main" xmlns:r="http://schemas.openxmlformats.org/officeDocument/2006/relationships" xmlns:p="http://schemas.openxmlformats.org/presentationml/2006/main">
   <p:cSld>
     <p:spTree>
@@ -7212,7 +7132,7 @@
 </p:sld>
 </file>
 
-<file path=ppt/slides/slide19.xml><?xml version="1.0" encoding="utf-8"?>
+<file path=ppt/slides/slide18.xml><?xml version="1.0" encoding="utf-8"?>
 <p:sld xmlns:a="http://schemas.openxmlformats.org/drawingml/2006/main" xmlns:r="http://schemas.openxmlformats.org/officeDocument/2006/relationships" xmlns:p="http://schemas.openxmlformats.org/presentationml/2006/main">
   <p:cSld>
     <p:spTree>
@@ -7649,159 +7569,7 @@
 </p:sld>
 </file>
 
-<file path=ppt/slides/slide2.xml><?xml version="1.0" encoding="utf-8"?>
-<p:sld xmlns:a="http://schemas.openxmlformats.org/drawingml/2006/main" xmlns:r="http://schemas.openxmlformats.org/officeDocument/2006/relationships" xmlns:p="http://schemas.openxmlformats.org/presentationml/2006/main">
-  <p:cSld>
-    <p:spTree>
-      <p:nvGrpSpPr>
-        <p:cNvPr id="1" name=""/>
-        <p:cNvGrpSpPr/>
-        <p:nvPr/>
-      </p:nvGrpSpPr>
-      <p:grpSpPr>
-        <a:xfrm>
-          <a:off x="0" y="0"/>
-          <a:ext cx="0" cy="0"/>
-          <a:chOff x="0" y="0"/>
-          <a:chExt cx="0" cy="0"/>
-        </a:xfrm>
-      </p:grpSpPr>
-      <p:sp>
-        <p:nvSpPr>
-          <p:cNvPr id="2" name="Title 1">
-            <a:extLst>
-              <a:ext uri="{FF2B5EF4-FFF2-40B4-BE49-F238E27FC236}">
-                <a16:creationId xmlns:a16="http://schemas.microsoft.com/office/drawing/2014/main" id="{9035481F-A9A0-46D5-8981-541CB9E5DFAB}"/>
-              </a:ext>
-            </a:extLst>
-          </p:cNvPr>
-          <p:cNvSpPr>
-            <a:spLocks noGrp="1"/>
-          </p:cNvSpPr>
-          <p:nvPr>
-            <p:ph type="title"/>
-          </p:nvPr>
-        </p:nvSpPr>
-        <p:spPr>
-          <a:xfrm>
-            <a:off x="162375" y="-29430"/>
-            <a:ext cx="7886700" cy="1325563"/>
-          </a:xfrm>
-        </p:spPr>
-        <p:txBody>
-          <a:bodyPr/>
-          <a:lstStyle/>
-          <a:p>
-            <a:r>
-              <a:rPr lang="en-US" b="1" dirty="0"/>
-              <a:t>Introduction</a:t>
-            </a:r>
-          </a:p>
-        </p:txBody>
-      </p:sp>
-      <p:sp>
-        <p:nvSpPr>
-          <p:cNvPr id="3" name="Content Placeholder 2">
-            <a:extLst>
-              <a:ext uri="{FF2B5EF4-FFF2-40B4-BE49-F238E27FC236}">
-                <a16:creationId xmlns:a16="http://schemas.microsoft.com/office/drawing/2014/main" id="{DA555F30-6EA4-4842-A65B-37DDA9BFF014}"/>
-              </a:ext>
-            </a:extLst>
-          </p:cNvPr>
-          <p:cNvSpPr>
-            <a:spLocks noGrp="1"/>
-          </p:cNvSpPr>
-          <p:nvPr>
-            <p:ph idx="1"/>
-          </p:nvPr>
-        </p:nvSpPr>
-        <p:spPr>
-          <a:xfrm>
-            <a:off x="628650" y="1222375"/>
-            <a:ext cx="7886700" cy="4351338"/>
-          </a:xfrm>
-        </p:spPr>
-        <p:txBody>
-          <a:bodyPr/>
-          <a:lstStyle/>
-          <a:p>
-            <a:r>
-              <a:rPr lang="en-US" dirty="0"/>
-              <a:t>Objects can be described in several ways:</a:t>
-            </a:r>
-          </a:p>
-          <a:p>
-            <a:endParaRPr lang="en-US" dirty="0"/>
-          </a:p>
-          <a:p>
-            <a:pPr lvl="1"/>
-            <a:r>
-              <a:rPr lang="en-US" b="1" dirty="0"/>
-              <a:t>Semantic Features: </a:t>
-            </a:r>
-            <a:r>
-              <a:rPr lang="en-US" dirty="0"/>
-              <a:t>Breaking an object down into its constituent parts</a:t>
-            </a:r>
-          </a:p>
-          <a:p>
-            <a:pPr lvl="1"/>
-            <a:endParaRPr lang="en-US" dirty="0"/>
-          </a:p>
-          <a:p>
-            <a:pPr lvl="2"/>
-            <a:r>
-              <a:rPr lang="en-US" dirty="0"/>
-              <a:t>What are the common features or properties that make up an object?</a:t>
-            </a:r>
-          </a:p>
-          <a:p>
-            <a:pPr marL="914400" lvl="2" indent="0">
-              <a:buNone/>
-            </a:pPr>
-            <a:endParaRPr lang="en-US" dirty="0"/>
-          </a:p>
-          <a:p>
-            <a:pPr lvl="1"/>
-            <a:endParaRPr lang="en-US" dirty="0"/>
-          </a:p>
-          <a:p>
-            <a:pPr lvl="1"/>
-            <a:endParaRPr lang="en-US" dirty="0"/>
-          </a:p>
-          <a:p>
-            <a:pPr marL="457200" lvl="1" indent="0">
-              <a:buNone/>
-            </a:pPr>
-            <a:endParaRPr lang="en-US" dirty="0"/>
-          </a:p>
-          <a:p>
-            <a:pPr lvl="1"/>
-            <a:endParaRPr lang="en-US" dirty="0"/>
-          </a:p>
-          <a:p>
-            <a:endParaRPr lang="en-US" sz="2400" dirty="0"/>
-          </a:p>
-          <a:p>
-            <a:pPr lvl="1"/>
-            <a:endParaRPr lang="en-US" dirty="0"/>
-          </a:p>
-        </p:txBody>
-      </p:sp>
-    </p:spTree>
-    <p:extLst>
-      <p:ext uri="{BB962C8B-B14F-4D97-AF65-F5344CB8AC3E}">
-        <p14:creationId xmlns:p14="http://schemas.microsoft.com/office/powerpoint/2010/main" val="3765541707"/>
-      </p:ext>
-    </p:extLst>
-  </p:cSld>
-  <p:clrMapOvr>
-    <a:masterClrMapping/>
-  </p:clrMapOvr>
-</p:sld>
-</file>
-
-<file path=ppt/slides/slide20.xml><?xml version="1.0" encoding="utf-8"?>
+<file path=ppt/slides/slide19.xml><?xml version="1.0" encoding="utf-8"?>
 <p:sld xmlns:a="http://schemas.openxmlformats.org/drawingml/2006/main" xmlns:r="http://schemas.openxmlformats.org/officeDocument/2006/relationships" xmlns:p="http://schemas.openxmlformats.org/presentationml/2006/main">
   <p:cSld>
     <p:spTree>
@@ -8033,7 +7801,159 @@
 </p:sld>
 </file>
 
-<file path=ppt/slides/slide21.xml><?xml version="1.0" encoding="utf-8"?>
+<file path=ppt/slides/slide2.xml><?xml version="1.0" encoding="utf-8"?>
+<p:sld xmlns:a="http://schemas.openxmlformats.org/drawingml/2006/main" xmlns:r="http://schemas.openxmlformats.org/officeDocument/2006/relationships" xmlns:p="http://schemas.openxmlformats.org/presentationml/2006/main">
+  <p:cSld>
+    <p:spTree>
+      <p:nvGrpSpPr>
+        <p:cNvPr id="1" name=""/>
+        <p:cNvGrpSpPr/>
+        <p:nvPr/>
+      </p:nvGrpSpPr>
+      <p:grpSpPr>
+        <a:xfrm>
+          <a:off x="0" y="0"/>
+          <a:ext cx="0" cy="0"/>
+          <a:chOff x="0" y="0"/>
+          <a:chExt cx="0" cy="0"/>
+        </a:xfrm>
+      </p:grpSpPr>
+      <p:sp>
+        <p:nvSpPr>
+          <p:cNvPr id="2" name="Title 1">
+            <a:extLst>
+              <a:ext uri="{FF2B5EF4-FFF2-40B4-BE49-F238E27FC236}">
+                <a16:creationId xmlns:a16="http://schemas.microsoft.com/office/drawing/2014/main" id="{9035481F-A9A0-46D5-8981-541CB9E5DFAB}"/>
+              </a:ext>
+            </a:extLst>
+          </p:cNvPr>
+          <p:cNvSpPr>
+            <a:spLocks noGrp="1"/>
+          </p:cNvSpPr>
+          <p:nvPr>
+            <p:ph type="title"/>
+          </p:nvPr>
+        </p:nvSpPr>
+        <p:spPr>
+          <a:xfrm>
+            <a:off x="162375" y="-29430"/>
+            <a:ext cx="7886700" cy="1325563"/>
+          </a:xfrm>
+        </p:spPr>
+        <p:txBody>
+          <a:bodyPr/>
+          <a:lstStyle/>
+          <a:p>
+            <a:r>
+              <a:rPr lang="en-US" b="1" dirty="0"/>
+              <a:t>Introduction</a:t>
+            </a:r>
+          </a:p>
+        </p:txBody>
+      </p:sp>
+      <p:sp>
+        <p:nvSpPr>
+          <p:cNvPr id="3" name="Content Placeholder 2">
+            <a:extLst>
+              <a:ext uri="{FF2B5EF4-FFF2-40B4-BE49-F238E27FC236}">
+                <a16:creationId xmlns:a16="http://schemas.microsoft.com/office/drawing/2014/main" id="{DA555F30-6EA4-4842-A65B-37DDA9BFF014}"/>
+              </a:ext>
+            </a:extLst>
+          </p:cNvPr>
+          <p:cNvSpPr>
+            <a:spLocks noGrp="1"/>
+          </p:cNvSpPr>
+          <p:nvPr>
+            <p:ph idx="1"/>
+          </p:nvPr>
+        </p:nvSpPr>
+        <p:spPr>
+          <a:xfrm>
+            <a:off x="628650" y="1222375"/>
+            <a:ext cx="7886700" cy="4351338"/>
+          </a:xfrm>
+        </p:spPr>
+        <p:txBody>
+          <a:bodyPr/>
+          <a:lstStyle/>
+          <a:p>
+            <a:r>
+              <a:rPr lang="en-US" dirty="0"/>
+              <a:t>Objects can be described in several ways:</a:t>
+            </a:r>
+          </a:p>
+          <a:p>
+            <a:endParaRPr lang="en-US" dirty="0"/>
+          </a:p>
+          <a:p>
+            <a:pPr lvl="1"/>
+            <a:r>
+              <a:rPr lang="en-US" b="1" dirty="0"/>
+              <a:t>Semantic Features: </a:t>
+            </a:r>
+            <a:r>
+              <a:rPr lang="en-US" dirty="0"/>
+              <a:t>Breaking an object down into its constituent parts</a:t>
+            </a:r>
+          </a:p>
+          <a:p>
+            <a:pPr lvl="1"/>
+            <a:endParaRPr lang="en-US" dirty="0"/>
+          </a:p>
+          <a:p>
+            <a:pPr lvl="2"/>
+            <a:r>
+              <a:rPr lang="en-US" dirty="0"/>
+              <a:t>What are the common features or properties that make up an object?</a:t>
+            </a:r>
+          </a:p>
+          <a:p>
+            <a:pPr marL="914400" lvl="2" indent="0">
+              <a:buNone/>
+            </a:pPr>
+            <a:endParaRPr lang="en-US" dirty="0"/>
+          </a:p>
+          <a:p>
+            <a:pPr lvl="1"/>
+            <a:endParaRPr lang="en-US" dirty="0"/>
+          </a:p>
+          <a:p>
+            <a:pPr lvl="1"/>
+            <a:endParaRPr lang="en-US" dirty="0"/>
+          </a:p>
+          <a:p>
+            <a:pPr marL="457200" lvl="1" indent="0">
+              <a:buNone/>
+            </a:pPr>
+            <a:endParaRPr lang="en-US" dirty="0"/>
+          </a:p>
+          <a:p>
+            <a:pPr lvl="1"/>
+            <a:endParaRPr lang="en-US" dirty="0"/>
+          </a:p>
+          <a:p>
+            <a:endParaRPr lang="en-US" sz="2400" dirty="0"/>
+          </a:p>
+          <a:p>
+            <a:pPr lvl="1"/>
+            <a:endParaRPr lang="en-US" dirty="0"/>
+          </a:p>
+        </p:txBody>
+      </p:sp>
+    </p:spTree>
+    <p:extLst>
+      <p:ext uri="{BB962C8B-B14F-4D97-AF65-F5344CB8AC3E}">
+        <p14:creationId xmlns:p14="http://schemas.microsoft.com/office/powerpoint/2010/main" val="3765541707"/>
+      </p:ext>
+    </p:extLst>
+  </p:cSld>
+  <p:clrMapOvr>
+    <a:masterClrMapping/>
+  </p:clrMapOvr>
+</p:sld>
+</file>
+
+<file path=ppt/slides/slide20.xml><?xml version="1.0" encoding="utf-8"?>
 <p:sld xmlns:a="http://schemas.openxmlformats.org/drawingml/2006/main" xmlns:r="http://schemas.openxmlformats.org/officeDocument/2006/relationships" xmlns:p="http://schemas.openxmlformats.org/presentationml/2006/main">
   <p:cSld>
     <p:spTree>
@@ -8268,7 +8188,7 @@
 </p:sld>
 </file>
 
-<file path=ppt/slides/slide22.xml><?xml version="1.0" encoding="utf-8"?>
+<file path=ppt/slides/slide21.xml><?xml version="1.0" encoding="utf-8"?>
 <p:sld xmlns:a="http://schemas.openxmlformats.org/drawingml/2006/main" xmlns:r="http://schemas.openxmlformats.org/officeDocument/2006/relationships" xmlns:p="http://schemas.openxmlformats.org/presentationml/2006/main">
   <p:cSld>
     <p:spTree>
@@ -8506,7 +8426,7 @@
 </p:sld>
 </file>
 
-<file path=ppt/slides/slide23.xml><?xml version="1.0" encoding="utf-8"?>
+<file path=ppt/slides/slide22.xml><?xml version="1.0" encoding="utf-8"?>
 <p:sld xmlns:a="http://schemas.openxmlformats.org/drawingml/2006/main" xmlns:r="http://schemas.openxmlformats.org/officeDocument/2006/relationships" xmlns:p="http://schemas.openxmlformats.org/presentationml/2006/main">
   <p:cSld>
     <p:spTree>
@@ -8884,7 +8804,7 @@
 </p:sld>
 </file>
 
-<file path=ppt/slides/slide24.xml><?xml version="1.0" encoding="utf-8"?>
+<file path=ppt/slides/slide23.xml><?xml version="1.0" encoding="utf-8"?>
 <p:sld xmlns:a="http://schemas.openxmlformats.org/drawingml/2006/main" xmlns:r="http://schemas.openxmlformats.org/officeDocument/2006/relationships" xmlns:p="http://schemas.openxmlformats.org/presentationml/2006/main">
   <p:cSld>
     <p:spTree>
@@ -9219,7 +9139,7 @@
 </p:sld>
 </file>
 
-<file path=ppt/slides/slide25.xml><?xml version="1.0" encoding="utf-8"?>
+<file path=ppt/slides/slide24.xml><?xml version="1.0" encoding="utf-8"?>
 <p:sld xmlns:a="http://schemas.openxmlformats.org/drawingml/2006/main" xmlns:r="http://schemas.openxmlformats.org/officeDocument/2006/relationships" xmlns:p="http://schemas.openxmlformats.org/presentationml/2006/main">
   <p:cSld>
     <p:spTree>
@@ -9861,7 +9781,7 @@
 </p:sld>
 </file>
 
-<file path=ppt/slides/slide26.xml><?xml version="1.0" encoding="utf-8"?>
+<file path=ppt/slides/slide25.xml><?xml version="1.0" encoding="utf-8"?>
 <p:sld xmlns:a="http://schemas.openxmlformats.org/drawingml/2006/main" xmlns:r="http://schemas.openxmlformats.org/officeDocument/2006/relationships" xmlns:p="http://schemas.openxmlformats.org/presentationml/2006/main">
   <p:cSld>
     <p:spTree>
@@ -10128,7 +10048,7 @@
 </p:sld>
 </file>
 
-<file path=ppt/slides/slide27.xml><?xml version="1.0" encoding="utf-8"?>
+<file path=ppt/slides/slide26.xml><?xml version="1.0" encoding="utf-8"?>
 <p:sld xmlns:a="http://schemas.openxmlformats.org/drawingml/2006/main" xmlns:r="http://schemas.openxmlformats.org/officeDocument/2006/relationships" xmlns:p="http://schemas.openxmlformats.org/presentationml/2006/main">
   <p:cSld>
     <p:spTree>
@@ -10441,7 +10361,7 @@
 </p:sld>
 </file>
 
-<file path=ppt/slides/slide28.xml><?xml version="1.0" encoding="utf-8"?>
+<file path=ppt/slides/slide27.xml><?xml version="1.0" encoding="utf-8"?>
 <p:sld xmlns:a="http://schemas.openxmlformats.org/drawingml/2006/main" xmlns:r="http://schemas.openxmlformats.org/officeDocument/2006/relationships" xmlns:p="http://schemas.openxmlformats.org/presentationml/2006/main">
   <p:cSld>
     <p:spTree>
@@ -10690,6 +10610,149 @@
 </p:sld>
 </file>
 
+<file path=ppt/slides/slide28.xml><?xml version="1.0" encoding="utf-8"?>
+<p:sld xmlns:a="http://schemas.openxmlformats.org/drawingml/2006/main" xmlns:r="http://schemas.openxmlformats.org/officeDocument/2006/relationships" xmlns:p="http://schemas.openxmlformats.org/presentationml/2006/main">
+  <p:cSld>
+    <p:spTree>
+      <p:nvGrpSpPr>
+        <p:cNvPr id="1" name=""/>
+        <p:cNvGrpSpPr/>
+        <p:nvPr/>
+      </p:nvGrpSpPr>
+      <p:grpSpPr>
+        <a:xfrm>
+          <a:off x="0" y="0"/>
+          <a:ext cx="0" cy="0"/>
+          <a:chOff x="0" y="0"/>
+          <a:chExt cx="0" cy="0"/>
+        </a:xfrm>
+      </p:grpSpPr>
+      <p:sp>
+        <p:nvSpPr>
+          <p:cNvPr id="3" name="Content Placeholder 2">
+            <a:extLst>
+              <a:ext uri="{FF2B5EF4-FFF2-40B4-BE49-F238E27FC236}">
+                <a16:creationId xmlns:a16="http://schemas.microsoft.com/office/drawing/2014/main" id="{230E2F2D-D106-95EA-E18E-0D7D459DA9A1}"/>
+              </a:ext>
+            </a:extLst>
+          </p:cNvPr>
+          <p:cNvSpPr>
+            <a:spLocks noGrp="1"/>
+          </p:cNvSpPr>
+          <p:nvPr>
+            <p:ph idx="1"/>
+          </p:nvPr>
+        </p:nvSpPr>
+        <p:spPr>
+          <a:xfrm>
+            <a:off x="628650" y="1352255"/>
+            <a:ext cx="7886700" cy="4106436"/>
+          </a:xfrm>
+        </p:spPr>
+        <p:txBody>
+          <a:bodyPr>
+            <a:normAutofit/>
+          </a:bodyPr>
+          <a:lstStyle/>
+          <a:p>
+            <a:r>
+              <a:rPr lang="en-US" dirty="0"/>
+              <a:t>Currently, dataset is </a:t>
+            </a:r>
+            <a:r>
+              <a:rPr lang="en-US" b="1" dirty="0">
+                <a:solidFill>
+                  <a:schemeClr val="accent1"/>
+                </a:solidFill>
+              </a:rPr>
+              <a:t>~27%</a:t>
+            </a:r>
+            <a:r>
+              <a:rPr lang="en-US" dirty="0"/>
+              <a:t> complete (796/3000 cleaned response sets) (June 2022)</a:t>
+            </a:r>
+          </a:p>
+          <a:p>
+            <a:endParaRPr lang="en-US" dirty="0"/>
+          </a:p>
+          <a:p>
+            <a:r>
+              <a:rPr lang="en-US" dirty="0"/>
+              <a:t>Data collection currently ongoing at the University of Southern Mississippi, Midwestern State University, and 7 partner institutions</a:t>
+            </a:r>
+          </a:p>
+          <a:p>
+            <a:endParaRPr lang="en-US" dirty="0"/>
+          </a:p>
+          <a:p>
+            <a:pPr marL="0" indent="0">
+              <a:buNone/>
+            </a:pPr>
+            <a:endParaRPr lang="en-US" dirty="0"/>
+          </a:p>
+          <a:p>
+            <a:endParaRPr lang="en-US" dirty="0"/>
+          </a:p>
+          <a:p>
+            <a:pPr marL="0" indent="0">
+              <a:buNone/>
+            </a:pPr>
+            <a:endParaRPr lang="en-US" dirty="0"/>
+          </a:p>
+          <a:p>
+            <a:endParaRPr lang="en-US" dirty="0"/>
+          </a:p>
+          <a:p>
+            <a:endParaRPr lang="en-US" dirty="0"/>
+          </a:p>
+        </p:txBody>
+      </p:sp>
+      <p:sp>
+        <p:nvSpPr>
+          <p:cNvPr id="13" name="Title 1">
+            <a:extLst>
+              <a:ext uri="{FF2B5EF4-FFF2-40B4-BE49-F238E27FC236}">
+                <a16:creationId xmlns:a16="http://schemas.microsoft.com/office/drawing/2014/main" id="{B8C731E7-87E6-D4D4-930D-630DE8399438}"/>
+              </a:ext>
+            </a:extLst>
+          </p:cNvPr>
+          <p:cNvSpPr>
+            <a:spLocks noGrp="1"/>
+          </p:cNvSpPr>
+          <p:nvPr>
+            <p:ph type="title"/>
+          </p:nvPr>
+        </p:nvSpPr>
+        <p:spPr>
+          <a:xfrm>
+            <a:off x="628650" y="148925"/>
+            <a:ext cx="7886700" cy="1325563"/>
+          </a:xfrm>
+        </p:spPr>
+        <p:txBody>
+          <a:bodyPr/>
+          <a:lstStyle/>
+          <a:p>
+            <a:r>
+              <a:rPr lang="en-US" b="1" dirty="0"/>
+              <a:t>Current Project Status</a:t>
+            </a:r>
+          </a:p>
+        </p:txBody>
+      </p:sp>
+    </p:spTree>
+    <p:extLst>
+      <p:ext uri="{BB962C8B-B14F-4D97-AF65-F5344CB8AC3E}">
+        <p14:creationId xmlns:p14="http://schemas.microsoft.com/office/powerpoint/2010/main" val="2510830952"/>
+      </p:ext>
+    </p:extLst>
+  </p:cSld>
+  <p:clrMapOvr>
+    <a:masterClrMapping/>
+  </p:clrMapOvr>
+</p:sld>
+</file>
+
 <file path=ppt/slides/slide29.xml><?xml version="1.0" encoding="utf-8"?>
 <p:sld xmlns:a="http://schemas.openxmlformats.org/drawingml/2006/main" xmlns:r="http://schemas.openxmlformats.org/officeDocument/2006/relationships" xmlns:p="http://schemas.openxmlformats.org/presentationml/2006/main">
   <p:cSld>
@@ -10737,7 +10800,11 @@
           <a:p>
             <a:r>
               <a:rPr lang="en-US" dirty="0"/>
-              <a:t>Currently, data collection is </a:t>
+              <a:t>Each cue is currently averaging ~6 </a:t>
+            </a:r>
+            <a:r>
+              <a:rPr lang="en-US" b="1" dirty="0"/>
+              <a:t>unique</a:t>
             </a:r>
             <a:r>
               <a:rPr lang="en-US" b="1" dirty="0">
@@ -10745,29 +10812,96 @@
                   <a:schemeClr val="accent1"/>
                 </a:solidFill>
               </a:rPr>
-              <a:t>~27%</a:t>
+              <a:t> affordance</a:t>
+            </a:r>
+            <a:r>
+              <a:rPr lang="en-US" dirty="0">
+                <a:solidFill>
+                  <a:schemeClr val="accent1"/>
+                </a:solidFill>
+              </a:rPr>
+              <a:t> </a:t>
+            </a:r>
+            <a:r>
+              <a:rPr lang="en-US" b="1" dirty="0">
+                <a:solidFill>
+                  <a:schemeClr val="accent1"/>
+                </a:solidFill>
+              </a:rPr>
+              <a:t>responses</a:t>
+            </a:r>
+            <a:r>
+              <a:rPr lang="en-US" b="1" dirty="0"/>
+              <a:t> </a:t>
             </a:r>
             <a:r>
               <a:rPr lang="en-US" dirty="0"/>
-              <a:t> complete (796/3000) (June 2022)</a:t>
-            </a:r>
-          </a:p>
-          <a:p>
+              <a:t>(</a:t>
+            </a:r>
+            <a:r>
+              <a:rPr lang="en-US" i="1" dirty="0"/>
+              <a:t>M</a:t>
+            </a:r>
+            <a:r>
+              <a:rPr lang="en-US" dirty="0"/>
+              <a:t> = 6.20)</a:t>
+            </a:r>
+          </a:p>
+          <a:p>
+            <a:pPr lvl="1"/>
+            <a:r>
+              <a:rPr lang="en-US" i="1" dirty="0" err="1"/>
+              <a:t>sd</a:t>
+            </a:r>
+            <a:r>
+              <a:rPr lang="en-US" dirty="0"/>
+              <a:t> = 3.71; min = 1; max = 37</a:t>
+            </a:r>
+          </a:p>
+          <a:p>
+            <a:pPr lvl="1"/>
             <a:endParaRPr lang="en-US" dirty="0"/>
           </a:p>
           <a:p>
             <a:r>
+              <a:rPr lang="en-US" b="1" dirty="0">
+                <a:solidFill>
+                  <a:schemeClr val="accent1"/>
+                </a:solidFill>
+              </a:rPr>
+              <a:t>Cues w/ Most unique affordances:</a:t>
+            </a:r>
+          </a:p>
+          <a:p>
+            <a:pPr lvl="1"/>
+            <a:r>
               <a:rPr lang="en-US" dirty="0"/>
-              <a:t>Data collection currently ongoing at the University of Southern Mississippi, Midwestern State University, and 7 partner institutions</a:t>
-            </a:r>
-          </a:p>
-          <a:p>
-            <a:endParaRPr lang="en-US" dirty="0"/>
-          </a:p>
-          <a:p>
-            <a:pPr marL="0" indent="0">
-              <a:buNone/>
-            </a:pPr>
+              <a:t>Automobile (37)</a:t>
+            </a:r>
+          </a:p>
+          <a:p>
+            <a:pPr lvl="1"/>
+            <a:r>
+              <a:rPr lang="en-US" dirty="0"/>
+              <a:t>Snowfall (19)</a:t>
+            </a:r>
+          </a:p>
+          <a:p>
+            <a:pPr lvl="1"/>
+            <a:r>
+              <a:rPr lang="en-US" dirty="0"/>
+              <a:t>Branch (18)</a:t>
+            </a:r>
+          </a:p>
+          <a:p>
+            <a:pPr lvl="1"/>
+            <a:endParaRPr lang="en-US" dirty="0">
+              <a:highlight>
+                <a:srgbClr val="FFFF00"/>
+              </a:highlight>
+            </a:endParaRPr>
+          </a:p>
+          <a:p>
             <a:endParaRPr lang="en-US" dirty="0"/>
           </a:p>
           <a:p>
@@ -10815,7 +10949,7 @@
           <a:p>
             <a:r>
               <a:rPr lang="en-US" b="1" dirty="0"/>
-              <a:t>Current Project Status</a:t>
+              <a:t>Current Snapshot</a:t>
             </a:r>
           </a:p>
         </p:txBody>
@@ -10823,7 +10957,7 @@
     </p:spTree>
     <p:extLst>
       <p:ext uri="{BB962C8B-B14F-4D97-AF65-F5344CB8AC3E}">
-        <p14:creationId xmlns:p14="http://schemas.microsoft.com/office/powerpoint/2010/main" val="2510830952"/>
+        <p14:creationId xmlns:p14="http://schemas.microsoft.com/office/powerpoint/2010/main" val="188844732"/>
       </p:ext>
     </p:extLst>
   </p:cSld>
@@ -11285,220 +11419,6 @@
         <p:spPr>
           <a:xfrm>
             <a:off x="628650" y="1352255"/>
-            <a:ext cx="7886700" cy="4106436"/>
-          </a:xfrm>
-        </p:spPr>
-        <p:txBody>
-          <a:bodyPr>
-            <a:normAutofit/>
-          </a:bodyPr>
-          <a:lstStyle/>
-          <a:p>
-            <a:r>
-              <a:rPr lang="en-US" dirty="0"/>
-              <a:t>Each cue is currently averaging ~6 </a:t>
-            </a:r>
-            <a:r>
-              <a:rPr lang="en-US" b="1" dirty="0"/>
-              <a:t>unique</a:t>
-            </a:r>
-            <a:r>
-              <a:rPr lang="en-US" b="1" dirty="0">
-                <a:solidFill>
-                  <a:schemeClr val="accent1"/>
-                </a:solidFill>
-              </a:rPr>
-              <a:t> affordance</a:t>
-            </a:r>
-            <a:r>
-              <a:rPr lang="en-US" dirty="0">
-                <a:solidFill>
-                  <a:schemeClr val="accent1"/>
-                </a:solidFill>
-              </a:rPr>
-              <a:t> </a:t>
-            </a:r>
-            <a:r>
-              <a:rPr lang="en-US" b="1" dirty="0">
-                <a:solidFill>
-                  <a:schemeClr val="accent1"/>
-                </a:solidFill>
-              </a:rPr>
-              <a:t>responses</a:t>
-            </a:r>
-            <a:r>
-              <a:rPr lang="en-US" b="1" dirty="0"/>
-              <a:t> </a:t>
-            </a:r>
-            <a:r>
-              <a:rPr lang="en-US" dirty="0"/>
-              <a:t>(</a:t>
-            </a:r>
-            <a:r>
-              <a:rPr lang="en-US" i="1" dirty="0"/>
-              <a:t>M</a:t>
-            </a:r>
-            <a:r>
-              <a:rPr lang="en-US" dirty="0"/>
-              <a:t> = 6.20)</a:t>
-            </a:r>
-          </a:p>
-          <a:p>
-            <a:pPr lvl="1"/>
-            <a:r>
-              <a:rPr lang="en-US" i="1" dirty="0" err="1"/>
-              <a:t>sd</a:t>
-            </a:r>
-            <a:r>
-              <a:rPr lang="en-US" dirty="0"/>
-              <a:t> = 3.71; min = 1; max = 37</a:t>
-            </a:r>
-          </a:p>
-          <a:p>
-            <a:pPr lvl="1"/>
-            <a:endParaRPr lang="en-US" dirty="0"/>
-          </a:p>
-          <a:p>
-            <a:r>
-              <a:rPr lang="en-US" b="1" dirty="0">
-                <a:solidFill>
-                  <a:schemeClr val="accent1"/>
-                </a:solidFill>
-              </a:rPr>
-              <a:t>Cues w/ Most unique affordances:</a:t>
-            </a:r>
-          </a:p>
-          <a:p>
-            <a:pPr lvl="1"/>
-            <a:r>
-              <a:rPr lang="en-US" dirty="0"/>
-              <a:t>Automobile (37)</a:t>
-            </a:r>
-          </a:p>
-          <a:p>
-            <a:pPr lvl="1"/>
-            <a:r>
-              <a:rPr lang="en-US" dirty="0"/>
-              <a:t>Snowfall (19)</a:t>
-            </a:r>
-          </a:p>
-          <a:p>
-            <a:pPr lvl="1"/>
-            <a:r>
-              <a:rPr lang="en-US" dirty="0"/>
-              <a:t>Branch (18)</a:t>
-            </a:r>
-          </a:p>
-          <a:p>
-            <a:pPr lvl="1"/>
-            <a:endParaRPr lang="en-US" dirty="0">
-              <a:highlight>
-                <a:srgbClr val="FFFF00"/>
-              </a:highlight>
-            </a:endParaRPr>
-          </a:p>
-          <a:p>
-            <a:endParaRPr lang="en-US" dirty="0"/>
-          </a:p>
-          <a:p>
-            <a:endParaRPr lang="en-US" dirty="0"/>
-          </a:p>
-          <a:p>
-            <a:pPr marL="0" indent="0">
-              <a:buNone/>
-            </a:pPr>
-            <a:endParaRPr lang="en-US" dirty="0"/>
-          </a:p>
-          <a:p>
-            <a:endParaRPr lang="en-US" dirty="0"/>
-          </a:p>
-          <a:p>
-            <a:endParaRPr lang="en-US" dirty="0"/>
-          </a:p>
-        </p:txBody>
-      </p:sp>
-      <p:sp>
-        <p:nvSpPr>
-          <p:cNvPr id="13" name="Title 1">
-            <a:extLst>
-              <a:ext uri="{FF2B5EF4-FFF2-40B4-BE49-F238E27FC236}">
-                <a16:creationId xmlns:a16="http://schemas.microsoft.com/office/drawing/2014/main" id="{B8C731E7-87E6-D4D4-930D-630DE8399438}"/>
-              </a:ext>
-            </a:extLst>
-          </p:cNvPr>
-          <p:cNvSpPr>
-            <a:spLocks noGrp="1"/>
-          </p:cNvSpPr>
-          <p:nvPr>
-            <p:ph type="title"/>
-          </p:nvPr>
-        </p:nvSpPr>
-        <p:spPr>
-          <a:xfrm>
-            <a:off x="628650" y="148925"/>
-            <a:ext cx="7886700" cy="1325563"/>
-          </a:xfrm>
-        </p:spPr>
-        <p:txBody>
-          <a:bodyPr/>
-          <a:lstStyle/>
-          <a:p>
-            <a:r>
-              <a:rPr lang="en-US" b="1" dirty="0"/>
-              <a:t>Current Snapshot</a:t>
-            </a:r>
-          </a:p>
-        </p:txBody>
-      </p:sp>
-    </p:spTree>
-    <p:extLst>
-      <p:ext uri="{BB962C8B-B14F-4D97-AF65-F5344CB8AC3E}">
-        <p14:creationId xmlns:p14="http://schemas.microsoft.com/office/powerpoint/2010/main" val="188844732"/>
-      </p:ext>
-    </p:extLst>
-  </p:cSld>
-  <p:clrMapOvr>
-    <a:masterClrMapping/>
-  </p:clrMapOvr>
-</p:sld>
-</file>
-
-<file path=ppt/slides/slide31.xml><?xml version="1.0" encoding="utf-8"?>
-<p:sld xmlns:a="http://schemas.openxmlformats.org/drawingml/2006/main" xmlns:r="http://schemas.openxmlformats.org/officeDocument/2006/relationships" xmlns:p="http://schemas.openxmlformats.org/presentationml/2006/main">
-  <p:cSld>
-    <p:spTree>
-      <p:nvGrpSpPr>
-        <p:cNvPr id="1" name=""/>
-        <p:cNvGrpSpPr/>
-        <p:nvPr/>
-      </p:nvGrpSpPr>
-      <p:grpSpPr>
-        <a:xfrm>
-          <a:off x="0" y="0"/>
-          <a:ext cx="0" cy="0"/>
-          <a:chOff x="0" y="0"/>
-          <a:chExt cx="0" cy="0"/>
-        </a:xfrm>
-      </p:grpSpPr>
-      <p:sp>
-        <p:nvSpPr>
-          <p:cNvPr id="3" name="Content Placeholder 2">
-            <a:extLst>
-              <a:ext uri="{FF2B5EF4-FFF2-40B4-BE49-F238E27FC236}">
-                <a16:creationId xmlns:a16="http://schemas.microsoft.com/office/drawing/2014/main" id="{230E2F2D-D106-95EA-E18E-0D7D459DA9A1}"/>
-              </a:ext>
-            </a:extLst>
-          </p:cNvPr>
-          <p:cNvSpPr>
-            <a:spLocks noGrp="1"/>
-          </p:cNvSpPr>
-          <p:nvPr>
-            <p:ph idx="1"/>
-          </p:nvPr>
-        </p:nvSpPr>
-        <p:spPr>
-          <a:xfrm>
-            <a:off x="628650" y="1352255"/>
             <a:ext cx="7886700" cy="4973044"/>
           </a:xfrm>
         </p:spPr>
@@ -11781,7 +11701,7 @@
 </p:sld>
 </file>
 
-<file path=ppt/slides/slide32.xml><?xml version="1.0" encoding="utf-8"?>
+<file path=ppt/slides/slide31.xml><?xml version="1.0" encoding="utf-8"?>
 <p:sld xmlns:a="http://schemas.openxmlformats.org/drawingml/2006/main" xmlns:r="http://schemas.openxmlformats.org/officeDocument/2006/relationships" xmlns:p="http://schemas.openxmlformats.org/presentationml/2006/main">
   <p:cSld>
     <p:spTree>
@@ -12296,7 +12216,7 @@
 </p:sld>
 </file>
 
-<file path=ppt/slides/slide33.xml><?xml version="1.0" encoding="utf-8"?>
+<file path=ppt/slides/slide32.xml><?xml version="1.0" encoding="utf-8"?>
 <p:sld xmlns:a="http://schemas.openxmlformats.org/drawingml/2006/main" xmlns:r="http://schemas.openxmlformats.org/officeDocument/2006/relationships" xmlns:p="http://schemas.openxmlformats.org/presentationml/2006/main">
   <p:cSld>
     <p:spTree>
@@ -12355,22 +12275,6 @@
               </a:rPr>
               <a:t>nicholas.maxwell@msutexas.edu</a:t>
             </a:r>
-            <a:r>
-              <a:rPr lang="en-US" sz="2400" dirty="0"/>
-              <a:t> or </a:t>
-            </a:r>
-            <a:r>
-              <a:rPr lang="en-US" sz="2400" dirty="0">
-                <a:hlinkClick r:id="rId3"/>
-              </a:rPr>
-              <a:t>alen.hajnal@usm.edu</a:t>
-            </a:r>
-            <a:r>
-              <a:rPr lang="en-US" sz="2400" dirty="0"/>
-              <a:t> for more information</a:t>
-            </a:r>
-          </a:p>
-          <a:p>
             <a:endParaRPr lang="en-US" dirty="0"/>
           </a:p>
           <a:p>
@@ -12632,23 +12536,23 @@
             </a:r>
             <a:r>
               <a:rPr lang="en-US" sz="2400" dirty="0">
+                <a:hlinkClick r:id="rId3"/>
+              </a:rPr>
+              <a:t>mark.huff@usm.edu</a:t>
+            </a:r>
+            <a:r>
+              <a:rPr lang="en-US" sz="2400" dirty="0"/>
+              <a:t> or  </a:t>
+            </a:r>
+            <a:r>
+              <a:rPr lang="en-US" sz="2400" dirty="0" err="1">
                 <a:hlinkClick r:id="rId4"/>
               </a:rPr>
-              <a:t>mark.huff@usm.edu</a:t>
-            </a:r>
-            <a:r>
-              <a:rPr lang="en-US" sz="2400" dirty="0"/>
-              <a:t> or  </a:t>
-            </a:r>
-            <a:r>
-              <a:rPr lang="en-US" sz="2400" dirty="0" err="1">
-                <a:hlinkClick r:id="rId5"/>
-              </a:rPr>
               <a:t>jacob.namias@usm</a:t>
             </a:r>
             <a:r>
               <a:rPr lang="en-US" sz="2400" dirty="0">
-                <a:hlinkClick r:id="rId5"/>
+                <a:hlinkClick r:id="rId4"/>
               </a:rPr>
               <a:t>.</a:t>
             </a:r>
@@ -12773,16 +12677,12 @@
               <a:t>Associations</a:t>
             </a:r>
             <a:r>
+              <a:rPr lang="en-US"/>
+              <a:t>: Likelihood </a:t>
+            </a:r>
+            <a:r>
               <a:rPr lang="en-US" dirty="0"/>
-              <a:t>: </a:t>
-            </a:r>
-            <a:r>
-              <a:rPr lang="en-US" dirty="0" err="1"/>
-              <a:t>Liklihood</a:t>
-            </a:r>
-            <a:r>
-              <a:rPr lang="en-US" dirty="0"/>
-              <a:t> that </a:t>
+              <a:t>that </a:t>
             </a:r>
             <a:r>
               <a:rPr lang="en-US" b="1" dirty="0">
@@ -13121,1466 +13021,6 @@
         </p:nvSpPr>
         <p:spPr>
           <a:xfrm>
-            <a:off x="428625" y="165101"/>
-            <a:ext cx="7886700" cy="1325563"/>
-          </a:xfrm>
-        </p:spPr>
-        <p:txBody>
-          <a:bodyPr/>
-          <a:lstStyle/>
-          <a:p>
-            <a:r>
-              <a:rPr lang="en-US" b="1" dirty="0"/>
-              <a:t>Associative Networks</a:t>
-            </a:r>
-          </a:p>
-        </p:txBody>
-      </p:sp>
-      <p:pic>
-        <p:nvPicPr>
-          <p:cNvPr id="4" name="Picture 3" descr="A picture containing text, clipart&#10;&#10;Description automatically generated">
-            <a:extLst>
-              <a:ext uri="{FF2B5EF4-FFF2-40B4-BE49-F238E27FC236}">
-                <a16:creationId xmlns:a16="http://schemas.microsoft.com/office/drawing/2014/main" id="{4D2D6816-C7AA-44E1-8756-97E09DF7C19D}"/>
-              </a:ext>
-            </a:extLst>
-          </p:cNvPr>
-          <p:cNvPicPr>
-            <a:picLocks noChangeAspect="1"/>
-          </p:cNvPicPr>
-          <p:nvPr/>
-        </p:nvPicPr>
-        <p:blipFill>
-          <a:blip r:embed="rId2">
-            <a:extLst>
-              <a:ext uri="{28A0092B-C50C-407E-A947-70E740481C1C}">
-                <a14:useLocalDpi xmlns:a14="http://schemas.microsoft.com/office/drawing/2010/main" val="0"/>
-              </a:ext>
-            </a:extLst>
-          </a:blip>
-          <a:stretch>
-            <a:fillRect/>
-          </a:stretch>
-        </p:blipFill>
-        <p:spPr>
-          <a:xfrm>
-            <a:off x="3864817" y="2877323"/>
-            <a:ext cx="1262168" cy="1325564"/>
-          </a:xfrm>
-          <a:prstGeom prst="rect">
-            <a:avLst/>
-          </a:prstGeom>
-        </p:spPr>
-      </p:pic>
-      <p:sp>
-        <p:nvSpPr>
-          <p:cNvPr id="10" name="Rectangle: Rounded Corners 9">
-            <a:extLst>
-              <a:ext uri="{FF2B5EF4-FFF2-40B4-BE49-F238E27FC236}">
-                <a16:creationId xmlns:a16="http://schemas.microsoft.com/office/drawing/2014/main" id="{28C944E1-91F2-44E6-8807-C0CE4081856E}"/>
-              </a:ext>
-            </a:extLst>
-          </p:cNvPr>
-          <p:cNvSpPr/>
-          <p:nvPr/>
-        </p:nvSpPr>
-        <p:spPr>
-          <a:xfrm>
-            <a:off x="1130678" y="1490664"/>
-            <a:ext cx="1885950" cy="828675"/>
-          </a:xfrm>
-          <a:prstGeom prst="roundRect">
-            <a:avLst/>
-          </a:prstGeom>
-        </p:spPr>
-        <p:style>
-          <a:lnRef idx="2">
-            <a:schemeClr val="accent1">
-              <a:shade val="50000"/>
-            </a:schemeClr>
-          </a:lnRef>
-          <a:fillRef idx="1">
-            <a:schemeClr val="accent1"/>
-          </a:fillRef>
-          <a:effectRef idx="0">
-            <a:schemeClr val="accent1"/>
-          </a:effectRef>
-          <a:fontRef idx="minor">
-            <a:schemeClr val="lt1"/>
-          </a:fontRef>
-        </p:style>
-        <p:txBody>
-          <a:bodyPr rtlCol="0" anchor="ctr"/>
-          <a:lstStyle/>
-          <a:p>
-            <a:pPr algn="ctr"/>
-            <a:r>
-              <a:rPr lang="en-US" sz="2800" b="1" dirty="0"/>
-              <a:t>Dog</a:t>
-            </a:r>
-          </a:p>
-        </p:txBody>
-      </p:sp>
-      <p:sp>
-        <p:nvSpPr>
-          <p:cNvPr id="11" name="Rectangle: Rounded Corners 10">
-            <a:extLst>
-              <a:ext uri="{FF2B5EF4-FFF2-40B4-BE49-F238E27FC236}">
-                <a16:creationId xmlns:a16="http://schemas.microsoft.com/office/drawing/2014/main" id="{C3E851AD-F2FE-4545-BFE6-095292FEF829}"/>
-              </a:ext>
-            </a:extLst>
-          </p:cNvPr>
-          <p:cNvSpPr/>
-          <p:nvPr/>
-        </p:nvSpPr>
-        <p:spPr>
-          <a:xfrm>
-            <a:off x="551838" y="3552075"/>
-            <a:ext cx="1885950" cy="828675"/>
-          </a:xfrm>
-          <a:prstGeom prst="roundRect">
-            <a:avLst/>
-          </a:prstGeom>
-        </p:spPr>
-        <p:style>
-          <a:lnRef idx="2">
-            <a:schemeClr val="accent1">
-              <a:shade val="50000"/>
-            </a:schemeClr>
-          </a:lnRef>
-          <a:fillRef idx="1">
-            <a:schemeClr val="accent1"/>
-          </a:fillRef>
-          <a:effectRef idx="0">
-            <a:schemeClr val="accent1"/>
-          </a:effectRef>
-          <a:fontRef idx="minor">
-            <a:schemeClr val="lt1"/>
-          </a:fontRef>
-        </p:style>
-        <p:txBody>
-          <a:bodyPr rtlCol="0" anchor="ctr"/>
-          <a:lstStyle/>
-          <a:p>
-            <a:pPr algn="ctr"/>
-            <a:r>
-              <a:rPr lang="en-US" sz="2800" b="1" dirty="0"/>
-              <a:t>Mouse</a:t>
-            </a:r>
-          </a:p>
-        </p:txBody>
-      </p:sp>
-      <p:sp>
-        <p:nvSpPr>
-          <p:cNvPr id="12" name="Rectangle: Rounded Corners 11">
-            <a:extLst>
-              <a:ext uri="{FF2B5EF4-FFF2-40B4-BE49-F238E27FC236}">
-                <a16:creationId xmlns:a16="http://schemas.microsoft.com/office/drawing/2014/main" id="{9FB45534-E5BD-43BB-84A4-82371ABD184A}"/>
-              </a:ext>
-            </a:extLst>
-          </p:cNvPr>
-          <p:cNvSpPr/>
-          <p:nvPr/>
-        </p:nvSpPr>
-        <p:spPr>
-          <a:xfrm>
-            <a:off x="1130678" y="5613487"/>
-            <a:ext cx="1885950" cy="828675"/>
-          </a:xfrm>
-          <a:prstGeom prst="roundRect">
-            <a:avLst/>
-          </a:prstGeom>
-        </p:spPr>
-        <p:style>
-          <a:lnRef idx="2">
-            <a:schemeClr val="accent1">
-              <a:shade val="50000"/>
-            </a:schemeClr>
-          </a:lnRef>
-          <a:fillRef idx="1">
-            <a:schemeClr val="accent1"/>
-          </a:fillRef>
-          <a:effectRef idx="0">
-            <a:schemeClr val="accent1"/>
-          </a:effectRef>
-          <a:fontRef idx="minor">
-            <a:schemeClr val="lt1"/>
-          </a:fontRef>
-        </p:style>
-        <p:txBody>
-          <a:bodyPr rtlCol="0" anchor="ctr"/>
-          <a:lstStyle/>
-          <a:p>
-            <a:pPr algn="ctr"/>
-            <a:r>
-              <a:rPr lang="en-US" sz="2800" b="1" dirty="0"/>
-              <a:t>Cheese</a:t>
-            </a:r>
-          </a:p>
-        </p:txBody>
-      </p:sp>
-      <p:sp>
-        <p:nvSpPr>
-          <p:cNvPr id="13" name="Rectangle: Rounded Corners 12">
-            <a:extLst>
-              <a:ext uri="{FF2B5EF4-FFF2-40B4-BE49-F238E27FC236}">
-                <a16:creationId xmlns:a16="http://schemas.microsoft.com/office/drawing/2014/main" id="{4AF44AD6-E285-4665-B13A-69678FEE7CCA}"/>
-              </a:ext>
-            </a:extLst>
-          </p:cNvPr>
-          <p:cNvSpPr/>
-          <p:nvPr/>
-        </p:nvSpPr>
-        <p:spPr>
-          <a:xfrm>
-            <a:off x="5611039" y="1490663"/>
-            <a:ext cx="1885950" cy="828675"/>
-          </a:xfrm>
-          <a:prstGeom prst="roundRect">
-            <a:avLst/>
-          </a:prstGeom>
-        </p:spPr>
-        <p:style>
-          <a:lnRef idx="2">
-            <a:schemeClr val="accent1">
-              <a:shade val="50000"/>
-            </a:schemeClr>
-          </a:lnRef>
-          <a:fillRef idx="1">
-            <a:schemeClr val="accent1"/>
-          </a:fillRef>
-          <a:effectRef idx="0">
-            <a:schemeClr val="accent1"/>
-          </a:effectRef>
-          <a:fontRef idx="minor">
-            <a:schemeClr val="lt1"/>
-          </a:fontRef>
-        </p:style>
-        <p:txBody>
-          <a:bodyPr rtlCol="0" anchor="ctr"/>
-          <a:lstStyle/>
-          <a:p>
-            <a:pPr algn="ctr"/>
-            <a:r>
-              <a:rPr lang="en-US" sz="2800" b="1" dirty="0"/>
-              <a:t>Pet</a:t>
-            </a:r>
-          </a:p>
-        </p:txBody>
-      </p:sp>
-      <p:sp>
-        <p:nvSpPr>
-          <p:cNvPr id="14" name="Rectangle: Rounded Corners 13">
-            <a:extLst>
-              <a:ext uri="{FF2B5EF4-FFF2-40B4-BE49-F238E27FC236}">
-                <a16:creationId xmlns:a16="http://schemas.microsoft.com/office/drawing/2014/main" id="{6A1B1F09-E228-4FF3-837B-CAE54D7406A9}"/>
-              </a:ext>
-            </a:extLst>
-          </p:cNvPr>
-          <p:cNvSpPr/>
-          <p:nvPr/>
-        </p:nvSpPr>
-        <p:spPr>
-          <a:xfrm>
-            <a:off x="6554014" y="3540105"/>
-            <a:ext cx="1885950" cy="828675"/>
-          </a:xfrm>
-          <a:prstGeom prst="roundRect">
-            <a:avLst/>
-          </a:prstGeom>
-        </p:spPr>
-        <p:style>
-          <a:lnRef idx="2">
-            <a:schemeClr val="accent1">
-              <a:shade val="50000"/>
-            </a:schemeClr>
-          </a:lnRef>
-          <a:fillRef idx="1">
-            <a:schemeClr val="accent1"/>
-          </a:fillRef>
-          <a:effectRef idx="0">
-            <a:schemeClr val="accent1"/>
-          </a:effectRef>
-          <a:fontRef idx="minor">
-            <a:schemeClr val="lt1"/>
-          </a:fontRef>
-        </p:style>
-        <p:txBody>
-          <a:bodyPr rtlCol="0" anchor="ctr"/>
-          <a:lstStyle/>
-          <a:p>
-            <a:pPr algn="ctr"/>
-            <a:r>
-              <a:rPr lang="en-US" sz="2800" b="1" dirty="0"/>
-              <a:t>Fish</a:t>
-            </a:r>
-          </a:p>
-        </p:txBody>
-      </p:sp>
-      <p:sp>
-        <p:nvSpPr>
-          <p:cNvPr id="15" name="Rectangle: Rounded Corners 14">
-            <a:extLst>
-              <a:ext uri="{FF2B5EF4-FFF2-40B4-BE49-F238E27FC236}">
-                <a16:creationId xmlns:a16="http://schemas.microsoft.com/office/drawing/2014/main" id="{E337235B-F703-4214-A7A9-E9D5BB0E0419}"/>
-              </a:ext>
-            </a:extLst>
-          </p:cNvPr>
-          <p:cNvSpPr/>
-          <p:nvPr/>
-        </p:nvSpPr>
-        <p:spPr>
-          <a:xfrm>
-            <a:off x="5611039" y="5613487"/>
-            <a:ext cx="1885950" cy="828675"/>
-          </a:xfrm>
-          <a:prstGeom prst="roundRect">
-            <a:avLst/>
-          </a:prstGeom>
-        </p:spPr>
-        <p:style>
-          <a:lnRef idx="2">
-            <a:schemeClr val="accent1">
-              <a:shade val="50000"/>
-            </a:schemeClr>
-          </a:lnRef>
-          <a:fillRef idx="1">
-            <a:schemeClr val="accent1"/>
-          </a:fillRef>
-          <a:effectRef idx="0">
-            <a:schemeClr val="accent1"/>
-          </a:effectRef>
-          <a:fontRef idx="minor">
-            <a:schemeClr val="lt1"/>
-          </a:fontRef>
-        </p:style>
-        <p:txBody>
-          <a:bodyPr rtlCol="0" anchor="ctr"/>
-          <a:lstStyle/>
-          <a:p>
-            <a:pPr algn="ctr"/>
-            <a:r>
-              <a:rPr lang="en-US" sz="2800" b="1" dirty="0"/>
-              <a:t>Swim</a:t>
-            </a:r>
-          </a:p>
-        </p:txBody>
-      </p:sp>
-      <p:cxnSp>
-        <p:nvCxnSpPr>
-          <p:cNvPr id="16" name="Straight Arrow Connector 15">
-            <a:extLst>
-              <a:ext uri="{FF2B5EF4-FFF2-40B4-BE49-F238E27FC236}">
-                <a16:creationId xmlns:a16="http://schemas.microsoft.com/office/drawing/2014/main" id="{13B3581F-7920-4894-9A93-8FD5FA80015D}"/>
-              </a:ext>
-            </a:extLst>
-          </p:cNvPr>
-          <p:cNvCxnSpPr>
-            <a:cxnSpLocks/>
-          </p:cNvCxnSpPr>
-          <p:nvPr/>
-        </p:nvCxnSpPr>
-        <p:spPr>
-          <a:xfrm flipH="1" flipV="1">
-            <a:off x="3078762" y="2404619"/>
-            <a:ext cx="713062" cy="707697"/>
-          </a:xfrm>
-          <a:prstGeom prst="straightConnector1">
-            <a:avLst/>
-          </a:prstGeom>
-          <a:ln w="38100">
-            <a:solidFill>
-              <a:srgbClr val="C00000"/>
-            </a:solidFill>
-            <a:headEnd type="triangle"/>
-            <a:tailEnd type="triangle"/>
-          </a:ln>
-        </p:spPr>
-        <p:style>
-          <a:lnRef idx="1">
-            <a:schemeClr val="accent1"/>
-          </a:lnRef>
-          <a:fillRef idx="0">
-            <a:schemeClr val="accent1"/>
-          </a:fillRef>
-          <a:effectRef idx="0">
-            <a:schemeClr val="accent1"/>
-          </a:effectRef>
-          <a:fontRef idx="minor">
-            <a:schemeClr val="tx1"/>
-          </a:fontRef>
-        </p:style>
-      </p:cxnSp>
-      <p:cxnSp>
-        <p:nvCxnSpPr>
-          <p:cNvPr id="19" name="Straight Arrow Connector 18">
-            <a:extLst>
-              <a:ext uri="{FF2B5EF4-FFF2-40B4-BE49-F238E27FC236}">
-                <a16:creationId xmlns:a16="http://schemas.microsoft.com/office/drawing/2014/main" id="{4E0EA637-49E8-4D20-9758-5072C828367F}"/>
-              </a:ext>
-            </a:extLst>
-          </p:cNvPr>
-          <p:cNvCxnSpPr>
-            <a:cxnSpLocks/>
-            <a:stCxn id="4" idx="1"/>
-          </p:cNvCxnSpPr>
-          <p:nvPr/>
-        </p:nvCxnSpPr>
-        <p:spPr>
-          <a:xfrm flipH="1">
-            <a:off x="2661167" y="3540105"/>
-            <a:ext cx="1203650" cy="388557"/>
-          </a:xfrm>
-          <a:prstGeom prst="straightConnector1">
-            <a:avLst/>
-          </a:prstGeom>
-          <a:ln w="38100">
-            <a:solidFill>
-              <a:srgbClr val="C00000"/>
-            </a:solidFill>
-            <a:headEnd type="triangle"/>
-            <a:tailEnd type="triangle"/>
-          </a:ln>
-        </p:spPr>
-        <p:style>
-          <a:lnRef idx="1">
-            <a:schemeClr val="accent1"/>
-          </a:lnRef>
-          <a:fillRef idx="0">
-            <a:schemeClr val="accent1"/>
-          </a:fillRef>
-          <a:effectRef idx="0">
-            <a:schemeClr val="accent1"/>
-          </a:effectRef>
-          <a:fontRef idx="minor">
-            <a:schemeClr val="tx1"/>
-          </a:fontRef>
-        </p:style>
-      </p:cxnSp>
-      <p:cxnSp>
-        <p:nvCxnSpPr>
-          <p:cNvPr id="22" name="Straight Arrow Connector 21">
-            <a:extLst>
-              <a:ext uri="{FF2B5EF4-FFF2-40B4-BE49-F238E27FC236}">
-                <a16:creationId xmlns:a16="http://schemas.microsoft.com/office/drawing/2014/main" id="{0F64D405-A04E-4877-9AE6-331AEE9C8000}"/>
-              </a:ext>
-            </a:extLst>
-          </p:cNvPr>
-          <p:cNvCxnSpPr>
-            <a:cxnSpLocks/>
-          </p:cNvCxnSpPr>
-          <p:nvPr/>
-        </p:nvCxnSpPr>
-        <p:spPr>
-          <a:xfrm flipH="1" flipV="1">
-            <a:off x="1593908" y="4496499"/>
-            <a:ext cx="327171" cy="998291"/>
-          </a:xfrm>
-          <a:prstGeom prst="straightConnector1">
-            <a:avLst/>
-          </a:prstGeom>
-          <a:ln w="38100">
-            <a:solidFill>
-              <a:srgbClr val="C00000"/>
-            </a:solidFill>
-            <a:headEnd type="triangle"/>
-            <a:tailEnd type="triangle"/>
-          </a:ln>
-        </p:spPr>
-        <p:style>
-          <a:lnRef idx="1">
-            <a:schemeClr val="accent1"/>
-          </a:lnRef>
-          <a:fillRef idx="0">
-            <a:schemeClr val="accent1"/>
-          </a:fillRef>
-          <a:effectRef idx="0">
-            <a:schemeClr val="accent1"/>
-          </a:effectRef>
-          <a:fontRef idx="minor">
-            <a:schemeClr val="tx1"/>
-          </a:fontRef>
-        </p:style>
-      </p:cxnSp>
-      <p:cxnSp>
-        <p:nvCxnSpPr>
-          <p:cNvPr id="25" name="Straight Arrow Connector 24">
-            <a:extLst>
-              <a:ext uri="{FF2B5EF4-FFF2-40B4-BE49-F238E27FC236}">
-                <a16:creationId xmlns:a16="http://schemas.microsoft.com/office/drawing/2014/main" id="{899DE23C-8FDC-4C0F-B234-7A83B5EC6C62}"/>
-              </a:ext>
-            </a:extLst>
-          </p:cNvPr>
-          <p:cNvCxnSpPr>
-            <a:cxnSpLocks/>
-          </p:cNvCxnSpPr>
-          <p:nvPr/>
-        </p:nvCxnSpPr>
-        <p:spPr>
-          <a:xfrm flipH="1" flipV="1">
-            <a:off x="3101536" y="1893030"/>
-            <a:ext cx="2418420" cy="11970"/>
-          </a:xfrm>
-          <a:prstGeom prst="straightConnector1">
-            <a:avLst/>
-          </a:prstGeom>
-          <a:ln w="38100">
-            <a:solidFill>
-              <a:srgbClr val="C00000"/>
-            </a:solidFill>
-            <a:headEnd type="triangle"/>
-            <a:tailEnd type="triangle"/>
-          </a:ln>
-        </p:spPr>
-        <p:style>
-          <a:lnRef idx="1">
-            <a:schemeClr val="accent1"/>
-          </a:lnRef>
-          <a:fillRef idx="0">
-            <a:schemeClr val="accent1"/>
-          </a:fillRef>
-          <a:effectRef idx="0">
-            <a:schemeClr val="accent1"/>
-          </a:effectRef>
-          <a:fontRef idx="minor">
-            <a:schemeClr val="tx1"/>
-          </a:fontRef>
-        </p:style>
-      </p:cxnSp>
-      <p:cxnSp>
-        <p:nvCxnSpPr>
-          <p:cNvPr id="28" name="Straight Arrow Connector 27">
-            <a:extLst>
-              <a:ext uri="{FF2B5EF4-FFF2-40B4-BE49-F238E27FC236}">
-                <a16:creationId xmlns:a16="http://schemas.microsoft.com/office/drawing/2014/main" id="{1D189691-FB72-4A08-B769-DFE99AE1B6E1}"/>
-              </a:ext>
-            </a:extLst>
-          </p:cNvPr>
-          <p:cNvCxnSpPr>
-            <a:cxnSpLocks/>
-          </p:cNvCxnSpPr>
-          <p:nvPr/>
-        </p:nvCxnSpPr>
-        <p:spPr>
-          <a:xfrm flipH="1" flipV="1">
-            <a:off x="5126986" y="3671782"/>
-            <a:ext cx="1203649" cy="294630"/>
-          </a:xfrm>
-          <a:prstGeom prst="straightConnector1">
-            <a:avLst/>
-          </a:prstGeom>
-          <a:ln w="38100">
-            <a:solidFill>
-              <a:srgbClr val="C00000"/>
-            </a:solidFill>
-            <a:headEnd type="triangle"/>
-            <a:tailEnd type="triangle"/>
-          </a:ln>
-        </p:spPr>
-        <p:style>
-          <a:lnRef idx="1">
-            <a:schemeClr val="accent1"/>
-          </a:lnRef>
-          <a:fillRef idx="0">
-            <a:schemeClr val="accent1"/>
-          </a:fillRef>
-          <a:effectRef idx="0">
-            <a:schemeClr val="accent1"/>
-          </a:effectRef>
-          <a:fontRef idx="minor">
-            <a:schemeClr val="tx1"/>
-          </a:fontRef>
-        </p:style>
-      </p:cxnSp>
-      <p:cxnSp>
-        <p:nvCxnSpPr>
-          <p:cNvPr id="33" name="Straight Arrow Connector 32">
-            <a:extLst>
-              <a:ext uri="{FF2B5EF4-FFF2-40B4-BE49-F238E27FC236}">
-                <a16:creationId xmlns:a16="http://schemas.microsoft.com/office/drawing/2014/main" id="{EF682F7A-559F-407E-B453-A3771E68BCAC}"/>
-              </a:ext>
-            </a:extLst>
-          </p:cNvPr>
-          <p:cNvCxnSpPr>
-            <a:cxnSpLocks/>
-          </p:cNvCxnSpPr>
-          <p:nvPr/>
-        </p:nvCxnSpPr>
-        <p:spPr>
-          <a:xfrm flipH="1">
-            <a:off x="5218853" y="2511577"/>
-            <a:ext cx="879944" cy="600739"/>
-          </a:xfrm>
-          <a:prstGeom prst="straightConnector1">
-            <a:avLst/>
-          </a:prstGeom>
-          <a:ln w="38100">
-            <a:solidFill>
-              <a:srgbClr val="C00000"/>
-            </a:solidFill>
-            <a:headEnd type="triangle"/>
-            <a:tailEnd type="triangle"/>
-          </a:ln>
-        </p:spPr>
-        <p:style>
-          <a:lnRef idx="1">
-            <a:schemeClr val="accent1"/>
-          </a:lnRef>
-          <a:fillRef idx="0">
-            <a:schemeClr val="accent1"/>
-          </a:fillRef>
-          <a:effectRef idx="0">
-            <a:schemeClr val="accent1"/>
-          </a:effectRef>
-          <a:fontRef idx="minor">
-            <a:schemeClr val="tx1"/>
-          </a:fontRef>
-        </p:style>
-      </p:cxnSp>
-      <p:cxnSp>
-        <p:nvCxnSpPr>
-          <p:cNvPr id="38" name="Straight Arrow Connector 37">
-            <a:extLst>
-              <a:ext uri="{FF2B5EF4-FFF2-40B4-BE49-F238E27FC236}">
-                <a16:creationId xmlns:a16="http://schemas.microsoft.com/office/drawing/2014/main" id="{0C796360-01EC-412B-B2ED-707B6C223E57}"/>
-              </a:ext>
-            </a:extLst>
-          </p:cNvPr>
-          <p:cNvCxnSpPr>
-            <a:cxnSpLocks/>
-          </p:cNvCxnSpPr>
-          <p:nvPr/>
-        </p:nvCxnSpPr>
-        <p:spPr>
-          <a:xfrm flipV="1">
-            <a:off x="7139031" y="4542858"/>
-            <a:ext cx="193062" cy="951932"/>
-          </a:xfrm>
-          <a:prstGeom prst="straightConnector1">
-            <a:avLst/>
-          </a:prstGeom>
-          <a:ln w="38100">
-            <a:solidFill>
-              <a:srgbClr val="C00000"/>
-            </a:solidFill>
-            <a:headEnd type="triangle"/>
-            <a:tailEnd type="triangle"/>
-          </a:ln>
-        </p:spPr>
-        <p:style>
-          <a:lnRef idx="1">
-            <a:schemeClr val="accent1"/>
-          </a:lnRef>
-          <a:fillRef idx="0">
-            <a:schemeClr val="accent1"/>
-          </a:fillRef>
-          <a:effectRef idx="0">
-            <a:schemeClr val="accent1"/>
-          </a:effectRef>
-          <a:fontRef idx="minor">
-            <a:schemeClr val="tx1"/>
-          </a:fontRef>
-        </p:style>
-      </p:cxnSp>
-      <p:cxnSp>
-        <p:nvCxnSpPr>
-          <p:cNvPr id="40" name="Straight Arrow Connector 39">
-            <a:extLst>
-              <a:ext uri="{FF2B5EF4-FFF2-40B4-BE49-F238E27FC236}">
-                <a16:creationId xmlns:a16="http://schemas.microsoft.com/office/drawing/2014/main" id="{2583F8F6-D62C-4281-82DC-3384EF3E8BFF}"/>
-              </a:ext>
-            </a:extLst>
-          </p:cNvPr>
-          <p:cNvCxnSpPr>
-            <a:cxnSpLocks/>
-          </p:cNvCxnSpPr>
-          <p:nvPr/>
-        </p:nvCxnSpPr>
-        <p:spPr>
-          <a:xfrm flipH="1" flipV="1">
-            <a:off x="7139031" y="2493416"/>
-            <a:ext cx="386796" cy="967828"/>
-          </a:xfrm>
-          <a:prstGeom prst="straightConnector1">
-            <a:avLst/>
-          </a:prstGeom>
-          <a:ln w="38100">
-            <a:solidFill>
-              <a:srgbClr val="C00000"/>
-            </a:solidFill>
-            <a:headEnd type="triangle"/>
-            <a:tailEnd type="triangle"/>
-          </a:ln>
-        </p:spPr>
-        <p:style>
-          <a:lnRef idx="1">
-            <a:schemeClr val="accent1"/>
-          </a:lnRef>
-          <a:fillRef idx="0">
-            <a:schemeClr val="accent1"/>
-          </a:fillRef>
-          <a:effectRef idx="0">
-            <a:schemeClr val="accent1"/>
-          </a:effectRef>
-          <a:fontRef idx="minor">
-            <a:schemeClr val="tx1"/>
-          </a:fontRef>
-        </p:style>
-      </p:cxnSp>
-      <p:cxnSp>
-        <p:nvCxnSpPr>
-          <p:cNvPr id="8" name="Straight Arrow Connector 7">
-            <a:extLst>
-              <a:ext uri="{FF2B5EF4-FFF2-40B4-BE49-F238E27FC236}">
-                <a16:creationId xmlns:a16="http://schemas.microsoft.com/office/drawing/2014/main" id="{296B717B-E71A-4526-981F-1E5ECEBE833E}"/>
-              </a:ext>
-            </a:extLst>
-          </p:cNvPr>
-          <p:cNvCxnSpPr>
-            <a:cxnSpLocks/>
-          </p:cNvCxnSpPr>
-          <p:nvPr/>
-        </p:nvCxnSpPr>
-        <p:spPr>
-          <a:xfrm flipH="1">
-            <a:off x="3101536" y="4202887"/>
-            <a:ext cx="1048622" cy="1410600"/>
-          </a:xfrm>
-          <a:prstGeom prst="straightConnector1">
-            <a:avLst/>
-          </a:prstGeom>
-          <a:ln w="19050">
-            <a:solidFill>
-              <a:srgbClr val="C00000"/>
-            </a:solidFill>
-            <a:prstDash val="dashDot"/>
-            <a:headEnd type="triangle"/>
-            <a:tailEnd type="triangle"/>
-          </a:ln>
-        </p:spPr>
-        <p:style>
-          <a:lnRef idx="1">
-            <a:schemeClr val="accent1"/>
-          </a:lnRef>
-          <a:fillRef idx="0">
-            <a:schemeClr val="accent1"/>
-          </a:fillRef>
-          <a:effectRef idx="0">
-            <a:schemeClr val="accent1"/>
-          </a:effectRef>
-          <a:fontRef idx="minor">
-            <a:schemeClr val="tx1"/>
-          </a:fontRef>
-        </p:style>
-      </p:cxnSp>
-      <p:cxnSp>
-        <p:nvCxnSpPr>
-          <p:cNvPr id="24" name="Straight Arrow Connector 23">
-            <a:extLst>
-              <a:ext uri="{FF2B5EF4-FFF2-40B4-BE49-F238E27FC236}">
-                <a16:creationId xmlns:a16="http://schemas.microsoft.com/office/drawing/2014/main" id="{70501B66-2492-4EE7-9BF2-CD53AA3E525C}"/>
-              </a:ext>
-            </a:extLst>
-          </p:cNvPr>
-          <p:cNvCxnSpPr>
-            <a:cxnSpLocks/>
-          </p:cNvCxnSpPr>
-          <p:nvPr/>
-        </p:nvCxnSpPr>
-        <p:spPr>
-          <a:xfrm>
-            <a:off x="4551656" y="4191155"/>
-            <a:ext cx="1026843" cy="1410600"/>
-          </a:xfrm>
-          <a:prstGeom prst="straightConnector1">
-            <a:avLst/>
-          </a:prstGeom>
-          <a:ln w="19050">
-            <a:solidFill>
-              <a:srgbClr val="C00000"/>
-            </a:solidFill>
-            <a:prstDash val="dashDot"/>
-            <a:headEnd type="triangle"/>
-            <a:tailEnd type="triangle"/>
-          </a:ln>
-        </p:spPr>
-        <p:style>
-          <a:lnRef idx="1">
-            <a:schemeClr val="accent1"/>
-          </a:lnRef>
-          <a:fillRef idx="0">
-            <a:schemeClr val="accent1"/>
-          </a:fillRef>
-          <a:effectRef idx="0">
-            <a:schemeClr val="accent1"/>
-          </a:effectRef>
-          <a:fontRef idx="minor">
-            <a:schemeClr val="tx1"/>
-          </a:fontRef>
-        </p:style>
-      </p:cxnSp>
-    </p:spTree>
-    <p:extLst>
-      <p:ext uri="{BB962C8B-B14F-4D97-AF65-F5344CB8AC3E}">
-        <p14:creationId xmlns:p14="http://schemas.microsoft.com/office/powerpoint/2010/main" val="1424574430"/>
-      </p:ext>
-    </p:extLst>
-  </p:cSld>
-  <p:clrMapOvr>
-    <a:masterClrMapping/>
-  </p:clrMapOvr>
-  <p:timing>
-    <p:tnLst>
-      <p:par>
-        <p:cTn id="1" dur="indefinite" restart="never" nodeType="tmRoot">
-          <p:childTnLst>
-            <p:seq concurrent="1" nextAc="seek">
-              <p:cTn id="2" dur="indefinite" nodeType="mainSeq">
-                <p:childTnLst>
-                  <p:par>
-                    <p:cTn id="3" fill="hold">
-                      <p:stCondLst>
-                        <p:cond delay="indefinite"/>
-                      </p:stCondLst>
-                      <p:childTnLst>
-                        <p:par>
-                          <p:cTn id="4" fill="hold">
-                            <p:stCondLst>
-                              <p:cond delay="0"/>
-                            </p:stCondLst>
-                            <p:childTnLst>
-                              <p:par>
-                                <p:cTn id="5" presetID="1" presetClass="entr" presetSubtype="0" fill="hold" nodeType="clickEffect">
-                                  <p:stCondLst>
-                                    <p:cond delay="0"/>
-                                  </p:stCondLst>
-                                  <p:childTnLst>
-                                    <p:set>
-                                      <p:cBhvr>
-                                        <p:cTn id="6" dur="1" fill="hold">
-                                          <p:stCondLst>
-                                            <p:cond delay="0"/>
-                                          </p:stCondLst>
-                                        </p:cTn>
-                                        <p:tgtEl>
-                                          <p:spTgt spid="19"/>
-                                        </p:tgtEl>
-                                        <p:attrNameLst>
-                                          <p:attrName>style.visibility</p:attrName>
-                                        </p:attrNameLst>
-                                      </p:cBhvr>
-                                      <p:to>
-                                        <p:strVal val="visible"/>
-                                      </p:to>
-                                    </p:set>
-                                  </p:childTnLst>
-                                </p:cTn>
-                              </p:par>
-                              <p:par>
-                                <p:cTn id="7" presetID="1" presetClass="entr" presetSubtype="0" fill="hold" grpId="0" nodeType="withEffect">
-                                  <p:stCondLst>
-                                    <p:cond delay="0"/>
-                                  </p:stCondLst>
-                                  <p:childTnLst>
-                                    <p:set>
-                                      <p:cBhvr>
-                                        <p:cTn id="8" dur="1" fill="hold">
-                                          <p:stCondLst>
-                                            <p:cond delay="0"/>
-                                          </p:stCondLst>
-                                        </p:cTn>
-                                        <p:tgtEl>
-                                          <p:spTgt spid="11"/>
-                                        </p:tgtEl>
-                                        <p:attrNameLst>
-                                          <p:attrName>style.visibility</p:attrName>
-                                        </p:attrNameLst>
-                                      </p:cBhvr>
-                                      <p:to>
-                                        <p:strVal val="visible"/>
-                                      </p:to>
-                                    </p:set>
-                                  </p:childTnLst>
-                                </p:cTn>
-                              </p:par>
-                            </p:childTnLst>
-                          </p:cTn>
-                        </p:par>
-                      </p:childTnLst>
-                    </p:cTn>
-                  </p:par>
-                  <p:par>
-                    <p:cTn id="9" fill="hold">
-                      <p:stCondLst>
-                        <p:cond delay="indefinite"/>
-                      </p:stCondLst>
-                      <p:childTnLst>
-                        <p:par>
-                          <p:cTn id="10" fill="hold">
-                            <p:stCondLst>
-                              <p:cond delay="0"/>
-                            </p:stCondLst>
-                            <p:childTnLst>
-                              <p:par>
-                                <p:cTn id="11" presetID="1" presetClass="entr" presetSubtype="0" fill="hold" nodeType="clickEffect">
-                                  <p:stCondLst>
-                                    <p:cond delay="0"/>
-                                  </p:stCondLst>
-                                  <p:childTnLst>
-                                    <p:set>
-                                      <p:cBhvr>
-                                        <p:cTn id="12" dur="1" fill="hold">
-                                          <p:stCondLst>
-                                            <p:cond delay="0"/>
-                                          </p:stCondLst>
-                                        </p:cTn>
-                                        <p:tgtEl>
-                                          <p:spTgt spid="22"/>
-                                        </p:tgtEl>
-                                        <p:attrNameLst>
-                                          <p:attrName>style.visibility</p:attrName>
-                                        </p:attrNameLst>
-                                      </p:cBhvr>
-                                      <p:to>
-                                        <p:strVal val="visible"/>
-                                      </p:to>
-                                    </p:set>
-                                  </p:childTnLst>
-                                </p:cTn>
-                              </p:par>
-                              <p:par>
-                                <p:cTn id="13" presetID="1" presetClass="entr" presetSubtype="0" fill="hold" grpId="0" nodeType="withEffect">
-                                  <p:stCondLst>
-                                    <p:cond delay="0"/>
-                                  </p:stCondLst>
-                                  <p:childTnLst>
-                                    <p:set>
-                                      <p:cBhvr>
-                                        <p:cTn id="14" dur="1" fill="hold">
-                                          <p:stCondLst>
-                                            <p:cond delay="0"/>
-                                          </p:stCondLst>
-                                        </p:cTn>
-                                        <p:tgtEl>
-                                          <p:spTgt spid="12"/>
-                                        </p:tgtEl>
-                                        <p:attrNameLst>
-                                          <p:attrName>style.visibility</p:attrName>
-                                        </p:attrNameLst>
-                                      </p:cBhvr>
-                                      <p:to>
-                                        <p:strVal val="visible"/>
-                                      </p:to>
-                                    </p:set>
-                                  </p:childTnLst>
-                                </p:cTn>
-                              </p:par>
-                            </p:childTnLst>
-                          </p:cTn>
-                        </p:par>
-                      </p:childTnLst>
-                    </p:cTn>
-                  </p:par>
-                  <p:par>
-                    <p:cTn id="15" fill="hold">
-                      <p:stCondLst>
-                        <p:cond delay="indefinite"/>
-                      </p:stCondLst>
-                      <p:childTnLst>
-                        <p:par>
-                          <p:cTn id="16" fill="hold">
-                            <p:stCondLst>
-                              <p:cond delay="0"/>
-                            </p:stCondLst>
-                            <p:childTnLst>
-                              <p:par>
-                                <p:cTn id="17" presetID="1" presetClass="entr" presetSubtype="0" fill="hold" nodeType="clickEffect">
-                                  <p:stCondLst>
-                                    <p:cond delay="0"/>
-                                  </p:stCondLst>
-                                  <p:childTnLst>
-                                    <p:set>
-                                      <p:cBhvr>
-                                        <p:cTn id="18" dur="1" fill="hold">
-                                          <p:stCondLst>
-                                            <p:cond delay="0"/>
-                                          </p:stCondLst>
-                                        </p:cTn>
-                                        <p:tgtEl>
-                                          <p:spTgt spid="8"/>
-                                        </p:tgtEl>
-                                        <p:attrNameLst>
-                                          <p:attrName>style.visibility</p:attrName>
-                                        </p:attrNameLst>
-                                      </p:cBhvr>
-                                      <p:to>
-                                        <p:strVal val="visible"/>
-                                      </p:to>
-                                    </p:set>
-                                  </p:childTnLst>
-                                </p:cTn>
-                              </p:par>
-                            </p:childTnLst>
-                          </p:cTn>
-                        </p:par>
-                      </p:childTnLst>
-                    </p:cTn>
-                  </p:par>
-                  <p:par>
-                    <p:cTn id="19" fill="hold">
-                      <p:stCondLst>
-                        <p:cond delay="indefinite"/>
-                      </p:stCondLst>
-                      <p:childTnLst>
-                        <p:par>
-                          <p:cTn id="20" fill="hold">
-                            <p:stCondLst>
-                              <p:cond delay="0"/>
-                            </p:stCondLst>
-                            <p:childTnLst>
-                              <p:par>
-                                <p:cTn id="21" presetID="1" presetClass="entr" presetSubtype="0" fill="hold" grpId="0" nodeType="clickEffect">
-                                  <p:stCondLst>
-                                    <p:cond delay="0"/>
-                                  </p:stCondLst>
-                                  <p:childTnLst>
-                                    <p:set>
-                                      <p:cBhvr>
-                                        <p:cTn id="22" dur="1" fill="hold">
-                                          <p:stCondLst>
-                                            <p:cond delay="0"/>
-                                          </p:stCondLst>
-                                        </p:cTn>
-                                        <p:tgtEl>
-                                          <p:spTgt spid="10"/>
-                                        </p:tgtEl>
-                                        <p:attrNameLst>
-                                          <p:attrName>style.visibility</p:attrName>
-                                        </p:attrNameLst>
-                                      </p:cBhvr>
-                                      <p:to>
-                                        <p:strVal val="visible"/>
-                                      </p:to>
-                                    </p:set>
-                                  </p:childTnLst>
-                                </p:cTn>
-                              </p:par>
-                              <p:par>
-                                <p:cTn id="23" presetID="1" presetClass="entr" presetSubtype="0" fill="hold" nodeType="withEffect">
-                                  <p:stCondLst>
-                                    <p:cond delay="0"/>
-                                  </p:stCondLst>
-                                  <p:childTnLst>
-                                    <p:set>
-                                      <p:cBhvr>
-                                        <p:cTn id="24" dur="1" fill="hold">
-                                          <p:stCondLst>
-                                            <p:cond delay="0"/>
-                                          </p:stCondLst>
-                                        </p:cTn>
-                                        <p:tgtEl>
-                                          <p:spTgt spid="16"/>
-                                        </p:tgtEl>
-                                        <p:attrNameLst>
-                                          <p:attrName>style.visibility</p:attrName>
-                                        </p:attrNameLst>
-                                      </p:cBhvr>
-                                      <p:to>
-                                        <p:strVal val="visible"/>
-                                      </p:to>
-                                    </p:set>
-                                  </p:childTnLst>
-                                </p:cTn>
-                              </p:par>
-                            </p:childTnLst>
-                          </p:cTn>
-                        </p:par>
-                      </p:childTnLst>
-                    </p:cTn>
-                  </p:par>
-                  <p:par>
-                    <p:cTn id="25" fill="hold">
-                      <p:stCondLst>
-                        <p:cond delay="indefinite"/>
-                      </p:stCondLst>
-                      <p:childTnLst>
-                        <p:par>
-                          <p:cTn id="26" fill="hold">
-                            <p:stCondLst>
-                              <p:cond delay="0"/>
-                            </p:stCondLst>
-                            <p:childTnLst>
-                              <p:par>
-                                <p:cTn id="27" presetID="1" presetClass="entr" presetSubtype="0" fill="hold" nodeType="clickEffect">
-                                  <p:stCondLst>
-                                    <p:cond delay="0"/>
-                                  </p:stCondLst>
-                                  <p:childTnLst>
-                                    <p:set>
-                                      <p:cBhvr>
-                                        <p:cTn id="28" dur="1" fill="hold">
-                                          <p:stCondLst>
-                                            <p:cond delay="0"/>
-                                          </p:stCondLst>
-                                        </p:cTn>
-                                        <p:tgtEl>
-                                          <p:spTgt spid="25"/>
-                                        </p:tgtEl>
-                                        <p:attrNameLst>
-                                          <p:attrName>style.visibility</p:attrName>
-                                        </p:attrNameLst>
-                                      </p:cBhvr>
-                                      <p:to>
-                                        <p:strVal val="visible"/>
-                                      </p:to>
-                                    </p:set>
-                                  </p:childTnLst>
-                                </p:cTn>
-                              </p:par>
-                              <p:par>
-                                <p:cTn id="29" presetID="1" presetClass="entr" presetSubtype="0" fill="hold" nodeType="withEffect">
-                                  <p:stCondLst>
-                                    <p:cond delay="0"/>
-                                  </p:stCondLst>
-                                  <p:childTnLst>
-                                    <p:set>
-                                      <p:cBhvr>
-                                        <p:cTn id="30" dur="1" fill="hold">
-                                          <p:stCondLst>
-                                            <p:cond delay="0"/>
-                                          </p:stCondLst>
-                                        </p:cTn>
-                                        <p:tgtEl>
-                                          <p:spTgt spid="33"/>
-                                        </p:tgtEl>
-                                        <p:attrNameLst>
-                                          <p:attrName>style.visibility</p:attrName>
-                                        </p:attrNameLst>
-                                      </p:cBhvr>
-                                      <p:to>
-                                        <p:strVal val="visible"/>
-                                      </p:to>
-                                    </p:set>
-                                  </p:childTnLst>
-                                </p:cTn>
-                              </p:par>
-                              <p:par>
-                                <p:cTn id="31" presetID="1" presetClass="entr" presetSubtype="0" fill="hold" grpId="0" nodeType="withEffect">
-                                  <p:stCondLst>
-                                    <p:cond delay="0"/>
-                                  </p:stCondLst>
-                                  <p:childTnLst>
-                                    <p:set>
-                                      <p:cBhvr>
-                                        <p:cTn id="32" dur="1" fill="hold">
-                                          <p:stCondLst>
-                                            <p:cond delay="0"/>
-                                          </p:stCondLst>
-                                        </p:cTn>
-                                        <p:tgtEl>
-                                          <p:spTgt spid="13"/>
-                                        </p:tgtEl>
-                                        <p:attrNameLst>
-                                          <p:attrName>style.visibility</p:attrName>
-                                        </p:attrNameLst>
-                                      </p:cBhvr>
-                                      <p:to>
-                                        <p:strVal val="visible"/>
-                                      </p:to>
-                                    </p:set>
-                                  </p:childTnLst>
-                                </p:cTn>
-                              </p:par>
-                            </p:childTnLst>
-                          </p:cTn>
-                        </p:par>
-                      </p:childTnLst>
-                    </p:cTn>
-                  </p:par>
-                  <p:par>
-                    <p:cTn id="33" fill="hold">
-                      <p:stCondLst>
-                        <p:cond delay="indefinite"/>
-                      </p:stCondLst>
-                      <p:childTnLst>
-                        <p:par>
-                          <p:cTn id="34" fill="hold">
-                            <p:stCondLst>
-                              <p:cond delay="0"/>
-                            </p:stCondLst>
-                            <p:childTnLst>
-                              <p:par>
-                                <p:cTn id="35" presetID="1" presetClass="entr" presetSubtype="0" fill="hold" nodeType="clickEffect">
-                                  <p:stCondLst>
-                                    <p:cond delay="0"/>
-                                  </p:stCondLst>
-                                  <p:childTnLst>
-                                    <p:set>
-                                      <p:cBhvr>
-                                        <p:cTn id="36" dur="1" fill="hold">
-                                          <p:stCondLst>
-                                            <p:cond delay="0"/>
-                                          </p:stCondLst>
-                                        </p:cTn>
-                                        <p:tgtEl>
-                                          <p:spTgt spid="28"/>
-                                        </p:tgtEl>
-                                        <p:attrNameLst>
-                                          <p:attrName>style.visibility</p:attrName>
-                                        </p:attrNameLst>
-                                      </p:cBhvr>
-                                      <p:to>
-                                        <p:strVal val="visible"/>
-                                      </p:to>
-                                    </p:set>
-                                  </p:childTnLst>
-                                </p:cTn>
-                              </p:par>
-                              <p:par>
-                                <p:cTn id="37" presetID="1" presetClass="entr" presetSubtype="0" fill="hold" grpId="0" nodeType="withEffect">
-                                  <p:stCondLst>
-                                    <p:cond delay="0"/>
-                                  </p:stCondLst>
-                                  <p:childTnLst>
-                                    <p:set>
-                                      <p:cBhvr>
-                                        <p:cTn id="38" dur="1" fill="hold">
-                                          <p:stCondLst>
-                                            <p:cond delay="0"/>
-                                          </p:stCondLst>
-                                        </p:cTn>
-                                        <p:tgtEl>
-                                          <p:spTgt spid="14"/>
-                                        </p:tgtEl>
-                                        <p:attrNameLst>
-                                          <p:attrName>style.visibility</p:attrName>
-                                        </p:attrNameLst>
-                                      </p:cBhvr>
-                                      <p:to>
-                                        <p:strVal val="visible"/>
-                                      </p:to>
-                                    </p:set>
-                                  </p:childTnLst>
-                                </p:cTn>
-                              </p:par>
-                              <p:par>
-                                <p:cTn id="39" presetID="1" presetClass="entr" presetSubtype="0" fill="hold" nodeType="withEffect">
-                                  <p:stCondLst>
-                                    <p:cond delay="0"/>
-                                  </p:stCondLst>
-                                  <p:childTnLst>
-                                    <p:set>
-                                      <p:cBhvr>
-                                        <p:cTn id="40" dur="1" fill="hold">
-                                          <p:stCondLst>
-                                            <p:cond delay="0"/>
-                                          </p:stCondLst>
-                                        </p:cTn>
-                                        <p:tgtEl>
-                                          <p:spTgt spid="40"/>
-                                        </p:tgtEl>
-                                        <p:attrNameLst>
-                                          <p:attrName>style.visibility</p:attrName>
-                                        </p:attrNameLst>
-                                      </p:cBhvr>
-                                      <p:to>
-                                        <p:strVal val="visible"/>
-                                      </p:to>
-                                    </p:set>
-                                  </p:childTnLst>
-                                </p:cTn>
-                              </p:par>
-                            </p:childTnLst>
-                          </p:cTn>
-                        </p:par>
-                      </p:childTnLst>
-                    </p:cTn>
-                  </p:par>
-                  <p:par>
-                    <p:cTn id="41" fill="hold">
-                      <p:stCondLst>
-                        <p:cond delay="indefinite"/>
-                      </p:stCondLst>
-                      <p:childTnLst>
-                        <p:par>
-                          <p:cTn id="42" fill="hold">
-                            <p:stCondLst>
-                              <p:cond delay="0"/>
-                            </p:stCondLst>
-                            <p:childTnLst>
-                              <p:par>
-                                <p:cTn id="43" presetID="1" presetClass="entr" presetSubtype="0" fill="hold" nodeType="clickEffect">
-                                  <p:stCondLst>
-                                    <p:cond delay="0"/>
-                                  </p:stCondLst>
-                                  <p:childTnLst>
-                                    <p:set>
-                                      <p:cBhvr>
-                                        <p:cTn id="44" dur="1" fill="hold">
-                                          <p:stCondLst>
-                                            <p:cond delay="0"/>
-                                          </p:stCondLst>
-                                        </p:cTn>
-                                        <p:tgtEl>
-                                          <p:spTgt spid="38"/>
-                                        </p:tgtEl>
-                                        <p:attrNameLst>
-                                          <p:attrName>style.visibility</p:attrName>
-                                        </p:attrNameLst>
-                                      </p:cBhvr>
-                                      <p:to>
-                                        <p:strVal val="visible"/>
-                                      </p:to>
-                                    </p:set>
-                                  </p:childTnLst>
-                                </p:cTn>
-                              </p:par>
-                              <p:par>
-                                <p:cTn id="45" presetID="1" presetClass="entr" presetSubtype="0" fill="hold" grpId="0" nodeType="withEffect">
-                                  <p:stCondLst>
-                                    <p:cond delay="0"/>
-                                  </p:stCondLst>
-                                  <p:childTnLst>
-                                    <p:set>
-                                      <p:cBhvr>
-                                        <p:cTn id="46" dur="1" fill="hold">
-                                          <p:stCondLst>
-                                            <p:cond delay="0"/>
-                                          </p:stCondLst>
-                                        </p:cTn>
-                                        <p:tgtEl>
-                                          <p:spTgt spid="15"/>
-                                        </p:tgtEl>
-                                        <p:attrNameLst>
-                                          <p:attrName>style.visibility</p:attrName>
-                                        </p:attrNameLst>
-                                      </p:cBhvr>
-                                      <p:to>
-                                        <p:strVal val="visible"/>
-                                      </p:to>
-                                    </p:set>
-                                  </p:childTnLst>
-                                </p:cTn>
-                              </p:par>
-                            </p:childTnLst>
-                          </p:cTn>
-                        </p:par>
-                      </p:childTnLst>
-                    </p:cTn>
-                  </p:par>
-                  <p:par>
-                    <p:cTn id="47" fill="hold">
-                      <p:stCondLst>
-                        <p:cond delay="indefinite"/>
-                      </p:stCondLst>
-                      <p:childTnLst>
-                        <p:par>
-                          <p:cTn id="48" fill="hold">
-                            <p:stCondLst>
-                              <p:cond delay="0"/>
-                            </p:stCondLst>
-                            <p:childTnLst>
-                              <p:par>
-                                <p:cTn id="49" presetID="1" presetClass="entr" presetSubtype="0" fill="hold" nodeType="clickEffect">
-                                  <p:stCondLst>
-                                    <p:cond delay="0"/>
-                                  </p:stCondLst>
-                                  <p:childTnLst>
-                                    <p:set>
-                                      <p:cBhvr>
-                                        <p:cTn id="50" dur="1" fill="hold">
-                                          <p:stCondLst>
-                                            <p:cond delay="0"/>
-                                          </p:stCondLst>
-                                        </p:cTn>
-                                        <p:tgtEl>
-                                          <p:spTgt spid="24"/>
-                                        </p:tgtEl>
-                                        <p:attrNameLst>
-                                          <p:attrName>style.visibility</p:attrName>
-                                        </p:attrNameLst>
-                                      </p:cBhvr>
-                                      <p:to>
-                                        <p:strVal val="visible"/>
-                                      </p:to>
-                                    </p:set>
-                                  </p:childTnLst>
-                                </p:cTn>
-                              </p:par>
-                            </p:childTnLst>
-                          </p:cTn>
-                        </p:par>
-                      </p:childTnLst>
-                    </p:cTn>
-                  </p:par>
-                </p:childTnLst>
-              </p:cTn>
-              <p:prevCondLst>
-                <p:cond evt="onPrev" delay="0">
-                  <p:tgtEl>
-                    <p:sldTgt/>
-                  </p:tgtEl>
-                </p:cond>
-              </p:prevCondLst>
-              <p:nextCondLst>
-                <p:cond evt="onNext" delay="0">
-                  <p:tgtEl>
-                    <p:sldTgt/>
-                  </p:tgtEl>
-                </p:cond>
-              </p:nextCondLst>
-            </p:seq>
-          </p:childTnLst>
-        </p:cTn>
-      </p:par>
-    </p:tnLst>
-    <p:bldLst>
-      <p:bldP spid="10" grpId="0" animBg="1"/>
-      <p:bldP spid="11" grpId="0" animBg="1"/>
-      <p:bldP spid="12" grpId="0" animBg="1"/>
-      <p:bldP spid="13" grpId="0" animBg="1"/>
-      <p:bldP spid="14" grpId="0" animBg="1"/>
-      <p:bldP spid="15" grpId="0" animBg="1"/>
-    </p:bldLst>
-  </p:timing>
-</p:sld>
-</file>
-
-<file path=ppt/slides/slide6.xml><?xml version="1.0" encoding="utf-8"?>
-<p:sld xmlns:a="http://schemas.openxmlformats.org/drawingml/2006/main" xmlns:r="http://schemas.openxmlformats.org/officeDocument/2006/relationships" xmlns:p="http://schemas.openxmlformats.org/presentationml/2006/main">
-  <p:cSld>
-    <p:spTree>
-      <p:nvGrpSpPr>
-        <p:cNvPr id="1" name=""/>
-        <p:cNvGrpSpPr/>
-        <p:nvPr/>
-      </p:nvGrpSpPr>
-      <p:grpSpPr>
-        <a:xfrm>
-          <a:off x="0" y="0"/>
-          <a:ext cx="0" cy="0"/>
-          <a:chOff x="0" y="0"/>
-          <a:chExt cx="0" cy="0"/>
-        </a:xfrm>
-      </p:grpSpPr>
-      <p:sp>
-        <p:nvSpPr>
-          <p:cNvPr id="2" name="Title 1">
-            <a:extLst>
-              <a:ext uri="{FF2B5EF4-FFF2-40B4-BE49-F238E27FC236}">
-                <a16:creationId xmlns:a16="http://schemas.microsoft.com/office/drawing/2014/main" id="{9035481F-A9A0-46D5-8981-541CB9E5DFAB}"/>
-              </a:ext>
-            </a:extLst>
-          </p:cNvPr>
-          <p:cNvSpPr>
-            <a:spLocks noGrp="1"/>
-          </p:cNvSpPr>
-          <p:nvPr>
-            <p:ph type="title"/>
-          </p:nvPr>
-        </p:nvSpPr>
-        <p:spPr>
-          <a:xfrm>
             <a:off x="162375" y="-29430"/>
             <a:ext cx="7886700" cy="1325563"/>
           </a:xfrm>
@@ -14684,7 +13124,7 @@
 </p:sld>
 </file>
 
-<file path=ppt/slides/slide7.xml><?xml version="1.0" encoding="utf-8"?>
+<file path=ppt/slides/slide6.xml><?xml version="1.0" encoding="utf-8"?>
 <p:sld xmlns:a="http://schemas.openxmlformats.org/drawingml/2006/main" xmlns:r="http://schemas.openxmlformats.org/officeDocument/2006/relationships" xmlns:p="http://schemas.openxmlformats.org/presentationml/2006/main">
   <p:cSld>
     <p:spTree>
@@ -14912,7 +13352,7 @@
 </p:sld>
 </file>
 
-<file path=ppt/slides/slide8.xml><?xml version="1.0" encoding="utf-8"?>
+<file path=ppt/slides/slide7.xml><?xml version="1.0" encoding="utf-8"?>
 <p:sld xmlns:a="http://schemas.openxmlformats.org/drawingml/2006/main" xmlns:r="http://schemas.openxmlformats.org/officeDocument/2006/relationships" xmlns:p="http://schemas.openxmlformats.org/presentationml/2006/main">
   <p:cSld>
     <p:spTree>
@@ -15308,7 +13748,7 @@
 </p:sld>
 </file>
 
-<file path=ppt/slides/slide9.xml><?xml version="1.0" encoding="utf-8"?>
+<file path=ppt/slides/slide8.xml><?xml version="1.0" encoding="utf-8"?>
 <p:sld xmlns:a="http://schemas.openxmlformats.org/drawingml/2006/main" xmlns:r="http://schemas.openxmlformats.org/officeDocument/2006/relationships" xmlns:p="http://schemas.openxmlformats.org/presentationml/2006/main">
   <p:cSld>
     <p:spTree>
@@ -15666,6 +14106,367 @@
                                           <p:spTgt spid="3">
                                             <p:txEl>
                                               <p:pRg st="5" end="5"/>
+                                            </p:txEl>
+                                          </p:spTgt>
+                                        </p:tgtEl>
+                                        <p:attrNameLst>
+                                          <p:attrName>style.visibility</p:attrName>
+                                        </p:attrNameLst>
+                                      </p:cBhvr>
+                                      <p:to>
+                                        <p:strVal val="visible"/>
+                                      </p:to>
+                                    </p:set>
+                                  </p:childTnLst>
+                                </p:cTn>
+                              </p:par>
+                            </p:childTnLst>
+                          </p:cTn>
+                        </p:par>
+                      </p:childTnLst>
+                    </p:cTn>
+                  </p:par>
+                </p:childTnLst>
+              </p:cTn>
+              <p:prevCondLst>
+                <p:cond evt="onPrev" delay="0">
+                  <p:tgtEl>
+                    <p:sldTgt/>
+                  </p:tgtEl>
+                </p:cond>
+              </p:prevCondLst>
+              <p:nextCondLst>
+                <p:cond evt="onNext" delay="0">
+                  <p:tgtEl>
+                    <p:sldTgt/>
+                  </p:tgtEl>
+                </p:cond>
+              </p:nextCondLst>
+            </p:seq>
+          </p:childTnLst>
+        </p:cTn>
+      </p:par>
+    </p:tnLst>
+  </p:timing>
+</p:sld>
+</file>
+
+<file path=ppt/slides/slide9.xml><?xml version="1.0" encoding="utf-8"?>
+<p:sld xmlns:a="http://schemas.openxmlformats.org/drawingml/2006/main" xmlns:r="http://schemas.openxmlformats.org/officeDocument/2006/relationships" xmlns:p="http://schemas.openxmlformats.org/presentationml/2006/main">
+  <p:cSld>
+    <p:spTree>
+      <p:nvGrpSpPr>
+        <p:cNvPr id="1" name=""/>
+        <p:cNvGrpSpPr/>
+        <p:nvPr/>
+      </p:nvGrpSpPr>
+      <p:grpSpPr>
+        <a:xfrm>
+          <a:off x="0" y="0"/>
+          <a:ext cx="0" cy="0"/>
+          <a:chOff x="0" y="0"/>
+          <a:chExt cx="0" cy="0"/>
+        </a:xfrm>
+      </p:grpSpPr>
+      <p:sp>
+        <p:nvSpPr>
+          <p:cNvPr id="2" name="Title 1">
+            <a:extLst>
+              <a:ext uri="{FF2B5EF4-FFF2-40B4-BE49-F238E27FC236}">
+                <a16:creationId xmlns:a16="http://schemas.microsoft.com/office/drawing/2014/main" id="{9035481F-A9A0-46D5-8981-541CB9E5DFAB}"/>
+              </a:ext>
+            </a:extLst>
+          </p:cNvPr>
+          <p:cNvSpPr>
+            <a:spLocks noGrp="1"/>
+          </p:cNvSpPr>
+          <p:nvPr>
+            <p:ph type="title"/>
+          </p:nvPr>
+        </p:nvSpPr>
+        <p:spPr>
+          <a:xfrm>
+            <a:off x="214313" y="157490"/>
+            <a:ext cx="7886700" cy="1325563"/>
+          </a:xfrm>
+        </p:spPr>
+        <p:txBody>
+          <a:bodyPr/>
+          <a:lstStyle/>
+          <a:p>
+            <a:r>
+              <a:rPr lang="en-US" b="1" dirty="0"/>
+              <a:t>Norms Measuring Meaning</a:t>
+            </a:r>
+          </a:p>
+        </p:txBody>
+      </p:sp>
+      <p:sp>
+        <p:nvSpPr>
+          <p:cNvPr id="3" name="Content Placeholder 2">
+            <a:extLst>
+              <a:ext uri="{FF2B5EF4-FFF2-40B4-BE49-F238E27FC236}">
+                <a16:creationId xmlns:a16="http://schemas.microsoft.com/office/drawing/2014/main" id="{DA555F30-6EA4-4842-A65B-37DDA9BFF014}"/>
+              </a:ext>
+            </a:extLst>
+          </p:cNvPr>
+          <p:cNvSpPr>
+            <a:spLocks noGrp="1"/>
+          </p:cNvSpPr>
+          <p:nvPr>
+            <p:ph idx="1"/>
+          </p:nvPr>
+        </p:nvSpPr>
+        <p:spPr>
+          <a:xfrm>
+            <a:off x="628650" y="1505475"/>
+            <a:ext cx="7886700" cy="4532253"/>
+          </a:xfrm>
+        </p:spPr>
+        <p:txBody>
+          <a:bodyPr>
+            <a:normAutofit fontScale="92500" lnSpcReduction="10000"/>
+          </a:bodyPr>
+          <a:lstStyle/>
+          <a:p>
+            <a:r>
+              <a:rPr lang="en-US" b="1" dirty="0">
+                <a:solidFill>
+                  <a:srgbClr val="0070C0"/>
+                </a:solidFill>
+              </a:rPr>
+              <a:t>Semantic Feature Production Norms </a:t>
+            </a:r>
+            <a:r>
+              <a:rPr lang="en-US" sz="2000" dirty="0"/>
+              <a:t>(Vinson &amp; </a:t>
+            </a:r>
+            <a:r>
+              <a:rPr lang="en-US" sz="2000" dirty="0" err="1"/>
+              <a:t>Vigliocco</a:t>
+            </a:r>
+            <a:r>
+              <a:rPr lang="en-US" sz="2000" dirty="0"/>
+              <a:t>, 2008; Buchanan, Valentine, &amp; Maxwell, 2019; McRea, Cree, </a:t>
+            </a:r>
+            <a:r>
+              <a:rPr lang="en-US" sz="2000" dirty="0" err="1"/>
+              <a:t>Siedenberg</a:t>
+            </a:r>
+            <a:r>
+              <a:rPr lang="en-US" sz="2000" dirty="0"/>
+              <a:t>, &amp; </a:t>
+            </a:r>
+            <a:r>
+              <a:rPr lang="en-US" sz="2000" dirty="0" err="1"/>
+              <a:t>Mcnorgan</a:t>
+            </a:r>
+            <a:r>
+              <a:rPr lang="en-US" sz="2000" dirty="0"/>
+              <a:t>, 2005)</a:t>
+            </a:r>
+          </a:p>
+          <a:p>
+            <a:endParaRPr lang="en-US" sz="2000" dirty="0"/>
+          </a:p>
+          <a:p>
+            <a:r>
+              <a:rPr lang="en-US" b="1" dirty="0">
+                <a:solidFill>
+                  <a:srgbClr val="0070C0"/>
+                </a:solidFill>
+              </a:rPr>
+              <a:t>Word Associations </a:t>
+            </a:r>
+            <a:r>
+              <a:rPr lang="en-US" sz="3600" dirty="0"/>
+              <a:t>(</a:t>
+            </a:r>
+            <a:r>
+              <a:rPr lang="en-US" dirty="0"/>
+              <a:t>USF Norms, Nelson, McEvoy, &amp; Schreiber, 2004; SWOW, De </a:t>
+            </a:r>
+            <a:r>
+              <a:rPr lang="en-US" dirty="0" err="1"/>
+              <a:t>Deyne</a:t>
+            </a:r>
+            <a:r>
+              <a:rPr lang="en-US" dirty="0"/>
+              <a:t> et al., 2019)</a:t>
+            </a:r>
+          </a:p>
+          <a:p>
+            <a:endParaRPr lang="en-US" dirty="0"/>
+          </a:p>
+          <a:p>
+            <a:r>
+              <a:rPr lang="en-US" b="1" dirty="0"/>
+              <a:t>What about Affordances???</a:t>
+            </a:r>
+          </a:p>
+          <a:p>
+            <a:pPr lvl="1"/>
+            <a:r>
+              <a:rPr lang="en-US" b="1" dirty="0">
+                <a:solidFill>
+                  <a:schemeClr val="accent1"/>
+                </a:solidFill>
+              </a:rPr>
+              <a:t>Body-object interaction norms </a:t>
+            </a:r>
+            <a:r>
+              <a:rPr lang="en-US" dirty="0"/>
+              <a:t>(BOI; </a:t>
+            </a:r>
+            <a:r>
+              <a:rPr lang="en-US" dirty="0" err="1"/>
+              <a:t>Pexman</a:t>
+            </a:r>
+            <a:r>
+              <a:rPr lang="en-US" dirty="0"/>
+              <a:t> et al. 2019)</a:t>
+            </a:r>
+          </a:p>
+          <a:p>
+            <a:pPr lvl="1"/>
+            <a:endParaRPr lang="en-US" dirty="0"/>
+          </a:p>
+          <a:p>
+            <a:pPr lvl="1"/>
+            <a:r>
+              <a:rPr lang="en-US" dirty="0"/>
+              <a:t>Likert scale ratings of how easily participants could interact with a given object</a:t>
+            </a:r>
+          </a:p>
+          <a:p>
+            <a:pPr lvl="1"/>
+            <a:endParaRPr lang="en-US" dirty="0"/>
+          </a:p>
+          <a:p>
+            <a:pPr lvl="1"/>
+            <a:endParaRPr lang="en-US" dirty="0"/>
+          </a:p>
+          <a:p>
+            <a:pPr lvl="1"/>
+            <a:endParaRPr lang="en-US" dirty="0"/>
+          </a:p>
+          <a:p>
+            <a:pPr marL="0" indent="0">
+              <a:buNone/>
+            </a:pPr>
+            <a:endParaRPr lang="en-US" dirty="0"/>
+          </a:p>
+        </p:txBody>
+      </p:sp>
+    </p:spTree>
+    <p:extLst>
+      <p:ext uri="{BB962C8B-B14F-4D97-AF65-F5344CB8AC3E}">
+        <p14:creationId xmlns:p14="http://schemas.microsoft.com/office/powerpoint/2010/main" val="120470736"/>
+      </p:ext>
+    </p:extLst>
+  </p:cSld>
+  <p:clrMapOvr>
+    <a:masterClrMapping/>
+  </p:clrMapOvr>
+  <p:timing>
+    <p:tnLst>
+      <p:par>
+        <p:cTn id="1" dur="indefinite" restart="never" nodeType="tmRoot">
+          <p:childTnLst>
+            <p:seq concurrent="1" nextAc="seek">
+              <p:cTn id="2" dur="indefinite" nodeType="mainSeq">
+                <p:childTnLst>
+                  <p:par>
+                    <p:cTn id="3" fill="hold">
+                      <p:stCondLst>
+                        <p:cond delay="indefinite"/>
+                      </p:stCondLst>
+                      <p:childTnLst>
+                        <p:par>
+                          <p:cTn id="4" fill="hold">
+                            <p:stCondLst>
+                              <p:cond delay="0"/>
+                            </p:stCondLst>
+                            <p:childTnLst>
+                              <p:par>
+                                <p:cTn id="5" presetID="1" presetClass="entr" presetSubtype="0" fill="hold" nodeType="clickEffect">
+                                  <p:stCondLst>
+                                    <p:cond delay="0"/>
+                                  </p:stCondLst>
+                                  <p:childTnLst>
+                                    <p:set>
+                                      <p:cBhvr>
+                                        <p:cTn id="6" dur="1" fill="hold">
+                                          <p:stCondLst>
+                                            <p:cond delay="0"/>
+                                          </p:stCondLst>
+                                        </p:cTn>
+                                        <p:tgtEl>
+                                          <p:spTgt spid="3">
+                                            <p:txEl>
+                                              <p:pRg st="4" end="4"/>
+                                            </p:txEl>
+                                          </p:spTgt>
+                                        </p:tgtEl>
+                                        <p:attrNameLst>
+                                          <p:attrName>style.visibility</p:attrName>
+                                        </p:attrNameLst>
+                                      </p:cBhvr>
+                                      <p:to>
+                                        <p:strVal val="visible"/>
+                                      </p:to>
+                                    </p:set>
+                                  </p:childTnLst>
+                                </p:cTn>
+                              </p:par>
+                              <p:par>
+                                <p:cTn id="7" presetID="1" presetClass="entr" presetSubtype="0" fill="hold" nodeType="withEffect">
+                                  <p:stCondLst>
+                                    <p:cond delay="0"/>
+                                  </p:stCondLst>
+                                  <p:childTnLst>
+                                    <p:set>
+                                      <p:cBhvr>
+                                        <p:cTn id="8" dur="1" fill="hold">
+                                          <p:stCondLst>
+                                            <p:cond delay="0"/>
+                                          </p:stCondLst>
+                                        </p:cTn>
+                                        <p:tgtEl>
+                                          <p:spTgt spid="3">
+                                            <p:txEl>
+                                              <p:pRg st="5" end="5"/>
+                                            </p:txEl>
+                                          </p:spTgt>
+                                        </p:tgtEl>
+                                        <p:attrNameLst>
+                                          <p:attrName>style.visibility</p:attrName>
+                                        </p:attrNameLst>
+                                      </p:cBhvr>
+                                      <p:to>
+                                        <p:strVal val="visible"/>
+                                      </p:to>
+                                    </p:set>
+                                  </p:childTnLst>
+                                </p:cTn>
+                              </p:par>
+                              <p:par>
+                                <p:cTn id="9" presetID="1" presetClass="entr" presetSubtype="0" fill="hold" nodeType="withEffect">
+                                  <p:stCondLst>
+                                    <p:cond delay="0"/>
+                                  </p:stCondLst>
+                                  <p:childTnLst>
+                                    <p:set>
+                                      <p:cBhvr>
+                                        <p:cTn id="10" dur="1" fill="hold">
+                                          <p:stCondLst>
+                                            <p:cond delay="0"/>
+                                          </p:stCondLst>
+                                        </p:cTn>
+                                        <p:tgtEl>
+                                          <p:spTgt spid="3">
+                                            <p:txEl>
+                                              <p:pRg st="7" end="7"/>
                                             </p:txEl>
                                           </p:spTgt>
                                         </p:tgtEl>
